--- a/Presentation2.pptx
+++ b/Presentation2.pptx
@@ -5,7 +5,7 @@
     <p:sldMasterId id="2147483660" r:id="rId1"/>
   </p:sldMasterIdLst>
   <p:notesMasterIdLst>
-    <p:notesMasterId r:id="rId14"/>
+    <p:notesMasterId r:id="rId15"/>
   </p:notesMasterIdLst>
   <p:sldIdLst>
     <p:sldId id="256" r:id="rId2"/>
@@ -15,11 +15,12 @@
     <p:sldId id="267" r:id="rId6"/>
     <p:sldId id="258" r:id="rId7"/>
     <p:sldId id="259" r:id="rId8"/>
-    <p:sldId id="260" r:id="rId9"/>
-    <p:sldId id="268" r:id="rId10"/>
-    <p:sldId id="261" r:id="rId11"/>
-    <p:sldId id="262" r:id="rId12"/>
-    <p:sldId id="264" r:id="rId13"/>
+    <p:sldId id="269" r:id="rId9"/>
+    <p:sldId id="260" r:id="rId10"/>
+    <p:sldId id="268" r:id="rId11"/>
+    <p:sldId id="261" r:id="rId12"/>
+    <p:sldId id="262" r:id="rId13"/>
+    <p:sldId id="264" r:id="rId14"/>
   </p:sldIdLst>
   <p:sldSz cx="12192000" cy="6858000"/>
   <p:notesSz cx="6858000" cy="9144000"/>
@@ -208,7 +209,7 @@
           <a:p>
             <a:fld id="{19CEC02D-F489-4561-AC2E-619BF15A702F}" type="datetimeFigureOut">
               <a:rPr lang="fr-FR" smtClean="0"/>
-              <a:t>09/02/2017</a:t>
+              <a:t>10/02/2017</a:t>
             </a:fld>
             <a:endParaRPr lang="fr-FR"/>
           </a:p>
@@ -303,7 +304,6 @@
               <a:rPr lang="fr-FR"/>
               <a:t>Cinquième niveau</a:t>
             </a:r>
-            <a:endParaRPr lang="fr-FR"/>
           </a:p>
         </p:txBody>
       </p:sp>
@@ -978,7 +978,7 @@
           <a:p>
             <a:fld id="{C25497FB-5989-4A7C-83C2-EF54AE6C5EDE}" type="datetime1">
               <a:rPr lang="en-US" smtClean="0"/>
-              <a:t>2/9/2017</a:t>
+              <a:t>2/10/2017</a:t>
             </a:fld>
             <a:endParaRPr lang="en-US" dirty="0"/>
           </a:p>
@@ -1274,7 +1274,7 @@
           <a:p>
             <a:fld id="{723365F6-96B9-409F-90D2-26544B7ECC75}" type="datetime1">
               <a:rPr lang="en-US" smtClean="0"/>
-              <a:t>2/9/2017</a:t>
+              <a:t>2/10/2017</a:t>
             </a:fld>
             <a:endParaRPr lang="en-US" dirty="0"/>
           </a:p>
@@ -1523,7 +1523,7 @@
           <a:p>
             <a:fld id="{142540B8-0235-4FF0-A60D-14F66BF40B27}" type="datetime1">
               <a:rPr lang="en-US" smtClean="0"/>
-              <a:t>2/9/2017</a:t>
+              <a:t>2/10/2017</a:t>
             </a:fld>
             <a:endParaRPr lang="en-US" dirty="0"/>
           </a:p>
@@ -2064,7 +2064,7 @@
           <a:p>
             <a:fld id="{0084C9BA-782D-425E-B44D-7AF7C537527D}" type="datetime1">
               <a:rPr lang="en-US" smtClean="0"/>
-              <a:t>2/9/2017</a:t>
+              <a:t>2/10/2017</a:t>
             </a:fld>
             <a:endParaRPr lang="en-US" dirty="0"/>
           </a:p>
@@ -2313,7 +2313,7 @@
           <a:p>
             <a:fld id="{6935D5A4-EFC6-4771-B6EA-FE637EE13331}" type="datetime1">
               <a:rPr lang="en-US" smtClean="0"/>
-              <a:t>2/9/2017</a:t>
+              <a:t>2/10/2017</a:t>
             </a:fld>
             <a:endParaRPr lang="en-US" dirty="0"/>
           </a:p>
@@ -2846,7 +2846,7 @@
           <a:p>
             <a:fld id="{A4DC0AF0-321B-46EA-A489-635BF5B476F1}" type="datetime1">
               <a:rPr lang="en-US" smtClean="0"/>
-              <a:t>2/9/2017</a:t>
+              <a:t>2/10/2017</a:t>
             </a:fld>
             <a:endParaRPr lang="en-US" dirty="0"/>
           </a:p>
@@ -3144,7 +3144,7 @@
           <a:p>
             <a:fld id="{2303D045-5ABC-4F90-9F92-46A06CF210EB}" type="datetime1">
               <a:rPr lang="en-US" smtClean="0"/>
-              <a:t>2/9/2017</a:t>
+              <a:t>2/10/2017</a:t>
             </a:fld>
             <a:endParaRPr lang="en-US" dirty="0"/>
           </a:p>
@@ -3319,7 +3319,7 @@
           <a:p>
             <a:fld id="{93EE50ED-F18D-4223-BB70-1484CEEE00BB}" type="datetime1">
               <a:rPr lang="en-US" smtClean="0"/>
-              <a:t>2/9/2017</a:t>
+              <a:t>2/10/2017</a:t>
             </a:fld>
             <a:endParaRPr lang="en-US" dirty="0"/>
           </a:p>
@@ -3499,7 +3499,7 @@
           <a:p>
             <a:fld id="{95EA35EA-17D6-4116-8BD9-235712000DC4}" type="datetime1">
               <a:rPr lang="en-US" smtClean="0"/>
-              <a:t>2/9/2017</a:t>
+              <a:t>2/10/2017</a:t>
             </a:fld>
             <a:endParaRPr lang="en-US" dirty="0"/>
           </a:p>
@@ -3669,7 +3669,7 @@
           <a:p>
             <a:fld id="{C6C32A19-7947-40E9-AC56-F75926964EBF}" type="datetime1">
               <a:rPr lang="en-US" smtClean="0"/>
-              <a:t>2/9/2017</a:t>
+              <a:t>2/10/2017</a:t>
             </a:fld>
             <a:endParaRPr lang="en-US" dirty="0"/>
           </a:p>
@@ -3920,7 +3920,7 @@
           <a:p>
             <a:fld id="{FBCFC35B-1657-4633-A934-DAD98A80C1B2}" type="datetime1">
               <a:rPr lang="en-US" smtClean="0"/>
-              <a:t>2/9/2017</a:t>
+              <a:t>2/10/2017</a:t>
             </a:fld>
             <a:endParaRPr lang="en-US" dirty="0"/>
           </a:p>
@@ -4218,7 +4218,7 @@
           <a:p>
             <a:fld id="{21979FF6-9929-4C04-9E94-5537A66B49FE}" type="datetime1">
               <a:rPr lang="en-US" smtClean="0"/>
-              <a:t>2/9/2017</a:t>
+              <a:t>2/10/2017</a:t>
             </a:fld>
             <a:endParaRPr lang="en-US" dirty="0"/>
           </a:p>
@@ -4660,7 +4660,7 @@
           <a:p>
             <a:fld id="{22081688-45FB-429F-B789-8DCF94E66715}" type="datetime1">
               <a:rPr lang="en-US" smtClean="0"/>
-              <a:t>2/9/2017</a:t>
+              <a:t>2/10/2017</a:t>
             </a:fld>
             <a:endParaRPr lang="en-US" dirty="0"/>
           </a:p>
@@ -4778,7 +4778,7 @@
           <a:p>
             <a:fld id="{0A32792E-AA79-4374-B2FC-D76318A8BDD9}" type="datetime1">
               <a:rPr lang="en-US" smtClean="0"/>
-              <a:t>2/9/2017</a:t>
+              <a:t>2/10/2017</a:t>
             </a:fld>
             <a:endParaRPr lang="en-US" dirty="0"/>
           </a:p>
@@ -4873,7 +4873,7 @@
           <a:p>
             <a:fld id="{A86A89BF-FBC7-424F-8C85-568E4D61C0EC}" type="datetime1">
               <a:rPr lang="en-US" smtClean="0"/>
-              <a:t>2/9/2017</a:t>
+              <a:t>2/10/2017</a:t>
             </a:fld>
             <a:endParaRPr lang="en-US" dirty="0"/>
           </a:p>
@@ -5156,7 +5156,7 @@
           <a:p>
             <a:fld id="{D0DDCAD7-29F6-40AF-927B-0B2280560C46}" type="datetime1">
               <a:rPr lang="en-US" smtClean="0"/>
-              <a:t>2/9/2017</a:t>
+              <a:t>2/10/2017</a:t>
             </a:fld>
             <a:endParaRPr lang="en-US" dirty="0"/>
           </a:p>
@@ -5447,7 +5447,7 @@
           <a:p>
             <a:fld id="{7FAB9797-CC2E-4D6F-B7F5-604FCFC691E1}" type="datetime1">
               <a:rPr lang="en-US" smtClean="0"/>
-              <a:t>2/9/2017</a:t>
+              <a:t>2/10/2017</a:t>
             </a:fld>
             <a:endParaRPr lang="en-US" dirty="0"/>
           </a:p>
@@ -5977,7 +5977,7 @@
           <a:p>
             <a:fld id="{787F6A5F-F299-4011-8B94-C446AE957697}" type="datetime1">
               <a:rPr lang="en-US" smtClean="0"/>
-              <a:t>2/9/2017</a:t>
+              <a:t>2/10/2017</a:t>
             </a:fld>
             <a:endParaRPr lang="en-US" dirty="0"/>
           </a:p>
@@ -6662,7 +6662,7 @@
         </p:nvSpPr>
         <p:spPr>
           <a:xfrm>
-            <a:off x="1378294" y="-347869"/>
+            <a:off x="231505" y="-386929"/>
             <a:ext cx="10018713" cy="1752599"/>
           </a:xfrm>
         </p:spPr>
@@ -6675,73 +6675,22 @@
                 <a:latin typeface="Times New Roman" panose="02020603050405020304" pitchFamily="18" charset="0"/>
                 <a:cs typeface="Times New Roman" panose="02020603050405020304" pitchFamily="18" charset="0"/>
               </a:rPr>
-              <a:t>Clonage et mise en place des machines</a:t>
-            </a:r>
-          </a:p>
-        </p:txBody>
-      </p:sp>
-      <p:sp>
-        <p:nvSpPr>
-          <p:cNvPr id="3" name="Espace réservé du contenu 2"/>
+              <a:t>Placement des équipements Wi- Fi</a:t>
+            </a:r>
+          </a:p>
+        </p:txBody>
+      </p:sp>
+      <p:sp>
+        <p:nvSpPr>
+          <p:cNvPr id="4" name="Espace réservé du numéro de diapositive 3"/>
           <p:cNvSpPr>
             <a:spLocks noGrp="1"/>
           </p:cNvSpPr>
           <p:nvPr>
-            <p:ph idx="1"/>
+            <p:ph type="sldNum" sz="quarter" idx="12"/>
           </p:nvPr>
         </p:nvSpPr>
         <p:spPr/>
-        <p:txBody>
-          <a:bodyPr/>
-          <a:lstStyle/>
-          <a:p>
-            <a:r>
-              <a:rPr lang="fr-FR" dirty="0"/>
-              <a:t>Back up des systèmes,</a:t>
-            </a:r>
-          </a:p>
-          <a:p>
-            <a:r>
-              <a:rPr lang="fr-FR" dirty="0"/>
-              <a:t>Le temps d’installation (créer une image et cloner)</a:t>
-            </a:r>
-          </a:p>
-          <a:p>
-            <a:endParaRPr lang="fr-FR" dirty="0"/>
-          </a:p>
-          <a:p>
-            <a:r>
-              <a:rPr lang="fr-FR" dirty="0"/>
-              <a:t>Logiciel pour faire le clonage</a:t>
-            </a:r>
-          </a:p>
-          <a:p>
-            <a:endParaRPr lang="fr-FR" dirty="0"/>
-          </a:p>
-          <a:p>
-            <a:endParaRPr lang="fr-FR" dirty="0"/>
-          </a:p>
-          <a:p>
-            <a:endParaRPr lang="fr-FR" dirty="0"/>
-          </a:p>
-        </p:txBody>
-      </p:sp>
-      <p:sp>
-        <p:nvSpPr>
-          <p:cNvPr id="5" name="Espace réservé du numéro de diapositive 3"/>
-          <p:cNvSpPr>
-            <a:spLocks noGrp="1"/>
-          </p:cNvSpPr>
-          <p:nvPr>
-            <p:ph type="sldNum" sz="quarter" idx="12"/>
-          </p:nvPr>
-        </p:nvSpPr>
-        <p:spPr>
-          <a:xfrm>
-            <a:off x="10951856" y="5883275"/>
-            <a:ext cx="551167" cy="365125"/>
-          </a:xfrm>
-        </p:spPr>
         <p:txBody>
           <a:bodyPr/>
           <a:lstStyle/>
@@ -6752,2165 +6701,6 @@
                 <a:cs typeface="Times New Roman" panose="02020603050405020304" pitchFamily="18" charset="0"/>
               </a:rPr>
               <a:t>10</a:t>
-            </a:fld>
-            <a:endParaRPr lang="en-US" sz="2000" dirty="0">
-              <a:latin typeface="Times New Roman" panose="02020603050405020304" pitchFamily="18" charset="0"/>
-              <a:cs typeface="Times New Roman" panose="02020603050405020304" pitchFamily="18" charset="0"/>
-            </a:endParaRPr>
-          </a:p>
-        </p:txBody>
-      </p:sp>
-    </p:spTree>
-    <p:extLst>
-      <p:ext uri="{BB962C8B-B14F-4D97-AF65-F5344CB8AC3E}">
-        <p14:creationId xmlns:p14="http://schemas.microsoft.com/office/powerpoint/2010/main" val="2210863832"/>
-      </p:ext>
-    </p:extLst>
-  </p:cSld>
-  <p:clrMapOvr>
-    <a:masterClrMapping/>
-  </p:clrMapOvr>
-</p:sld>
-</file>
-
-<file path=ppt/slides/slide11.xml><?xml version="1.0" encoding="utf-8"?>
-<p:sld xmlns:a="http://schemas.openxmlformats.org/drawingml/2006/main" xmlns:r="http://schemas.openxmlformats.org/officeDocument/2006/relationships" xmlns:p="http://schemas.openxmlformats.org/presentationml/2006/main">
-  <p:cSld>
-    <p:spTree>
-      <p:nvGrpSpPr>
-        <p:cNvPr id="1" name=""/>
-        <p:cNvGrpSpPr/>
-        <p:nvPr/>
-      </p:nvGrpSpPr>
-      <p:grpSpPr>
-        <a:xfrm>
-          <a:off x="0" y="0"/>
-          <a:ext cx="0" cy="0"/>
-          <a:chOff x="0" y="0"/>
-          <a:chExt cx="0" cy="0"/>
-        </a:xfrm>
-      </p:grpSpPr>
-      <p:sp>
-        <p:nvSpPr>
-          <p:cNvPr id="2" name="Titre 1"/>
-          <p:cNvSpPr>
-            <a:spLocks noGrp="1"/>
-          </p:cNvSpPr>
-          <p:nvPr>
-            <p:ph type="title"/>
-          </p:nvPr>
-        </p:nvSpPr>
-        <p:spPr>
-          <a:xfrm>
-            <a:off x="1073493" y="-308113"/>
-            <a:ext cx="10018713" cy="1752599"/>
-          </a:xfrm>
-        </p:spPr>
-        <p:txBody>
-          <a:bodyPr/>
-          <a:lstStyle/>
-          <a:p>
-            <a:r>
-              <a:rPr lang="fr-FR" dirty="0">
-                <a:latin typeface="Times New Roman" panose="02020603050405020304" pitchFamily="18" charset="0"/>
-                <a:cs typeface="Times New Roman" panose="02020603050405020304" pitchFamily="18" charset="0"/>
-              </a:rPr>
-              <a:t>Devis</a:t>
-            </a:r>
-          </a:p>
-        </p:txBody>
-      </p:sp>
-      <p:sp>
-        <p:nvSpPr>
-          <p:cNvPr id="3" name="Espace réservé du contenu 2"/>
-          <p:cNvSpPr>
-            <a:spLocks noGrp="1"/>
-          </p:cNvSpPr>
-          <p:nvPr>
-            <p:ph idx="1"/>
-          </p:nvPr>
-        </p:nvSpPr>
-        <p:spPr/>
-        <p:txBody>
-          <a:bodyPr/>
-          <a:lstStyle/>
-          <a:p>
-            <a:r>
-              <a:rPr lang="fr-FR" dirty="0"/>
-              <a:t>Prix + temps de mise en place</a:t>
-            </a:r>
-          </a:p>
-        </p:txBody>
-      </p:sp>
-      <p:sp>
-        <p:nvSpPr>
-          <p:cNvPr id="5" name="Espace réservé du numéro de diapositive 3"/>
-          <p:cNvSpPr>
-            <a:spLocks noGrp="1"/>
-          </p:cNvSpPr>
-          <p:nvPr>
-            <p:ph type="sldNum" sz="quarter" idx="12"/>
-          </p:nvPr>
-        </p:nvSpPr>
-        <p:spPr>
-          <a:xfrm>
-            <a:off x="10951856" y="5883275"/>
-            <a:ext cx="551167" cy="365125"/>
-          </a:xfrm>
-        </p:spPr>
-        <p:txBody>
-          <a:bodyPr/>
-          <a:lstStyle/>
-          <a:p>
-            <a:fld id="{4FAB73BC-B049-4115-A692-8D63A059BFB8}" type="slidenum">
-              <a:rPr lang="en-US" sz="2000" smtClean="0">
-                <a:latin typeface="Times New Roman" panose="02020603050405020304" pitchFamily="18" charset="0"/>
-                <a:cs typeface="Times New Roman" panose="02020603050405020304" pitchFamily="18" charset="0"/>
-              </a:rPr>
-              <a:t>11</a:t>
-            </a:fld>
-            <a:endParaRPr lang="en-US" sz="2000" dirty="0">
-              <a:latin typeface="Times New Roman" panose="02020603050405020304" pitchFamily="18" charset="0"/>
-              <a:cs typeface="Times New Roman" panose="02020603050405020304" pitchFamily="18" charset="0"/>
-            </a:endParaRPr>
-          </a:p>
-        </p:txBody>
-      </p:sp>
-    </p:spTree>
-    <p:extLst>
-      <p:ext uri="{BB962C8B-B14F-4D97-AF65-F5344CB8AC3E}">
-        <p14:creationId xmlns:p14="http://schemas.microsoft.com/office/powerpoint/2010/main" val="230102873"/>
-      </p:ext>
-    </p:extLst>
-  </p:cSld>
-  <p:clrMapOvr>
-    <a:masterClrMapping/>
-  </p:clrMapOvr>
-</p:sld>
-</file>
-
-<file path=ppt/slides/slide12.xml><?xml version="1.0" encoding="utf-8"?>
-<p:sld xmlns:a="http://schemas.openxmlformats.org/drawingml/2006/main" xmlns:r="http://schemas.openxmlformats.org/officeDocument/2006/relationships" xmlns:p="http://schemas.openxmlformats.org/presentationml/2006/main">
-  <p:cSld>
-    <p:spTree>
-      <p:nvGrpSpPr>
-        <p:cNvPr id="1" name=""/>
-        <p:cNvGrpSpPr/>
-        <p:nvPr/>
-      </p:nvGrpSpPr>
-      <p:grpSpPr>
-        <a:xfrm>
-          <a:off x="0" y="0"/>
-          <a:ext cx="0" cy="0"/>
-          <a:chOff x="0" y="0"/>
-          <a:chExt cx="0" cy="0"/>
-        </a:xfrm>
-      </p:grpSpPr>
-      <p:sp>
-        <p:nvSpPr>
-          <p:cNvPr id="2" name="Titre 1"/>
-          <p:cNvSpPr>
-            <a:spLocks noGrp="1"/>
-          </p:cNvSpPr>
-          <p:nvPr>
-            <p:ph type="title"/>
-          </p:nvPr>
-        </p:nvSpPr>
-        <p:spPr>
-          <a:xfrm>
-            <a:off x="1484310" y="-374374"/>
-            <a:ext cx="10018713" cy="1752599"/>
-          </a:xfrm>
-        </p:spPr>
-        <p:txBody>
-          <a:bodyPr/>
-          <a:lstStyle/>
-          <a:p>
-            <a:r>
-              <a:rPr lang="fr-FR" dirty="0">
-                <a:latin typeface="Times New Roman" panose="02020603050405020304" pitchFamily="18" charset="0"/>
-                <a:cs typeface="Times New Roman" panose="02020603050405020304" pitchFamily="18" charset="0"/>
-              </a:rPr>
-              <a:t>Conclusion</a:t>
-            </a:r>
-          </a:p>
-        </p:txBody>
-      </p:sp>
-      <p:sp>
-        <p:nvSpPr>
-          <p:cNvPr id="3" name="Espace réservé du contenu 2"/>
-          <p:cNvSpPr>
-            <a:spLocks noGrp="1"/>
-          </p:cNvSpPr>
-          <p:nvPr>
-            <p:ph idx="1"/>
-          </p:nvPr>
-        </p:nvSpPr>
-        <p:spPr/>
-        <p:txBody>
-          <a:bodyPr/>
-          <a:lstStyle/>
-          <a:p>
-            <a:r>
-              <a:rPr lang="fr-FR" dirty="0"/>
-              <a:t>Planning + validation des étapes par un intervenant (ex </a:t>
-            </a:r>
-            <a:r>
-              <a:rPr lang="fr-FR" dirty="0" err="1"/>
-              <a:t>electricien</a:t>
-            </a:r>
-            <a:r>
-              <a:rPr lang="fr-FR" dirty="0"/>
-              <a:t>)</a:t>
-            </a:r>
-          </a:p>
-          <a:p>
-            <a:endParaRPr lang="fr-FR" dirty="0"/>
-          </a:p>
-          <a:p>
-            <a:r>
-              <a:rPr lang="fr-FR" dirty="0"/>
-              <a:t>Temps d’installation </a:t>
-            </a:r>
-          </a:p>
-        </p:txBody>
-      </p:sp>
-      <p:sp>
-        <p:nvSpPr>
-          <p:cNvPr id="5" name="Espace réservé du numéro de diapositive 3"/>
-          <p:cNvSpPr>
-            <a:spLocks noGrp="1"/>
-          </p:cNvSpPr>
-          <p:nvPr>
-            <p:ph type="sldNum" sz="quarter" idx="12"/>
-          </p:nvPr>
-        </p:nvSpPr>
-        <p:spPr>
-          <a:xfrm>
-            <a:off x="10951856" y="5883275"/>
-            <a:ext cx="551167" cy="365125"/>
-          </a:xfrm>
-        </p:spPr>
-        <p:txBody>
-          <a:bodyPr/>
-          <a:lstStyle/>
-          <a:p>
-            <a:fld id="{4FAB73BC-B049-4115-A692-8D63A059BFB8}" type="slidenum">
-              <a:rPr lang="en-US" sz="2000" smtClean="0">
-                <a:latin typeface="Times New Roman" panose="02020603050405020304" pitchFamily="18" charset="0"/>
-                <a:cs typeface="Times New Roman" panose="02020603050405020304" pitchFamily="18" charset="0"/>
-              </a:rPr>
-              <a:t>12</a:t>
-            </a:fld>
-            <a:endParaRPr lang="en-US" sz="2000" dirty="0">
-              <a:latin typeface="Times New Roman" panose="02020603050405020304" pitchFamily="18" charset="0"/>
-              <a:cs typeface="Times New Roman" panose="02020603050405020304" pitchFamily="18" charset="0"/>
-            </a:endParaRPr>
-          </a:p>
-        </p:txBody>
-      </p:sp>
-    </p:spTree>
-    <p:extLst>
-      <p:ext uri="{BB962C8B-B14F-4D97-AF65-F5344CB8AC3E}">
-        <p14:creationId xmlns:p14="http://schemas.microsoft.com/office/powerpoint/2010/main" val="1990493570"/>
-      </p:ext>
-    </p:extLst>
-  </p:cSld>
-  <p:clrMapOvr>
-    <a:masterClrMapping/>
-  </p:clrMapOvr>
-</p:sld>
-</file>
-
-<file path=ppt/slides/slide2.xml><?xml version="1.0" encoding="utf-8"?>
-<p:sld xmlns:a="http://schemas.openxmlformats.org/drawingml/2006/main" xmlns:r="http://schemas.openxmlformats.org/officeDocument/2006/relationships" xmlns:p="http://schemas.openxmlformats.org/presentationml/2006/main">
-  <p:cSld>
-    <p:spTree>
-      <p:nvGrpSpPr>
-        <p:cNvPr id="1" name=""/>
-        <p:cNvGrpSpPr/>
-        <p:nvPr/>
-      </p:nvGrpSpPr>
-      <p:grpSpPr>
-        <a:xfrm>
-          <a:off x="0" y="0"/>
-          <a:ext cx="0" cy="0"/>
-          <a:chOff x="0" y="0"/>
-          <a:chExt cx="0" cy="0"/>
-        </a:xfrm>
-      </p:grpSpPr>
-      <p:sp>
-        <p:nvSpPr>
-          <p:cNvPr id="2" name="Titre 1"/>
-          <p:cNvSpPr>
-            <a:spLocks noGrp="1"/>
-          </p:cNvSpPr>
-          <p:nvPr>
-            <p:ph type="title"/>
-          </p:nvPr>
-        </p:nvSpPr>
-        <p:spPr>
-          <a:xfrm>
-            <a:off x="1081628" y="-520148"/>
-            <a:ext cx="10018713" cy="1752599"/>
-          </a:xfrm>
-        </p:spPr>
-        <p:txBody>
-          <a:bodyPr/>
-          <a:lstStyle/>
-          <a:p>
-            <a:r>
-              <a:rPr lang="fr-FR" dirty="0">
-                <a:latin typeface="Times New Roman" panose="02020603050405020304" pitchFamily="18" charset="0"/>
-                <a:cs typeface="Times New Roman" panose="02020603050405020304" pitchFamily="18" charset="0"/>
-              </a:rPr>
-              <a:t>Contexte</a:t>
-            </a:r>
-          </a:p>
-        </p:txBody>
-      </p:sp>
-      <p:sp>
-        <p:nvSpPr>
-          <p:cNvPr id="5" name="Espace réservé du numéro de diapositive 3"/>
-          <p:cNvSpPr txBox="1">
-            <a:spLocks/>
-          </p:cNvSpPr>
-          <p:nvPr/>
-        </p:nvSpPr>
-        <p:spPr>
-          <a:xfrm>
-            <a:off x="11100341" y="6019800"/>
-            <a:ext cx="551167" cy="365125"/>
-          </a:xfrm>
-          <a:prstGeom prst="rect">
-            <a:avLst/>
-          </a:prstGeom>
-        </p:spPr>
-        <p:txBody>
-          <a:bodyPr vert="horz" lIns="91440" tIns="45720" rIns="91440" bIns="45720" rtlCol="0" anchor="ctr"/>
-          <a:lstStyle>
-            <a:defPPr>
-              <a:defRPr lang="en-US"/>
-            </a:defPPr>
-            <a:lvl1pPr marL="0" algn="r" defTabSz="457200" rtl="0" eaLnBrk="1" latinLnBrk="0" hangingPunct="1">
-              <a:defRPr sz="1000" b="0" i="0" kern="1200">
-                <a:solidFill>
-                  <a:schemeClr val="tx1"/>
-                </a:solidFill>
-                <a:effectLst/>
-                <a:latin typeface="+mn-lt"/>
-                <a:ea typeface="+mn-ea"/>
-                <a:cs typeface="+mn-cs"/>
-              </a:defRPr>
-            </a:lvl1pPr>
-            <a:lvl2pPr marL="457200" algn="l" defTabSz="457200" rtl="0" eaLnBrk="1" latinLnBrk="0" hangingPunct="1">
-              <a:defRPr sz="1800" kern="1200">
-                <a:solidFill>
-                  <a:schemeClr val="tx1"/>
-                </a:solidFill>
-                <a:latin typeface="+mn-lt"/>
-                <a:ea typeface="+mn-ea"/>
-                <a:cs typeface="+mn-cs"/>
-              </a:defRPr>
-            </a:lvl2pPr>
-            <a:lvl3pPr marL="914400" algn="l" defTabSz="457200" rtl="0" eaLnBrk="1" latinLnBrk="0" hangingPunct="1">
-              <a:defRPr sz="1800" kern="1200">
-                <a:solidFill>
-                  <a:schemeClr val="tx1"/>
-                </a:solidFill>
-                <a:latin typeface="+mn-lt"/>
-                <a:ea typeface="+mn-ea"/>
-                <a:cs typeface="+mn-cs"/>
-              </a:defRPr>
-            </a:lvl3pPr>
-            <a:lvl4pPr marL="1371600" algn="l" defTabSz="457200" rtl="0" eaLnBrk="1" latinLnBrk="0" hangingPunct="1">
-              <a:defRPr sz="1800" kern="1200">
-                <a:solidFill>
-                  <a:schemeClr val="tx1"/>
-                </a:solidFill>
-                <a:latin typeface="+mn-lt"/>
-                <a:ea typeface="+mn-ea"/>
-                <a:cs typeface="+mn-cs"/>
-              </a:defRPr>
-            </a:lvl4pPr>
-            <a:lvl5pPr marL="1828800" algn="l" defTabSz="457200" rtl="0" eaLnBrk="1" latinLnBrk="0" hangingPunct="1">
-              <a:defRPr sz="1800" kern="1200">
-                <a:solidFill>
-                  <a:schemeClr val="tx1"/>
-                </a:solidFill>
-                <a:latin typeface="+mn-lt"/>
-                <a:ea typeface="+mn-ea"/>
-                <a:cs typeface="+mn-cs"/>
-              </a:defRPr>
-            </a:lvl5pPr>
-            <a:lvl6pPr marL="2286000" algn="l" defTabSz="457200" rtl="0" eaLnBrk="1" latinLnBrk="0" hangingPunct="1">
-              <a:defRPr sz="1800" kern="1200">
-                <a:solidFill>
-                  <a:schemeClr val="tx1"/>
-                </a:solidFill>
-                <a:latin typeface="+mn-lt"/>
-                <a:ea typeface="+mn-ea"/>
-                <a:cs typeface="+mn-cs"/>
-              </a:defRPr>
-            </a:lvl6pPr>
-            <a:lvl7pPr marL="2743200" algn="l" defTabSz="457200" rtl="0" eaLnBrk="1" latinLnBrk="0" hangingPunct="1">
-              <a:defRPr sz="1800" kern="1200">
-                <a:solidFill>
-                  <a:schemeClr val="tx1"/>
-                </a:solidFill>
-                <a:latin typeface="+mn-lt"/>
-                <a:ea typeface="+mn-ea"/>
-                <a:cs typeface="+mn-cs"/>
-              </a:defRPr>
-            </a:lvl7pPr>
-            <a:lvl8pPr marL="3200400" algn="l" defTabSz="457200" rtl="0" eaLnBrk="1" latinLnBrk="0" hangingPunct="1">
-              <a:defRPr sz="1800" kern="1200">
-                <a:solidFill>
-                  <a:schemeClr val="tx1"/>
-                </a:solidFill>
-                <a:latin typeface="+mn-lt"/>
-                <a:ea typeface="+mn-ea"/>
-                <a:cs typeface="+mn-cs"/>
-              </a:defRPr>
-            </a:lvl8pPr>
-            <a:lvl9pPr marL="3657600" algn="l" defTabSz="457200" rtl="0" eaLnBrk="1" latinLnBrk="0" hangingPunct="1">
-              <a:defRPr sz="1800" kern="1200">
-                <a:solidFill>
-                  <a:schemeClr val="tx1"/>
-                </a:solidFill>
-                <a:latin typeface="+mn-lt"/>
-                <a:ea typeface="+mn-ea"/>
-                <a:cs typeface="+mn-cs"/>
-              </a:defRPr>
-            </a:lvl9pPr>
-          </a:lstStyle>
-          <a:p>
-            <a:fld id="{4FAB73BC-B049-4115-A692-8D63A059BFB8}" type="slidenum">
-              <a:rPr lang="en-US" sz="2000" smtClean="0">
-                <a:latin typeface="Times New Roman" panose="02020603050405020304" pitchFamily="18" charset="0"/>
-                <a:cs typeface="Times New Roman" panose="02020603050405020304" pitchFamily="18" charset="0"/>
-              </a:rPr>
-              <a:pPr/>
-              <a:t>2</a:t>
-            </a:fld>
-            <a:endParaRPr lang="en-US" sz="2000" dirty="0">
-              <a:latin typeface="Times New Roman" panose="02020603050405020304" pitchFamily="18" charset="0"/>
-              <a:cs typeface="Times New Roman" panose="02020603050405020304" pitchFamily="18" charset="0"/>
-            </a:endParaRPr>
-          </a:p>
-        </p:txBody>
-      </p:sp>
-      <p:pic>
-        <p:nvPicPr>
-          <p:cNvPr id="8" name="Image 7"/>
-          <p:cNvPicPr>
-            <a:picLocks noChangeAspect="1"/>
-          </p:cNvPicPr>
-          <p:nvPr/>
-        </p:nvPicPr>
-        <p:blipFill>
-          <a:blip r:embed="rId2"/>
-          <a:stretch>
-            <a:fillRect/>
-          </a:stretch>
-        </p:blipFill>
-        <p:spPr>
-          <a:xfrm>
-            <a:off x="2379179" y="1076407"/>
-            <a:ext cx="7665969" cy="4933453"/>
-          </a:xfrm>
-          <a:prstGeom prst="rect">
-            <a:avLst/>
-          </a:prstGeom>
-        </p:spPr>
-      </p:pic>
-    </p:spTree>
-    <p:extLst>
-      <p:ext uri="{BB962C8B-B14F-4D97-AF65-F5344CB8AC3E}">
-        <p14:creationId xmlns:p14="http://schemas.microsoft.com/office/powerpoint/2010/main" val="4042195101"/>
-      </p:ext>
-    </p:extLst>
-  </p:cSld>
-  <p:clrMapOvr>
-    <a:masterClrMapping/>
-  </p:clrMapOvr>
-</p:sld>
-</file>
-
-<file path=ppt/slides/slide3.xml><?xml version="1.0" encoding="utf-8"?>
-<p:sld xmlns:a="http://schemas.openxmlformats.org/drawingml/2006/main" xmlns:r="http://schemas.openxmlformats.org/officeDocument/2006/relationships" xmlns:p="http://schemas.openxmlformats.org/presentationml/2006/main">
-  <p:cSld>
-    <p:spTree>
-      <p:nvGrpSpPr>
-        <p:cNvPr id="1" name=""/>
-        <p:cNvGrpSpPr/>
-        <p:nvPr/>
-      </p:nvGrpSpPr>
-      <p:grpSpPr>
-        <a:xfrm>
-          <a:off x="0" y="0"/>
-          <a:ext cx="0" cy="0"/>
-          <a:chOff x="0" y="0"/>
-          <a:chExt cx="0" cy="0"/>
-        </a:xfrm>
-      </p:grpSpPr>
-      <p:sp>
-        <p:nvSpPr>
-          <p:cNvPr id="2" name="Titre 1"/>
-          <p:cNvSpPr>
-            <a:spLocks noGrp="1"/>
-          </p:cNvSpPr>
-          <p:nvPr>
-            <p:ph type="title"/>
-          </p:nvPr>
-        </p:nvSpPr>
-        <p:spPr>
-          <a:xfrm>
-            <a:off x="1208726" y="-188843"/>
-            <a:ext cx="10018713" cy="1752599"/>
-          </a:xfrm>
-        </p:spPr>
-        <p:txBody>
-          <a:bodyPr/>
-          <a:lstStyle/>
-          <a:p>
-            <a:r>
-              <a:rPr lang="fr-FR" dirty="0">
-                <a:latin typeface="Times New Roman" panose="02020603050405020304" pitchFamily="18" charset="0"/>
-                <a:cs typeface="Times New Roman" panose="02020603050405020304" pitchFamily="18" charset="0"/>
-              </a:rPr>
-              <a:t>Besoins</a:t>
-            </a:r>
-          </a:p>
-        </p:txBody>
-      </p:sp>
-      <p:sp>
-        <p:nvSpPr>
-          <p:cNvPr id="5" name="Espace réservé du numéro de diapositive 3"/>
-          <p:cNvSpPr txBox="1">
-            <a:spLocks/>
-          </p:cNvSpPr>
-          <p:nvPr/>
-        </p:nvSpPr>
-        <p:spPr>
-          <a:xfrm>
-            <a:off x="10951856" y="6019800"/>
-            <a:ext cx="551167" cy="365125"/>
-          </a:xfrm>
-          <a:prstGeom prst="rect">
-            <a:avLst/>
-          </a:prstGeom>
-        </p:spPr>
-        <p:txBody>
-          <a:bodyPr vert="horz" lIns="91440" tIns="45720" rIns="91440" bIns="45720" rtlCol="0" anchor="ctr"/>
-          <a:lstStyle>
-            <a:defPPr>
-              <a:defRPr lang="en-US"/>
-            </a:defPPr>
-            <a:lvl1pPr marL="0" algn="r" defTabSz="457200" rtl="0" eaLnBrk="1" latinLnBrk="0" hangingPunct="1">
-              <a:defRPr sz="1000" b="0" i="0" kern="1200">
-                <a:solidFill>
-                  <a:schemeClr val="tx1"/>
-                </a:solidFill>
-                <a:effectLst/>
-                <a:latin typeface="+mn-lt"/>
-                <a:ea typeface="+mn-ea"/>
-                <a:cs typeface="+mn-cs"/>
-              </a:defRPr>
-            </a:lvl1pPr>
-            <a:lvl2pPr marL="457200" algn="l" defTabSz="457200" rtl="0" eaLnBrk="1" latinLnBrk="0" hangingPunct="1">
-              <a:defRPr sz="1800" kern="1200">
-                <a:solidFill>
-                  <a:schemeClr val="tx1"/>
-                </a:solidFill>
-                <a:latin typeface="+mn-lt"/>
-                <a:ea typeface="+mn-ea"/>
-                <a:cs typeface="+mn-cs"/>
-              </a:defRPr>
-            </a:lvl2pPr>
-            <a:lvl3pPr marL="914400" algn="l" defTabSz="457200" rtl="0" eaLnBrk="1" latinLnBrk="0" hangingPunct="1">
-              <a:defRPr sz="1800" kern="1200">
-                <a:solidFill>
-                  <a:schemeClr val="tx1"/>
-                </a:solidFill>
-                <a:latin typeface="+mn-lt"/>
-                <a:ea typeface="+mn-ea"/>
-                <a:cs typeface="+mn-cs"/>
-              </a:defRPr>
-            </a:lvl3pPr>
-            <a:lvl4pPr marL="1371600" algn="l" defTabSz="457200" rtl="0" eaLnBrk="1" latinLnBrk="0" hangingPunct="1">
-              <a:defRPr sz="1800" kern="1200">
-                <a:solidFill>
-                  <a:schemeClr val="tx1"/>
-                </a:solidFill>
-                <a:latin typeface="+mn-lt"/>
-                <a:ea typeface="+mn-ea"/>
-                <a:cs typeface="+mn-cs"/>
-              </a:defRPr>
-            </a:lvl4pPr>
-            <a:lvl5pPr marL="1828800" algn="l" defTabSz="457200" rtl="0" eaLnBrk="1" latinLnBrk="0" hangingPunct="1">
-              <a:defRPr sz="1800" kern="1200">
-                <a:solidFill>
-                  <a:schemeClr val="tx1"/>
-                </a:solidFill>
-                <a:latin typeface="+mn-lt"/>
-                <a:ea typeface="+mn-ea"/>
-                <a:cs typeface="+mn-cs"/>
-              </a:defRPr>
-            </a:lvl5pPr>
-            <a:lvl6pPr marL="2286000" algn="l" defTabSz="457200" rtl="0" eaLnBrk="1" latinLnBrk="0" hangingPunct="1">
-              <a:defRPr sz="1800" kern="1200">
-                <a:solidFill>
-                  <a:schemeClr val="tx1"/>
-                </a:solidFill>
-                <a:latin typeface="+mn-lt"/>
-                <a:ea typeface="+mn-ea"/>
-                <a:cs typeface="+mn-cs"/>
-              </a:defRPr>
-            </a:lvl6pPr>
-            <a:lvl7pPr marL="2743200" algn="l" defTabSz="457200" rtl="0" eaLnBrk="1" latinLnBrk="0" hangingPunct="1">
-              <a:defRPr sz="1800" kern="1200">
-                <a:solidFill>
-                  <a:schemeClr val="tx1"/>
-                </a:solidFill>
-                <a:latin typeface="+mn-lt"/>
-                <a:ea typeface="+mn-ea"/>
-                <a:cs typeface="+mn-cs"/>
-              </a:defRPr>
-            </a:lvl7pPr>
-            <a:lvl8pPr marL="3200400" algn="l" defTabSz="457200" rtl="0" eaLnBrk="1" latinLnBrk="0" hangingPunct="1">
-              <a:defRPr sz="1800" kern="1200">
-                <a:solidFill>
-                  <a:schemeClr val="tx1"/>
-                </a:solidFill>
-                <a:latin typeface="+mn-lt"/>
-                <a:ea typeface="+mn-ea"/>
-                <a:cs typeface="+mn-cs"/>
-              </a:defRPr>
-            </a:lvl8pPr>
-            <a:lvl9pPr marL="3657600" algn="l" defTabSz="457200" rtl="0" eaLnBrk="1" latinLnBrk="0" hangingPunct="1">
-              <a:defRPr sz="1800" kern="1200">
-                <a:solidFill>
-                  <a:schemeClr val="tx1"/>
-                </a:solidFill>
-                <a:latin typeface="+mn-lt"/>
-                <a:ea typeface="+mn-ea"/>
-                <a:cs typeface="+mn-cs"/>
-              </a:defRPr>
-            </a:lvl9pPr>
-          </a:lstStyle>
-          <a:p>
-            <a:fld id="{4FAB73BC-B049-4115-A692-8D63A059BFB8}" type="slidenum">
-              <a:rPr lang="en-US" sz="2000" smtClean="0">
-                <a:latin typeface="Times New Roman" panose="02020603050405020304" pitchFamily="18" charset="0"/>
-                <a:cs typeface="Times New Roman" panose="02020603050405020304" pitchFamily="18" charset="0"/>
-              </a:rPr>
-              <a:pPr/>
-              <a:t>3</a:t>
-            </a:fld>
-            <a:endParaRPr lang="en-US" sz="2000" dirty="0">
-              <a:latin typeface="Times New Roman" panose="02020603050405020304" pitchFamily="18" charset="0"/>
-              <a:cs typeface="Times New Roman" panose="02020603050405020304" pitchFamily="18" charset="0"/>
-            </a:endParaRPr>
-          </a:p>
-        </p:txBody>
-      </p:sp>
-      <p:graphicFrame>
-        <p:nvGraphicFramePr>
-          <p:cNvPr id="9" name="Tableau 8"/>
-          <p:cNvGraphicFramePr>
-            <a:graphicFrameLocks noGrp="1"/>
-          </p:cNvGraphicFramePr>
-          <p:nvPr>
-            <p:extLst>
-              <p:ext uri="{D42A27DB-BD31-4B8C-83A1-F6EECF244321}">
-                <p14:modId xmlns:p14="http://schemas.microsoft.com/office/powerpoint/2010/main" val="3410412335"/>
-              </p:ext>
-            </p:extLst>
-          </p:nvPr>
-        </p:nvGraphicFramePr>
-        <p:xfrm>
-          <a:off x="1935922" y="1563756"/>
-          <a:ext cx="8846378" cy="4896516"/>
-        </p:xfrm>
-        <a:graphic>
-          <a:graphicData uri="http://schemas.openxmlformats.org/drawingml/2006/table">
-            <a:tbl>
-              <a:tblPr firstRow="1" bandRow="1">
-                <a:tableStyleId>{6E25E649-3F16-4E02-A733-19D2CDBF48F0}</a:tableStyleId>
-              </a:tblPr>
-              <a:tblGrid>
-                <a:gridCol w="8846378">
-                  <a:extLst>
-                    <a:ext uri="{9D8B030D-6E8A-4147-A177-3AD203B41FA5}">
-                      <a16:colId xmlns:a16="http://schemas.microsoft.com/office/drawing/2014/main" val="796835815"/>
-                    </a:ext>
-                  </a:extLst>
-                </a:gridCol>
-              </a:tblGrid>
-              <a:tr h="557006">
-                <a:tc>
-                  <a:txBody>
-                    <a:bodyPr/>
-                    <a:lstStyle/>
-                    <a:p>
-                      <a:endParaRPr lang="fr-FR" dirty="0"/>
-                    </a:p>
-                  </a:txBody>
-                  <a:tcPr/>
-                </a:tc>
-                <a:extLst>
-                  <a:ext uri="{0D108BD9-81ED-4DB2-BD59-A6C34878D82A}">
-                    <a16:rowId xmlns:a16="http://schemas.microsoft.com/office/drawing/2014/main" val="697884127"/>
-                  </a:ext>
-                </a:extLst>
-              </a:tr>
-              <a:tr h="557006">
-                <a:tc>
-                  <a:txBody>
-                    <a:bodyPr/>
-                    <a:lstStyle/>
-                    <a:p>
-                      <a:r>
-                        <a:rPr lang="fr-FR" dirty="0"/>
-                        <a:t>Définir le plan physique de l’entreprise ( câblage, matériel etc.)</a:t>
-                      </a:r>
-                    </a:p>
-                  </a:txBody>
-                  <a:tcPr/>
-                </a:tc>
-                <a:extLst>
-                  <a:ext uri="{0D108BD9-81ED-4DB2-BD59-A6C34878D82A}">
-                    <a16:rowId xmlns:a16="http://schemas.microsoft.com/office/drawing/2014/main" val="1675574044"/>
-                  </a:ext>
-                </a:extLst>
-              </a:tr>
-              <a:tr h="557006">
-                <a:tc>
-                  <a:txBody>
-                    <a:bodyPr/>
-                    <a:lstStyle/>
-                    <a:p>
-                      <a:r>
-                        <a:rPr lang="fr-FR" dirty="0"/>
-                        <a:t>Clonage et déploiement des systèmes d’exploitations </a:t>
-                      </a:r>
-                    </a:p>
-                  </a:txBody>
-                  <a:tcPr/>
-                </a:tc>
-                <a:extLst>
-                  <a:ext uri="{0D108BD9-81ED-4DB2-BD59-A6C34878D82A}">
-                    <a16:rowId xmlns:a16="http://schemas.microsoft.com/office/drawing/2014/main" val="640391504"/>
-                  </a:ext>
-                </a:extLst>
-              </a:tr>
-              <a:tr h="557006">
-                <a:tc>
-                  <a:txBody>
-                    <a:bodyPr/>
-                    <a:lstStyle/>
-                    <a:p>
-                      <a:r>
-                        <a:rPr lang="fr-FR" dirty="0"/>
-                        <a:t>Rédaction de la procédure de clonage et d’adressage</a:t>
-                      </a:r>
-                    </a:p>
-                  </a:txBody>
-                  <a:tcPr/>
-                </a:tc>
-                <a:extLst>
-                  <a:ext uri="{0D108BD9-81ED-4DB2-BD59-A6C34878D82A}">
-                    <a16:rowId xmlns:a16="http://schemas.microsoft.com/office/drawing/2014/main" val="3723025547"/>
-                  </a:ext>
-                </a:extLst>
-              </a:tr>
-              <a:tr h="557006">
-                <a:tc>
-                  <a:txBody>
-                    <a:bodyPr/>
-                    <a:lstStyle/>
-                    <a:p>
-                      <a:pPr marL="0" marR="0" lvl="0" indent="0" algn="l" defTabSz="457200" rtl="0" eaLnBrk="1" fontAlgn="auto" latinLnBrk="0" hangingPunct="1">
-                        <a:lnSpc>
-                          <a:spcPct val="100000"/>
-                        </a:lnSpc>
-                        <a:spcBef>
-                          <a:spcPts val="0"/>
-                        </a:spcBef>
-                        <a:spcAft>
-                          <a:spcPts val="0"/>
-                        </a:spcAft>
-                        <a:buClrTx/>
-                        <a:buSzTx/>
-                        <a:buFontTx/>
-                        <a:buNone/>
-                        <a:tabLst/>
-                        <a:defRPr/>
-                      </a:pPr>
-                      <a:r>
-                        <a:rPr lang="fr-FR" dirty="0"/>
-                        <a:t>Proposer une maquette avec la topologie physique mettant en œuvre les deux systèmes d’exploitation ainsi que sa topologie logique</a:t>
-                      </a:r>
-                    </a:p>
-                    <a:p>
-                      <a:endParaRPr lang="fr-FR" dirty="0"/>
-                    </a:p>
-                  </a:txBody>
-                  <a:tcPr/>
-                </a:tc>
-                <a:extLst>
-                  <a:ext uri="{0D108BD9-81ED-4DB2-BD59-A6C34878D82A}">
-                    <a16:rowId xmlns:a16="http://schemas.microsoft.com/office/drawing/2014/main" val="2294250174"/>
-                  </a:ext>
-                </a:extLst>
-              </a:tr>
-              <a:tr h="557006">
-                <a:tc>
-                  <a:txBody>
-                    <a:bodyPr/>
-                    <a:lstStyle/>
-                    <a:p>
-                      <a:r>
-                        <a:rPr lang="fr-FR" dirty="0"/>
-                        <a:t>Proposer un plan d’adressage du réseau</a:t>
-                      </a:r>
-                    </a:p>
-                  </a:txBody>
-                  <a:tcPr/>
-                </a:tc>
-                <a:extLst>
-                  <a:ext uri="{0D108BD9-81ED-4DB2-BD59-A6C34878D82A}">
-                    <a16:rowId xmlns:a16="http://schemas.microsoft.com/office/drawing/2014/main" val="1566632189"/>
-                  </a:ext>
-                </a:extLst>
-              </a:tr>
-              <a:tr h="557006">
-                <a:tc>
-                  <a:txBody>
-                    <a:bodyPr/>
-                    <a:lstStyle/>
-                    <a:p>
-                      <a:r>
-                        <a:rPr lang="fr-FR" dirty="0"/>
-                        <a:t>Proposer un plan ou sera placé les principaux équipements</a:t>
-                      </a:r>
-                    </a:p>
-                  </a:txBody>
-                  <a:tcPr/>
-                </a:tc>
-                <a:extLst>
-                  <a:ext uri="{0D108BD9-81ED-4DB2-BD59-A6C34878D82A}">
-                    <a16:rowId xmlns:a16="http://schemas.microsoft.com/office/drawing/2014/main" val="3703785774"/>
-                  </a:ext>
-                </a:extLst>
-              </a:tr>
-              <a:tr h="557006">
-                <a:tc>
-                  <a:txBody>
-                    <a:bodyPr/>
-                    <a:lstStyle/>
-                    <a:p>
-                      <a:pPr marL="0" marR="0" lvl="0" indent="0" algn="l" defTabSz="457200" rtl="0" eaLnBrk="1" fontAlgn="auto" latinLnBrk="0" hangingPunct="1">
-                        <a:lnSpc>
-                          <a:spcPct val="100000"/>
-                        </a:lnSpc>
-                        <a:spcBef>
-                          <a:spcPts val="0"/>
-                        </a:spcBef>
-                        <a:spcAft>
-                          <a:spcPts val="0"/>
-                        </a:spcAft>
-                        <a:buClrTx/>
-                        <a:buSzTx/>
-                        <a:buFontTx/>
-                        <a:buNone/>
-                        <a:tabLst/>
-                        <a:defRPr/>
-                      </a:pPr>
-                      <a:r>
-                        <a:rPr lang="fr-FR" dirty="0"/>
-                        <a:t>Donner un devis</a:t>
-                      </a:r>
-                    </a:p>
-                    <a:p>
-                      <a:endParaRPr lang="fr-FR" dirty="0"/>
-                    </a:p>
-                  </a:txBody>
-                  <a:tcPr/>
-                </a:tc>
-                <a:extLst>
-                  <a:ext uri="{0D108BD9-81ED-4DB2-BD59-A6C34878D82A}">
-                    <a16:rowId xmlns:a16="http://schemas.microsoft.com/office/drawing/2014/main" val="4157664426"/>
-                  </a:ext>
-                </a:extLst>
-              </a:tr>
-            </a:tbl>
-          </a:graphicData>
-        </a:graphic>
-      </p:graphicFrame>
-    </p:spTree>
-    <p:extLst>
-      <p:ext uri="{BB962C8B-B14F-4D97-AF65-F5344CB8AC3E}">
-        <p14:creationId xmlns:p14="http://schemas.microsoft.com/office/powerpoint/2010/main" val="3463416972"/>
-      </p:ext>
-    </p:extLst>
-  </p:cSld>
-  <p:clrMapOvr>
-    <a:masterClrMapping/>
-  </p:clrMapOvr>
-</p:sld>
-</file>
-
-<file path=ppt/slides/slide4.xml><?xml version="1.0" encoding="utf-8"?>
-<p:sld xmlns:a="http://schemas.openxmlformats.org/drawingml/2006/main" xmlns:r="http://schemas.openxmlformats.org/officeDocument/2006/relationships" xmlns:p="http://schemas.openxmlformats.org/presentationml/2006/main">
-  <p:cSld>
-    <p:spTree>
-      <p:nvGrpSpPr>
-        <p:cNvPr id="1" name=""/>
-        <p:cNvGrpSpPr/>
-        <p:nvPr/>
-      </p:nvGrpSpPr>
-      <p:grpSpPr>
-        <a:xfrm>
-          <a:off x="0" y="0"/>
-          <a:ext cx="0" cy="0"/>
-          <a:chOff x="0" y="0"/>
-          <a:chExt cx="0" cy="0"/>
-        </a:xfrm>
-      </p:grpSpPr>
-      <p:sp>
-        <p:nvSpPr>
-          <p:cNvPr id="2" name="Titre 1"/>
-          <p:cNvSpPr>
-            <a:spLocks noGrp="1"/>
-          </p:cNvSpPr>
-          <p:nvPr>
-            <p:ph type="title"/>
-          </p:nvPr>
-        </p:nvSpPr>
-        <p:spPr>
-          <a:xfrm>
-            <a:off x="1206016" y="-449745"/>
-            <a:ext cx="10018713" cy="1752599"/>
-          </a:xfrm>
-        </p:spPr>
-        <p:txBody>
-          <a:bodyPr/>
-          <a:lstStyle/>
-          <a:p>
-            <a:pPr algn="ctr"/>
-            <a:r>
-              <a:rPr lang="fr-FR" dirty="0">
-                <a:latin typeface="Times New Roman" panose="02020603050405020304" pitchFamily="18" charset="0"/>
-                <a:cs typeface="Times New Roman" panose="02020603050405020304" pitchFamily="18" charset="0"/>
-              </a:rPr>
-              <a:t>Les solutions</a:t>
-            </a:r>
-          </a:p>
-        </p:txBody>
-      </p:sp>
-      <p:pic>
-        <p:nvPicPr>
-          <p:cNvPr id="7" name="Image 6"/>
-          <p:cNvPicPr>
-            <a:picLocks noChangeAspect="1"/>
-          </p:cNvPicPr>
-          <p:nvPr/>
-        </p:nvPicPr>
-        <p:blipFill>
-          <a:blip r:embed="rId2"/>
-          <a:stretch>
-            <a:fillRect/>
-          </a:stretch>
-        </p:blipFill>
-        <p:spPr>
-          <a:xfrm>
-            <a:off x="112123" y="1488385"/>
-            <a:ext cx="11782425" cy="4914900"/>
-          </a:xfrm>
-          <a:prstGeom prst="rect">
-            <a:avLst/>
-          </a:prstGeom>
-        </p:spPr>
-      </p:pic>
-      <p:sp>
-        <p:nvSpPr>
-          <p:cNvPr id="8" name="Espace réservé du numéro de diapositive 7"/>
-          <p:cNvSpPr>
-            <a:spLocks noGrp="1"/>
-          </p:cNvSpPr>
-          <p:nvPr>
-            <p:ph type="sldNum" sz="quarter" idx="12"/>
-          </p:nvPr>
-        </p:nvSpPr>
-        <p:spPr>
-          <a:xfrm>
-            <a:off x="10951856" y="6162261"/>
-            <a:ext cx="942692" cy="695739"/>
-          </a:xfrm>
-        </p:spPr>
-        <p:txBody>
-          <a:bodyPr/>
-          <a:lstStyle/>
-          <a:p>
-            <a:fld id="{4FAB73BC-B049-4115-A692-8D63A059BFB8}" type="slidenum">
-              <a:rPr lang="en-US" sz="2000" smtClean="0">
-                <a:latin typeface="Tahoma" panose="020B0604030504040204" pitchFamily="34" charset="0"/>
-                <a:ea typeface="Tahoma" panose="020B0604030504040204" pitchFamily="34" charset="0"/>
-                <a:cs typeface="Tahoma" panose="020B0604030504040204" pitchFamily="34" charset="0"/>
-              </a:rPr>
-              <a:t>4</a:t>
-            </a:fld>
-            <a:endParaRPr lang="en-US" sz="2000" dirty="0">
-              <a:latin typeface="Tahoma" panose="020B0604030504040204" pitchFamily="34" charset="0"/>
-              <a:ea typeface="Tahoma" panose="020B0604030504040204" pitchFamily="34" charset="0"/>
-              <a:cs typeface="Tahoma" panose="020B0604030504040204" pitchFamily="34" charset="0"/>
-            </a:endParaRPr>
-          </a:p>
-        </p:txBody>
-      </p:sp>
-      <p:pic>
-        <p:nvPicPr>
-          <p:cNvPr id="9" name="Image 8"/>
-          <p:cNvPicPr>
-            <a:picLocks noChangeAspect="1"/>
-          </p:cNvPicPr>
-          <p:nvPr/>
-        </p:nvPicPr>
-        <p:blipFill>
-          <a:blip r:embed="rId3"/>
-          <a:stretch>
-            <a:fillRect/>
-          </a:stretch>
-        </p:blipFill>
-        <p:spPr>
-          <a:xfrm>
-            <a:off x="0" y="1488385"/>
-            <a:ext cx="11894548" cy="4914899"/>
-          </a:xfrm>
-          <a:prstGeom prst="rect">
-            <a:avLst/>
-          </a:prstGeom>
-        </p:spPr>
-      </p:pic>
-    </p:spTree>
-    <p:extLst>
-      <p:ext uri="{BB962C8B-B14F-4D97-AF65-F5344CB8AC3E}">
-        <p14:creationId xmlns:p14="http://schemas.microsoft.com/office/powerpoint/2010/main" val="1322253008"/>
-      </p:ext>
-    </p:extLst>
-  </p:cSld>
-  <p:clrMapOvr>
-    <a:masterClrMapping/>
-  </p:clrMapOvr>
-  <p:timing>
-    <p:tnLst>
-      <p:par>
-        <p:cTn id="1" dur="indefinite" restart="never" nodeType="tmRoot">
-          <p:childTnLst>
-            <p:seq concurrent="1" nextAc="seek">
-              <p:cTn id="2" dur="indefinite" nodeType="mainSeq">
-                <p:childTnLst>
-                  <p:par>
-                    <p:cTn id="3" fill="hold">
-                      <p:stCondLst>
-                        <p:cond delay="indefinite"/>
-                      </p:stCondLst>
-                      <p:childTnLst>
-                        <p:par>
-                          <p:cTn id="4" fill="hold">
-                            <p:stCondLst>
-                              <p:cond delay="0"/>
-                            </p:stCondLst>
-                            <p:childTnLst>
-                              <p:par>
-                                <p:cTn id="5" presetID="10" presetClass="entr" presetSubtype="0" fill="hold" nodeType="clickEffect">
-                                  <p:stCondLst>
-                                    <p:cond delay="0"/>
-                                  </p:stCondLst>
-                                  <p:childTnLst>
-                                    <p:set>
-                                      <p:cBhvr>
-                                        <p:cTn id="6" dur="1" fill="hold">
-                                          <p:stCondLst>
-                                            <p:cond delay="0"/>
-                                          </p:stCondLst>
-                                        </p:cTn>
-                                        <p:tgtEl>
-                                          <p:spTgt spid="7"/>
-                                        </p:tgtEl>
-                                        <p:attrNameLst>
-                                          <p:attrName>style.visibility</p:attrName>
-                                        </p:attrNameLst>
-                                      </p:cBhvr>
-                                      <p:to>
-                                        <p:strVal val="visible"/>
-                                      </p:to>
-                                    </p:set>
-                                    <p:animEffect transition="in" filter="fade">
-                                      <p:cBhvr>
-                                        <p:cTn id="7" dur="500"/>
-                                        <p:tgtEl>
-                                          <p:spTgt spid="7"/>
-                                        </p:tgtEl>
-                                      </p:cBhvr>
-                                    </p:animEffect>
-                                  </p:childTnLst>
-                                </p:cTn>
-                              </p:par>
-                            </p:childTnLst>
-                          </p:cTn>
-                        </p:par>
-                      </p:childTnLst>
-                    </p:cTn>
-                  </p:par>
-                  <p:par>
-                    <p:cTn id="8" fill="hold">
-                      <p:stCondLst>
-                        <p:cond delay="indefinite"/>
-                      </p:stCondLst>
-                      <p:childTnLst>
-                        <p:par>
-                          <p:cTn id="9" fill="hold">
-                            <p:stCondLst>
-                              <p:cond delay="0"/>
-                            </p:stCondLst>
-                            <p:childTnLst>
-                              <p:par>
-                                <p:cTn id="10" presetID="10" presetClass="entr" presetSubtype="0" fill="hold" nodeType="clickEffect">
-                                  <p:stCondLst>
-                                    <p:cond delay="0"/>
-                                  </p:stCondLst>
-                                  <p:childTnLst>
-                                    <p:set>
-                                      <p:cBhvr>
-                                        <p:cTn id="11" dur="1" fill="hold">
-                                          <p:stCondLst>
-                                            <p:cond delay="0"/>
-                                          </p:stCondLst>
-                                        </p:cTn>
-                                        <p:tgtEl>
-                                          <p:spTgt spid="9"/>
-                                        </p:tgtEl>
-                                        <p:attrNameLst>
-                                          <p:attrName>style.visibility</p:attrName>
-                                        </p:attrNameLst>
-                                      </p:cBhvr>
-                                      <p:to>
-                                        <p:strVal val="visible"/>
-                                      </p:to>
-                                    </p:set>
-                                    <p:animEffect transition="in" filter="fade">
-                                      <p:cBhvr>
-                                        <p:cTn id="12" dur="500"/>
-                                        <p:tgtEl>
-                                          <p:spTgt spid="9"/>
-                                        </p:tgtEl>
-                                      </p:cBhvr>
-                                    </p:animEffect>
-                                  </p:childTnLst>
-                                </p:cTn>
-                              </p:par>
-                            </p:childTnLst>
-                          </p:cTn>
-                        </p:par>
-                      </p:childTnLst>
-                    </p:cTn>
-                  </p:par>
-                </p:childTnLst>
-              </p:cTn>
-              <p:prevCondLst>
-                <p:cond evt="onPrev" delay="0">
-                  <p:tgtEl>
-                    <p:sldTgt/>
-                  </p:tgtEl>
-                </p:cond>
-              </p:prevCondLst>
-              <p:nextCondLst>
-                <p:cond evt="onNext" delay="0">
-                  <p:tgtEl>
-                    <p:sldTgt/>
-                  </p:tgtEl>
-                </p:cond>
-              </p:nextCondLst>
-            </p:seq>
-          </p:childTnLst>
-        </p:cTn>
-      </p:par>
-    </p:tnLst>
-  </p:timing>
-</p:sld>
-</file>
-
-<file path=ppt/slides/slide5.xml><?xml version="1.0" encoding="utf-8"?>
-<p:sld xmlns:a="http://schemas.openxmlformats.org/drawingml/2006/main" xmlns:r="http://schemas.openxmlformats.org/officeDocument/2006/relationships" xmlns:p="http://schemas.openxmlformats.org/presentationml/2006/main">
-  <p:cSld>
-    <p:spTree>
-      <p:nvGrpSpPr>
-        <p:cNvPr id="1" name=""/>
-        <p:cNvGrpSpPr/>
-        <p:nvPr/>
-      </p:nvGrpSpPr>
-      <p:grpSpPr>
-        <a:xfrm>
-          <a:off x="0" y="0"/>
-          <a:ext cx="0" cy="0"/>
-          <a:chOff x="0" y="0"/>
-          <a:chExt cx="0" cy="0"/>
-        </a:xfrm>
-      </p:grpSpPr>
-      <p:sp>
-        <p:nvSpPr>
-          <p:cNvPr id="2" name="Titre 1"/>
-          <p:cNvSpPr>
-            <a:spLocks noGrp="1"/>
-          </p:cNvSpPr>
-          <p:nvPr>
-            <p:ph type="title"/>
-          </p:nvPr>
-        </p:nvSpPr>
-        <p:spPr>
-          <a:xfrm>
-            <a:off x="1426530" y="-198782"/>
-            <a:ext cx="10018713" cy="1752599"/>
-          </a:xfrm>
-        </p:spPr>
-        <p:txBody>
-          <a:bodyPr/>
-          <a:lstStyle/>
-          <a:p>
-            <a:pPr algn="ctr"/>
-            <a:r>
-              <a:rPr lang="fr-FR" dirty="0">
-                <a:latin typeface="Times New Roman" panose="02020603050405020304" pitchFamily="18" charset="0"/>
-                <a:cs typeface="Times New Roman" panose="02020603050405020304" pitchFamily="18" charset="0"/>
-              </a:rPr>
-              <a:t>Architecture du réseau</a:t>
-            </a:r>
-          </a:p>
-        </p:txBody>
-      </p:sp>
-      <p:pic>
-        <p:nvPicPr>
-          <p:cNvPr id="4" name="Espace réservé du contenu 3"/>
-          <p:cNvPicPr>
-            <a:picLocks noGrp="1" noChangeAspect="1"/>
-          </p:cNvPicPr>
-          <p:nvPr>
-            <p:ph idx="1"/>
-          </p:nvPr>
-        </p:nvPicPr>
-        <p:blipFill>
-          <a:blip r:embed="rId2"/>
-          <a:stretch>
-            <a:fillRect/>
-          </a:stretch>
-        </p:blipFill>
-        <p:spPr>
-          <a:xfrm>
-            <a:off x="940903" y="1266669"/>
-            <a:ext cx="10296940" cy="5107627"/>
-          </a:xfrm>
-          <a:prstGeom prst="rect">
-            <a:avLst/>
-          </a:prstGeom>
-        </p:spPr>
-      </p:pic>
-      <p:sp>
-        <p:nvSpPr>
-          <p:cNvPr id="6" name="Espace réservé du numéro de diapositive 3"/>
-          <p:cNvSpPr>
-            <a:spLocks noGrp="1"/>
-          </p:cNvSpPr>
-          <p:nvPr>
-            <p:ph type="sldNum" sz="quarter" idx="12"/>
-          </p:nvPr>
-        </p:nvSpPr>
-        <p:spPr>
-          <a:xfrm>
-            <a:off x="11101476" y="6009171"/>
-            <a:ext cx="551167" cy="365125"/>
-          </a:xfrm>
-        </p:spPr>
-        <p:txBody>
-          <a:bodyPr/>
-          <a:lstStyle/>
-          <a:p>
-            <a:fld id="{4FAB73BC-B049-4115-A692-8D63A059BFB8}" type="slidenum">
-              <a:rPr lang="en-US" sz="2000" smtClean="0">
-                <a:latin typeface="Times New Roman" panose="02020603050405020304" pitchFamily="18" charset="0"/>
-                <a:cs typeface="Times New Roman" panose="02020603050405020304" pitchFamily="18" charset="0"/>
-              </a:rPr>
-              <a:t>5</a:t>
-            </a:fld>
-            <a:endParaRPr lang="en-US" sz="2000" dirty="0">
-              <a:latin typeface="Times New Roman" panose="02020603050405020304" pitchFamily="18" charset="0"/>
-              <a:cs typeface="Times New Roman" panose="02020603050405020304" pitchFamily="18" charset="0"/>
-            </a:endParaRPr>
-          </a:p>
-        </p:txBody>
-      </p:sp>
-    </p:spTree>
-    <p:extLst>
-      <p:ext uri="{BB962C8B-B14F-4D97-AF65-F5344CB8AC3E}">
-        <p14:creationId xmlns:p14="http://schemas.microsoft.com/office/powerpoint/2010/main" val="1177257095"/>
-      </p:ext>
-    </p:extLst>
-  </p:cSld>
-  <p:clrMapOvr>
-    <a:masterClrMapping/>
-  </p:clrMapOvr>
-</p:sld>
-</file>
-
-<file path=ppt/slides/slide6.xml><?xml version="1.0" encoding="utf-8"?>
-<p:sld xmlns:a="http://schemas.openxmlformats.org/drawingml/2006/main" xmlns:r="http://schemas.openxmlformats.org/officeDocument/2006/relationships" xmlns:p="http://schemas.openxmlformats.org/presentationml/2006/main">
-  <p:cSld>
-    <p:spTree>
-      <p:nvGrpSpPr>
-        <p:cNvPr id="1" name=""/>
-        <p:cNvGrpSpPr/>
-        <p:nvPr/>
-      </p:nvGrpSpPr>
-      <p:grpSpPr>
-        <a:xfrm>
-          <a:off x="0" y="0"/>
-          <a:ext cx="0" cy="0"/>
-          <a:chOff x="0" y="0"/>
-          <a:chExt cx="0" cy="0"/>
-        </a:xfrm>
-      </p:grpSpPr>
-      <p:sp>
-        <p:nvSpPr>
-          <p:cNvPr id="2" name="Titre 1"/>
-          <p:cNvSpPr>
-            <a:spLocks noGrp="1"/>
-          </p:cNvSpPr>
-          <p:nvPr>
-            <p:ph type="title"/>
-          </p:nvPr>
-        </p:nvSpPr>
-        <p:spPr>
-          <a:xfrm>
-            <a:off x="1351789" y="-7937"/>
-            <a:ext cx="10018713" cy="1752599"/>
-          </a:xfrm>
-        </p:spPr>
-        <p:txBody>
-          <a:bodyPr/>
-          <a:lstStyle/>
-          <a:p>
-            <a:r>
-              <a:rPr lang="fr-FR" dirty="0">
-                <a:latin typeface="Times New Roman" panose="02020603050405020304" pitchFamily="18" charset="0"/>
-                <a:cs typeface="Times New Roman" panose="02020603050405020304" pitchFamily="18" charset="0"/>
-              </a:rPr>
-              <a:t>Disposition des équipements</a:t>
-            </a:r>
-          </a:p>
-        </p:txBody>
-      </p:sp>
-      <p:sp>
-        <p:nvSpPr>
-          <p:cNvPr id="3" name="Espace réservé du contenu 2"/>
-          <p:cNvSpPr>
-            <a:spLocks noGrp="1"/>
-          </p:cNvSpPr>
-          <p:nvPr>
-            <p:ph idx="1"/>
-          </p:nvPr>
-        </p:nvSpPr>
-        <p:spPr/>
-        <p:txBody>
-          <a:bodyPr/>
-          <a:lstStyle/>
-          <a:p>
-            <a:r>
-              <a:rPr lang="fr-FR" dirty="0"/>
-              <a:t>Emplacement des salle serveur</a:t>
-            </a:r>
-          </a:p>
-          <a:p>
-            <a:endParaRPr lang="fr-FR" dirty="0"/>
-          </a:p>
-          <a:p>
-            <a:r>
-              <a:rPr lang="fr-FR" dirty="0"/>
-              <a:t>Pourquoi on les a choisi a ces endroits</a:t>
-            </a:r>
-          </a:p>
-        </p:txBody>
-      </p:sp>
-      <p:sp>
-        <p:nvSpPr>
-          <p:cNvPr id="5" name="Espace réservé du numéro de diapositive 3"/>
-          <p:cNvSpPr>
-            <a:spLocks noGrp="1"/>
-          </p:cNvSpPr>
-          <p:nvPr>
-            <p:ph type="sldNum" sz="quarter" idx="12"/>
-          </p:nvPr>
-        </p:nvSpPr>
-        <p:spPr>
-          <a:xfrm>
-            <a:off x="10951856" y="5883275"/>
-            <a:ext cx="551167" cy="365125"/>
-          </a:xfrm>
-        </p:spPr>
-        <p:txBody>
-          <a:bodyPr/>
-          <a:lstStyle/>
-          <a:p>
-            <a:fld id="{4FAB73BC-B049-4115-A692-8D63A059BFB8}" type="slidenum">
-              <a:rPr lang="en-US" sz="2000" smtClean="0">
-                <a:latin typeface="Times New Roman" panose="02020603050405020304" pitchFamily="18" charset="0"/>
-                <a:cs typeface="Times New Roman" panose="02020603050405020304" pitchFamily="18" charset="0"/>
-              </a:rPr>
-              <a:t>6</a:t>
-            </a:fld>
-            <a:endParaRPr lang="en-US" sz="2000" dirty="0">
-              <a:latin typeface="Times New Roman" panose="02020603050405020304" pitchFamily="18" charset="0"/>
-              <a:cs typeface="Times New Roman" panose="02020603050405020304" pitchFamily="18" charset="0"/>
-            </a:endParaRPr>
-          </a:p>
-        </p:txBody>
-      </p:sp>
-    </p:spTree>
-    <p:extLst>
-      <p:ext uri="{BB962C8B-B14F-4D97-AF65-F5344CB8AC3E}">
-        <p14:creationId xmlns:p14="http://schemas.microsoft.com/office/powerpoint/2010/main" val="3996542892"/>
-      </p:ext>
-    </p:extLst>
-  </p:cSld>
-  <p:clrMapOvr>
-    <a:masterClrMapping/>
-  </p:clrMapOvr>
-</p:sld>
-</file>
-
-<file path=ppt/slides/slide7.xml><?xml version="1.0" encoding="utf-8"?>
-<p:sld xmlns:a="http://schemas.openxmlformats.org/drawingml/2006/main" xmlns:r="http://schemas.openxmlformats.org/officeDocument/2006/relationships" xmlns:p="http://schemas.openxmlformats.org/presentationml/2006/main">
-  <p:cSld>
-    <p:spTree>
-      <p:nvGrpSpPr>
-        <p:cNvPr id="1" name=""/>
-        <p:cNvGrpSpPr/>
-        <p:nvPr/>
-      </p:nvGrpSpPr>
-      <p:grpSpPr>
-        <a:xfrm>
-          <a:off x="0" y="0"/>
-          <a:ext cx="0" cy="0"/>
-          <a:chOff x="0" y="0"/>
-          <a:chExt cx="0" cy="0"/>
-        </a:xfrm>
-      </p:grpSpPr>
-      <p:sp>
-        <p:nvSpPr>
-          <p:cNvPr id="2" name="Titre 1"/>
-          <p:cNvSpPr>
-            <a:spLocks noGrp="1"/>
-          </p:cNvSpPr>
-          <p:nvPr>
-            <p:ph type="title"/>
-          </p:nvPr>
-        </p:nvSpPr>
-        <p:spPr>
-          <a:xfrm>
-            <a:off x="1484310" y="-149087"/>
-            <a:ext cx="10018713" cy="1752599"/>
-          </a:xfrm>
-        </p:spPr>
-        <p:txBody>
-          <a:bodyPr/>
-          <a:lstStyle/>
-          <a:p>
-            <a:r>
-              <a:rPr lang="fr-FR" dirty="0">
-                <a:latin typeface="Times New Roman" panose="02020603050405020304" pitchFamily="18" charset="0"/>
-                <a:cs typeface="Times New Roman" panose="02020603050405020304" pitchFamily="18" charset="0"/>
-              </a:rPr>
-              <a:t>Branchement Ethernet</a:t>
-            </a:r>
-          </a:p>
-        </p:txBody>
-      </p:sp>
-      <p:sp>
-        <p:nvSpPr>
-          <p:cNvPr id="3" name="Espace réservé du contenu 2"/>
-          <p:cNvSpPr>
-            <a:spLocks noGrp="1"/>
-          </p:cNvSpPr>
-          <p:nvPr>
-            <p:ph idx="1"/>
-          </p:nvPr>
-        </p:nvSpPr>
-        <p:spPr/>
-        <p:txBody>
-          <a:bodyPr/>
-          <a:lstStyle/>
-          <a:p>
-            <a:r>
-              <a:rPr lang="fr-FR" dirty="0"/>
-              <a:t>Choix commutateur </a:t>
-            </a:r>
-          </a:p>
-          <a:p>
-            <a:endParaRPr lang="fr-FR" dirty="0"/>
-          </a:p>
-          <a:p>
-            <a:r>
-              <a:rPr lang="fr-FR" dirty="0"/>
-              <a:t>Choix type de </a:t>
-            </a:r>
-            <a:r>
-              <a:rPr lang="fr-FR" dirty="0" err="1"/>
-              <a:t>cable</a:t>
-            </a:r>
-            <a:endParaRPr lang="fr-FR" dirty="0"/>
-          </a:p>
-          <a:p>
-            <a:endParaRPr lang="fr-FR" dirty="0"/>
-          </a:p>
-          <a:p>
-            <a:r>
-              <a:rPr lang="fr-FR" dirty="0"/>
-              <a:t>Sécurité  </a:t>
-            </a:r>
-          </a:p>
-        </p:txBody>
-      </p:sp>
-      <p:sp>
-        <p:nvSpPr>
-          <p:cNvPr id="5" name="Espace réservé du numéro de diapositive 3"/>
-          <p:cNvSpPr>
-            <a:spLocks noGrp="1"/>
-          </p:cNvSpPr>
-          <p:nvPr>
-            <p:ph type="sldNum" sz="quarter" idx="12"/>
-          </p:nvPr>
-        </p:nvSpPr>
-        <p:spPr>
-          <a:xfrm>
-            <a:off x="10951856" y="5883275"/>
-            <a:ext cx="551167" cy="365125"/>
-          </a:xfrm>
-        </p:spPr>
-        <p:txBody>
-          <a:bodyPr/>
-          <a:lstStyle/>
-          <a:p>
-            <a:fld id="{4FAB73BC-B049-4115-A692-8D63A059BFB8}" type="slidenum">
-              <a:rPr lang="en-US" sz="2000" smtClean="0">
-                <a:latin typeface="Times New Roman" panose="02020603050405020304" pitchFamily="18" charset="0"/>
-                <a:cs typeface="Times New Roman" panose="02020603050405020304" pitchFamily="18" charset="0"/>
-              </a:rPr>
-              <a:t>7</a:t>
-            </a:fld>
-            <a:endParaRPr lang="en-US" sz="2000" dirty="0">
-              <a:latin typeface="Times New Roman" panose="02020603050405020304" pitchFamily="18" charset="0"/>
-              <a:cs typeface="Times New Roman" panose="02020603050405020304" pitchFamily="18" charset="0"/>
-            </a:endParaRPr>
-          </a:p>
-        </p:txBody>
-      </p:sp>
-    </p:spTree>
-    <p:extLst>
-      <p:ext uri="{BB962C8B-B14F-4D97-AF65-F5344CB8AC3E}">
-        <p14:creationId xmlns:p14="http://schemas.microsoft.com/office/powerpoint/2010/main" val="2367623552"/>
-      </p:ext>
-    </p:extLst>
-  </p:cSld>
-  <p:clrMapOvr>
-    <a:masterClrMapping/>
-  </p:clrMapOvr>
-</p:sld>
-</file>
-
-<file path=ppt/slides/slide8.xml><?xml version="1.0" encoding="utf-8"?>
-<p:sld xmlns:a="http://schemas.openxmlformats.org/drawingml/2006/main" xmlns:r="http://schemas.openxmlformats.org/officeDocument/2006/relationships" xmlns:p="http://schemas.openxmlformats.org/presentationml/2006/main">
-  <p:cSld>
-    <p:spTree>
-      <p:nvGrpSpPr>
-        <p:cNvPr id="1" name=""/>
-        <p:cNvGrpSpPr/>
-        <p:nvPr/>
-      </p:nvGrpSpPr>
-      <p:grpSpPr>
-        <a:xfrm>
-          <a:off x="0" y="0"/>
-          <a:ext cx="0" cy="0"/>
-          <a:chOff x="0" y="0"/>
-          <a:chExt cx="0" cy="0"/>
-        </a:xfrm>
-      </p:grpSpPr>
-      <p:sp>
-        <p:nvSpPr>
-          <p:cNvPr id="2" name="Titre 1"/>
-          <p:cNvSpPr>
-            <a:spLocks noGrp="1"/>
-          </p:cNvSpPr>
-          <p:nvPr>
-            <p:ph type="title"/>
-          </p:nvPr>
-        </p:nvSpPr>
-        <p:spPr>
-          <a:xfrm>
-            <a:off x="715685" y="-310183"/>
-            <a:ext cx="10018713" cy="1752599"/>
-          </a:xfrm>
-        </p:spPr>
-        <p:txBody>
-          <a:bodyPr/>
-          <a:lstStyle/>
-          <a:p>
-            <a:pPr algn="ctr"/>
-            <a:r>
-              <a:rPr lang="fr-FR" dirty="0">
-                <a:latin typeface="Times New Roman" panose="02020603050405020304" pitchFamily="18" charset="0"/>
-                <a:cs typeface="Times New Roman" panose="02020603050405020304" pitchFamily="18" charset="0"/>
-              </a:rPr>
-              <a:t>Routeur et point d’accès</a:t>
-            </a:r>
-          </a:p>
-        </p:txBody>
-      </p:sp>
-      <p:pic>
-        <p:nvPicPr>
-          <p:cNvPr id="4" name="Espace réservé du contenu 3"/>
-          <p:cNvPicPr>
-            <a:picLocks noGrp="1" noChangeAspect="1"/>
-          </p:cNvPicPr>
-          <p:nvPr>
-            <p:ph idx="1"/>
-          </p:nvPr>
-        </p:nvPicPr>
-        <p:blipFill>
-          <a:blip r:embed="rId2"/>
-          <a:stretch>
-            <a:fillRect/>
-          </a:stretch>
-        </p:blipFill>
-        <p:spPr>
-          <a:xfrm>
-            <a:off x="202957" y="1598462"/>
-            <a:ext cx="4117251" cy="4284813"/>
-          </a:xfrm>
-          <a:prstGeom prst="rect">
-            <a:avLst/>
-          </a:prstGeom>
-        </p:spPr>
-      </p:pic>
-      <p:pic>
-        <p:nvPicPr>
-          <p:cNvPr id="5" name="Image 4"/>
-          <p:cNvPicPr>
-            <a:picLocks noChangeAspect="1"/>
-          </p:cNvPicPr>
-          <p:nvPr/>
-        </p:nvPicPr>
-        <p:blipFill>
-          <a:blip r:embed="rId3"/>
-          <a:stretch>
-            <a:fillRect/>
-          </a:stretch>
-        </p:blipFill>
-        <p:spPr>
-          <a:xfrm>
-            <a:off x="8347421" y="333433"/>
-            <a:ext cx="3380753" cy="4325504"/>
-          </a:xfrm>
-          <a:prstGeom prst="rect">
-            <a:avLst/>
-          </a:prstGeom>
-        </p:spPr>
-      </p:pic>
-      <p:sp>
-        <p:nvSpPr>
-          <p:cNvPr id="7" name="Espace réservé du numéro de diapositive 3"/>
-          <p:cNvSpPr>
-            <a:spLocks noGrp="1"/>
-          </p:cNvSpPr>
-          <p:nvPr>
-            <p:ph type="sldNum" sz="quarter" idx="12"/>
-          </p:nvPr>
-        </p:nvSpPr>
-        <p:spPr>
-          <a:xfrm>
-            <a:off x="10951856" y="5883275"/>
-            <a:ext cx="551167" cy="365125"/>
-          </a:xfrm>
-        </p:spPr>
-        <p:txBody>
-          <a:bodyPr/>
-          <a:lstStyle/>
-          <a:p>
-            <a:fld id="{4FAB73BC-B049-4115-A692-8D63A059BFB8}" type="slidenum">
-              <a:rPr lang="en-US" sz="2000" smtClean="0">
-                <a:latin typeface="Times New Roman" panose="02020603050405020304" pitchFamily="18" charset="0"/>
-                <a:cs typeface="Times New Roman" panose="02020603050405020304" pitchFamily="18" charset="0"/>
-              </a:rPr>
-              <a:t>8</a:t>
-            </a:fld>
-            <a:endParaRPr lang="en-US" sz="2000" dirty="0">
-              <a:latin typeface="Times New Roman" panose="02020603050405020304" pitchFamily="18" charset="0"/>
-              <a:cs typeface="Times New Roman" panose="02020603050405020304" pitchFamily="18" charset="0"/>
-            </a:endParaRPr>
-          </a:p>
-        </p:txBody>
-      </p:sp>
-      <p:sp>
-        <p:nvSpPr>
-          <p:cNvPr id="8" name="ZoneTexte 7"/>
-          <p:cNvSpPr txBox="1"/>
-          <p:nvPr/>
-        </p:nvSpPr>
-        <p:spPr>
-          <a:xfrm>
-            <a:off x="8590257" y="4829506"/>
-            <a:ext cx="2637182" cy="1200329"/>
-          </a:xfrm>
-          <a:prstGeom prst="rect">
-            <a:avLst/>
-          </a:prstGeom>
-          <a:noFill/>
-        </p:spPr>
-        <p:txBody>
-          <a:bodyPr wrap="square" rtlCol="0">
-            <a:spAutoFit/>
-          </a:bodyPr>
-          <a:lstStyle/>
-          <a:p>
-            <a:pPr marL="285750" indent="-285750">
-              <a:buFontTx/>
-              <a:buChar char="-"/>
-            </a:pPr>
-            <a:r>
-              <a:rPr lang="fr-FR" dirty="0">
-                <a:latin typeface="Times New Roman" panose="02020603050405020304" pitchFamily="18" charset="0"/>
-                <a:cs typeface="Times New Roman" panose="02020603050405020304" pitchFamily="18" charset="0"/>
-              </a:rPr>
-              <a:t>Portée de 50 mètres</a:t>
-            </a:r>
-          </a:p>
-          <a:p>
-            <a:pPr marL="285750" indent="-285750">
-              <a:buFontTx/>
-              <a:buChar char="-"/>
-            </a:pPr>
-            <a:r>
-              <a:rPr lang="fr-FR" dirty="0">
-                <a:latin typeface="Times New Roman" panose="02020603050405020304" pitchFamily="18" charset="0"/>
-                <a:cs typeface="Times New Roman" panose="02020603050405020304" pitchFamily="18" charset="0"/>
-              </a:rPr>
-              <a:t>Taux de transfert maximum de 300Mb/s</a:t>
-            </a:r>
-          </a:p>
-          <a:p>
-            <a:pPr marL="285750" indent="-285750">
-              <a:buFontTx/>
-              <a:buChar char="-"/>
-            </a:pPr>
-            <a:r>
-              <a:rPr lang="fr-FR" dirty="0">
-                <a:latin typeface="Times New Roman" panose="02020603050405020304" pitchFamily="18" charset="0"/>
-                <a:cs typeface="Times New Roman" panose="02020603050405020304" pitchFamily="18" charset="0"/>
-              </a:rPr>
-              <a:t>Peu couteux</a:t>
-            </a:r>
-          </a:p>
-        </p:txBody>
-      </p:sp>
-      <p:sp>
-        <p:nvSpPr>
-          <p:cNvPr id="9" name="ZoneTexte 8"/>
-          <p:cNvSpPr txBox="1"/>
-          <p:nvPr/>
-        </p:nvSpPr>
-        <p:spPr>
-          <a:xfrm>
-            <a:off x="4505841" y="1658633"/>
-            <a:ext cx="2438400" cy="1477328"/>
-          </a:xfrm>
-          <a:prstGeom prst="rect">
-            <a:avLst/>
-          </a:prstGeom>
-          <a:noFill/>
-        </p:spPr>
-        <p:txBody>
-          <a:bodyPr wrap="square" rtlCol="0">
-            <a:spAutoFit/>
-          </a:bodyPr>
-          <a:lstStyle/>
-          <a:p>
-            <a:pPr marL="285750" indent="-285750">
-              <a:buFontTx/>
-              <a:buChar char="-"/>
-            </a:pPr>
-            <a:r>
-              <a:rPr lang="fr-FR" dirty="0">
-                <a:latin typeface="Times New Roman" panose="02020603050405020304" pitchFamily="18" charset="0"/>
-                <a:cs typeface="Times New Roman" panose="02020603050405020304" pitchFamily="18" charset="0"/>
-              </a:rPr>
-              <a:t>Portée de 50 mètres</a:t>
-            </a:r>
-          </a:p>
-          <a:p>
-            <a:pPr marL="285750" indent="-285750">
-              <a:buFontTx/>
-              <a:buChar char="-"/>
-            </a:pPr>
-            <a:r>
-              <a:rPr lang="fr-FR" dirty="0">
-                <a:latin typeface="Times New Roman" panose="02020603050405020304" pitchFamily="18" charset="0"/>
-                <a:cs typeface="Times New Roman" panose="02020603050405020304" pitchFamily="18" charset="0"/>
-              </a:rPr>
-              <a:t>Délivre un débit très convenable pour 91 personnes </a:t>
-            </a:r>
-          </a:p>
-          <a:p>
-            <a:pPr marL="285750" indent="-285750">
-              <a:buFontTx/>
-              <a:buChar char="-"/>
-            </a:pPr>
-            <a:r>
-              <a:rPr lang="fr-FR" dirty="0">
-                <a:latin typeface="Times New Roman" panose="02020603050405020304" pitchFamily="18" charset="0"/>
-                <a:cs typeface="Times New Roman" panose="02020603050405020304" pitchFamily="18" charset="0"/>
-              </a:rPr>
-              <a:t>Peu couteux</a:t>
-            </a:r>
-          </a:p>
-        </p:txBody>
-      </p:sp>
-    </p:spTree>
-    <p:extLst>
-      <p:ext uri="{BB962C8B-B14F-4D97-AF65-F5344CB8AC3E}">
-        <p14:creationId xmlns:p14="http://schemas.microsoft.com/office/powerpoint/2010/main" val="3294137470"/>
-      </p:ext>
-    </p:extLst>
-  </p:cSld>
-  <p:clrMapOvr>
-    <a:masterClrMapping/>
-  </p:clrMapOvr>
-  <p:timing>
-    <p:tnLst>
-      <p:par>
-        <p:cTn id="1" dur="indefinite" restart="never" nodeType="tmRoot">
-          <p:childTnLst>
-            <p:seq concurrent="1" nextAc="seek">
-              <p:cTn id="2" dur="indefinite" nodeType="mainSeq">
-                <p:childTnLst>
-                  <p:par>
-                    <p:cTn id="3" fill="hold">
-                      <p:stCondLst>
-                        <p:cond delay="indefinite"/>
-                      </p:stCondLst>
-                      <p:childTnLst>
-                        <p:par>
-                          <p:cTn id="4" fill="hold">
-                            <p:stCondLst>
-                              <p:cond delay="0"/>
-                            </p:stCondLst>
-                            <p:childTnLst>
-                              <p:par>
-                                <p:cTn id="5" presetID="10" presetClass="entr" presetSubtype="0" fill="hold" nodeType="clickEffect">
-                                  <p:stCondLst>
-                                    <p:cond delay="0"/>
-                                  </p:stCondLst>
-                                  <p:childTnLst>
-                                    <p:set>
-                                      <p:cBhvr>
-                                        <p:cTn id="6" dur="1" fill="hold">
-                                          <p:stCondLst>
-                                            <p:cond delay="0"/>
-                                          </p:stCondLst>
-                                        </p:cTn>
-                                        <p:tgtEl>
-                                          <p:spTgt spid="4"/>
-                                        </p:tgtEl>
-                                        <p:attrNameLst>
-                                          <p:attrName>style.visibility</p:attrName>
-                                        </p:attrNameLst>
-                                      </p:cBhvr>
-                                      <p:to>
-                                        <p:strVal val="visible"/>
-                                      </p:to>
-                                    </p:set>
-                                    <p:animEffect transition="in" filter="fade">
-                                      <p:cBhvr>
-                                        <p:cTn id="7" dur="500"/>
-                                        <p:tgtEl>
-                                          <p:spTgt spid="4"/>
-                                        </p:tgtEl>
-                                      </p:cBhvr>
-                                    </p:animEffect>
-                                  </p:childTnLst>
-                                </p:cTn>
-                              </p:par>
-                            </p:childTnLst>
-                          </p:cTn>
-                        </p:par>
-                      </p:childTnLst>
-                    </p:cTn>
-                  </p:par>
-                  <p:par>
-                    <p:cTn id="8" fill="hold">
-                      <p:stCondLst>
-                        <p:cond delay="indefinite"/>
-                      </p:stCondLst>
-                      <p:childTnLst>
-                        <p:par>
-                          <p:cTn id="9" fill="hold">
-                            <p:stCondLst>
-                              <p:cond delay="0"/>
-                            </p:stCondLst>
-                            <p:childTnLst>
-                              <p:par>
-                                <p:cTn id="10" presetID="10" presetClass="entr" presetSubtype="0" fill="hold" grpId="0" nodeType="clickEffect">
-                                  <p:stCondLst>
-                                    <p:cond delay="0"/>
-                                  </p:stCondLst>
-                                  <p:childTnLst>
-                                    <p:set>
-                                      <p:cBhvr>
-                                        <p:cTn id="11" dur="1" fill="hold">
-                                          <p:stCondLst>
-                                            <p:cond delay="0"/>
-                                          </p:stCondLst>
-                                        </p:cTn>
-                                        <p:tgtEl>
-                                          <p:spTgt spid="9"/>
-                                        </p:tgtEl>
-                                        <p:attrNameLst>
-                                          <p:attrName>style.visibility</p:attrName>
-                                        </p:attrNameLst>
-                                      </p:cBhvr>
-                                      <p:to>
-                                        <p:strVal val="visible"/>
-                                      </p:to>
-                                    </p:set>
-                                    <p:animEffect transition="in" filter="fade">
-                                      <p:cBhvr>
-                                        <p:cTn id="12" dur="500"/>
-                                        <p:tgtEl>
-                                          <p:spTgt spid="9"/>
-                                        </p:tgtEl>
-                                      </p:cBhvr>
-                                    </p:animEffect>
-                                  </p:childTnLst>
-                                </p:cTn>
-                              </p:par>
-                            </p:childTnLst>
-                          </p:cTn>
-                        </p:par>
-                      </p:childTnLst>
-                    </p:cTn>
-                  </p:par>
-                  <p:par>
-                    <p:cTn id="13" fill="hold">
-                      <p:stCondLst>
-                        <p:cond delay="indefinite"/>
-                      </p:stCondLst>
-                      <p:childTnLst>
-                        <p:par>
-                          <p:cTn id="14" fill="hold">
-                            <p:stCondLst>
-                              <p:cond delay="0"/>
-                            </p:stCondLst>
-                            <p:childTnLst>
-                              <p:par>
-                                <p:cTn id="15" presetID="10" presetClass="entr" presetSubtype="0" fill="hold" nodeType="clickEffect">
-                                  <p:stCondLst>
-                                    <p:cond delay="0"/>
-                                  </p:stCondLst>
-                                  <p:childTnLst>
-                                    <p:set>
-                                      <p:cBhvr>
-                                        <p:cTn id="16" dur="1" fill="hold">
-                                          <p:stCondLst>
-                                            <p:cond delay="0"/>
-                                          </p:stCondLst>
-                                        </p:cTn>
-                                        <p:tgtEl>
-                                          <p:spTgt spid="5"/>
-                                        </p:tgtEl>
-                                        <p:attrNameLst>
-                                          <p:attrName>style.visibility</p:attrName>
-                                        </p:attrNameLst>
-                                      </p:cBhvr>
-                                      <p:to>
-                                        <p:strVal val="visible"/>
-                                      </p:to>
-                                    </p:set>
-                                    <p:animEffect transition="in" filter="fade">
-                                      <p:cBhvr>
-                                        <p:cTn id="17" dur="500"/>
-                                        <p:tgtEl>
-                                          <p:spTgt spid="5"/>
-                                        </p:tgtEl>
-                                      </p:cBhvr>
-                                    </p:animEffect>
-                                  </p:childTnLst>
-                                </p:cTn>
-                              </p:par>
-                            </p:childTnLst>
-                          </p:cTn>
-                        </p:par>
-                      </p:childTnLst>
-                    </p:cTn>
-                  </p:par>
-                  <p:par>
-                    <p:cTn id="18" fill="hold">
-                      <p:stCondLst>
-                        <p:cond delay="indefinite"/>
-                      </p:stCondLst>
-                      <p:childTnLst>
-                        <p:par>
-                          <p:cTn id="19" fill="hold">
-                            <p:stCondLst>
-                              <p:cond delay="0"/>
-                            </p:stCondLst>
-                            <p:childTnLst>
-                              <p:par>
-                                <p:cTn id="20" presetID="10" presetClass="entr" presetSubtype="0" fill="hold" grpId="0" nodeType="clickEffect">
-                                  <p:stCondLst>
-                                    <p:cond delay="0"/>
-                                  </p:stCondLst>
-                                  <p:childTnLst>
-                                    <p:set>
-                                      <p:cBhvr>
-                                        <p:cTn id="21" dur="1" fill="hold">
-                                          <p:stCondLst>
-                                            <p:cond delay="0"/>
-                                          </p:stCondLst>
-                                        </p:cTn>
-                                        <p:tgtEl>
-                                          <p:spTgt spid="8"/>
-                                        </p:tgtEl>
-                                        <p:attrNameLst>
-                                          <p:attrName>style.visibility</p:attrName>
-                                        </p:attrNameLst>
-                                      </p:cBhvr>
-                                      <p:to>
-                                        <p:strVal val="visible"/>
-                                      </p:to>
-                                    </p:set>
-                                    <p:animEffect transition="in" filter="fade">
-                                      <p:cBhvr>
-                                        <p:cTn id="22" dur="500"/>
-                                        <p:tgtEl>
-                                          <p:spTgt spid="8"/>
-                                        </p:tgtEl>
-                                      </p:cBhvr>
-                                    </p:animEffect>
-                                  </p:childTnLst>
-                                </p:cTn>
-                              </p:par>
-                            </p:childTnLst>
-                          </p:cTn>
-                        </p:par>
-                      </p:childTnLst>
-                    </p:cTn>
-                  </p:par>
-                </p:childTnLst>
-              </p:cTn>
-              <p:prevCondLst>
-                <p:cond evt="onPrev" delay="0">
-                  <p:tgtEl>
-                    <p:sldTgt/>
-                  </p:tgtEl>
-                </p:cond>
-              </p:prevCondLst>
-              <p:nextCondLst>
-                <p:cond evt="onNext" delay="0">
-                  <p:tgtEl>
-                    <p:sldTgt/>
-                  </p:tgtEl>
-                </p:cond>
-              </p:nextCondLst>
-            </p:seq>
-          </p:childTnLst>
-        </p:cTn>
-      </p:par>
-    </p:tnLst>
-    <p:bldLst>
-      <p:bldP spid="8" grpId="0"/>
-      <p:bldP spid="9" grpId="0"/>
-    </p:bldLst>
-  </p:timing>
-</p:sld>
-</file>
-
-<file path=ppt/slides/slide9.xml><?xml version="1.0" encoding="utf-8"?>
-<p:sld xmlns:a="http://schemas.openxmlformats.org/drawingml/2006/main" xmlns:r="http://schemas.openxmlformats.org/officeDocument/2006/relationships" xmlns:p="http://schemas.openxmlformats.org/presentationml/2006/main">
-  <p:cSld>
-    <p:spTree>
-      <p:nvGrpSpPr>
-        <p:cNvPr id="1" name=""/>
-        <p:cNvGrpSpPr/>
-        <p:nvPr/>
-      </p:nvGrpSpPr>
-      <p:grpSpPr>
-        <a:xfrm>
-          <a:off x="0" y="0"/>
-          <a:ext cx="0" cy="0"/>
-          <a:chOff x="0" y="0"/>
-          <a:chExt cx="0" cy="0"/>
-        </a:xfrm>
-      </p:grpSpPr>
-      <p:sp>
-        <p:nvSpPr>
-          <p:cNvPr id="2" name="Titre 1"/>
-          <p:cNvSpPr>
-            <a:spLocks noGrp="1"/>
-          </p:cNvSpPr>
-          <p:nvPr>
-            <p:ph type="title"/>
-          </p:nvPr>
-        </p:nvSpPr>
-        <p:spPr>
-          <a:xfrm>
-            <a:off x="1208726" y="-467139"/>
-            <a:ext cx="10018713" cy="1752599"/>
-          </a:xfrm>
-        </p:spPr>
-        <p:txBody>
-          <a:bodyPr/>
-          <a:lstStyle/>
-          <a:p>
-            <a:r>
-              <a:rPr lang="fr-FR" dirty="0">
-                <a:latin typeface="Times New Roman" panose="02020603050405020304" pitchFamily="18" charset="0"/>
-                <a:cs typeface="Times New Roman" panose="02020603050405020304" pitchFamily="18" charset="0"/>
-              </a:rPr>
-              <a:t>Placement des équipements Wi- Fi</a:t>
-            </a:r>
-          </a:p>
-        </p:txBody>
-      </p:sp>
-      <p:sp>
-        <p:nvSpPr>
-          <p:cNvPr id="4" name="Espace réservé du numéro de diapositive 3"/>
-          <p:cNvSpPr>
-            <a:spLocks noGrp="1"/>
-          </p:cNvSpPr>
-          <p:nvPr>
-            <p:ph type="sldNum" sz="quarter" idx="12"/>
-          </p:nvPr>
-        </p:nvSpPr>
-        <p:spPr/>
-        <p:txBody>
-          <a:bodyPr/>
-          <a:lstStyle/>
-          <a:p>
-            <a:fld id="{4FAB73BC-B049-4115-A692-8D63A059BFB8}" type="slidenum">
-              <a:rPr lang="en-US" sz="2000" smtClean="0">
-                <a:latin typeface="Times New Roman" panose="02020603050405020304" pitchFamily="18" charset="0"/>
-                <a:cs typeface="Times New Roman" panose="02020603050405020304" pitchFamily="18" charset="0"/>
-              </a:rPr>
-              <a:t>9</a:t>
             </a:fld>
             <a:endParaRPr lang="en-US" sz="2000" dirty="0">
               <a:latin typeface="Times New Roman" panose="02020603050405020304" pitchFamily="18" charset="0"/>
@@ -9420,6 +7210,5823 @@
         </p:cTn>
       </p:par>
     </p:tnLst>
+  </p:timing>
+</p:sld>
+</file>
+
+<file path=ppt/slides/slide11.xml><?xml version="1.0" encoding="utf-8"?>
+<p:sld xmlns:a="http://schemas.openxmlformats.org/drawingml/2006/main" xmlns:r="http://schemas.openxmlformats.org/officeDocument/2006/relationships" xmlns:p="http://schemas.openxmlformats.org/presentationml/2006/main">
+  <p:cSld>
+    <p:spTree>
+      <p:nvGrpSpPr>
+        <p:cNvPr id="1" name=""/>
+        <p:cNvGrpSpPr/>
+        <p:nvPr/>
+      </p:nvGrpSpPr>
+      <p:grpSpPr>
+        <a:xfrm>
+          <a:off x="0" y="0"/>
+          <a:ext cx="0" cy="0"/>
+          <a:chOff x="0" y="0"/>
+          <a:chExt cx="0" cy="0"/>
+        </a:xfrm>
+      </p:grpSpPr>
+      <p:sp>
+        <p:nvSpPr>
+          <p:cNvPr id="2" name="Titre 1"/>
+          <p:cNvSpPr>
+            <a:spLocks noGrp="1"/>
+          </p:cNvSpPr>
+          <p:nvPr>
+            <p:ph type="title"/>
+          </p:nvPr>
+        </p:nvSpPr>
+        <p:spPr>
+          <a:xfrm>
+            <a:off x="752652" y="-381749"/>
+            <a:ext cx="10018713" cy="1752599"/>
+          </a:xfrm>
+        </p:spPr>
+        <p:txBody>
+          <a:bodyPr/>
+          <a:lstStyle/>
+          <a:p>
+            <a:r>
+              <a:rPr lang="fr-FR" dirty="0">
+                <a:latin typeface="Times New Roman" panose="02020603050405020304" pitchFamily="18" charset="0"/>
+                <a:cs typeface="Times New Roman" panose="02020603050405020304" pitchFamily="18" charset="0"/>
+              </a:rPr>
+              <a:t>Clonage et mise en place des machines</a:t>
+            </a:r>
+          </a:p>
+        </p:txBody>
+      </p:sp>
+      <p:sp>
+        <p:nvSpPr>
+          <p:cNvPr id="3" name="Espace réservé du contenu 2"/>
+          <p:cNvSpPr>
+            <a:spLocks noGrp="1"/>
+          </p:cNvSpPr>
+          <p:nvPr>
+            <p:ph idx="1"/>
+          </p:nvPr>
+        </p:nvSpPr>
+        <p:spPr>
+          <a:xfrm>
+            <a:off x="1763803" y="1597470"/>
+            <a:ext cx="3017244" cy="772577"/>
+          </a:xfrm>
+        </p:spPr>
+        <p:txBody>
+          <a:bodyPr/>
+          <a:lstStyle/>
+          <a:p>
+            <a:pPr marL="0" indent="0">
+              <a:buNone/>
+            </a:pPr>
+            <a:r>
+              <a:rPr lang="fr-FR" dirty="0"/>
+              <a:t>Clonage des logiciels </a:t>
+            </a:r>
+          </a:p>
+          <a:p>
+            <a:endParaRPr lang="fr-FR" dirty="0"/>
+          </a:p>
+        </p:txBody>
+      </p:sp>
+      <p:sp>
+        <p:nvSpPr>
+          <p:cNvPr id="5" name="Espace réservé du numéro de diapositive 3"/>
+          <p:cNvSpPr>
+            <a:spLocks noGrp="1"/>
+          </p:cNvSpPr>
+          <p:nvPr>
+            <p:ph type="sldNum" sz="quarter" idx="12"/>
+          </p:nvPr>
+        </p:nvSpPr>
+        <p:spPr>
+          <a:xfrm>
+            <a:off x="11397007" y="6059738"/>
+            <a:ext cx="551167" cy="365125"/>
+          </a:xfrm>
+        </p:spPr>
+        <p:txBody>
+          <a:bodyPr/>
+          <a:lstStyle/>
+          <a:p>
+            <a:fld id="{4FAB73BC-B049-4115-A692-8D63A059BFB8}" type="slidenum">
+              <a:rPr lang="en-US" sz="2000" smtClean="0">
+                <a:latin typeface="Times New Roman" panose="02020603050405020304" pitchFamily="18" charset="0"/>
+                <a:cs typeface="Times New Roman" panose="02020603050405020304" pitchFamily="18" charset="0"/>
+              </a:rPr>
+              <a:t>11</a:t>
+            </a:fld>
+            <a:endParaRPr lang="en-US" sz="2000" dirty="0">
+              <a:latin typeface="Times New Roman" panose="02020603050405020304" pitchFamily="18" charset="0"/>
+              <a:cs typeface="Times New Roman" panose="02020603050405020304" pitchFamily="18" charset="0"/>
+            </a:endParaRPr>
+          </a:p>
+        </p:txBody>
+      </p:sp>
+      <p:pic>
+        <p:nvPicPr>
+          <p:cNvPr id="4" name="Image 3"/>
+          <p:cNvPicPr>
+            <a:picLocks noChangeAspect="1"/>
+          </p:cNvPicPr>
+          <p:nvPr/>
+        </p:nvPicPr>
+        <p:blipFill>
+          <a:blip r:embed="rId2"/>
+          <a:stretch>
+            <a:fillRect/>
+          </a:stretch>
+        </p:blipFill>
+        <p:spPr>
+          <a:xfrm>
+            <a:off x="8952131" y="1196417"/>
+            <a:ext cx="2890278" cy="4093064"/>
+          </a:xfrm>
+          <a:prstGeom prst="rect">
+            <a:avLst/>
+          </a:prstGeom>
+        </p:spPr>
+      </p:pic>
+      <p:sp>
+        <p:nvSpPr>
+          <p:cNvPr id="6" name="ZoneTexte 5"/>
+          <p:cNvSpPr txBox="1"/>
+          <p:nvPr/>
+        </p:nvSpPr>
+        <p:spPr>
+          <a:xfrm>
+            <a:off x="7071634" y="1757139"/>
+            <a:ext cx="2209259" cy="707886"/>
+          </a:xfrm>
+          <a:prstGeom prst="rect">
+            <a:avLst/>
+          </a:prstGeom>
+          <a:noFill/>
+        </p:spPr>
+        <p:txBody>
+          <a:bodyPr wrap="none" rtlCol="0">
+            <a:spAutoFit/>
+          </a:bodyPr>
+          <a:lstStyle/>
+          <a:p>
+            <a:r>
+              <a:rPr lang="fr-FR" sz="2000" dirty="0"/>
+              <a:t>Logiciel de clonage</a:t>
+            </a:r>
+          </a:p>
+          <a:p>
+            <a:r>
+              <a:rPr lang="fr-FR" sz="2000" dirty="0"/>
+              <a:t>         </a:t>
+            </a:r>
+            <a:r>
+              <a:rPr lang="fr-FR" sz="2000" dirty="0" err="1"/>
+              <a:t>Clonezilla</a:t>
+            </a:r>
+            <a:endParaRPr lang="fr-FR" dirty="0"/>
+          </a:p>
+        </p:txBody>
+      </p:sp>
+      <p:sp>
+        <p:nvSpPr>
+          <p:cNvPr id="7" name="ZoneTexte 6"/>
+          <p:cNvSpPr txBox="1"/>
+          <p:nvPr/>
+        </p:nvSpPr>
+        <p:spPr>
+          <a:xfrm>
+            <a:off x="1201096" y="2370047"/>
+            <a:ext cx="5165624" cy="461665"/>
+          </a:xfrm>
+          <a:prstGeom prst="rect">
+            <a:avLst/>
+          </a:prstGeom>
+          <a:noFill/>
+        </p:spPr>
+        <p:txBody>
+          <a:bodyPr wrap="square" rtlCol="0">
+            <a:spAutoFit/>
+          </a:bodyPr>
+          <a:lstStyle/>
+          <a:p>
+            <a:r>
+              <a:rPr lang="fr-FR" sz="2400" dirty="0"/>
+              <a:t>Ajout de l’adresse en IP en Statique</a:t>
+            </a:r>
+          </a:p>
+        </p:txBody>
+      </p:sp>
+      <p:graphicFrame>
+        <p:nvGraphicFramePr>
+          <p:cNvPr id="8" name="Tableau 7"/>
+          <p:cNvGraphicFramePr>
+            <a:graphicFrameLocks noGrp="1"/>
+          </p:cNvGraphicFramePr>
+          <p:nvPr>
+            <p:extLst>
+              <p:ext uri="{D42A27DB-BD31-4B8C-83A1-F6EECF244321}">
+                <p14:modId xmlns:p14="http://schemas.microsoft.com/office/powerpoint/2010/main" val="3949115368"/>
+              </p:ext>
+            </p:extLst>
+          </p:nvPr>
+        </p:nvGraphicFramePr>
+        <p:xfrm>
+          <a:off x="1201096" y="2957478"/>
+          <a:ext cx="5533654" cy="1877216"/>
+        </p:xfrm>
+        <a:graphic>
+          <a:graphicData uri="http://schemas.openxmlformats.org/drawingml/2006/table">
+            <a:tbl>
+              <a:tblPr firstRow="1" firstCol="1" bandRow="1">
+                <a:tableStyleId>{5C22544A-7EE6-4342-B048-85BDC9FD1C3A}</a:tableStyleId>
+              </a:tblPr>
+              <a:tblGrid>
+                <a:gridCol w="1101351">
+                  <a:extLst>
+                    <a:ext uri="{9D8B030D-6E8A-4147-A177-3AD203B41FA5}">
+                      <a16:colId xmlns:a16="http://schemas.microsoft.com/office/drawing/2014/main" val="2268745338"/>
+                    </a:ext>
+                  </a:extLst>
+                </a:gridCol>
+                <a:gridCol w="1500235">
+                  <a:extLst>
+                    <a:ext uri="{9D8B030D-6E8A-4147-A177-3AD203B41FA5}">
+                      <a16:colId xmlns:a16="http://schemas.microsoft.com/office/drawing/2014/main" val="3389646055"/>
+                    </a:ext>
+                  </a:extLst>
+                </a:gridCol>
+                <a:gridCol w="1431064">
+                  <a:extLst>
+                    <a:ext uri="{9D8B030D-6E8A-4147-A177-3AD203B41FA5}">
+                      <a16:colId xmlns:a16="http://schemas.microsoft.com/office/drawing/2014/main" val="48826112"/>
+                    </a:ext>
+                  </a:extLst>
+                </a:gridCol>
+                <a:gridCol w="1501004">
+                  <a:extLst>
+                    <a:ext uri="{9D8B030D-6E8A-4147-A177-3AD203B41FA5}">
+                      <a16:colId xmlns:a16="http://schemas.microsoft.com/office/drawing/2014/main" val="467621821"/>
+                    </a:ext>
+                  </a:extLst>
+                </a:gridCol>
+              </a:tblGrid>
+              <a:tr h="424632">
+                <a:tc>
+                  <a:txBody>
+                    <a:bodyPr/>
+                    <a:lstStyle/>
+                    <a:p>
+                      <a:pPr>
+                        <a:lnSpc>
+                          <a:spcPct val="107000"/>
+                        </a:lnSpc>
+                        <a:spcAft>
+                          <a:spcPts val="0"/>
+                        </a:spcAft>
+                      </a:pPr>
+                      <a:r>
+                        <a:rPr lang="fr-FR" sz="1300">
+                          <a:effectLst/>
+                        </a:rPr>
+                        <a:t>Attribution Réseau</a:t>
+                      </a:r>
+                      <a:endParaRPr lang="fr-FR" sz="1300">
+                        <a:effectLst/>
+                        <a:latin typeface="Calibri" panose="020F0502020204030204" pitchFamily="34" charset="0"/>
+                        <a:ea typeface="Malgun Gothic" panose="020B0503020000020004" pitchFamily="34" charset="-127"/>
+                        <a:cs typeface="Times New Roman" panose="02020603050405020304" pitchFamily="18" charset="0"/>
+                      </a:endParaRPr>
+                    </a:p>
+                  </a:txBody>
+                  <a:tcPr marL="83005" marR="83005" marT="0" marB="0"/>
+                </a:tc>
+                <a:tc>
+                  <a:txBody>
+                    <a:bodyPr/>
+                    <a:lstStyle/>
+                    <a:p>
+                      <a:pPr>
+                        <a:lnSpc>
+                          <a:spcPct val="107000"/>
+                        </a:lnSpc>
+                        <a:spcAft>
+                          <a:spcPts val="0"/>
+                        </a:spcAft>
+                      </a:pPr>
+                      <a:r>
+                        <a:rPr lang="fr-FR" sz="1300">
+                          <a:effectLst/>
+                        </a:rPr>
+                        <a:t>Masque Réseau</a:t>
+                      </a:r>
+                      <a:endParaRPr lang="fr-FR" sz="1300">
+                        <a:effectLst/>
+                        <a:latin typeface="Calibri" panose="020F0502020204030204" pitchFamily="34" charset="0"/>
+                        <a:ea typeface="Malgun Gothic" panose="020B0503020000020004" pitchFamily="34" charset="-127"/>
+                        <a:cs typeface="Times New Roman" panose="02020603050405020304" pitchFamily="18" charset="0"/>
+                      </a:endParaRPr>
+                    </a:p>
+                  </a:txBody>
+                  <a:tcPr marL="83005" marR="83005" marT="0" marB="0"/>
+                </a:tc>
+                <a:tc>
+                  <a:txBody>
+                    <a:bodyPr/>
+                    <a:lstStyle/>
+                    <a:p>
+                      <a:pPr>
+                        <a:lnSpc>
+                          <a:spcPct val="107000"/>
+                        </a:lnSpc>
+                        <a:spcAft>
+                          <a:spcPts val="0"/>
+                        </a:spcAft>
+                      </a:pPr>
+                      <a:r>
+                        <a:rPr lang="fr-FR" sz="1300">
+                          <a:effectLst/>
+                        </a:rPr>
+                        <a:t>Début de la plage</a:t>
+                      </a:r>
+                      <a:endParaRPr lang="fr-FR" sz="1300">
+                        <a:effectLst/>
+                        <a:latin typeface="Calibri" panose="020F0502020204030204" pitchFamily="34" charset="0"/>
+                        <a:ea typeface="Malgun Gothic" panose="020B0503020000020004" pitchFamily="34" charset="-127"/>
+                        <a:cs typeface="Times New Roman" panose="02020603050405020304" pitchFamily="18" charset="0"/>
+                      </a:endParaRPr>
+                    </a:p>
+                  </a:txBody>
+                  <a:tcPr marL="83005" marR="83005" marT="0" marB="0"/>
+                </a:tc>
+                <a:tc>
+                  <a:txBody>
+                    <a:bodyPr/>
+                    <a:lstStyle/>
+                    <a:p>
+                      <a:pPr>
+                        <a:lnSpc>
+                          <a:spcPct val="107000"/>
+                        </a:lnSpc>
+                        <a:spcAft>
+                          <a:spcPts val="0"/>
+                        </a:spcAft>
+                      </a:pPr>
+                      <a:r>
+                        <a:rPr lang="fr-FR" sz="1300">
+                          <a:effectLst/>
+                        </a:rPr>
+                        <a:t>Fin de la plage</a:t>
+                      </a:r>
+                      <a:endParaRPr lang="fr-FR" sz="1300">
+                        <a:effectLst/>
+                        <a:latin typeface="Calibri" panose="020F0502020204030204" pitchFamily="34" charset="0"/>
+                        <a:ea typeface="Malgun Gothic" panose="020B0503020000020004" pitchFamily="34" charset="-127"/>
+                        <a:cs typeface="Times New Roman" panose="02020603050405020304" pitchFamily="18" charset="0"/>
+                      </a:endParaRPr>
+                    </a:p>
+                  </a:txBody>
+                  <a:tcPr marL="83005" marR="83005" marT="0" marB="0"/>
+                </a:tc>
+                <a:extLst>
+                  <a:ext uri="{0D108BD9-81ED-4DB2-BD59-A6C34878D82A}">
+                    <a16:rowId xmlns:a16="http://schemas.microsoft.com/office/drawing/2014/main" val="2869409024"/>
+                  </a:ext>
+                </a:extLst>
+              </a:tr>
+              <a:tr h="207512">
+                <a:tc>
+                  <a:txBody>
+                    <a:bodyPr/>
+                    <a:lstStyle/>
+                    <a:p>
+                      <a:pPr algn="ctr">
+                        <a:lnSpc>
+                          <a:spcPct val="107000"/>
+                        </a:lnSpc>
+                        <a:spcAft>
+                          <a:spcPts val="0"/>
+                        </a:spcAft>
+                      </a:pPr>
+                      <a:r>
+                        <a:rPr lang="fr-FR" sz="1300">
+                          <a:effectLst/>
+                        </a:rPr>
+                        <a:t>192.168.0.0</a:t>
+                      </a:r>
+                      <a:endParaRPr lang="fr-FR" sz="1300">
+                        <a:effectLst/>
+                        <a:latin typeface="Calibri" panose="020F0502020204030204" pitchFamily="34" charset="0"/>
+                        <a:ea typeface="Malgun Gothic" panose="020B0503020000020004" pitchFamily="34" charset="-127"/>
+                        <a:cs typeface="Times New Roman" panose="02020603050405020304" pitchFamily="18" charset="0"/>
+                      </a:endParaRPr>
+                    </a:p>
+                  </a:txBody>
+                  <a:tcPr marL="83005" marR="83005" marT="0" marB="0"/>
+                </a:tc>
+                <a:tc>
+                  <a:txBody>
+                    <a:bodyPr/>
+                    <a:lstStyle/>
+                    <a:p>
+                      <a:pPr algn="ctr">
+                        <a:lnSpc>
+                          <a:spcPct val="107000"/>
+                        </a:lnSpc>
+                        <a:spcAft>
+                          <a:spcPts val="0"/>
+                        </a:spcAft>
+                      </a:pPr>
+                      <a:r>
+                        <a:rPr lang="fr-FR" sz="1300">
+                          <a:effectLst/>
+                        </a:rPr>
+                        <a:t>/21</a:t>
+                      </a:r>
+                      <a:endParaRPr lang="fr-FR" sz="1300">
+                        <a:effectLst/>
+                        <a:latin typeface="Calibri" panose="020F0502020204030204" pitchFamily="34" charset="0"/>
+                        <a:ea typeface="Malgun Gothic" panose="020B0503020000020004" pitchFamily="34" charset="-127"/>
+                        <a:cs typeface="Times New Roman" panose="02020603050405020304" pitchFamily="18" charset="0"/>
+                      </a:endParaRPr>
+                    </a:p>
+                  </a:txBody>
+                  <a:tcPr marL="83005" marR="83005" marT="0" marB="0"/>
+                </a:tc>
+                <a:tc>
+                  <a:txBody>
+                    <a:bodyPr/>
+                    <a:lstStyle/>
+                    <a:p>
+                      <a:pPr algn="ctr">
+                        <a:lnSpc>
+                          <a:spcPct val="107000"/>
+                        </a:lnSpc>
+                        <a:spcAft>
+                          <a:spcPts val="0"/>
+                        </a:spcAft>
+                      </a:pPr>
+                      <a:r>
+                        <a:rPr lang="fr-FR" sz="1300">
+                          <a:effectLst/>
+                        </a:rPr>
+                        <a:t>192.168.0.1</a:t>
+                      </a:r>
+                      <a:endParaRPr lang="fr-FR" sz="1300">
+                        <a:effectLst/>
+                        <a:latin typeface="Calibri" panose="020F0502020204030204" pitchFamily="34" charset="0"/>
+                        <a:ea typeface="Malgun Gothic" panose="020B0503020000020004" pitchFamily="34" charset="-127"/>
+                        <a:cs typeface="Times New Roman" panose="02020603050405020304" pitchFamily="18" charset="0"/>
+                      </a:endParaRPr>
+                    </a:p>
+                  </a:txBody>
+                  <a:tcPr marL="83005" marR="83005" marT="0" marB="0"/>
+                </a:tc>
+                <a:tc>
+                  <a:txBody>
+                    <a:bodyPr/>
+                    <a:lstStyle/>
+                    <a:p>
+                      <a:pPr algn="ctr">
+                        <a:lnSpc>
+                          <a:spcPct val="107000"/>
+                        </a:lnSpc>
+                        <a:spcAft>
+                          <a:spcPts val="0"/>
+                        </a:spcAft>
+                      </a:pPr>
+                      <a:r>
+                        <a:rPr lang="fr-FR" sz="1300">
+                          <a:effectLst/>
+                        </a:rPr>
+                        <a:t>192.168.0.254</a:t>
+                      </a:r>
+                      <a:endParaRPr lang="fr-FR" sz="1300">
+                        <a:effectLst/>
+                        <a:latin typeface="Calibri" panose="020F0502020204030204" pitchFamily="34" charset="0"/>
+                        <a:ea typeface="Malgun Gothic" panose="020B0503020000020004" pitchFamily="34" charset="-127"/>
+                        <a:cs typeface="Times New Roman" panose="02020603050405020304" pitchFamily="18" charset="0"/>
+                      </a:endParaRPr>
+                    </a:p>
+                  </a:txBody>
+                  <a:tcPr marL="83005" marR="83005" marT="0" marB="0"/>
+                </a:tc>
+                <a:extLst>
+                  <a:ext uri="{0D108BD9-81ED-4DB2-BD59-A6C34878D82A}">
+                    <a16:rowId xmlns:a16="http://schemas.microsoft.com/office/drawing/2014/main" val="5170398"/>
+                  </a:ext>
+                </a:extLst>
+              </a:tr>
+              <a:tr h="207512">
+                <a:tc>
+                  <a:txBody>
+                    <a:bodyPr/>
+                    <a:lstStyle/>
+                    <a:p>
+                      <a:pPr algn="ctr">
+                        <a:lnSpc>
+                          <a:spcPct val="107000"/>
+                        </a:lnSpc>
+                        <a:spcAft>
+                          <a:spcPts val="0"/>
+                        </a:spcAft>
+                      </a:pPr>
+                      <a:r>
+                        <a:rPr lang="fr-FR" sz="1300">
+                          <a:effectLst/>
+                        </a:rPr>
+                        <a:t>192.168.1.0</a:t>
+                      </a:r>
+                      <a:endParaRPr lang="fr-FR" sz="1300">
+                        <a:effectLst/>
+                        <a:latin typeface="Calibri" panose="020F0502020204030204" pitchFamily="34" charset="0"/>
+                        <a:ea typeface="Malgun Gothic" panose="020B0503020000020004" pitchFamily="34" charset="-127"/>
+                        <a:cs typeface="Times New Roman" panose="02020603050405020304" pitchFamily="18" charset="0"/>
+                      </a:endParaRPr>
+                    </a:p>
+                  </a:txBody>
+                  <a:tcPr marL="83005" marR="83005" marT="0" marB="0"/>
+                </a:tc>
+                <a:tc>
+                  <a:txBody>
+                    <a:bodyPr/>
+                    <a:lstStyle/>
+                    <a:p>
+                      <a:pPr algn="ctr">
+                        <a:lnSpc>
+                          <a:spcPct val="107000"/>
+                        </a:lnSpc>
+                        <a:spcAft>
+                          <a:spcPts val="0"/>
+                        </a:spcAft>
+                      </a:pPr>
+                      <a:r>
+                        <a:rPr lang="fr-FR" sz="1300">
+                          <a:effectLst/>
+                        </a:rPr>
+                        <a:t>/21</a:t>
+                      </a:r>
+                      <a:endParaRPr lang="fr-FR" sz="1300">
+                        <a:effectLst/>
+                        <a:latin typeface="Calibri" panose="020F0502020204030204" pitchFamily="34" charset="0"/>
+                        <a:ea typeface="Malgun Gothic" panose="020B0503020000020004" pitchFamily="34" charset="-127"/>
+                        <a:cs typeface="Times New Roman" panose="02020603050405020304" pitchFamily="18" charset="0"/>
+                      </a:endParaRPr>
+                    </a:p>
+                  </a:txBody>
+                  <a:tcPr marL="83005" marR="83005" marT="0" marB="0"/>
+                </a:tc>
+                <a:tc>
+                  <a:txBody>
+                    <a:bodyPr/>
+                    <a:lstStyle/>
+                    <a:p>
+                      <a:pPr algn="ctr">
+                        <a:lnSpc>
+                          <a:spcPct val="107000"/>
+                        </a:lnSpc>
+                        <a:spcAft>
+                          <a:spcPts val="0"/>
+                        </a:spcAft>
+                      </a:pPr>
+                      <a:r>
+                        <a:rPr lang="fr-FR" sz="1300">
+                          <a:effectLst/>
+                        </a:rPr>
+                        <a:t>192.168.1.1</a:t>
+                      </a:r>
+                      <a:endParaRPr lang="fr-FR" sz="1300">
+                        <a:effectLst/>
+                        <a:latin typeface="Calibri" panose="020F0502020204030204" pitchFamily="34" charset="0"/>
+                        <a:ea typeface="Malgun Gothic" panose="020B0503020000020004" pitchFamily="34" charset="-127"/>
+                        <a:cs typeface="Times New Roman" panose="02020603050405020304" pitchFamily="18" charset="0"/>
+                      </a:endParaRPr>
+                    </a:p>
+                  </a:txBody>
+                  <a:tcPr marL="83005" marR="83005" marT="0" marB="0"/>
+                </a:tc>
+                <a:tc>
+                  <a:txBody>
+                    <a:bodyPr/>
+                    <a:lstStyle/>
+                    <a:p>
+                      <a:pPr algn="ctr">
+                        <a:lnSpc>
+                          <a:spcPct val="107000"/>
+                        </a:lnSpc>
+                        <a:spcAft>
+                          <a:spcPts val="0"/>
+                        </a:spcAft>
+                      </a:pPr>
+                      <a:r>
+                        <a:rPr lang="fr-FR" sz="1300">
+                          <a:effectLst/>
+                        </a:rPr>
+                        <a:t>192.168.1.254</a:t>
+                      </a:r>
+                      <a:endParaRPr lang="fr-FR" sz="1300">
+                        <a:effectLst/>
+                        <a:latin typeface="Calibri" panose="020F0502020204030204" pitchFamily="34" charset="0"/>
+                        <a:ea typeface="Malgun Gothic" panose="020B0503020000020004" pitchFamily="34" charset="-127"/>
+                        <a:cs typeface="Times New Roman" panose="02020603050405020304" pitchFamily="18" charset="0"/>
+                      </a:endParaRPr>
+                    </a:p>
+                  </a:txBody>
+                  <a:tcPr marL="83005" marR="83005" marT="0" marB="0"/>
+                </a:tc>
+                <a:extLst>
+                  <a:ext uri="{0D108BD9-81ED-4DB2-BD59-A6C34878D82A}">
+                    <a16:rowId xmlns:a16="http://schemas.microsoft.com/office/drawing/2014/main" val="2886873798"/>
+                  </a:ext>
+                </a:extLst>
+              </a:tr>
+              <a:tr h="207512">
+                <a:tc>
+                  <a:txBody>
+                    <a:bodyPr/>
+                    <a:lstStyle/>
+                    <a:p>
+                      <a:pPr algn="ctr">
+                        <a:lnSpc>
+                          <a:spcPct val="107000"/>
+                        </a:lnSpc>
+                        <a:spcAft>
+                          <a:spcPts val="0"/>
+                        </a:spcAft>
+                      </a:pPr>
+                      <a:r>
+                        <a:rPr lang="fr-FR" sz="1300">
+                          <a:effectLst/>
+                        </a:rPr>
+                        <a:t>192.168.2.0</a:t>
+                      </a:r>
+                      <a:endParaRPr lang="fr-FR" sz="1300">
+                        <a:effectLst/>
+                        <a:latin typeface="Calibri" panose="020F0502020204030204" pitchFamily="34" charset="0"/>
+                        <a:ea typeface="Malgun Gothic" panose="020B0503020000020004" pitchFamily="34" charset="-127"/>
+                        <a:cs typeface="Times New Roman" panose="02020603050405020304" pitchFamily="18" charset="0"/>
+                      </a:endParaRPr>
+                    </a:p>
+                  </a:txBody>
+                  <a:tcPr marL="83005" marR="83005" marT="0" marB="0"/>
+                </a:tc>
+                <a:tc>
+                  <a:txBody>
+                    <a:bodyPr/>
+                    <a:lstStyle/>
+                    <a:p>
+                      <a:pPr algn="ctr">
+                        <a:lnSpc>
+                          <a:spcPct val="107000"/>
+                        </a:lnSpc>
+                        <a:spcAft>
+                          <a:spcPts val="0"/>
+                        </a:spcAft>
+                      </a:pPr>
+                      <a:r>
+                        <a:rPr lang="fr-FR" sz="1300">
+                          <a:effectLst/>
+                        </a:rPr>
+                        <a:t>/21</a:t>
+                      </a:r>
+                      <a:endParaRPr lang="fr-FR" sz="1300">
+                        <a:effectLst/>
+                        <a:latin typeface="Calibri" panose="020F0502020204030204" pitchFamily="34" charset="0"/>
+                        <a:ea typeface="Malgun Gothic" panose="020B0503020000020004" pitchFamily="34" charset="-127"/>
+                        <a:cs typeface="Times New Roman" panose="02020603050405020304" pitchFamily="18" charset="0"/>
+                      </a:endParaRPr>
+                    </a:p>
+                  </a:txBody>
+                  <a:tcPr marL="83005" marR="83005" marT="0" marB="0"/>
+                </a:tc>
+                <a:tc>
+                  <a:txBody>
+                    <a:bodyPr/>
+                    <a:lstStyle/>
+                    <a:p>
+                      <a:pPr algn="ctr">
+                        <a:lnSpc>
+                          <a:spcPct val="107000"/>
+                        </a:lnSpc>
+                        <a:spcAft>
+                          <a:spcPts val="0"/>
+                        </a:spcAft>
+                      </a:pPr>
+                      <a:r>
+                        <a:rPr lang="fr-FR" sz="1300">
+                          <a:effectLst/>
+                        </a:rPr>
+                        <a:t>192.168.2.1</a:t>
+                      </a:r>
+                      <a:endParaRPr lang="fr-FR" sz="1300">
+                        <a:effectLst/>
+                        <a:latin typeface="Calibri" panose="020F0502020204030204" pitchFamily="34" charset="0"/>
+                        <a:ea typeface="Malgun Gothic" panose="020B0503020000020004" pitchFamily="34" charset="-127"/>
+                        <a:cs typeface="Times New Roman" panose="02020603050405020304" pitchFamily="18" charset="0"/>
+                      </a:endParaRPr>
+                    </a:p>
+                  </a:txBody>
+                  <a:tcPr marL="83005" marR="83005" marT="0" marB="0"/>
+                </a:tc>
+                <a:tc>
+                  <a:txBody>
+                    <a:bodyPr/>
+                    <a:lstStyle/>
+                    <a:p>
+                      <a:pPr algn="ctr">
+                        <a:lnSpc>
+                          <a:spcPct val="107000"/>
+                        </a:lnSpc>
+                        <a:spcAft>
+                          <a:spcPts val="0"/>
+                        </a:spcAft>
+                      </a:pPr>
+                      <a:r>
+                        <a:rPr lang="fr-FR" sz="1300">
+                          <a:effectLst/>
+                        </a:rPr>
+                        <a:t>192.168.2.254</a:t>
+                      </a:r>
+                      <a:endParaRPr lang="fr-FR" sz="1300">
+                        <a:effectLst/>
+                        <a:latin typeface="Calibri" panose="020F0502020204030204" pitchFamily="34" charset="0"/>
+                        <a:ea typeface="Malgun Gothic" panose="020B0503020000020004" pitchFamily="34" charset="-127"/>
+                        <a:cs typeface="Times New Roman" panose="02020603050405020304" pitchFamily="18" charset="0"/>
+                      </a:endParaRPr>
+                    </a:p>
+                  </a:txBody>
+                  <a:tcPr marL="83005" marR="83005" marT="0" marB="0"/>
+                </a:tc>
+                <a:extLst>
+                  <a:ext uri="{0D108BD9-81ED-4DB2-BD59-A6C34878D82A}">
+                    <a16:rowId xmlns:a16="http://schemas.microsoft.com/office/drawing/2014/main" val="186498549"/>
+                  </a:ext>
+                </a:extLst>
+              </a:tr>
+              <a:tr h="207512">
+                <a:tc>
+                  <a:txBody>
+                    <a:bodyPr/>
+                    <a:lstStyle/>
+                    <a:p>
+                      <a:pPr algn="ctr">
+                        <a:lnSpc>
+                          <a:spcPct val="107000"/>
+                        </a:lnSpc>
+                        <a:spcAft>
+                          <a:spcPts val="0"/>
+                        </a:spcAft>
+                      </a:pPr>
+                      <a:r>
+                        <a:rPr lang="fr-FR" sz="1300">
+                          <a:effectLst/>
+                        </a:rPr>
+                        <a:t>192.168.3.0</a:t>
+                      </a:r>
+                      <a:endParaRPr lang="fr-FR" sz="1300">
+                        <a:effectLst/>
+                        <a:latin typeface="Calibri" panose="020F0502020204030204" pitchFamily="34" charset="0"/>
+                        <a:ea typeface="Malgun Gothic" panose="020B0503020000020004" pitchFamily="34" charset="-127"/>
+                        <a:cs typeface="Times New Roman" panose="02020603050405020304" pitchFamily="18" charset="0"/>
+                      </a:endParaRPr>
+                    </a:p>
+                  </a:txBody>
+                  <a:tcPr marL="83005" marR="83005" marT="0" marB="0"/>
+                </a:tc>
+                <a:tc>
+                  <a:txBody>
+                    <a:bodyPr/>
+                    <a:lstStyle/>
+                    <a:p>
+                      <a:pPr algn="ctr">
+                        <a:lnSpc>
+                          <a:spcPct val="107000"/>
+                        </a:lnSpc>
+                        <a:spcAft>
+                          <a:spcPts val="0"/>
+                        </a:spcAft>
+                      </a:pPr>
+                      <a:r>
+                        <a:rPr lang="fr-FR" sz="1300">
+                          <a:effectLst/>
+                        </a:rPr>
+                        <a:t>/21</a:t>
+                      </a:r>
+                      <a:endParaRPr lang="fr-FR" sz="1300">
+                        <a:effectLst/>
+                        <a:latin typeface="Calibri" panose="020F0502020204030204" pitchFamily="34" charset="0"/>
+                        <a:ea typeface="Malgun Gothic" panose="020B0503020000020004" pitchFamily="34" charset="-127"/>
+                        <a:cs typeface="Times New Roman" panose="02020603050405020304" pitchFamily="18" charset="0"/>
+                      </a:endParaRPr>
+                    </a:p>
+                  </a:txBody>
+                  <a:tcPr marL="83005" marR="83005" marT="0" marB="0"/>
+                </a:tc>
+                <a:tc>
+                  <a:txBody>
+                    <a:bodyPr/>
+                    <a:lstStyle/>
+                    <a:p>
+                      <a:pPr algn="ctr">
+                        <a:lnSpc>
+                          <a:spcPct val="107000"/>
+                        </a:lnSpc>
+                        <a:spcAft>
+                          <a:spcPts val="0"/>
+                        </a:spcAft>
+                      </a:pPr>
+                      <a:r>
+                        <a:rPr lang="fr-FR" sz="1300">
+                          <a:effectLst/>
+                        </a:rPr>
+                        <a:t>192.168.3.1</a:t>
+                      </a:r>
+                      <a:endParaRPr lang="fr-FR" sz="1300">
+                        <a:effectLst/>
+                        <a:latin typeface="Calibri" panose="020F0502020204030204" pitchFamily="34" charset="0"/>
+                        <a:ea typeface="Malgun Gothic" panose="020B0503020000020004" pitchFamily="34" charset="-127"/>
+                        <a:cs typeface="Times New Roman" panose="02020603050405020304" pitchFamily="18" charset="0"/>
+                      </a:endParaRPr>
+                    </a:p>
+                  </a:txBody>
+                  <a:tcPr marL="83005" marR="83005" marT="0" marB="0"/>
+                </a:tc>
+                <a:tc>
+                  <a:txBody>
+                    <a:bodyPr/>
+                    <a:lstStyle/>
+                    <a:p>
+                      <a:pPr algn="ctr">
+                        <a:lnSpc>
+                          <a:spcPct val="107000"/>
+                        </a:lnSpc>
+                        <a:spcAft>
+                          <a:spcPts val="0"/>
+                        </a:spcAft>
+                      </a:pPr>
+                      <a:r>
+                        <a:rPr lang="fr-FR" sz="1300">
+                          <a:effectLst/>
+                        </a:rPr>
+                        <a:t>192.168.3.254</a:t>
+                      </a:r>
+                      <a:endParaRPr lang="fr-FR" sz="1300">
+                        <a:effectLst/>
+                        <a:latin typeface="Calibri" panose="020F0502020204030204" pitchFamily="34" charset="0"/>
+                        <a:ea typeface="Malgun Gothic" panose="020B0503020000020004" pitchFamily="34" charset="-127"/>
+                        <a:cs typeface="Times New Roman" panose="02020603050405020304" pitchFamily="18" charset="0"/>
+                      </a:endParaRPr>
+                    </a:p>
+                  </a:txBody>
+                  <a:tcPr marL="83005" marR="83005" marT="0" marB="0"/>
+                </a:tc>
+                <a:extLst>
+                  <a:ext uri="{0D108BD9-81ED-4DB2-BD59-A6C34878D82A}">
+                    <a16:rowId xmlns:a16="http://schemas.microsoft.com/office/drawing/2014/main" val="3437848450"/>
+                  </a:ext>
+                </a:extLst>
+              </a:tr>
+              <a:tr h="207512">
+                <a:tc>
+                  <a:txBody>
+                    <a:bodyPr/>
+                    <a:lstStyle/>
+                    <a:p>
+                      <a:pPr algn="ctr">
+                        <a:lnSpc>
+                          <a:spcPct val="107000"/>
+                        </a:lnSpc>
+                        <a:spcAft>
+                          <a:spcPts val="0"/>
+                        </a:spcAft>
+                      </a:pPr>
+                      <a:r>
+                        <a:rPr lang="fr-FR" sz="1300">
+                          <a:effectLst/>
+                        </a:rPr>
+                        <a:t>192.168.4.0</a:t>
+                      </a:r>
+                      <a:endParaRPr lang="fr-FR" sz="1300">
+                        <a:effectLst/>
+                        <a:latin typeface="Calibri" panose="020F0502020204030204" pitchFamily="34" charset="0"/>
+                        <a:ea typeface="Malgun Gothic" panose="020B0503020000020004" pitchFamily="34" charset="-127"/>
+                        <a:cs typeface="Times New Roman" panose="02020603050405020304" pitchFamily="18" charset="0"/>
+                      </a:endParaRPr>
+                    </a:p>
+                  </a:txBody>
+                  <a:tcPr marL="83005" marR="83005" marT="0" marB="0"/>
+                </a:tc>
+                <a:tc>
+                  <a:txBody>
+                    <a:bodyPr/>
+                    <a:lstStyle/>
+                    <a:p>
+                      <a:pPr algn="ctr">
+                        <a:lnSpc>
+                          <a:spcPct val="107000"/>
+                        </a:lnSpc>
+                        <a:spcAft>
+                          <a:spcPts val="0"/>
+                        </a:spcAft>
+                      </a:pPr>
+                      <a:r>
+                        <a:rPr lang="fr-FR" sz="1300">
+                          <a:effectLst/>
+                        </a:rPr>
+                        <a:t>/21</a:t>
+                      </a:r>
+                      <a:endParaRPr lang="fr-FR" sz="1300">
+                        <a:effectLst/>
+                        <a:latin typeface="Calibri" panose="020F0502020204030204" pitchFamily="34" charset="0"/>
+                        <a:ea typeface="Malgun Gothic" panose="020B0503020000020004" pitchFamily="34" charset="-127"/>
+                        <a:cs typeface="Times New Roman" panose="02020603050405020304" pitchFamily="18" charset="0"/>
+                      </a:endParaRPr>
+                    </a:p>
+                  </a:txBody>
+                  <a:tcPr marL="83005" marR="83005" marT="0" marB="0"/>
+                </a:tc>
+                <a:tc>
+                  <a:txBody>
+                    <a:bodyPr/>
+                    <a:lstStyle/>
+                    <a:p>
+                      <a:pPr algn="ctr">
+                        <a:lnSpc>
+                          <a:spcPct val="107000"/>
+                        </a:lnSpc>
+                        <a:spcAft>
+                          <a:spcPts val="0"/>
+                        </a:spcAft>
+                      </a:pPr>
+                      <a:r>
+                        <a:rPr lang="fr-FR" sz="1300">
+                          <a:effectLst/>
+                        </a:rPr>
+                        <a:t>192.168.4.1</a:t>
+                      </a:r>
+                      <a:endParaRPr lang="fr-FR" sz="1300">
+                        <a:effectLst/>
+                        <a:latin typeface="Calibri" panose="020F0502020204030204" pitchFamily="34" charset="0"/>
+                        <a:ea typeface="Malgun Gothic" panose="020B0503020000020004" pitchFamily="34" charset="-127"/>
+                        <a:cs typeface="Times New Roman" panose="02020603050405020304" pitchFamily="18" charset="0"/>
+                      </a:endParaRPr>
+                    </a:p>
+                  </a:txBody>
+                  <a:tcPr marL="83005" marR="83005" marT="0" marB="0"/>
+                </a:tc>
+                <a:tc>
+                  <a:txBody>
+                    <a:bodyPr/>
+                    <a:lstStyle/>
+                    <a:p>
+                      <a:pPr algn="ctr">
+                        <a:lnSpc>
+                          <a:spcPct val="107000"/>
+                        </a:lnSpc>
+                        <a:spcAft>
+                          <a:spcPts val="0"/>
+                        </a:spcAft>
+                      </a:pPr>
+                      <a:r>
+                        <a:rPr lang="fr-FR" sz="1300">
+                          <a:effectLst/>
+                        </a:rPr>
+                        <a:t>192.168.4.254</a:t>
+                      </a:r>
+                      <a:endParaRPr lang="fr-FR" sz="1300">
+                        <a:effectLst/>
+                        <a:latin typeface="Calibri" panose="020F0502020204030204" pitchFamily="34" charset="0"/>
+                        <a:ea typeface="Malgun Gothic" panose="020B0503020000020004" pitchFamily="34" charset="-127"/>
+                        <a:cs typeface="Times New Roman" panose="02020603050405020304" pitchFamily="18" charset="0"/>
+                      </a:endParaRPr>
+                    </a:p>
+                  </a:txBody>
+                  <a:tcPr marL="83005" marR="83005" marT="0" marB="0"/>
+                </a:tc>
+                <a:extLst>
+                  <a:ext uri="{0D108BD9-81ED-4DB2-BD59-A6C34878D82A}">
+                    <a16:rowId xmlns:a16="http://schemas.microsoft.com/office/drawing/2014/main" val="705512603"/>
+                  </a:ext>
+                </a:extLst>
+              </a:tr>
+              <a:tr h="207512">
+                <a:tc>
+                  <a:txBody>
+                    <a:bodyPr/>
+                    <a:lstStyle/>
+                    <a:p>
+                      <a:pPr algn="ctr">
+                        <a:lnSpc>
+                          <a:spcPct val="107000"/>
+                        </a:lnSpc>
+                        <a:spcAft>
+                          <a:spcPts val="0"/>
+                        </a:spcAft>
+                      </a:pPr>
+                      <a:r>
+                        <a:rPr lang="fr-FR" sz="1300">
+                          <a:effectLst/>
+                        </a:rPr>
+                        <a:t>192.168.5.0</a:t>
+                      </a:r>
+                      <a:endParaRPr lang="fr-FR" sz="1300">
+                        <a:effectLst/>
+                        <a:latin typeface="Calibri" panose="020F0502020204030204" pitchFamily="34" charset="0"/>
+                        <a:ea typeface="Malgun Gothic" panose="020B0503020000020004" pitchFamily="34" charset="-127"/>
+                        <a:cs typeface="Times New Roman" panose="02020603050405020304" pitchFamily="18" charset="0"/>
+                      </a:endParaRPr>
+                    </a:p>
+                  </a:txBody>
+                  <a:tcPr marL="83005" marR="83005" marT="0" marB="0"/>
+                </a:tc>
+                <a:tc>
+                  <a:txBody>
+                    <a:bodyPr/>
+                    <a:lstStyle/>
+                    <a:p>
+                      <a:pPr algn="ctr">
+                        <a:lnSpc>
+                          <a:spcPct val="107000"/>
+                        </a:lnSpc>
+                        <a:spcAft>
+                          <a:spcPts val="0"/>
+                        </a:spcAft>
+                      </a:pPr>
+                      <a:r>
+                        <a:rPr lang="fr-FR" sz="1300">
+                          <a:effectLst/>
+                        </a:rPr>
+                        <a:t>/21</a:t>
+                      </a:r>
+                      <a:endParaRPr lang="fr-FR" sz="1300">
+                        <a:effectLst/>
+                        <a:latin typeface="Calibri" panose="020F0502020204030204" pitchFamily="34" charset="0"/>
+                        <a:ea typeface="Malgun Gothic" panose="020B0503020000020004" pitchFamily="34" charset="-127"/>
+                        <a:cs typeface="Times New Roman" panose="02020603050405020304" pitchFamily="18" charset="0"/>
+                      </a:endParaRPr>
+                    </a:p>
+                  </a:txBody>
+                  <a:tcPr marL="83005" marR="83005" marT="0" marB="0"/>
+                </a:tc>
+                <a:tc>
+                  <a:txBody>
+                    <a:bodyPr/>
+                    <a:lstStyle/>
+                    <a:p>
+                      <a:pPr algn="ctr">
+                        <a:lnSpc>
+                          <a:spcPct val="107000"/>
+                        </a:lnSpc>
+                        <a:spcAft>
+                          <a:spcPts val="0"/>
+                        </a:spcAft>
+                      </a:pPr>
+                      <a:r>
+                        <a:rPr lang="fr-FR" sz="1300">
+                          <a:effectLst/>
+                        </a:rPr>
+                        <a:t>192.168.5.1</a:t>
+                      </a:r>
+                      <a:endParaRPr lang="fr-FR" sz="1300">
+                        <a:effectLst/>
+                        <a:latin typeface="Calibri" panose="020F0502020204030204" pitchFamily="34" charset="0"/>
+                        <a:ea typeface="Malgun Gothic" panose="020B0503020000020004" pitchFamily="34" charset="-127"/>
+                        <a:cs typeface="Times New Roman" panose="02020603050405020304" pitchFamily="18" charset="0"/>
+                      </a:endParaRPr>
+                    </a:p>
+                  </a:txBody>
+                  <a:tcPr marL="83005" marR="83005" marT="0" marB="0"/>
+                </a:tc>
+                <a:tc>
+                  <a:txBody>
+                    <a:bodyPr/>
+                    <a:lstStyle/>
+                    <a:p>
+                      <a:pPr algn="ctr">
+                        <a:lnSpc>
+                          <a:spcPct val="107000"/>
+                        </a:lnSpc>
+                        <a:spcAft>
+                          <a:spcPts val="0"/>
+                        </a:spcAft>
+                      </a:pPr>
+                      <a:r>
+                        <a:rPr lang="fr-FR" sz="1300">
+                          <a:effectLst/>
+                        </a:rPr>
+                        <a:t>192.168.5.254</a:t>
+                      </a:r>
+                      <a:endParaRPr lang="fr-FR" sz="1300">
+                        <a:effectLst/>
+                        <a:latin typeface="Calibri" panose="020F0502020204030204" pitchFamily="34" charset="0"/>
+                        <a:ea typeface="Malgun Gothic" panose="020B0503020000020004" pitchFamily="34" charset="-127"/>
+                        <a:cs typeface="Times New Roman" panose="02020603050405020304" pitchFamily="18" charset="0"/>
+                      </a:endParaRPr>
+                    </a:p>
+                  </a:txBody>
+                  <a:tcPr marL="83005" marR="83005" marT="0" marB="0"/>
+                </a:tc>
+                <a:extLst>
+                  <a:ext uri="{0D108BD9-81ED-4DB2-BD59-A6C34878D82A}">
+                    <a16:rowId xmlns:a16="http://schemas.microsoft.com/office/drawing/2014/main" val="3379242666"/>
+                  </a:ext>
+                </a:extLst>
+              </a:tr>
+              <a:tr h="207512">
+                <a:tc>
+                  <a:txBody>
+                    <a:bodyPr/>
+                    <a:lstStyle/>
+                    <a:p>
+                      <a:pPr algn="ctr">
+                        <a:lnSpc>
+                          <a:spcPct val="107000"/>
+                        </a:lnSpc>
+                        <a:spcAft>
+                          <a:spcPts val="0"/>
+                        </a:spcAft>
+                      </a:pPr>
+                      <a:r>
+                        <a:rPr lang="fr-FR" sz="1300">
+                          <a:effectLst/>
+                        </a:rPr>
+                        <a:t>192.168.6.0</a:t>
+                      </a:r>
+                      <a:endParaRPr lang="fr-FR" sz="1300">
+                        <a:effectLst/>
+                        <a:latin typeface="Calibri" panose="020F0502020204030204" pitchFamily="34" charset="0"/>
+                        <a:ea typeface="Malgun Gothic" panose="020B0503020000020004" pitchFamily="34" charset="-127"/>
+                        <a:cs typeface="Times New Roman" panose="02020603050405020304" pitchFamily="18" charset="0"/>
+                      </a:endParaRPr>
+                    </a:p>
+                  </a:txBody>
+                  <a:tcPr marL="83005" marR="83005" marT="0" marB="0"/>
+                </a:tc>
+                <a:tc>
+                  <a:txBody>
+                    <a:bodyPr/>
+                    <a:lstStyle/>
+                    <a:p>
+                      <a:pPr algn="ctr">
+                        <a:lnSpc>
+                          <a:spcPct val="107000"/>
+                        </a:lnSpc>
+                        <a:spcAft>
+                          <a:spcPts val="0"/>
+                        </a:spcAft>
+                      </a:pPr>
+                      <a:r>
+                        <a:rPr lang="fr-FR" sz="1300">
+                          <a:effectLst/>
+                        </a:rPr>
+                        <a:t>/21</a:t>
+                      </a:r>
+                      <a:endParaRPr lang="fr-FR" sz="1300">
+                        <a:effectLst/>
+                        <a:latin typeface="Calibri" panose="020F0502020204030204" pitchFamily="34" charset="0"/>
+                        <a:ea typeface="Malgun Gothic" panose="020B0503020000020004" pitchFamily="34" charset="-127"/>
+                        <a:cs typeface="Times New Roman" panose="02020603050405020304" pitchFamily="18" charset="0"/>
+                      </a:endParaRPr>
+                    </a:p>
+                  </a:txBody>
+                  <a:tcPr marL="83005" marR="83005" marT="0" marB="0"/>
+                </a:tc>
+                <a:tc>
+                  <a:txBody>
+                    <a:bodyPr/>
+                    <a:lstStyle/>
+                    <a:p>
+                      <a:pPr algn="ctr">
+                        <a:lnSpc>
+                          <a:spcPct val="107000"/>
+                        </a:lnSpc>
+                        <a:spcAft>
+                          <a:spcPts val="0"/>
+                        </a:spcAft>
+                      </a:pPr>
+                      <a:r>
+                        <a:rPr lang="fr-FR" sz="1300">
+                          <a:effectLst/>
+                        </a:rPr>
+                        <a:t>192.168.6.1</a:t>
+                      </a:r>
+                      <a:endParaRPr lang="fr-FR" sz="1300">
+                        <a:effectLst/>
+                        <a:latin typeface="Calibri" panose="020F0502020204030204" pitchFamily="34" charset="0"/>
+                        <a:ea typeface="Malgun Gothic" panose="020B0503020000020004" pitchFamily="34" charset="-127"/>
+                        <a:cs typeface="Times New Roman" panose="02020603050405020304" pitchFamily="18" charset="0"/>
+                      </a:endParaRPr>
+                    </a:p>
+                  </a:txBody>
+                  <a:tcPr marL="83005" marR="83005" marT="0" marB="0"/>
+                </a:tc>
+                <a:tc>
+                  <a:txBody>
+                    <a:bodyPr/>
+                    <a:lstStyle/>
+                    <a:p>
+                      <a:pPr algn="ctr">
+                        <a:lnSpc>
+                          <a:spcPct val="107000"/>
+                        </a:lnSpc>
+                        <a:spcAft>
+                          <a:spcPts val="0"/>
+                        </a:spcAft>
+                      </a:pPr>
+                      <a:r>
+                        <a:rPr lang="fr-FR" sz="1300" dirty="0">
+                          <a:effectLst/>
+                        </a:rPr>
+                        <a:t>192.168.6.254</a:t>
+                      </a:r>
+                      <a:endParaRPr lang="fr-FR" sz="1300" dirty="0">
+                        <a:effectLst/>
+                        <a:latin typeface="Calibri" panose="020F0502020204030204" pitchFamily="34" charset="0"/>
+                        <a:ea typeface="Malgun Gothic" panose="020B0503020000020004" pitchFamily="34" charset="-127"/>
+                        <a:cs typeface="Times New Roman" panose="02020603050405020304" pitchFamily="18" charset="0"/>
+                      </a:endParaRPr>
+                    </a:p>
+                  </a:txBody>
+                  <a:tcPr marL="83005" marR="83005" marT="0" marB="0"/>
+                </a:tc>
+                <a:extLst>
+                  <a:ext uri="{0D108BD9-81ED-4DB2-BD59-A6C34878D82A}">
+                    <a16:rowId xmlns:a16="http://schemas.microsoft.com/office/drawing/2014/main" val="1653884899"/>
+                  </a:ext>
+                </a:extLst>
+              </a:tr>
+            </a:tbl>
+          </a:graphicData>
+        </a:graphic>
+      </p:graphicFrame>
+    </p:spTree>
+    <p:extLst>
+      <p:ext uri="{BB962C8B-B14F-4D97-AF65-F5344CB8AC3E}">
+        <p14:creationId xmlns:p14="http://schemas.microsoft.com/office/powerpoint/2010/main" val="2210863832"/>
+      </p:ext>
+    </p:extLst>
+  </p:cSld>
+  <p:clrMapOvr>
+    <a:masterClrMapping/>
+  </p:clrMapOvr>
+</p:sld>
+</file>
+
+<file path=ppt/slides/slide12.xml><?xml version="1.0" encoding="utf-8"?>
+<p:sld xmlns:a="http://schemas.openxmlformats.org/drawingml/2006/main" xmlns:r="http://schemas.openxmlformats.org/officeDocument/2006/relationships" xmlns:p="http://schemas.openxmlformats.org/presentationml/2006/main">
+  <p:cSld>
+    <p:spTree>
+      <p:nvGrpSpPr>
+        <p:cNvPr id="1" name=""/>
+        <p:cNvGrpSpPr/>
+        <p:nvPr/>
+      </p:nvGrpSpPr>
+      <p:grpSpPr>
+        <a:xfrm>
+          <a:off x="0" y="0"/>
+          <a:ext cx="0" cy="0"/>
+          <a:chOff x="0" y="0"/>
+          <a:chExt cx="0" cy="0"/>
+        </a:xfrm>
+      </p:grpSpPr>
+      <p:sp>
+        <p:nvSpPr>
+          <p:cNvPr id="2" name="Titre 1"/>
+          <p:cNvSpPr>
+            <a:spLocks noGrp="1"/>
+          </p:cNvSpPr>
+          <p:nvPr>
+            <p:ph type="title"/>
+          </p:nvPr>
+        </p:nvSpPr>
+        <p:spPr>
+          <a:xfrm>
+            <a:off x="-2455771" y="-319014"/>
+            <a:ext cx="10018713" cy="1752599"/>
+          </a:xfrm>
+        </p:spPr>
+        <p:txBody>
+          <a:bodyPr/>
+          <a:lstStyle/>
+          <a:p>
+            <a:r>
+              <a:rPr lang="fr-FR" dirty="0">
+                <a:latin typeface="Times New Roman" panose="02020603050405020304" pitchFamily="18" charset="0"/>
+                <a:cs typeface="Times New Roman" panose="02020603050405020304" pitchFamily="18" charset="0"/>
+              </a:rPr>
+              <a:t>Devis</a:t>
+            </a:r>
+          </a:p>
+        </p:txBody>
+      </p:sp>
+      <p:sp>
+        <p:nvSpPr>
+          <p:cNvPr id="3" name="Espace réservé du contenu 2"/>
+          <p:cNvSpPr>
+            <a:spLocks noGrp="1"/>
+          </p:cNvSpPr>
+          <p:nvPr>
+            <p:ph idx="1"/>
+          </p:nvPr>
+        </p:nvSpPr>
+        <p:spPr>
+          <a:xfrm>
+            <a:off x="5817564" y="4559990"/>
+            <a:ext cx="10268583" cy="1985117"/>
+          </a:xfrm>
+        </p:spPr>
+        <p:txBody>
+          <a:bodyPr/>
+          <a:lstStyle/>
+          <a:p>
+            <a:pPr marL="0" indent="0" algn="just">
+              <a:buNone/>
+            </a:pPr>
+            <a:r>
+              <a:rPr lang="fr-FR" dirty="0"/>
+              <a:t>Temps d’installation</a:t>
+            </a:r>
+          </a:p>
+          <a:p>
+            <a:pPr marL="0" indent="0">
+              <a:buNone/>
+            </a:pPr>
+            <a:r>
+              <a:rPr lang="fr-FR" dirty="0"/>
+              <a:t>Maintenance non prise en compte dans le devis </a:t>
+            </a:r>
+          </a:p>
+          <a:p>
+            <a:endParaRPr lang="fr-FR" dirty="0"/>
+          </a:p>
+        </p:txBody>
+      </p:sp>
+      <p:sp>
+        <p:nvSpPr>
+          <p:cNvPr id="5" name="Espace réservé du numéro de diapositive 3"/>
+          <p:cNvSpPr>
+            <a:spLocks noGrp="1"/>
+          </p:cNvSpPr>
+          <p:nvPr>
+            <p:ph type="sldNum" sz="quarter" idx="12"/>
+          </p:nvPr>
+        </p:nvSpPr>
+        <p:spPr>
+          <a:xfrm>
+            <a:off x="10951856" y="5883275"/>
+            <a:ext cx="551167" cy="365125"/>
+          </a:xfrm>
+        </p:spPr>
+        <p:txBody>
+          <a:bodyPr/>
+          <a:lstStyle/>
+          <a:p>
+            <a:fld id="{4FAB73BC-B049-4115-A692-8D63A059BFB8}" type="slidenum">
+              <a:rPr lang="en-US" sz="2000" smtClean="0">
+                <a:latin typeface="Times New Roman" panose="02020603050405020304" pitchFamily="18" charset="0"/>
+                <a:cs typeface="Times New Roman" panose="02020603050405020304" pitchFamily="18" charset="0"/>
+              </a:rPr>
+              <a:t>12</a:t>
+            </a:fld>
+            <a:endParaRPr lang="en-US" sz="2000" dirty="0">
+              <a:latin typeface="Times New Roman" panose="02020603050405020304" pitchFamily="18" charset="0"/>
+              <a:cs typeface="Times New Roman" panose="02020603050405020304" pitchFamily="18" charset="0"/>
+            </a:endParaRPr>
+          </a:p>
+        </p:txBody>
+      </p:sp>
+      <p:graphicFrame>
+        <p:nvGraphicFramePr>
+          <p:cNvPr id="4" name="Tableau 3"/>
+          <p:cNvGraphicFramePr>
+            <a:graphicFrameLocks noGrp="1"/>
+          </p:cNvGraphicFramePr>
+          <p:nvPr>
+            <p:extLst>
+              <p:ext uri="{D42A27DB-BD31-4B8C-83A1-F6EECF244321}">
+                <p14:modId xmlns:p14="http://schemas.microsoft.com/office/powerpoint/2010/main" val="164720863"/>
+              </p:ext>
+            </p:extLst>
+          </p:nvPr>
+        </p:nvGraphicFramePr>
+        <p:xfrm>
+          <a:off x="5816485" y="2094661"/>
+          <a:ext cx="5686538" cy="748284"/>
+        </p:xfrm>
+        <a:graphic>
+          <a:graphicData uri="http://schemas.openxmlformats.org/drawingml/2006/table">
+            <a:tbl>
+              <a:tblPr firstRow="1" firstCol="1" bandRow="1">
+                <a:tableStyleId>{5C22544A-7EE6-4342-B048-85BDC9FD1C3A}</a:tableStyleId>
+              </a:tblPr>
+              <a:tblGrid>
+                <a:gridCol w="958850">
+                  <a:extLst>
+                    <a:ext uri="{9D8B030D-6E8A-4147-A177-3AD203B41FA5}">
+                      <a16:colId xmlns:a16="http://schemas.microsoft.com/office/drawing/2014/main" val="3126067853"/>
+                    </a:ext>
+                  </a:extLst>
+                </a:gridCol>
+                <a:gridCol w="958850">
+                  <a:extLst>
+                    <a:ext uri="{9D8B030D-6E8A-4147-A177-3AD203B41FA5}">
+                      <a16:colId xmlns:a16="http://schemas.microsoft.com/office/drawing/2014/main" val="3772412001"/>
+                    </a:ext>
+                  </a:extLst>
+                </a:gridCol>
+                <a:gridCol w="239395">
+                  <a:extLst>
+                    <a:ext uri="{9D8B030D-6E8A-4147-A177-3AD203B41FA5}">
+                      <a16:colId xmlns:a16="http://schemas.microsoft.com/office/drawing/2014/main" val="104272437"/>
+                    </a:ext>
+                  </a:extLst>
+                </a:gridCol>
+                <a:gridCol w="719455">
+                  <a:extLst>
+                    <a:ext uri="{9D8B030D-6E8A-4147-A177-3AD203B41FA5}">
+                      <a16:colId xmlns:a16="http://schemas.microsoft.com/office/drawing/2014/main" val="2902443799"/>
+                    </a:ext>
+                  </a:extLst>
+                </a:gridCol>
+                <a:gridCol w="958850">
+                  <a:extLst>
+                    <a:ext uri="{9D8B030D-6E8A-4147-A177-3AD203B41FA5}">
+                      <a16:colId xmlns:a16="http://schemas.microsoft.com/office/drawing/2014/main" val="3556409907"/>
+                    </a:ext>
+                  </a:extLst>
+                </a:gridCol>
+                <a:gridCol w="959485">
+                  <a:extLst>
+                    <a:ext uri="{9D8B030D-6E8A-4147-A177-3AD203B41FA5}">
+                      <a16:colId xmlns:a16="http://schemas.microsoft.com/office/drawing/2014/main" val="140640622"/>
+                    </a:ext>
+                  </a:extLst>
+                </a:gridCol>
+                <a:gridCol w="167753">
+                  <a:extLst>
+                    <a:ext uri="{9D8B030D-6E8A-4147-A177-3AD203B41FA5}">
+                      <a16:colId xmlns:a16="http://schemas.microsoft.com/office/drawing/2014/main" val="792233506"/>
+                    </a:ext>
+                  </a:extLst>
+                </a:gridCol>
+                <a:gridCol w="723900">
+                  <a:extLst>
+                    <a:ext uri="{9D8B030D-6E8A-4147-A177-3AD203B41FA5}">
+                      <a16:colId xmlns:a16="http://schemas.microsoft.com/office/drawing/2014/main" val="1433312540"/>
+                    </a:ext>
+                  </a:extLst>
+                </a:gridCol>
+              </a:tblGrid>
+              <a:tr h="102950">
+                <a:tc>
+                  <a:txBody>
+                    <a:bodyPr/>
+                    <a:lstStyle/>
+                    <a:p>
+                      <a:pPr algn="ctr">
+                        <a:lnSpc>
+                          <a:spcPct val="107000"/>
+                        </a:lnSpc>
+                        <a:spcAft>
+                          <a:spcPts val="0"/>
+                        </a:spcAft>
+                      </a:pPr>
+                      <a:r>
+                        <a:rPr lang="fr-FR" sz="1200">
+                          <a:effectLst/>
+                        </a:rPr>
+                        <a:t>Février</a:t>
+                      </a:r>
+                      <a:endParaRPr lang="fr-FR" sz="1100">
+                        <a:effectLst/>
+                        <a:latin typeface="Calibri" panose="020F0502020204030204" pitchFamily="34" charset="0"/>
+                        <a:ea typeface="Calibri" panose="020F0502020204030204" pitchFamily="34" charset="0"/>
+                        <a:cs typeface="Times New Roman" panose="02020603050405020304" pitchFamily="18" charset="0"/>
+                      </a:endParaRPr>
+                    </a:p>
+                  </a:txBody>
+                  <a:tcPr marL="68580" marR="68580" marT="0" marB="0"/>
+                </a:tc>
+                <a:tc>
+                  <a:txBody>
+                    <a:bodyPr/>
+                    <a:lstStyle/>
+                    <a:p>
+                      <a:pPr algn="ctr">
+                        <a:lnSpc>
+                          <a:spcPct val="107000"/>
+                        </a:lnSpc>
+                        <a:spcAft>
+                          <a:spcPts val="0"/>
+                        </a:spcAft>
+                      </a:pPr>
+                      <a:r>
+                        <a:rPr lang="fr-FR" sz="1200">
+                          <a:effectLst/>
+                        </a:rPr>
+                        <a:t>Avril</a:t>
+                      </a:r>
+                      <a:endParaRPr lang="fr-FR" sz="1100">
+                        <a:effectLst/>
+                        <a:latin typeface="Calibri" panose="020F0502020204030204" pitchFamily="34" charset="0"/>
+                        <a:ea typeface="Calibri" panose="020F0502020204030204" pitchFamily="34" charset="0"/>
+                        <a:cs typeface="Times New Roman" panose="02020603050405020304" pitchFamily="18" charset="0"/>
+                      </a:endParaRPr>
+                    </a:p>
+                  </a:txBody>
+                  <a:tcPr marL="68580" marR="68580" marT="0" marB="0"/>
+                </a:tc>
+                <a:tc gridSpan="2">
+                  <a:txBody>
+                    <a:bodyPr/>
+                    <a:lstStyle/>
+                    <a:p>
+                      <a:pPr algn="ctr">
+                        <a:lnSpc>
+                          <a:spcPct val="107000"/>
+                        </a:lnSpc>
+                        <a:spcAft>
+                          <a:spcPts val="0"/>
+                        </a:spcAft>
+                      </a:pPr>
+                      <a:r>
+                        <a:rPr lang="fr-FR" sz="1200">
+                          <a:effectLst/>
+                        </a:rPr>
+                        <a:t>Mai</a:t>
+                      </a:r>
+                      <a:endParaRPr lang="fr-FR" sz="1100">
+                        <a:effectLst/>
+                        <a:latin typeface="Calibri" panose="020F0502020204030204" pitchFamily="34" charset="0"/>
+                        <a:ea typeface="Calibri" panose="020F0502020204030204" pitchFamily="34" charset="0"/>
+                        <a:cs typeface="Times New Roman" panose="02020603050405020304" pitchFamily="18" charset="0"/>
+                      </a:endParaRPr>
+                    </a:p>
+                  </a:txBody>
+                  <a:tcPr marL="68580" marR="68580" marT="0" marB="0"/>
+                </a:tc>
+                <a:tc hMerge="1">
+                  <a:txBody>
+                    <a:bodyPr/>
+                    <a:lstStyle/>
+                    <a:p>
+                      <a:endParaRPr lang="fr-FR"/>
+                    </a:p>
+                  </a:txBody>
+                  <a:tcPr/>
+                </a:tc>
+                <a:tc>
+                  <a:txBody>
+                    <a:bodyPr/>
+                    <a:lstStyle/>
+                    <a:p>
+                      <a:pPr algn="ctr">
+                        <a:lnSpc>
+                          <a:spcPct val="107000"/>
+                        </a:lnSpc>
+                        <a:spcAft>
+                          <a:spcPts val="0"/>
+                        </a:spcAft>
+                      </a:pPr>
+                      <a:r>
+                        <a:rPr lang="fr-FR" sz="1200">
+                          <a:effectLst/>
+                        </a:rPr>
+                        <a:t>Juin</a:t>
+                      </a:r>
+                      <a:endParaRPr lang="fr-FR" sz="1100">
+                        <a:effectLst/>
+                        <a:latin typeface="Calibri" panose="020F0502020204030204" pitchFamily="34" charset="0"/>
+                        <a:ea typeface="Calibri" panose="020F0502020204030204" pitchFamily="34" charset="0"/>
+                        <a:cs typeface="Times New Roman" panose="02020603050405020304" pitchFamily="18" charset="0"/>
+                      </a:endParaRPr>
+                    </a:p>
+                  </a:txBody>
+                  <a:tcPr marL="68580" marR="68580" marT="0" marB="0"/>
+                </a:tc>
+                <a:tc>
+                  <a:txBody>
+                    <a:bodyPr/>
+                    <a:lstStyle/>
+                    <a:p>
+                      <a:pPr algn="ctr">
+                        <a:lnSpc>
+                          <a:spcPct val="107000"/>
+                        </a:lnSpc>
+                        <a:spcAft>
+                          <a:spcPts val="0"/>
+                        </a:spcAft>
+                      </a:pPr>
+                      <a:r>
+                        <a:rPr lang="fr-FR" sz="1200">
+                          <a:effectLst/>
+                        </a:rPr>
+                        <a:t>Juillet</a:t>
+                      </a:r>
+                      <a:endParaRPr lang="fr-FR" sz="1100">
+                        <a:effectLst/>
+                        <a:latin typeface="Calibri" panose="020F0502020204030204" pitchFamily="34" charset="0"/>
+                        <a:ea typeface="Calibri" panose="020F0502020204030204" pitchFamily="34" charset="0"/>
+                        <a:cs typeface="Times New Roman" panose="02020603050405020304" pitchFamily="18" charset="0"/>
+                      </a:endParaRPr>
+                    </a:p>
+                  </a:txBody>
+                  <a:tcPr marL="68580" marR="68580" marT="0" marB="0"/>
+                </a:tc>
+                <a:tc gridSpan="2">
+                  <a:txBody>
+                    <a:bodyPr/>
+                    <a:lstStyle/>
+                    <a:p>
+                      <a:pPr algn="ctr">
+                        <a:lnSpc>
+                          <a:spcPct val="107000"/>
+                        </a:lnSpc>
+                        <a:spcAft>
+                          <a:spcPts val="0"/>
+                        </a:spcAft>
+                      </a:pPr>
+                      <a:r>
+                        <a:rPr lang="fr-FR" sz="1200">
+                          <a:effectLst/>
+                        </a:rPr>
+                        <a:t>Aout</a:t>
+                      </a:r>
+                      <a:endParaRPr lang="fr-FR" sz="1100">
+                        <a:effectLst/>
+                        <a:latin typeface="Calibri" panose="020F0502020204030204" pitchFamily="34" charset="0"/>
+                        <a:ea typeface="Calibri" panose="020F0502020204030204" pitchFamily="34" charset="0"/>
+                        <a:cs typeface="Times New Roman" panose="02020603050405020304" pitchFamily="18" charset="0"/>
+                      </a:endParaRPr>
+                    </a:p>
+                  </a:txBody>
+                  <a:tcPr marL="68580" marR="68580" marT="0" marB="0"/>
+                </a:tc>
+                <a:tc hMerge="1">
+                  <a:txBody>
+                    <a:bodyPr/>
+                    <a:lstStyle/>
+                    <a:p>
+                      <a:endParaRPr lang="fr-FR"/>
+                    </a:p>
+                  </a:txBody>
+                  <a:tcPr/>
+                </a:tc>
+                <a:extLst>
+                  <a:ext uri="{0D108BD9-81ED-4DB2-BD59-A6C34878D82A}">
+                    <a16:rowId xmlns:a16="http://schemas.microsoft.com/office/drawing/2014/main" val="2602274484"/>
+                  </a:ext>
+                </a:extLst>
+              </a:tr>
+              <a:tr h="0">
+                <a:tc gridSpan="2">
+                  <a:txBody>
+                    <a:bodyPr/>
+                    <a:lstStyle/>
+                    <a:p>
+                      <a:pPr algn="ctr">
+                        <a:lnSpc>
+                          <a:spcPct val="107000"/>
+                        </a:lnSpc>
+                        <a:spcAft>
+                          <a:spcPts val="0"/>
+                        </a:spcAft>
+                      </a:pPr>
+                      <a:r>
+                        <a:rPr lang="fr-FR" sz="1200" dirty="0">
+                          <a:effectLst/>
+                        </a:rPr>
+                        <a:t> </a:t>
+                      </a:r>
+                      <a:endParaRPr lang="fr-FR" sz="1100" dirty="0">
+                        <a:effectLst/>
+                        <a:latin typeface="Calibri" panose="020F0502020204030204" pitchFamily="34" charset="0"/>
+                        <a:ea typeface="Calibri" panose="020F0502020204030204" pitchFamily="34" charset="0"/>
+                        <a:cs typeface="Times New Roman" panose="02020603050405020304" pitchFamily="18" charset="0"/>
+                      </a:endParaRPr>
+                    </a:p>
+                  </a:txBody>
+                  <a:tcPr marL="68580" marR="68580" marT="0" marB="0">
+                    <a:solidFill>
+                      <a:schemeClr val="accent4">
+                        <a:lumMod val="75000"/>
+                      </a:schemeClr>
+                    </a:solidFill>
+                  </a:tcPr>
+                </a:tc>
+                <a:tc hMerge="1">
+                  <a:txBody>
+                    <a:bodyPr/>
+                    <a:lstStyle/>
+                    <a:p>
+                      <a:endParaRPr lang="fr-FR"/>
+                    </a:p>
+                  </a:txBody>
+                  <a:tcPr/>
+                </a:tc>
+                <a:tc gridSpan="2">
+                  <a:txBody>
+                    <a:bodyPr/>
+                    <a:lstStyle/>
+                    <a:p>
+                      <a:pPr algn="just">
+                        <a:lnSpc>
+                          <a:spcPct val="107000"/>
+                        </a:lnSpc>
+                        <a:spcAft>
+                          <a:spcPts val="0"/>
+                        </a:spcAft>
+                      </a:pPr>
+                      <a:r>
+                        <a:rPr lang="fr-FR" sz="1200">
+                          <a:effectLst/>
+                        </a:rPr>
+                        <a:t> </a:t>
+                      </a:r>
+                      <a:endParaRPr lang="fr-FR" sz="1100">
+                        <a:effectLst/>
+                        <a:latin typeface="Calibri" panose="020F0502020204030204" pitchFamily="34" charset="0"/>
+                        <a:ea typeface="Calibri" panose="020F0502020204030204" pitchFamily="34" charset="0"/>
+                        <a:cs typeface="Times New Roman" panose="02020603050405020304" pitchFamily="18" charset="0"/>
+                      </a:endParaRPr>
+                    </a:p>
+                  </a:txBody>
+                  <a:tcPr marL="68580" marR="68580" marT="0" marB="0"/>
+                </a:tc>
+                <a:tc hMerge="1">
+                  <a:txBody>
+                    <a:bodyPr/>
+                    <a:lstStyle/>
+                    <a:p>
+                      <a:endParaRPr lang="fr-FR"/>
+                    </a:p>
+                  </a:txBody>
+                  <a:tcPr/>
+                </a:tc>
+                <a:tc>
+                  <a:txBody>
+                    <a:bodyPr/>
+                    <a:lstStyle/>
+                    <a:p>
+                      <a:pPr algn="just">
+                        <a:lnSpc>
+                          <a:spcPct val="107000"/>
+                        </a:lnSpc>
+                        <a:spcAft>
+                          <a:spcPts val="0"/>
+                        </a:spcAft>
+                      </a:pPr>
+                      <a:r>
+                        <a:rPr lang="fr-FR" sz="1200">
+                          <a:effectLst/>
+                        </a:rPr>
+                        <a:t> </a:t>
+                      </a:r>
+                      <a:endParaRPr lang="fr-FR" sz="1100">
+                        <a:effectLst/>
+                        <a:latin typeface="Calibri" panose="020F0502020204030204" pitchFamily="34" charset="0"/>
+                        <a:ea typeface="Calibri" panose="020F0502020204030204" pitchFamily="34" charset="0"/>
+                        <a:cs typeface="Times New Roman" panose="02020603050405020304" pitchFamily="18" charset="0"/>
+                      </a:endParaRPr>
+                    </a:p>
+                  </a:txBody>
+                  <a:tcPr marL="68580" marR="68580" marT="0" marB="0"/>
+                </a:tc>
+                <a:tc>
+                  <a:txBody>
+                    <a:bodyPr/>
+                    <a:lstStyle/>
+                    <a:p>
+                      <a:pPr algn="just">
+                        <a:lnSpc>
+                          <a:spcPct val="107000"/>
+                        </a:lnSpc>
+                        <a:spcAft>
+                          <a:spcPts val="0"/>
+                        </a:spcAft>
+                      </a:pPr>
+                      <a:r>
+                        <a:rPr lang="fr-FR" sz="1200">
+                          <a:effectLst/>
+                        </a:rPr>
+                        <a:t> </a:t>
+                      </a:r>
+                      <a:endParaRPr lang="fr-FR" sz="1100">
+                        <a:effectLst/>
+                        <a:latin typeface="Calibri" panose="020F0502020204030204" pitchFamily="34" charset="0"/>
+                        <a:ea typeface="Calibri" panose="020F0502020204030204" pitchFamily="34" charset="0"/>
+                        <a:cs typeface="Times New Roman" panose="02020603050405020304" pitchFamily="18" charset="0"/>
+                      </a:endParaRPr>
+                    </a:p>
+                  </a:txBody>
+                  <a:tcPr marL="68580" marR="68580" marT="0" marB="0"/>
+                </a:tc>
+                <a:tc gridSpan="2">
+                  <a:txBody>
+                    <a:bodyPr/>
+                    <a:lstStyle/>
+                    <a:p>
+                      <a:pPr algn="just">
+                        <a:lnSpc>
+                          <a:spcPct val="107000"/>
+                        </a:lnSpc>
+                        <a:spcAft>
+                          <a:spcPts val="0"/>
+                        </a:spcAft>
+                      </a:pPr>
+                      <a:r>
+                        <a:rPr lang="fr-FR" sz="1200">
+                          <a:effectLst/>
+                        </a:rPr>
+                        <a:t> </a:t>
+                      </a:r>
+                      <a:endParaRPr lang="fr-FR" sz="1100">
+                        <a:effectLst/>
+                        <a:latin typeface="Calibri" panose="020F0502020204030204" pitchFamily="34" charset="0"/>
+                        <a:ea typeface="Calibri" panose="020F0502020204030204" pitchFamily="34" charset="0"/>
+                        <a:cs typeface="Times New Roman" panose="02020603050405020304" pitchFamily="18" charset="0"/>
+                      </a:endParaRPr>
+                    </a:p>
+                  </a:txBody>
+                  <a:tcPr marL="68580" marR="68580" marT="0" marB="0"/>
+                </a:tc>
+                <a:tc hMerge="1">
+                  <a:txBody>
+                    <a:bodyPr/>
+                    <a:lstStyle/>
+                    <a:p>
+                      <a:endParaRPr lang="fr-FR"/>
+                    </a:p>
+                  </a:txBody>
+                  <a:tcPr/>
+                </a:tc>
+                <a:extLst>
+                  <a:ext uri="{0D108BD9-81ED-4DB2-BD59-A6C34878D82A}">
+                    <a16:rowId xmlns:a16="http://schemas.microsoft.com/office/drawing/2014/main" val="767017114"/>
+                  </a:ext>
+                </a:extLst>
+              </a:tr>
+              <a:tr h="0">
+                <a:tc>
+                  <a:txBody>
+                    <a:bodyPr/>
+                    <a:lstStyle/>
+                    <a:p>
+                      <a:pPr algn="just">
+                        <a:lnSpc>
+                          <a:spcPct val="107000"/>
+                        </a:lnSpc>
+                        <a:spcAft>
+                          <a:spcPts val="0"/>
+                        </a:spcAft>
+                      </a:pPr>
+                      <a:r>
+                        <a:rPr lang="fr-FR" sz="1200" dirty="0">
+                          <a:effectLst/>
+                        </a:rPr>
+                        <a:t> </a:t>
+                      </a:r>
+                      <a:endParaRPr lang="fr-FR" sz="1100" dirty="0">
+                        <a:effectLst/>
+                        <a:latin typeface="Calibri" panose="020F0502020204030204" pitchFamily="34" charset="0"/>
+                        <a:ea typeface="Calibri" panose="020F0502020204030204" pitchFamily="34" charset="0"/>
+                        <a:cs typeface="Times New Roman" panose="02020603050405020304" pitchFamily="18" charset="0"/>
+                      </a:endParaRPr>
+                    </a:p>
+                  </a:txBody>
+                  <a:tcPr marL="68580" marR="68580" marT="0" marB="0">
+                    <a:solidFill>
+                      <a:schemeClr val="accent1">
+                        <a:lumMod val="20000"/>
+                        <a:lumOff val="80000"/>
+                      </a:schemeClr>
+                    </a:solidFill>
+                  </a:tcPr>
+                </a:tc>
+                <a:tc>
+                  <a:txBody>
+                    <a:bodyPr/>
+                    <a:lstStyle/>
+                    <a:p>
+                      <a:pPr algn="just">
+                        <a:lnSpc>
+                          <a:spcPct val="107000"/>
+                        </a:lnSpc>
+                        <a:spcAft>
+                          <a:spcPts val="0"/>
+                        </a:spcAft>
+                      </a:pPr>
+                      <a:r>
+                        <a:rPr lang="fr-FR" sz="1200">
+                          <a:effectLst/>
+                        </a:rPr>
+                        <a:t> </a:t>
+                      </a:r>
+                      <a:endParaRPr lang="fr-FR" sz="1100">
+                        <a:effectLst/>
+                        <a:latin typeface="Calibri" panose="020F0502020204030204" pitchFamily="34" charset="0"/>
+                        <a:ea typeface="Calibri" panose="020F0502020204030204" pitchFamily="34" charset="0"/>
+                        <a:cs typeface="Times New Roman" panose="02020603050405020304" pitchFamily="18" charset="0"/>
+                      </a:endParaRPr>
+                    </a:p>
+                  </a:txBody>
+                  <a:tcPr marL="68580" marR="68580" marT="0" marB="0"/>
+                </a:tc>
+                <a:tc>
+                  <a:txBody>
+                    <a:bodyPr/>
+                    <a:lstStyle/>
+                    <a:p>
+                      <a:pPr algn="just">
+                        <a:lnSpc>
+                          <a:spcPct val="107000"/>
+                        </a:lnSpc>
+                        <a:spcAft>
+                          <a:spcPts val="0"/>
+                        </a:spcAft>
+                      </a:pPr>
+                      <a:r>
+                        <a:rPr lang="fr-FR" sz="1200" dirty="0">
+                          <a:effectLst/>
+                        </a:rPr>
+                        <a:t> </a:t>
+                      </a:r>
+                      <a:endParaRPr lang="fr-FR" sz="1100" dirty="0">
+                        <a:effectLst/>
+                        <a:latin typeface="Calibri" panose="020F0502020204030204" pitchFamily="34" charset="0"/>
+                        <a:ea typeface="Calibri" panose="020F0502020204030204" pitchFamily="34" charset="0"/>
+                        <a:cs typeface="Times New Roman" panose="02020603050405020304" pitchFamily="18" charset="0"/>
+                      </a:endParaRPr>
+                    </a:p>
+                  </a:txBody>
+                  <a:tcPr marL="68580" marR="68580" marT="0" marB="0">
+                    <a:solidFill>
+                      <a:schemeClr val="accent2">
+                        <a:lumMod val="75000"/>
+                      </a:schemeClr>
+                    </a:solidFill>
+                  </a:tcPr>
+                </a:tc>
+                <a:tc>
+                  <a:txBody>
+                    <a:bodyPr/>
+                    <a:lstStyle/>
+                    <a:p>
+                      <a:pPr algn="just">
+                        <a:lnSpc>
+                          <a:spcPct val="107000"/>
+                        </a:lnSpc>
+                        <a:spcAft>
+                          <a:spcPts val="0"/>
+                        </a:spcAft>
+                      </a:pPr>
+                      <a:r>
+                        <a:rPr lang="fr-FR" sz="1200">
+                          <a:effectLst/>
+                        </a:rPr>
+                        <a:t> </a:t>
+                      </a:r>
+                      <a:endParaRPr lang="fr-FR" sz="1100">
+                        <a:effectLst/>
+                        <a:latin typeface="Calibri" panose="020F0502020204030204" pitchFamily="34" charset="0"/>
+                        <a:ea typeface="Calibri" panose="020F0502020204030204" pitchFamily="34" charset="0"/>
+                        <a:cs typeface="Times New Roman" panose="02020603050405020304" pitchFamily="18" charset="0"/>
+                      </a:endParaRPr>
+                    </a:p>
+                  </a:txBody>
+                  <a:tcPr marL="68580" marR="68580" marT="0" marB="0"/>
+                </a:tc>
+                <a:tc>
+                  <a:txBody>
+                    <a:bodyPr/>
+                    <a:lstStyle/>
+                    <a:p>
+                      <a:pPr algn="just">
+                        <a:lnSpc>
+                          <a:spcPct val="107000"/>
+                        </a:lnSpc>
+                        <a:spcAft>
+                          <a:spcPts val="0"/>
+                        </a:spcAft>
+                      </a:pPr>
+                      <a:r>
+                        <a:rPr lang="fr-FR" sz="1200">
+                          <a:effectLst/>
+                        </a:rPr>
+                        <a:t> </a:t>
+                      </a:r>
+                      <a:endParaRPr lang="fr-FR" sz="1100">
+                        <a:effectLst/>
+                        <a:latin typeface="Calibri" panose="020F0502020204030204" pitchFamily="34" charset="0"/>
+                        <a:ea typeface="Calibri" panose="020F0502020204030204" pitchFamily="34" charset="0"/>
+                        <a:cs typeface="Times New Roman" panose="02020603050405020304" pitchFamily="18" charset="0"/>
+                      </a:endParaRPr>
+                    </a:p>
+                  </a:txBody>
+                  <a:tcPr marL="68580" marR="68580" marT="0" marB="0"/>
+                </a:tc>
+                <a:tc>
+                  <a:txBody>
+                    <a:bodyPr/>
+                    <a:lstStyle/>
+                    <a:p>
+                      <a:pPr algn="just">
+                        <a:lnSpc>
+                          <a:spcPct val="107000"/>
+                        </a:lnSpc>
+                        <a:spcAft>
+                          <a:spcPts val="0"/>
+                        </a:spcAft>
+                      </a:pPr>
+                      <a:r>
+                        <a:rPr lang="fr-FR" sz="1200">
+                          <a:effectLst/>
+                        </a:rPr>
+                        <a:t> </a:t>
+                      </a:r>
+                      <a:endParaRPr lang="fr-FR" sz="1100">
+                        <a:effectLst/>
+                        <a:latin typeface="Calibri" panose="020F0502020204030204" pitchFamily="34" charset="0"/>
+                        <a:ea typeface="Calibri" panose="020F0502020204030204" pitchFamily="34" charset="0"/>
+                        <a:cs typeface="Times New Roman" panose="02020603050405020304" pitchFamily="18" charset="0"/>
+                      </a:endParaRPr>
+                    </a:p>
+                  </a:txBody>
+                  <a:tcPr marL="68580" marR="68580" marT="0" marB="0"/>
+                </a:tc>
+                <a:tc gridSpan="2">
+                  <a:txBody>
+                    <a:bodyPr/>
+                    <a:lstStyle/>
+                    <a:p>
+                      <a:pPr algn="just">
+                        <a:lnSpc>
+                          <a:spcPct val="107000"/>
+                        </a:lnSpc>
+                        <a:spcAft>
+                          <a:spcPts val="0"/>
+                        </a:spcAft>
+                      </a:pPr>
+                      <a:r>
+                        <a:rPr lang="fr-FR" sz="1200">
+                          <a:effectLst/>
+                        </a:rPr>
+                        <a:t> </a:t>
+                      </a:r>
+                      <a:endParaRPr lang="fr-FR" sz="1100">
+                        <a:effectLst/>
+                        <a:latin typeface="Calibri" panose="020F0502020204030204" pitchFamily="34" charset="0"/>
+                        <a:ea typeface="Calibri" panose="020F0502020204030204" pitchFamily="34" charset="0"/>
+                        <a:cs typeface="Times New Roman" panose="02020603050405020304" pitchFamily="18" charset="0"/>
+                      </a:endParaRPr>
+                    </a:p>
+                  </a:txBody>
+                  <a:tcPr marL="68580" marR="68580" marT="0" marB="0"/>
+                </a:tc>
+                <a:tc hMerge="1">
+                  <a:txBody>
+                    <a:bodyPr/>
+                    <a:lstStyle/>
+                    <a:p>
+                      <a:endParaRPr lang="fr-FR"/>
+                    </a:p>
+                  </a:txBody>
+                  <a:tcPr/>
+                </a:tc>
+                <a:extLst>
+                  <a:ext uri="{0D108BD9-81ED-4DB2-BD59-A6C34878D82A}">
+                    <a16:rowId xmlns:a16="http://schemas.microsoft.com/office/drawing/2014/main" val="3801639221"/>
+                  </a:ext>
+                </a:extLst>
+              </a:tr>
+              <a:tr h="0">
+                <a:tc>
+                  <a:txBody>
+                    <a:bodyPr/>
+                    <a:lstStyle/>
+                    <a:p>
+                      <a:pPr algn="just">
+                        <a:lnSpc>
+                          <a:spcPct val="107000"/>
+                        </a:lnSpc>
+                        <a:spcAft>
+                          <a:spcPts val="0"/>
+                        </a:spcAft>
+                      </a:pPr>
+                      <a:r>
+                        <a:rPr lang="fr-FR" sz="1200" dirty="0">
+                          <a:effectLst/>
+                        </a:rPr>
+                        <a:t> </a:t>
+                      </a:r>
+                      <a:endParaRPr lang="fr-FR" sz="1100" dirty="0">
+                        <a:effectLst/>
+                        <a:latin typeface="Calibri" panose="020F0502020204030204" pitchFamily="34" charset="0"/>
+                        <a:ea typeface="Calibri" panose="020F0502020204030204" pitchFamily="34" charset="0"/>
+                        <a:cs typeface="Times New Roman" panose="02020603050405020304" pitchFamily="18" charset="0"/>
+                      </a:endParaRPr>
+                    </a:p>
+                  </a:txBody>
+                  <a:tcPr marL="68580" marR="68580" marT="0" marB="0">
+                    <a:solidFill>
+                      <a:schemeClr val="accent1">
+                        <a:lumMod val="20000"/>
+                        <a:lumOff val="80000"/>
+                      </a:schemeClr>
+                    </a:solidFill>
+                  </a:tcPr>
+                </a:tc>
+                <a:tc>
+                  <a:txBody>
+                    <a:bodyPr/>
+                    <a:lstStyle/>
+                    <a:p>
+                      <a:pPr algn="just">
+                        <a:lnSpc>
+                          <a:spcPct val="107000"/>
+                        </a:lnSpc>
+                        <a:spcAft>
+                          <a:spcPts val="0"/>
+                        </a:spcAft>
+                      </a:pPr>
+                      <a:r>
+                        <a:rPr lang="fr-FR" sz="1200">
+                          <a:effectLst/>
+                        </a:rPr>
+                        <a:t> </a:t>
+                      </a:r>
+                      <a:endParaRPr lang="fr-FR" sz="1100">
+                        <a:effectLst/>
+                        <a:latin typeface="Calibri" panose="020F0502020204030204" pitchFamily="34" charset="0"/>
+                        <a:ea typeface="Calibri" panose="020F0502020204030204" pitchFamily="34" charset="0"/>
+                        <a:cs typeface="Times New Roman" panose="02020603050405020304" pitchFamily="18" charset="0"/>
+                      </a:endParaRPr>
+                    </a:p>
+                  </a:txBody>
+                  <a:tcPr marL="68580" marR="68580" marT="0" marB="0"/>
+                </a:tc>
+                <a:tc>
+                  <a:txBody>
+                    <a:bodyPr/>
+                    <a:lstStyle/>
+                    <a:p>
+                      <a:pPr algn="just">
+                        <a:lnSpc>
+                          <a:spcPct val="107000"/>
+                        </a:lnSpc>
+                        <a:spcAft>
+                          <a:spcPts val="0"/>
+                        </a:spcAft>
+                      </a:pPr>
+                      <a:r>
+                        <a:rPr lang="fr-FR" sz="1200">
+                          <a:effectLst/>
+                        </a:rPr>
+                        <a:t> </a:t>
+                      </a:r>
+                      <a:endParaRPr lang="fr-FR" sz="1100">
+                        <a:effectLst/>
+                        <a:latin typeface="Calibri" panose="020F0502020204030204" pitchFamily="34" charset="0"/>
+                        <a:ea typeface="Calibri" panose="020F0502020204030204" pitchFamily="34" charset="0"/>
+                        <a:cs typeface="Times New Roman" panose="02020603050405020304" pitchFamily="18" charset="0"/>
+                      </a:endParaRPr>
+                    </a:p>
+                  </a:txBody>
+                  <a:tcPr marL="68580" marR="68580" marT="0" marB="0"/>
+                </a:tc>
+                <a:tc gridSpan="4">
+                  <a:txBody>
+                    <a:bodyPr/>
+                    <a:lstStyle/>
+                    <a:p>
+                      <a:pPr algn="just">
+                        <a:lnSpc>
+                          <a:spcPct val="107000"/>
+                        </a:lnSpc>
+                        <a:spcAft>
+                          <a:spcPts val="0"/>
+                        </a:spcAft>
+                      </a:pPr>
+                      <a:r>
+                        <a:rPr lang="fr-FR" sz="1200" dirty="0">
+                          <a:effectLst/>
+                        </a:rPr>
+                        <a:t> </a:t>
+                      </a:r>
+                      <a:endParaRPr lang="fr-FR" sz="1100" dirty="0">
+                        <a:effectLst/>
+                        <a:latin typeface="Calibri" panose="020F0502020204030204" pitchFamily="34" charset="0"/>
+                        <a:ea typeface="Calibri" panose="020F0502020204030204" pitchFamily="34" charset="0"/>
+                        <a:cs typeface="Times New Roman" panose="02020603050405020304" pitchFamily="18" charset="0"/>
+                      </a:endParaRPr>
+                    </a:p>
+                  </a:txBody>
+                  <a:tcPr marL="68580" marR="68580" marT="0" marB="0">
+                    <a:solidFill>
+                      <a:schemeClr val="accent1">
+                        <a:lumMod val="75000"/>
+                      </a:schemeClr>
+                    </a:solidFill>
+                  </a:tcPr>
+                </a:tc>
+                <a:tc hMerge="1">
+                  <a:txBody>
+                    <a:bodyPr/>
+                    <a:lstStyle/>
+                    <a:p>
+                      <a:endParaRPr lang="fr-FR"/>
+                    </a:p>
+                  </a:txBody>
+                  <a:tcPr/>
+                </a:tc>
+                <a:tc hMerge="1">
+                  <a:txBody>
+                    <a:bodyPr/>
+                    <a:lstStyle/>
+                    <a:p>
+                      <a:endParaRPr lang="fr-FR"/>
+                    </a:p>
+                  </a:txBody>
+                  <a:tcPr/>
+                </a:tc>
+                <a:tc hMerge="1">
+                  <a:txBody>
+                    <a:bodyPr/>
+                    <a:lstStyle/>
+                    <a:p>
+                      <a:endParaRPr lang="fr-FR"/>
+                    </a:p>
+                  </a:txBody>
+                  <a:tcPr/>
+                </a:tc>
+                <a:tc>
+                  <a:txBody>
+                    <a:bodyPr/>
+                    <a:lstStyle/>
+                    <a:p>
+                      <a:pPr algn="just">
+                        <a:lnSpc>
+                          <a:spcPct val="107000"/>
+                        </a:lnSpc>
+                        <a:spcAft>
+                          <a:spcPts val="0"/>
+                        </a:spcAft>
+                      </a:pPr>
+                      <a:r>
+                        <a:rPr lang="fr-FR" sz="1200" dirty="0">
+                          <a:effectLst/>
+                        </a:rPr>
+                        <a:t> </a:t>
+                      </a:r>
+                      <a:endParaRPr lang="fr-FR" sz="1100" dirty="0">
+                        <a:effectLst/>
+                        <a:latin typeface="Calibri" panose="020F0502020204030204" pitchFamily="34" charset="0"/>
+                        <a:ea typeface="Calibri" panose="020F0502020204030204" pitchFamily="34" charset="0"/>
+                        <a:cs typeface="Times New Roman" panose="02020603050405020304" pitchFamily="18" charset="0"/>
+                      </a:endParaRPr>
+                    </a:p>
+                  </a:txBody>
+                  <a:tcPr marL="68580" marR="68580" marT="0" marB="0"/>
+                </a:tc>
+                <a:extLst>
+                  <a:ext uri="{0D108BD9-81ED-4DB2-BD59-A6C34878D82A}">
+                    <a16:rowId xmlns:a16="http://schemas.microsoft.com/office/drawing/2014/main" val="2697354072"/>
+                  </a:ext>
+                </a:extLst>
+              </a:tr>
+            </a:tbl>
+          </a:graphicData>
+        </a:graphic>
+      </p:graphicFrame>
+      <p:graphicFrame>
+        <p:nvGraphicFramePr>
+          <p:cNvPr id="7" name="Tableau 6"/>
+          <p:cNvGraphicFramePr>
+            <a:graphicFrameLocks noGrp="1"/>
+          </p:cNvGraphicFramePr>
+          <p:nvPr>
+            <p:extLst>
+              <p:ext uri="{D42A27DB-BD31-4B8C-83A1-F6EECF244321}">
+                <p14:modId xmlns:p14="http://schemas.microsoft.com/office/powerpoint/2010/main" val="635138673"/>
+              </p:ext>
+            </p:extLst>
+          </p:nvPr>
+        </p:nvGraphicFramePr>
+        <p:xfrm>
+          <a:off x="6095942" y="3080059"/>
+          <a:ext cx="5127625" cy="1479931"/>
+        </p:xfrm>
+        <a:graphic>
+          <a:graphicData uri="http://schemas.openxmlformats.org/drawingml/2006/table">
+            <a:tbl>
+              <a:tblPr firstRow="1" firstCol="1" bandRow="1">
+                <a:tableStyleId>{5C22544A-7EE6-4342-B048-85BDC9FD1C3A}</a:tableStyleId>
+              </a:tblPr>
+              <a:tblGrid>
+                <a:gridCol w="1917700">
+                  <a:extLst>
+                    <a:ext uri="{9D8B030D-6E8A-4147-A177-3AD203B41FA5}">
+                      <a16:colId xmlns:a16="http://schemas.microsoft.com/office/drawing/2014/main" val="88513210"/>
+                    </a:ext>
+                  </a:extLst>
+                </a:gridCol>
+                <a:gridCol w="1409700">
+                  <a:extLst>
+                    <a:ext uri="{9D8B030D-6E8A-4147-A177-3AD203B41FA5}">
+                      <a16:colId xmlns:a16="http://schemas.microsoft.com/office/drawing/2014/main" val="3193985118"/>
+                    </a:ext>
+                  </a:extLst>
+                </a:gridCol>
+                <a:gridCol w="1800225">
+                  <a:extLst>
+                    <a:ext uri="{9D8B030D-6E8A-4147-A177-3AD203B41FA5}">
+                      <a16:colId xmlns:a16="http://schemas.microsoft.com/office/drawing/2014/main" val="2938227578"/>
+                    </a:ext>
+                  </a:extLst>
+                </a:gridCol>
+              </a:tblGrid>
+              <a:tr h="0">
+                <a:tc>
+                  <a:txBody>
+                    <a:bodyPr/>
+                    <a:lstStyle/>
+                    <a:p>
+                      <a:pPr algn="ctr">
+                        <a:lnSpc>
+                          <a:spcPct val="107000"/>
+                        </a:lnSpc>
+                        <a:spcAft>
+                          <a:spcPts val="0"/>
+                        </a:spcAft>
+                      </a:pPr>
+                      <a:r>
+                        <a:rPr lang="fr-FR" sz="1200">
+                          <a:effectLst/>
+                        </a:rPr>
+                        <a:t>Manœuvre</a:t>
+                      </a:r>
+                      <a:endParaRPr lang="fr-FR" sz="1100">
+                        <a:effectLst/>
+                        <a:latin typeface="Calibri" panose="020F0502020204030204" pitchFamily="34" charset="0"/>
+                        <a:ea typeface="Calibri" panose="020F0502020204030204" pitchFamily="34" charset="0"/>
+                        <a:cs typeface="Times New Roman" panose="02020603050405020304" pitchFamily="18" charset="0"/>
+                      </a:endParaRPr>
+                    </a:p>
+                  </a:txBody>
+                  <a:tcPr marL="68580" marR="68580" marT="0" marB="0"/>
+                </a:tc>
+                <a:tc>
+                  <a:txBody>
+                    <a:bodyPr/>
+                    <a:lstStyle/>
+                    <a:p>
+                      <a:pPr algn="ctr">
+                        <a:lnSpc>
+                          <a:spcPct val="107000"/>
+                        </a:lnSpc>
+                        <a:spcAft>
+                          <a:spcPts val="0"/>
+                        </a:spcAft>
+                      </a:pPr>
+                      <a:r>
+                        <a:rPr lang="fr-FR" sz="1200">
+                          <a:effectLst/>
+                        </a:rPr>
+                        <a:t>Temps</a:t>
+                      </a:r>
+                      <a:endParaRPr lang="fr-FR" sz="1100">
+                        <a:effectLst/>
+                        <a:latin typeface="Calibri" panose="020F0502020204030204" pitchFamily="34" charset="0"/>
+                        <a:ea typeface="Calibri" panose="020F0502020204030204" pitchFamily="34" charset="0"/>
+                        <a:cs typeface="Times New Roman" panose="02020603050405020304" pitchFamily="18" charset="0"/>
+                      </a:endParaRPr>
+                    </a:p>
+                  </a:txBody>
+                  <a:tcPr marL="68580" marR="68580" marT="0" marB="0"/>
+                </a:tc>
+                <a:tc>
+                  <a:txBody>
+                    <a:bodyPr/>
+                    <a:lstStyle/>
+                    <a:p>
+                      <a:pPr algn="ctr">
+                        <a:lnSpc>
+                          <a:spcPct val="107000"/>
+                        </a:lnSpc>
+                        <a:spcAft>
+                          <a:spcPts val="0"/>
+                        </a:spcAft>
+                      </a:pPr>
+                      <a:r>
+                        <a:rPr lang="fr-FR" sz="1200">
+                          <a:effectLst/>
+                        </a:rPr>
+                        <a:t>Signature</a:t>
+                      </a:r>
+                      <a:endParaRPr lang="fr-FR" sz="1100">
+                        <a:effectLst/>
+                        <a:latin typeface="Calibri" panose="020F0502020204030204" pitchFamily="34" charset="0"/>
+                        <a:ea typeface="Calibri" panose="020F0502020204030204" pitchFamily="34" charset="0"/>
+                        <a:cs typeface="Times New Roman" panose="02020603050405020304" pitchFamily="18" charset="0"/>
+                      </a:endParaRPr>
+                    </a:p>
+                  </a:txBody>
+                  <a:tcPr marL="68580" marR="68580" marT="0" marB="0"/>
+                </a:tc>
+                <a:extLst>
+                  <a:ext uri="{0D108BD9-81ED-4DB2-BD59-A6C34878D82A}">
+                    <a16:rowId xmlns:a16="http://schemas.microsoft.com/office/drawing/2014/main" val="3773638660"/>
+                  </a:ext>
+                </a:extLst>
+              </a:tr>
+              <a:tr h="267335">
+                <a:tc>
+                  <a:txBody>
+                    <a:bodyPr/>
+                    <a:lstStyle/>
+                    <a:p>
+                      <a:pPr algn="ctr">
+                        <a:lnSpc>
+                          <a:spcPct val="107000"/>
+                        </a:lnSpc>
+                        <a:spcAft>
+                          <a:spcPts val="0"/>
+                        </a:spcAft>
+                      </a:pPr>
+                      <a:r>
+                        <a:rPr lang="fr-FR" sz="1200" dirty="0">
+                          <a:effectLst/>
+                        </a:rPr>
+                        <a:t>Câblage, test</a:t>
+                      </a:r>
+                      <a:endParaRPr lang="fr-FR" sz="1100" dirty="0">
+                        <a:effectLst/>
+                        <a:latin typeface="Calibri" panose="020F0502020204030204" pitchFamily="34" charset="0"/>
+                        <a:ea typeface="Calibri" panose="020F0502020204030204" pitchFamily="34" charset="0"/>
+                        <a:cs typeface="Times New Roman" panose="02020603050405020304" pitchFamily="18" charset="0"/>
+                      </a:endParaRPr>
+                    </a:p>
+                  </a:txBody>
+                  <a:tcPr marL="68580" marR="68580" marT="0" marB="0">
+                    <a:solidFill>
+                      <a:schemeClr val="accent4">
+                        <a:lumMod val="75000"/>
+                      </a:schemeClr>
+                    </a:solidFill>
+                  </a:tcPr>
+                </a:tc>
+                <a:tc>
+                  <a:txBody>
+                    <a:bodyPr/>
+                    <a:lstStyle/>
+                    <a:p>
+                      <a:pPr algn="ctr">
+                        <a:lnSpc>
+                          <a:spcPct val="107000"/>
+                        </a:lnSpc>
+                        <a:spcAft>
+                          <a:spcPts val="0"/>
+                        </a:spcAft>
+                      </a:pPr>
+                      <a:r>
+                        <a:rPr lang="fr-FR" sz="1200">
+                          <a:effectLst/>
+                        </a:rPr>
+                        <a:t>2 mois</a:t>
+                      </a:r>
+                      <a:endParaRPr lang="fr-FR" sz="1100">
+                        <a:effectLst/>
+                        <a:latin typeface="Calibri" panose="020F0502020204030204" pitchFamily="34" charset="0"/>
+                        <a:ea typeface="Calibri" panose="020F0502020204030204" pitchFamily="34" charset="0"/>
+                        <a:cs typeface="Times New Roman" panose="02020603050405020304" pitchFamily="18" charset="0"/>
+                      </a:endParaRPr>
+                    </a:p>
+                  </a:txBody>
+                  <a:tcPr marL="68580" marR="68580" marT="0" marB="0"/>
+                </a:tc>
+                <a:tc>
+                  <a:txBody>
+                    <a:bodyPr/>
+                    <a:lstStyle/>
+                    <a:p>
+                      <a:pPr algn="ctr">
+                        <a:lnSpc>
+                          <a:spcPct val="107000"/>
+                        </a:lnSpc>
+                        <a:spcAft>
+                          <a:spcPts val="0"/>
+                        </a:spcAft>
+                      </a:pPr>
+                      <a:r>
+                        <a:rPr lang="fr-FR" sz="1200">
+                          <a:effectLst/>
+                        </a:rPr>
+                        <a:t> </a:t>
+                      </a:r>
+                      <a:endParaRPr lang="fr-FR" sz="1100">
+                        <a:effectLst/>
+                        <a:latin typeface="Calibri" panose="020F0502020204030204" pitchFamily="34" charset="0"/>
+                        <a:ea typeface="Calibri" panose="020F0502020204030204" pitchFamily="34" charset="0"/>
+                        <a:cs typeface="Times New Roman" panose="02020603050405020304" pitchFamily="18" charset="0"/>
+                      </a:endParaRPr>
+                    </a:p>
+                  </a:txBody>
+                  <a:tcPr marL="68580" marR="68580" marT="0" marB="0"/>
+                </a:tc>
+                <a:extLst>
+                  <a:ext uri="{0D108BD9-81ED-4DB2-BD59-A6C34878D82A}">
+                    <a16:rowId xmlns:a16="http://schemas.microsoft.com/office/drawing/2014/main" val="1628016492"/>
+                  </a:ext>
+                </a:extLst>
+              </a:tr>
+              <a:tr h="0">
+                <a:tc>
+                  <a:txBody>
+                    <a:bodyPr/>
+                    <a:lstStyle/>
+                    <a:p>
+                      <a:pPr algn="ctr">
+                        <a:lnSpc>
+                          <a:spcPct val="107000"/>
+                        </a:lnSpc>
+                        <a:spcAft>
+                          <a:spcPts val="0"/>
+                        </a:spcAft>
+                      </a:pPr>
+                      <a:r>
+                        <a:rPr lang="fr-FR" sz="1200" dirty="0">
+                          <a:effectLst/>
+                        </a:rPr>
+                        <a:t>Installation des ordinateurs, et leurs configurations</a:t>
+                      </a:r>
+                      <a:endParaRPr lang="fr-FR" sz="1100" dirty="0">
+                        <a:effectLst/>
+                        <a:latin typeface="Calibri" panose="020F0502020204030204" pitchFamily="34" charset="0"/>
+                        <a:ea typeface="Calibri" panose="020F0502020204030204" pitchFamily="34" charset="0"/>
+                        <a:cs typeface="Times New Roman" panose="02020603050405020304" pitchFamily="18" charset="0"/>
+                      </a:endParaRPr>
+                    </a:p>
+                  </a:txBody>
+                  <a:tcPr marL="68580" marR="68580" marT="0" marB="0">
+                    <a:solidFill>
+                      <a:schemeClr val="accent2">
+                        <a:lumMod val="75000"/>
+                      </a:schemeClr>
+                    </a:solidFill>
+                  </a:tcPr>
+                </a:tc>
+                <a:tc>
+                  <a:txBody>
+                    <a:bodyPr/>
+                    <a:lstStyle/>
+                    <a:p>
+                      <a:pPr algn="ctr">
+                        <a:lnSpc>
+                          <a:spcPct val="107000"/>
+                        </a:lnSpc>
+                        <a:spcAft>
+                          <a:spcPts val="0"/>
+                        </a:spcAft>
+                      </a:pPr>
+                      <a:r>
+                        <a:rPr lang="fr-FR" sz="1200">
+                          <a:effectLst/>
+                        </a:rPr>
+                        <a:t>1 semaine</a:t>
+                      </a:r>
+                      <a:endParaRPr lang="fr-FR" sz="1100">
+                        <a:effectLst/>
+                        <a:latin typeface="Calibri" panose="020F0502020204030204" pitchFamily="34" charset="0"/>
+                        <a:ea typeface="Calibri" panose="020F0502020204030204" pitchFamily="34" charset="0"/>
+                        <a:cs typeface="Times New Roman" panose="02020603050405020304" pitchFamily="18" charset="0"/>
+                      </a:endParaRPr>
+                    </a:p>
+                  </a:txBody>
+                  <a:tcPr marL="68580" marR="68580" marT="0" marB="0"/>
+                </a:tc>
+                <a:tc>
+                  <a:txBody>
+                    <a:bodyPr/>
+                    <a:lstStyle/>
+                    <a:p>
+                      <a:pPr algn="ctr">
+                        <a:lnSpc>
+                          <a:spcPct val="107000"/>
+                        </a:lnSpc>
+                        <a:spcAft>
+                          <a:spcPts val="0"/>
+                        </a:spcAft>
+                      </a:pPr>
+                      <a:r>
+                        <a:rPr lang="fr-FR" sz="1200">
+                          <a:effectLst/>
+                        </a:rPr>
+                        <a:t> </a:t>
+                      </a:r>
+                      <a:endParaRPr lang="fr-FR" sz="1100">
+                        <a:effectLst/>
+                        <a:latin typeface="Calibri" panose="020F0502020204030204" pitchFamily="34" charset="0"/>
+                        <a:ea typeface="Calibri" panose="020F0502020204030204" pitchFamily="34" charset="0"/>
+                        <a:cs typeface="Times New Roman" panose="02020603050405020304" pitchFamily="18" charset="0"/>
+                      </a:endParaRPr>
+                    </a:p>
+                  </a:txBody>
+                  <a:tcPr marL="68580" marR="68580" marT="0" marB="0"/>
+                </a:tc>
+                <a:extLst>
+                  <a:ext uri="{0D108BD9-81ED-4DB2-BD59-A6C34878D82A}">
+                    <a16:rowId xmlns:a16="http://schemas.microsoft.com/office/drawing/2014/main" val="53949684"/>
+                  </a:ext>
+                </a:extLst>
+              </a:tr>
+              <a:tr h="447040">
+                <a:tc>
+                  <a:txBody>
+                    <a:bodyPr/>
+                    <a:lstStyle/>
+                    <a:p>
+                      <a:pPr algn="ctr">
+                        <a:lnSpc>
+                          <a:spcPct val="107000"/>
+                        </a:lnSpc>
+                        <a:spcAft>
+                          <a:spcPts val="0"/>
+                        </a:spcAft>
+                      </a:pPr>
+                      <a:r>
+                        <a:rPr lang="fr-FR" sz="1200" dirty="0">
+                          <a:effectLst/>
+                        </a:rPr>
+                        <a:t>Vérification mensuelle</a:t>
+                      </a:r>
+                      <a:endParaRPr lang="fr-FR" sz="1100" dirty="0">
+                        <a:effectLst/>
+                        <a:latin typeface="Calibri" panose="020F0502020204030204" pitchFamily="34" charset="0"/>
+                        <a:ea typeface="Calibri" panose="020F0502020204030204" pitchFamily="34" charset="0"/>
+                        <a:cs typeface="Times New Roman" panose="02020603050405020304" pitchFamily="18" charset="0"/>
+                      </a:endParaRPr>
+                    </a:p>
+                  </a:txBody>
+                  <a:tcPr marL="68580" marR="68580" marT="0" marB="0">
+                    <a:solidFill>
+                      <a:schemeClr val="accent1">
+                        <a:lumMod val="75000"/>
+                      </a:schemeClr>
+                    </a:solidFill>
+                  </a:tcPr>
+                </a:tc>
+                <a:tc>
+                  <a:txBody>
+                    <a:bodyPr/>
+                    <a:lstStyle/>
+                    <a:p>
+                      <a:pPr algn="ctr">
+                        <a:lnSpc>
+                          <a:spcPct val="107000"/>
+                        </a:lnSpc>
+                        <a:spcAft>
+                          <a:spcPts val="0"/>
+                        </a:spcAft>
+                      </a:pPr>
+                      <a:r>
+                        <a:rPr lang="fr-FR" sz="1200">
+                          <a:effectLst/>
+                        </a:rPr>
+                        <a:t>3 mois</a:t>
+                      </a:r>
+                      <a:endParaRPr lang="fr-FR" sz="1100">
+                        <a:effectLst/>
+                        <a:latin typeface="Calibri" panose="020F0502020204030204" pitchFamily="34" charset="0"/>
+                        <a:ea typeface="Calibri" panose="020F0502020204030204" pitchFamily="34" charset="0"/>
+                        <a:cs typeface="Times New Roman" panose="02020603050405020304" pitchFamily="18" charset="0"/>
+                      </a:endParaRPr>
+                    </a:p>
+                  </a:txBody>
+                  <a:tcPr marL="68580" marR="68580" marT="0" marB="0"/>
+                </a:tc>
+                <a:tc>
+                  <a:txBody>
+                    <a:bodyPr/>
+                    <a:lstStyle/>
+                    <a:p>
+                      <a:pPr algn="ctr">
+                        <a:lnSpc>
+                          <a:spcPct val="107000"/>
+                        </a:lnSpc>
+                        <a:spcAft>
+                          <a:spcPts val="0"/>
+                        </a:spcAft>
+                      </a:pPr>
+                      <a:r>
+                        <a:rPr lang="fr-FR" sz="1200" dirty="0">
+                          <a:effectLst/>
+                        </a:rPr>
+                        <a:t> </a:t>
+                      </a:r>
+                      <a:endParaRPr lang="fr-FR" sz="1100" dirty="0">
+                        <a:effectLst/>
+                        <a:latin typeface="Calibri" panose="020F0502020204030204" pitchFamily="34" charset="0"/>
+                        <a:ea typeface="Calibri" panose="020F0502020204030204" pitchFamily="34" charset="0"/>
+                        <a:cs typeface="Times New Roman" panose="02020603050405020304" pitchFamily="18" charset="0"/>
+                      </a:endParaRPr>
+                    </a:p>
+                  </a:txBody>
+                  <a:tcPr marL="68580" marR="68580" marT="0" marB="0"/>
+                </a:tc>
+                <a:extLst>
+                  <a:ext uri="{0D108BD9-81ED-4DB2-BD59-A6C34878D82A}">
+                    <a16:rowId xmlns:a16="http://schemas.microsoft.com/office/drawing/2014/main" val="2275282841"/>
+                  </a:ext>
+                </a:extLst>
+              </a:tr>
+            </a:tbl>
+          </a:graphicData>
+        </a:graphic>
+      </p:graphicFrame>
+      <p:graphicFrame>
+        <p:nvGraphicFramePr>
+          <p:cNvPr id="8" name="Tableau 7"/>
+          <p:cNvGraphicFramePr>
+            <a:graphicFrameLocks noGrp="1"/>
+          </p:cNvGraphicFramePr>
+          <p:nvPr>
+            <p:extLst>
+              <p:ext uri="{D42A27DB-BD31-4B8C-83A1-F6EECF244321}">
+                <p14:modId xmlns:p14="http://schemas.microsoft.com/office/powerpoint/2010/main" val="1663000276"/>
+              </p:ext>
+            </p:extLst>
+          </p:nvPr>
+        </p:nvGraphicFramePr>
+        <p:xfrm>
+          <a:off x="1452880" y="2095039"/>
+          <a:ext cx="3027678" cy="972243"/>
+        </p:xfrm>
+        <a:graphic>
+          <a:graphicData uri="http://schemas.openxmlformats.org/drawingml/2006/table">
+            <a:tbl>
+              <a:tblPr firstRow="1" bandRow="1">
+                <a:tableStyleId>{5C22544A-7EE6-4342-B048-85BDC9FD1C3A}</a:tableStyleId>
+              </a:tblPr>
+              <a:tblGrid>
+                <a:gridCol w="1009226">
+                  <a:extLst>
+                    <a:ext uri="{9D8B030D-6E8A-4147-A177-3AD203B41FA5}">
+                      <a16:colId xmlns:a16="http://schemas.microsoft.com/office/drawing/2014/main" val="181009048"/>
+                    </a:ext>
+                  </a:extLst>
+                </a:gridCol>
+                <a:gridCol w="1009226">
+                  <a:extLst>
+                    <a:ext uri="{9D8B030D-6E8A-4147-A177-3AD203B41FA5}">
+                      <a16:colId xmlns:a16="http://schemas.microsoft.com/office/drawing/2014/main" val="1785878078"/>
+                    </a:ext>
+                  </a:extLst>
+                </a:gridCol>
+                <a:gridCol w="1009226">
+                  <a:extLst>
+                    <a:ext uri="{9D8B030D-6E8A-4147-A177-3AD203B41FA5}">
+                      <a16:colId xmlns:a16="http://schemas.microsoft.com/office/drawing/2014/main" val="39053341"/>
+                    </a:ext>
+                  </a:extLst>
+                </a:gridCol>
+              </a:tblGrid>
+              <a:tr h="324081">
+                <a:tc>
+                  <a:txBody>
+                    <a:bodyPr/>
+                    <a:lstStyle/>
+                    <a:p>
+                      <a:pPr algn="ctr"/>
+                      <a:r>
+                        <a:rPr lang="fr-FR" sz="1400" dirty="0"/>
+                        <a:t>Catégorie</a:t>
+                      </a:r>
+                    </a:p>
+                  </a:txBody>
+                  <a:tcPr/>
+                </a:tc>
+                <a:tc>
+                  <a:txBody>
+                    <a:bodyPr/>
+                    <a:lstStyle/>
+                    <a:p>
+                      <a:pPr algn="ctr"/>
+                      <a:r>
+                        <a:rPr lang="fr-FR" sz="1400" dirty="0"/>
+                        <a:t>Prix</a:t>
+                      </a:r>
+                    </a:p>
+                  </a:txBody>
+                  <a:tcPr/>
+                </a:tc>
+                <a:tc>
+                  <a:txBody>
+                    <a:bodyPr/>
+                    <a:lstStyle/>
+                    <a:p>
+                      <a:pPr algn="ctr"/>
+                      <a:r>
+                        <a:rPr lang="fr-FR" sz="1400" dirty="0"/>
+                        <a:t>Quantité</a:t>
+                      </a:r>
+                    </a:p>
+                  </a:txBody>
+                  <a:tcPr/>
+                </a:tc>
+                <a:extLst>
+                  <a:ext uri="{0D108BD9-81ED-4DB2-BD59-A6C34878D82A}">
+                    <a16:rowId xmlns:a16="http://schemas.microsoft.com/office/drawing/2014/main" val="3846870025"/>
+                  </a:ext>
+                </a:extLst>
+              </a:tr>
+              <a:tr h="324081">
+                <a:tc>
+                  <a:txBody>
+                    <a:bodyPr/>
+                    <a:lstStyle/>
+                    <a:p>
+                      <a:pPr algn="ctr"/>
+                      <a:r>
+                        <a:rPr lang="fr-FR" sz="1200" dirty="0"/>
+                        <a:t>Câbles</a:t>
+                      </a:r>
+                    </a:p>
+                  </a:txBody>
+                  <a:tcPr/>
+                </a:tc>
+                <a:tc>
+                  <a:txBody>
+                    <a:bodyPr/>
+                    <a:lstStyle/>
+                    <a:p>
+                      <a:pPr algn="ctr"/>
+                      <a:r>
+                        <a:rPr lang="fr-FR" sz="1200" dirty="0"/>
+                        <a:t>36 450 €</a:t>
+                      </a:r>
+                    </a:p>
+                  </a:txBody>
+                  <a:tcPr/>
+                </a:tc>
+                <a:tc>
+                  <a:txBody>
+                    <a:bodyPr/>
+                    <a:lstStyle/>
+                    <a:p>
+                      <a:pPr algn="ctr"/>
+                      <a:r>
+                        <a:rPr lang="fr-FR" sz="1200" dirty="0"/>
+                        <a:t>21 700 m</a:t>
+                      </a:r>
+                    </a:p>
+                  </a:txBody>
+                  <a:tcPr/>
+                </a:tc>
+                <a:extLst>
+                  <a:ext uri="{0D108BD9-81ED-4DB2-BD59-A6C34878D82A}">
+                    <a16:rowId xmlns:a16="http://schemas.microsoft.com/office/drawing/2014/main" val="1453713005"/>
+                  </a:ext>
+                </a:extLst>
+              </a:tr>
+              <a:tr h="324081">
+                <a:tc>
+                  <a:txBody>
+                    <a:bodyPr/>
+                    <a:lstStyle/>
+                    <a:p>
+                      <a:pPr algn="ctr"/>
+                      <a:r>
+                        <a:rPr lang="fr-FR" sz="1200" dirty="0"/>
+                        <a:t>Composants</a:t>
+                      </a:r>
+                    </a:p>
+                  </a:txBody>
+                  <a:tcPr/>
+                </a:tc>
+                <a:tc>
+                  <a:txBody>
+                    <a:bodyPr/>
+                    <a:lstStyle/>
+                    <a:p>
+                      <a:pPr algn="ctr"/>
+                      <a:r>
+                        <a:rPr lang="fr-FR" sz="1200" dirty="0"/>
+                        <a:t>9 219 €</a:t>
+                      </a:r>
+                    </a:p>
+                  </a:txBody>
+                  <a:tcPr/>
+                </a:tc>
+                <a:tc>
+                  <a:txBody>
+                    <a:bodyPr/>
+                    <a:lstStyle/>
+                    <a:p>
+                      <a:pPr algn="ctr"/>
+                      <a:r>
+                        <a:rPr lang="fr-FR" sz="1200" dirty="0"/>
+                        <a:t>28 unités</a:t>
+                      </a:r>
+                    </a:p>
+                  </a:txBody>
+                  <a:tcPr/>
+                </a:tc>
+                <a:extLst>
+                  <a:ext uri="{0D108BD9-81ED-4DB2-BD59-A6C34878D82A}">
+                    <a16:rowId xmlns:a16="http://schemas.microsoft.com/office/drawing/2014/main" val="4117959798"/>
+                  </a:ext>
+                </a:extLst>
+              </a:tr>
+            </a:tbl>
+          </a:graphicData>
+        </a:graphic>
+      </p:graphicFrame>
+      <p:sp>
+        <p:nvSpPr>
+          <p:cNvPr id="10" name="Espace réservé du contenu 2"/>
+          <p:cNvSpPr txBox="1">
+            <a:spLocks/>
+          </p:cNvSpPr>
+          <p:nvPr/>
+        </p:nvSpPr>
+        <p:spPr>
+          <a:xfrm>
+            <a:off x="1364145" y="3236704"/>
+            <a:ext cx="10268583" cy="1985117"/>
+          </a:xfrm>
+          <a:prstGeom prst="rect">
+            <a:avLst/>
+          </a:prstGeom>
+        </p:spPr>
+        <p:txBody>
+          <a:bodyPr vert="horz" lIns="91440" tIns="45720" rIns="91440" bIns="45720" rtlCol="0" anchor="ctr">
+            <a:normAutofit/>
+          </a:bodyPr>
+          <a:lstStyle>
+            <a:lvl1pPr marL="285750" indent="-285750" algn="l" defTabSz="457200" rtl="0" eaLnBrk="1" latinLnBrk="0" hangingPunct="1">
+              <a:spcBef>
+                <a:spcPct val="20000"/>
+              </a:spcBef>
+              <a:spcAft>
+                <a:spcPts val="600"/>
+              </a:spcAft>
+              <a:buClr>
+                <a:schemeClr val="accent1">
+                  <a:lumMod val="75000"/>
+                </a:schemeClr>
+              </a:buClr>
+              <a:buSzPct val="145000"/>
+              <a:buFont typeface="Arial"/>
+              <a:buChar char="•"/>
+              <a:defRPr sz="2400" kern="1200" cap="none">
+                <a:solidFill>
+                  <a:schemeClr val="tx1"/>
+                </a:solidFill>
+                <a:effectLst/>
+                <a:latin typeface="+mn-lt"/>
+                <a:ea typeface="+mn-ea"/>
+                <a:cs typeface="+mn-cs"/>
+              </a:defRPr>
+            </a:lvl1pPr>
+            <a:lvl2pPr marL="742950" indent="-285750" algn="l" defTabSz="457200" rtl="0" eaLnBrk="1" latinLnBrk="0" hangingPunct="1">
+              <a:spcBef>
+                <a:spcPct val="20000"/>
+              </a:spcBef>
+              <a:spcAft>
+                <a:spcPts val="600"/>
+              </a:spcAft>
+              <a:buClr>
+                <a:schemeClr val="accent1">
+                  <a:lumMod val="75000"/>
+                </a:schemeClr>
+              </a:buClr>
+              <a:buSzPct val="145000"/>
+              <a:buFont typeface="Arial"/>
+              <a:buChar char="•"/>
+              <a:defRPr sz="2000" kern="1200" cap="none">
+                <a:solidFill>
+                  <a:schemeClr val="tx1"/>
+                </a:solidFill>
+                <a:effectLst/>
+                <a:latin typeface="+mn-lt"/>
+                <a:ea typeface="+mn-ea"/>
+                <a:cs typeface="+mn-cs"/>
+              </a:defRPr>
+            </a:lvl2pPr>
+            <a:lvl3pPr marL="1200150" indent="-285750" algn="l" defTabSz="457200" rtl="0" eaLnBrk="1" latinLnBrk="0" hangingPunct="1">
+              <a:spcBef>
+                <a:spcPct val="20000"/>
+              </a:spcBef>
+              <a:spcAft>
+                <a:spcPts val="600"/>
+              </a:spcAft>
+              <a:buClr>
+                <a:schemeClr val="accent1">
+                  <a:lumMod val="75000"/>
+                </a:schemeClr>
+              </a:buClr>
+              <a:buSzPct val="145000"/>
+              <a:buFont typeface="Arial"/>
+              <a:buChar char="•"/>
+              <a:defRPr sz="1800" kern="1200" cap="none">
+                <a:solidFill>
+                  <a:schemeClr val="tx1"/>
+                </a:solidFill>
+                <a:effectLst/>
+                <a:latin typeface="+mn-lt"/>
+                <a:ea typeface="+mn-ea"/>
+                <a:cs typeface="+mn-cs"/>
+              </a:defRPr>
+            </a:lvl3pPr>
+            <a:lvl4pPr marL="1543050" indent="-171450" algn="l" defTabSz="457200" rtl="0" eaLnBrk="1" latinLnBrk="0" hangingPunct="1">
+              <a:spcBef>
+                <a:spcPct val="20000"/>
+              </a:spcBef>
+              <a:spcAft>
+                <a:spcPts val="600"/>
+              </a:spcAft>
+              <a:buClr>
+                <a:schemeClr val="accent1">
+                  <a:lumMod val="75000"/>
+                </a:schemeClr>
+              </a:buClr>
+              <a:buSzPct val="145000"/>
+              <a:buFont typeface="Arial"/>
+              <a:buChar char="•"/>
+              <a:defRPr sz="1600" kern="1200" cap="none">
+                <a:solidFill>
+                  <a:schemeClr val="tx1"/>
+                </a:solidFill>
+                <a:effectLst/>
+                <a:latin typeface="+mn-lt"/>
+                <a:ea typeface="+mn-ea"/>
+                <a:cs typeface="+mn-cs"/>
+              </a:defRPr>
+            </a:lvl4pPr>
+            <a:lvl5pPr marL="2000250" indent="-171450" algn="l" defTabSz="457200" rtl="0" eaLnBrk="1" latinLnBrk="0" hangingPunct="1">
+              <a:spcBef>
+                <a:spcPct val="20000"/>
+              </a:spcBef>
+              <a:spcAft>
+                <a:spcPts val="600"/>
+              </a:spcAft>
+              <a:buClr>
+                <a:schemeClr val="accent1">
+                  <a:lumMod val="75000"/>
+                </a:schemeClr>
+              </a:buClr>
+              <a:buSzPct val="145000"/>
+              <a:buFont typeface="Arial"/>
+              <a:buChar char="•"/>
+              <a:defRPr sz="1400" kern="1200" cap="none">
+                <a:solidFill>
+                  <a:schemeClr val="tx1"/>
+                </a:solidFill>
+                <a:effectLst/>
+                <a:latin typeface="+mn-lt"/>
+                <a:ea typeface="+mn-ea"/>
+                <a:cs typeface="+mn-cs"/>
+              </a:defRPr>
+            </a:lvl5pPr>
+            <a:lvl6pPr marL="2514600" indent="-228600" algn="l" defTabSz="457200" rtl="0" eaLnBrk="1" latinLnBrk="0" hangingPunct="1">
+              <a:spcBef>
+                <a:spcPct val="20000"/>
+              </a:spcBef>
+              <a:spcAft>
+                <a:spcPts val="600"/>
+              </a:spcAft>
+              <a:buClr>
+                <a:schemeClr val="accent1">
+                  <a:lumMod val="75000"/>
+                </a:schemeClr>
+              </a:buClr>
+              <a:buSzPct val="145000"/>
+              <a:buFont typeface="Arial"/>
+              <a:buChar char="•"/>
+              <a:defRPr sz="1400" kern="1200" cap="none">
+                <a:solidFill>
+                  <a:schemeClr val="tx1"/>
+                </a:solidFill>
+                <a:effectLst/>
+                <a:latin typeface="+mn-lt"/>
+                <a:ea typeface="+mn-ea"/>
+                <a:cs typeface="+mn-cs"/>
+              </a:defRPr>
+            </a:lvl6pPr>
+            <a:lvl7pPr marL="2971800" indent="-228600" algn="l" defTabSz="457200" rtl="0" eaLnBrk="1" latinLnBrk="0" hangingPunct="1">
+              <a:spcBef>
+                <a:spcPct val="20000"/>
+              </a:spcBef>
+              <a:spcAft>
+                <a:spcPts val="600"/>
+              </a:spcAft>
+              <a:buClr>
+                <a:schemeClr val="accent1">
+                  <a:lumMod val="75000"/>
+                </a:schemeClr>
+              </a:buClr>
+              <a:buSzPct val="145000"/>
+              <a:buFont typeface="Arial"/>
+              <a:buChar char="•"/>
+              <a:defRPr sz="1400" kern="1200" cap="none">
+                <a:solidFill>
+                  <a:schemeClr val="tx1"/>
+                </a:solidFill>
+                <a:effectLst/>
+                <a:latin typeface="+mn-lt"/>
+                <a:ea typeface="+mn-ea"/>
+                <a:cs typeface="+mn-cs"/>
+              </a:defRPr>
+            </a:lvl7pPr>
+            <a:lvl8pPr marL="3429000" indent="-228600" algn="l" defTabSz="457200" rtl="0" eaLnBrk="1" latinLnBrk="0" hangingPunct="1">
+              <a:spcBef>
+                <a:spcPct val="20000"/>
+              </a:spcBef>
+              <a:spcAft>
+                <a:spcPts val="600"/>
+              </a:spcAft>
+              <a:buClr>
+                <a:schemeClr val="accent1">
+                  <a:lumMod val="75000"/>
+                </a:schemeClr>
+              </a:buClr>
+              <a:buSzPct val="145000"/>
+              <a:buFont typeface="Arial"/>
+              <a:buChar char="•"/>
+              <a:defRPr sz="1400" kern="1200" cap="none">
+                <a:solidFill>
+                  <a:schemeClr val="tx1"/>
+                </a:solidFill>
+                <a:effectLst/>
+                <a:latin typeface="+mn-lt"/>
+                <a:ea typeface="+mn-ea"/>
+                <a:cs typeface="+mn-cs"/>
+              </a:defRPr>
+            </a:lvl8pPr>
+            <a:lvl9pPr marL="3886200" indent="-228600" algn="l" defTabSz="457200" rtl="0" eaLnBrk="1" latinLnBrk="0" hangingPunct="1">
+              <a:spcBef>
+                <a:spcPct val="20000"/>
+              </a:spcBef>
+              <a:spcAft>
+                <a:spcPts val="600"/>
+              </a:spcAft>
+              <a:buClr>
+                <a:schemeClr val="accent1">
+                  <a:lumMod val="75000"/>
+                </a:schemeClr>
+              </a:buClr>
+              <a:buSzPct val="145000"/>
+              <a:buFont typeface="Arial"/>
+              <a:buChar char="•"/>
+              <a:defRPr sz="1400" kern="1200" cap="none">
+                <a:solidFill>
+                  <a:schemeClr val="tx1"/>
+                </a:solidFill>
+                <a:effectLst/>
+                <a:latin typeface="+mn-lt"/>
+                <a:ea typeface="+mn-ea"/>
+                <a:cs typeface="+mn-cs"/>
+              </a:defRPr>
+            </a:lvl9pPr>
+          </a:lstStyle>
+          <a:p>
+            <a:pPr marL="0" indent="0">
+              <a:buFont typeface="Arial"/>
+              <a:buNone/>
+            </a:pPr>
+            <a:r>
+              <a:rPr lang="fr-FR" sz="1600" dirty="0"/>
+              <a:t>Total : 45 700 € HT</a:t>
+            </a:r>
+            <a:br>
+              <a:rPr lang="fr-FR" sz="1600" dirty="0"/>
+            </a:br>
+            <a:r>
+              <a:rPr lang="fr-FR" sz="1600" dirty="0"/>
+              <a:t>Reste : 15 430 € matériels annexes</a:t>
+            </a:r>
+          </a:p>
+          <a:p>
+            <a:pPr marL="0" indent="0">
+              <a:buFont typeface="Arial"/>
+              <a:buNone/>
+            </a:pPr>
+            <a:r>
+              <a:rPr lang="fr-FR" sz="1600" dirty="0"/>
+              <a:t>              Sécurité – Brassage des câbles </a:t>
+            </a:r>
+          </a:p>
+          <a:p>
+            <a:pPr marL="0" indent="0" algn="just">
+              <a:buFont typeface="Arial"/>
+              <a:buNone/>
+            </a:pPr>
+            <a:endParaRPr lang="fr-FR" dirty="0"/>
+          </a:p>
+          <a:p>
+            <a:endParaRPr lang="fr-FR" dirty="0"/>
+          </a:p>
+        </p:txBody>
+      </p:sp>
+    </p:spTree>
+    <p:extLst>
+      <p:ext uri="{BB962C8B-B14F-4D97-AF65-F5344CB8AC3E}">
+        <p14:creationId xmlns:p14="http://schemas.microsoft.com/office/powerpoint/2010/main" val="230102873"/>
+      </p:ext>
+    </p:extLst>
+  </p:cSld>
+  <p:clrMapOvr>
+    <a:masterClrMapping/>
+  </p:clrMapOvr>
+</p:sld>
+</file>
+
+<file path=ppt/slides/slide13.xml><?xml version="1.0" encoding="utf-8"?>
+<p:sld xmlns:a="http://schemas.openxmlformats.org/drawingml/2006/main" xmlns:r="http://schemas.openxmlformats.org/officeDocument/2006/relationships" xmlns:p="http://schemas.openxmlformats.org/presentationml/2006/main">
+  <p:cSld>
+    <p:spTree>
+      <p:nvGrpSpPr>
+        <p:cNvPr id="1" name=""/>
+        <p:cNvGrpSpPr/>
+        <p:nvPr/>
+      </p:nvGrpSpPr>
+      <p:grpSpPr>
+        <a:xfrm>
+          <a:off x="0" y="0"/>
+          <a:ext cx="0" cy="0"/>
+          <a:chOff x="0" y="0"/>
+          <a:chExt cx="0" cy="0"/>
+        </a:xfrm>
+      </p:grpSpPr>
+      <p:sp>
+        <p:nvSpPr>
+          <p:cNvPr id="2" name="Titre 1"/>
+          <p:cNvSpPr>
+            <a:spLocks noGrp="1"/>
+          </p:cNvSpPr>
+          <p:nvPr>
+            <p:ph type="title"/>
+          </p:nvPr>
+        </p:nvSpPr>
+        <p:spPr>
+          <a:xfrm>
+            <a:off x="1484310" y="-374374"/>
+            <a:ext cx="10018713" cy="1752599"/>
+          </a:xfrm>
+        </p:spPr>
+        <p:txBody>
+          <a:bodyPr/>
+          <a:lstStyle/>
+          <a:p>
+            <a:r>
+              <a:rPr lang="fr-FR" dirty="0">
+                <a:latin typeface="Times New Roman" panose="02020603050405020304" pitchFamily="18" charset="0"/>
+                <a:cs typeface="Times New Roman" panose="02020603050405020304" pitchFamily="18" charset="0"/>
+              </a:rPr>
+              <a:t>Conclusion</a:t>
+            </a:r>
+          </a:p>
+        </p:txBody>
+      </p:sp>
+      <p:sp>
+        <p:nvSpPr>
+          <p:cNvPr id="3" name="Espace réservé du contenu 2"/>
+          <p:cNvSpPr>
+            <a:spLocks noGrp="1"/>
+          </p:cNvSpPr>
+          <p:nvPr>
+            <p:ph idx="1"/>
+          </p:nvPr>
+        </p:nvSpPr>
+        <p:spPr/>
+        <p:txBody>
+          <a:bodyPr/>
+          <a:lstStyle/>
+          <a:p>
+            <a:r>
+              <a:rPr lang="fr-FR" dirty="0"/>
+              <a:t>Planning + validation des étapes par un intervenant (ex électricien)</a:t>
+            </a:r>
+          </a:p>
+          <a:p>
+            <a:endParaRPr lang="fr-FR" dirty="0"/>
+          </a:p>
+          <a:p>
+            <a:r>
+              <a:rPr lang="fr-FR" dirty="0"/>
+              <a:t>Temps d’installation </a:t>
+            </a:r>
+          </a:p>
+        </p:txBody>
+      </p:sp>
+      <p:sp>
+        <p:nvSpPr>
+          <p:cNvPr id="5" name="Espace réservé du numéro de diapositive 3"/>
+          <p:cNvSpPr>
+            <a:spLocks noGrp="1"/>
+          </p:cNvSpPr>
+          <p:nvPr>
+            <p:ph type="sldNum" sz="quarter" idx="12"/>
+          </p:nvPr>
+        </p:nvSpPr>
+        <p:spPr>
+          <a:xfrm>
+            <a:off x="10951856" y="5883275"/>
+            <a:ext cx="551167" cy="365125"/>
+          </a:xfrm>
+        </p:spPr>
+        <p:txBody>
+          <a:bodyPr/>
+          <a:lstStyle/>
+          <a:p>
+            <a:fld id="{4FAB73BC-B049-4115-A692-8D63A059BFB8}" type="slidenum">
+              <a:rPr lang="en-US" sz="2000" smtClean="0">
+                <a:latin typeface="Times New Roman" panose="02020603050405020304" pitchFamily="18" charset="0"/>
+                <a:cs typeface="Times New Roman" panose="02020603050405020304" pitchFamily="18" charset="0"/>
+              </a:rPr>
+              <a:t>13</a:t>
+            </a:fld>
+            <a:endParaRPr lang="en-US" sz="2000" dirty="0">
+              <a:latin typeface="Times New Roman" panose="02020603050405020304" pitchFamily="18" charset="0"/>
+              <a:cs typeface="Times New Roman" panose="02020603050405020304" pitchFamily="18" charset="0"/>
+            </a:endParaRPr>
+          </a:p>
+        </p:txBody>
+      </p:sp>
+    </p:spTree>
+    <p:extLst>
+      <p:ext uri="{BB962C8B-B14F-4D97-AF65-F5344CB8AC3E}">
+        <p14:creationId xmlns:p14="http://schemas.microsoft.com/office/powerpoint/2010/main" val="1990493570"/>
+      </p:ext>
+    </p:extLst>
+  </p:cSld>
+  <p:clrMapOvr>
+    <a:masterClrMapping/>
+  </p:clrMapOvr>
+</p:sld>
+</file>
+
+<file path=ppt/slides/slide2.xml><?xml version="1.0" encoding="utf-8"?>
+<p:sld xmlns:a="http://schemas.openxmlformats.org/drawingml/2006/main" xmlns:r="http://schemas.openxmlformats.org/officeDocument/2006/relationships" xmlns:p="http://schemas.openxmlformats.org/presentationml/2006/main">
+  <p:cSld>
+    <p:spTree>
+      <p:nvGrpSpPr>
+        <p:cNvPr id="1" name=""/>
+        <p:cNvGrpSpPr/>
+        <p:nvPr/>
+      </p:nvGrpSpPr>
+      <p:grpSpPr>
+        <a:xfrm>
+          <a:off x="0" y="0"/>
+          <a:ext cx="0" cy="0"/>
+          <a:chOff x="0" y="0"/>
+          <a:chExt cx="0" cy="0"/>
+        </a:xfrm>
+      </p:grpSpPr>
+      <p:sp>
+        <p:nvSpPr>
+          <p:cNvPr id="2" name="Titre 1"/>
+          <p:cNvSpPr>
+            <a:spLocks noGrp="1"/>
+          </p:cNvSpPr>
+          <p:nvPr>
+            <p:ph type="title"/>
+          </p:nvPr>
+        </p:nvSpPr>
+        <p:spPr>
+          <a:xfrm>
+            <a:off x="-2207004" y="-504106"/>
+            <a:ext cx="10018713" cy="1752599"/>
+          </a:xfrm>
+        </p:spPr>
+        <p:txBody>
+          <a:bodyPr/>
+          <a:lstStyle/>
+          <a:p>
+            <a:r>
+              <a:rPr lang="fr-FR" dirty="0">
+                <a:latin typeface="Times New Roman" panose="02020603050405020304" pitchFamily="18" charset="0"/>
+                <a:cs typeface="Times New Roman" panose="02020603050405020304" pitchFamily="18" charset="0"/>
+              </a:rPr>
+              <a:t>Contexte</a:t>
+            </a:r>
+          </a:p>
+        </p:txBody>
+      </p:sp>
+      <p:sp>
+        <p:nvSpPr>
+          <p:cNvPr id="5" name="Espace réservé du numéro de diapositive 3"/>
+          <p:cNvSpPr txBox="1">
+            <a:spLocks/>
+          </p:cNvSpPr>
+          <p:nvPr/>
+        </p:nvSpPr>
+        <p:spPr>
+          <a:xfrm>
+            <a:off x="11100341" y="6019800"/>
+            <a:ext cx="551167" cy="365125"/>
+          </a:xfrm>
+          <a:prstGeom prst="rect">
+            <a:avLst/>
+          </a:prstGeom>
+        </p:spPr>
+        <p:txBody>
+          <a:bodyPr vert="horz" lIns="91440" tIns="45720" rIns="91440" bIns="45720" rtlCol="0" anchor="ctr"/>
+          <a:lstStyle>
+            <a:defPPr>
+              <a:defRPr lang="en-US"/>
+            </a:defPPr>
+            <a:lvl1pPr marL="0" algn="r" defTabSz="457200" rtl="0" eaLnBrk="1" latinLnBrk="0" hangingPunct="1">
+              <a:defRPr sz="1000" b="0" i="0" kern="1200">
+                <a:solidFill>
+                  <a:schemeClr val="tx1"/>
+                </a:solidFill>
+                <a:effectLst/>
+                <a:latin typeface="+mn-lt"/>
+                <a:ea typeface="+mn-ea"/>
+                <a:cs typeface="+mn-cs"/>
+              </a:defRPr>
+            </a:lvl1pPr>
+            <a:lvl2pPr marL="457200" algn="l" defTabSz="457200" rtl="0" eaLnBrk="1" latinLnBrk="0" hangingPunct="1">
+              <a:defRPr sz="1800" kern="1200">
+                <a:solidFill>
+                  <a:schemeClr val="tx1"/>
+                </a:solidFill>
+                <a:latin typeface="+mn-lt"/>
+                <a:ea typeface="+mn-ea"/>
+                <a:cs typeface="+mn-cs"/>
+              </a:defRPr>
+            </a:lvl2pPr>
+            <a:lvl3pPr marL="914400" algn="l" defTabSz="457200" rtl="0" eaLnBrk="1" latinLnBrk="0" hangingPunct="1">
+              <a:defRPr sz="1800" kern="1200">
+                <a:solidFill>
+                  <a:schemeClr val="tx1"/>
+                </a:solidFill>
+                <a:latin typeface="+mn-lt"/>
+                <a:ea typeface="+mn-ea"/>
+                <a:cs typeface="+mn-cs"/>
+              </a:defRPr>
+            </a:lvl3pPr>
+            <a:lvl4pPr marL="1371600" algn="l" defTabSz="457200" rtl="0" eaLnBrk="1" latinLnBrk="0" hangingPunct="1">
+              <a:defRPr sz="1800" kern="1200">
+                <a:solidFill>
+                  <a:schemeClr val="tx1"/>
+                </a:solidFill>
+                <a:latin typeface="+mn-lt"/>
+                <a:ea typeface="+mn-ea"/>
+                <a:cs typeface="+mn-cs"/>
+              </a:defRPr>
+            </a:lvl4pPr>
+            <a:lvl5pPr marL="1828800" algn="l" defTabSz="457200" rtl="0" eaLnBrk="1" latinLnBrk="0" hangingPunct="1">
+              <a:defRPr sz="1800" kern="1200">
+                <a:solidFill>
+                  <a:schemeClr val="tx1"/>
+                </a:solidFill>
+                <a:latin typeface="+mn-lt"/>
+                <a:ea typeface="+mn-ea"/>
+                <a:cs typeface="+mn-cs"/>
+              </a:defRPr>
+            </a:lvl5pPr>
+            <a:lvl6pPr marL="2286000" algn="l" defTabSz="457200" rtl="0" eaLnBrk="1" latinLnBrk="0" hangingPunct="1">
+              <a:defRPr sz="1800" kern="1200">
+                <a:solidFill>
+                  <a:schemeClr val="tx1"/>
+                </a:solidFill>
+                <a:latin typeface="+mn-lt"/>
+                <a:ea typeface="+mn-ea"/>
+                <a:cs typeface="+mn-cs"/>
+              </a:defRPr>
+            </a:lvl6pPr>
+            <a:lvl7pPr marL="2743200" algn="l" defTabSz="457200" rtl="0" eaLnBrk="1" latinLnBrk="0" hangingPunct="1">
+              <a:defRPr sz="1800" kern="1200">
+                <a:solidFill>
+                  <a:schemeClr val="tx1"/>
+                </a:solidFill>
+                <a:latin typeface="+mn-lt"/>
+                <a:ea typeface="+mn-ea"/>
+                <a:cs typeface="+mn-cs"/>
+              </a:defRPr>
+            </a:lvl7pPr>
+            <a:lvl8pPr marL="3200400" algn="l" defTabSz="457200" rtl="0" eaLnBrk="1" latinLnBrk="0" hangingPunct="1">
+              <a:defRPr sz="1800" kern="1200">
+                <a:solidFill>
+                  <a:schemeClr val="tx1"/>
+                </a:solidFill>
+                <a:latin typeface="+mn-lt"/>
+                <a:ea typeface="+mn-ea"/>
+                <a:cs typeface="+mn-cs"/>
+              </a:defRPr>
+            </a:lvl8pPr>
+            <a:lvl9pPr marL="3657600" algn="l" defTabSz="457200" rtl="0" eaLnBrk="1" latinLnBrk="0" hangingPunct="1">
+              <a:defRPr sz="1800" kern="1200">
+                <a:solidFill>
+                  <a:schemeClr val="tx1"/>
+                </a:solidFill>
+                <a:latin typeface="+mn-lt"/>
+                <a:ea typeface="+mn-ea"/>
+                <a:cs typeface="+mn-cs"/>
+              </a:defRPr>
+            </a:lvl9pPr>
+          </a:lstStyle>
+          <a:p>
+            <a:fld id="{4FAB73BC-B049-4115-A692-8D63A059BFB8}" type="slidenum">
+              <a:rPr lang="en-US" sz="2000" smtClean="0">
+                <a:latin typeface="Times New Roman" panose="02020603050405020304" pitchFamily="18" charset="0"/>
+                <a:cs typeface="Times New Roman" panose="02020603050405020304" pitchFamily="18" charset="0"/>
+              </a:rPr>
+              <a:pPr/>
+              <a:t>2</a:t>
+            </a:fld>
+            <a:endParaRPr lang="en-US" sz="2000" dirty="0">
+              <a:latin typeface="Times New Roman" panose="02020603050405020304" pitchFamily="18" charset="0"/>
+              <a:cs typeface="Times New Roman" panose="02020603050405020304" pitchFamily="18" charset="0"/>
+            </a:endParaRPr>
+          </a:p>
+        </p:txBody>
+      </p:sp>
+      <p:pic>
+        <p:nvPicPr>
+          <p:cNvPr id="8" name="Image 7"/>
+          <p:cNvPicPr>
+            <a:picLocks noChangeAspect="1"/>
+          </p:cNvPicPr>
+          <p:nvPr/>
+        </p:nvPicPr>
+        <p:blipFill>
+          <a:blip r:embed="rId2"/>
+          <a:stretch>
+            <a:fillRect/>
+          </a:stretch>
+        </p:blipFill>
+        <p:spPr>
+          <a:xfrm>
+            <a:off x="2379179" y="1076407"/>
+            <a:ext cx="7665969" cy="4933453"/>
+          </a:xfrm>
+          <a:prstGeom prst="rect">
+            <a:avLst/>
+          </a:prstGeom>
+        </p:spPr>
+      </p:pic>
+    </p:spTree>
+    <p:extLst>
+      <p:ext uri="{BB962C8B-B14F-4D97-AF65-F5344CB8AC3E}">
+        <p14:creationId xmlns:p14="http://schemas.microsoft.com/office/powerpoint/2010/main" val="4042195101"/>
+      </p:ext>
+    </p:extLst>
+  </p:cSld>
+  <p:clrMapOvr>
+    <a:masterClrMapping/>
+  </p:clrMapOvr>
+</p:sld>
+</file>
+
+<file path=ppt/slides/slide3.xml><?xml version="1.0" encoding="utf-8"?>
+<p:sld xmlns:a="http://schemas.openxmlformats.org/drawingml/2006/main" xmlns:r="http://schemas.openxmlformats.org/officeDocument/2006/relationships" xmlns:p="http://schemas.openxmlformats.org/presentationml/2006/main">
+  <p:cSld>
+    <p:spTree>
+      <p:nvGrpSpPr>
+        <p:cNvPr id="1" name=""/>
+        <p:cNvGrpSpPr/>
+        <p:nvPr/>
+      </p:nvGrpSpPr>
+      <p:grpSpPr>
+        <a:xfrm>
+          <a:off x="0" y="0"/>
+          <a:ext cx="0" cy="0"/>
+          <a:chOff x="0" y="0"/>
+          <a:chExt cx="0" cy="0"/>
+        </a:xfrm>
+      </p:grpSpPr>
+      <p:sp>
+        <p:nvSpPr>
+          <p:cNvPr id="2" name="Titre 1"/>
+          <p:cNvSpPr>
+            <a:spLocks noGrp="1"/>
+          </p:cNvSpPr>
+          <p:nvPr>
+            <p:ph type="title"/>
+          </p:nvPr>
+        </p:nvSpPr>
+        <p:spPr>
+          <a:xfrm>
+            <a:off x="-2272410" y="-349264"/>
+            <a:ext cx="10018713" cy="1752599"/>
+          </a:xfrm>
+        </p:spPr>
+        <p:txBody>
+          <a:bodyPr/>
+          <a:lstStyle/>
+          <a:p>
+            <a:r>
+              <a:rPr lang="fr-FR" dirty="0">
+                <a:latin typeface="Times New Roman" panose="02020603050405020304" pitchFamily="18" charset="0"/>
+                <a:cs typeface="Times New Roman" panose="02020603050405020304" pitchFamily="18" charset="0"/>
+              </a:rPr>
+              <a:t>Besoins</a:t>
+            </a:r>
+          </a:p>
+        </p:txBody>
+      </p:sp>
+      <p:sp>
+        <p:nvSpPr>
+          <p:cNvPr id="5" name="Espace réservé du numéro de diapositive 3"/>
+          <p:cNvSpPr txBox="1">
+            <a:spLocks/>
+          </p:cNvSpPr>
+          <p:nvPr/>
+        </p:nvSpPr>
+        <p:spPr>
+          <a:xfrm>
+            <a:off x="10951856" y="6019800"/>
+            <a:ext cx="551167" cy="365125"/>
+          </a:xfrm>
+          <a:prstGeom prst="rect">
+            <a:avLst/>
+          </a:prstGeom>
+        </p:spPr>
+        <p:txBody>
+          <a:bodyPr vert="horz" lIns="91440" tIns="45720" rIns="91440" bIns="45720" rtlCol="0" anchor="ctr"/>
+          <a:lstStyle>
+            <a:defPPr>
+              <a:defRPr lang="en-US"/>
+            </a:defPPr>
+            <a:lvl1pPr marL="0" algn="r" defTabSz="457200" rtl="0" eaLnBrk="1" latinLnBrk="0" hangingPunct="1">
+              <a:defRPr sz="1000" b="0" i="0" kern="1200">
+                <a:solidFill>
+                  <a:schemeClr val="tx1"/>
+                </a:solidFill>
+                <a:effectLst/>
+                <a:latin typeface="+mn-lt"/>
+                <a:ea typeface="+mn-ea"/>
+                <a:cs typeface="+mn-cs"/>
+              </a:defRPr>
+            </a:lvl1pPr>
+            <a:lvl2pPr marL="457200" algn="l" defTabSz="457200" rtl="0" eaLnBrk="1" latinLnBrk="0" hangingPunct="1">
+              <a:defRPr sz="1800" kern="1200">
+                <a:solidFill>
+                  <a:schemeClr val="tx1"/>
+                </a:solidFill>
+                <a:latin typeface="+mn-lt"/>
+                <a:ea typeface="+mn-ea"/>
+                <a:cs typeface="+mn-cs"/>
+              </a:defRPr>
+            </a:lvl2pPr>
+            <a:lvl3pPr marL="914400" algn="l" defTabSz="457200" rtl="0" eaLnBrk="1" latinLnBrk="0" hangingPunct="1">
+              <a:defRPr sz="1800" kern="1200">
+                <a:solidFill>
+                  <a:schemeClr val="tx1"/>
+                </a:solidFill>
+                <a:latin typeface="+mn-lt"/>
+                <a:ea typeface="+mn-ea"/>
+                <a:cs typeface="+mn-cs"/>
+              </a:defRPr>
+            </a:lvl3pPr>
+            <a:lvl4pPr marL="1371600" algn="l" defTabSz="457200" rtl="0" eaLnBrk="1" latinLnBrk="0" hangingPunct="1">
+              <a:defRPr sz="1800" kern="1200">
+                <a:solidFill>
+                  <a:schemeClr val="tx1"/>
+                </a:solidFill>
+                <a:latin typeface="+mn-lt"/>
+                <a:ea typeface="+mn-ea"/>
+                <a:cs typeface="+mn-cs"/>
+              </a:defRPr>
+            </a:lvl4pPr>
+            <a:lvl5pPr marL="1828800" algn="l" defTabSz="457200" rtl="0" eaLnBrk="1" latinLnBrk="0" hangingPunct="1">
+              <a:defRPr sz="1800" kern="1200">
+                <a:solidFill>
+                  <a:schemeClr val="tx1"/>
+                </a:solidFill>
+                <a:latin typeface="+mn-lt"/>
+                <a:ea typeface="+mn-ea"/>
+                <a:cs typeface="+mn-cs"/>
+              </a:defRPr>
+            </a:lvl5pPr>
+            <a:lvl6pPr marL="2286000" algn="l" defTabSz="457200" rtl="0" eaLnBrk="1" latinLnBrk="0" hangingPunct="1">
+              <a:defRPr sz="1800" kern="1200">
+                <a:solidFill>
+                  <a:schemeClr val="tx1"/>
+                </a:solidFill>
+                <a:latin typeface="+mn-lt"/>
+                <a:ea typeface="+mn-ea"/>
+                <a:cs typeface="+mn-cs"/>
+              </a:defRPr>
+            </a:lvl6pPr>
+            <a:lvl7pPr marL="2743200" algn="l" defTabSz="457200" rtl="0" eaLnBrk="1" latinLnBrk="0" hangingPunct="1">
+              <a:defRPr sz="1800" kern="1200">
+                <a:solidFill>
+                  <a:schemeClr val="tx1"/>
+                </a:solidFill>
+                <a:latin typeface="+mn-lt"/>
+                <a:ea typeface="+mn-ea"/>
+                <a:cs typeface="+mn-cs"/>
+              </a:defRPr>
+            </a:lvl7pPr>
+            <a:lvl8pPr marL="3200400" algn="l" defTabSz="457200" rtl="0" eaLnBrk="1" latinLnBrk="0" hangingPunct="1">
+              <a:defRPr sz="1800" kern="1200">
+                <a:solidFill>
+                  <a:schemeClr val="tx1"/>
+                </a:solidFill>
+                <a:latin typeface="+mn-lt"/>
+                <a:ea typeface="+mn-ea"/>
+                <a:cs typeface="+mn-cs"/>
+              </a:defRPr>
+            </a:lvl8pPr>
+            <a:lvl9pPr marL="3657600" algn="l" defTabSz="457200" rtl="0" eaLnBrk="1" latinLnBrk="0" hangingPunct="1">
+              <a:defRPr sz="1800" kern="1200">
+                <a:solidFill>
+                  <a:schemeClr val="tx1"/>
+                </a:solidFill>
+                <a:latin typeface="+mn-lt"/>
+                <a:ea typeface="+mn-ea"/>
+                <a:cs typeface="+mn-cs"/>
+              </a:defRPr>
+            </a:lvl9pPr>
+          </a:lstStyle>
+          <a:p>
+            <a:fld id="{4FAB73BC-B049-4115-A692-8D63A059BFB8}" type="slidenum">
+              <a:rPr lang="en-US" sz="2000" smtClean="0">
+                <a:latin typeface="Times New Roman" panose="02020603050405020304" pitchFamily="18" charset="0"/>
+                <a:cs typeface="Times New Roman" panose="02020603050405020304" pitchFamily="18" charset="0"/>
+              </a:rPr>
+              <a:pPr/>
+              <a:t>3</a:t>
+            </a:fld>
+            <a:endParaRPr lang="en-US" sz="2000" dirty="0">
+              <a:latin typeface="Times New Roman" panose="02020603050405020304" pitchFamily="18" charset="0"/>
+              <a:cs typeface="Times New Roman" panose="02020603050405020304" pitchFamily="18" charset="0"/>
+            </a:endParaRPr>
+          </a:p>
+        </p:txBody>
+      </p:sp>
+      <p:graphicFrame>
+        <p:nvGraphicFramePr>
+          <p:cNvPr id="9" name="Tableau 8"/>
+          <p:cNvGraphicFramePr>
+            <a:graphicFrameLocks noGrp="1"/>
+          </p:cNvGraphicFramePr>
+          <p:nvPr>
+            <p:extLst>
+              <p:ext uri="{D42A27DB-BD31-4B8C-83A1-F6EECF244321}">
+                <p14:modId xmlns:p14="http://schemas.microsoft.com/office/powerpoint/2010/main" val="3410412335"/>
+              </p:ext>
+            </p:extLst>
+          </p:nvPr>
+        </p:nvGraphicFramePr>
+        <p:xfrm>
+          <a:off x="1935922" y="1563756"/>
+          <a:ext cx="8846378" cy="4896516"/>
+        </p:xfrm>
+        <a:graphic>
+          <a:graphicData uri="http://schemas.openxmlformats.org/drawingml/2006/table">
+            <a:tbl>
+              <a:tblPr firstRow="1" bandRow="1">
+                <a:tableStyleId>{6E25E649-3F16-4E02-A733-19D2CDBF48F0}</a:tableStyleId>
+              </a:tblPr>
+              <a:tblGrid>
+                <a:gridCol w="8846378">
+                  <a:extLst>
+                    <a:ext uri="{9D8B030D-6E8A-4147-A177-3AD203B41FA5}">
+                      <a16:colId xmlns:a16="http://schemas.microsoft.com/office/drawing/2014/main" val="796835815"/>
+                    </a:ext>
+                  </a:extLst>
+                </a:gridCol>
+              </a:tblGrid>
+              <a:tr h="557006">
+                <a:tc>
+                  <a:txBody>
+                    <a:bodyPr/>
+                    <a:lstStyle/>
+                    <a:p>
+                      <a:endParaRPr lang="fr-FR" dirty="0"/>
+                    </a:p>
+                  </a:txBody>
+                  <a:tcPr/>
+                </a:tc>
+                <a:extLst>
+                  <a:ext uri="{0D108BD9-81ED-4DB2-BD59-A6C34878D82A}">
+                    <a16:rowId xmlns:a16="http://schemas.microsoft.com/office/drawing/2014/main" val="697884127"/>
+                  </a:ext>
+                </a:extLst>
+              </a:tr>
+              <a:tr h="557006">
+                <a:tc>
+                  <a:txBody>
+                    <a:bodyPr/>
+                    <a:lstStyle/>
+                    <a:p>
+                      <a:r>
+                        <a:rPr lang="fr-FR" dirty="0"/>
+                        <a:t>Définir le plan physique de l’entreprise ( câblage, matériel etc.)</a:t>
+                      </a:r>
+                    </a:p>
+                  </a:txBody>
+                  <a:tcPr/>
+                </a:tc>
+                <a:extLst>
+                  <a:ext uri="{0D108BD9-81ED-4DB2-BD59-A6C34878D82A}">
+                    <a16:rowId xmlns:a16="http://schemas.microsoft.com/office/drawing/2014/main" val="1675574044"/>
+                  </a:ext>
+                </a:extLst>
+              </a:tr>
+              <a:tr h="557006">
+                <a:tc>
+                  <a:txBody>
+                    <a:bodyPr/>
+                    <a:lstStyle/>
+                    <a:p>
+                      <a:r>
+                        <a:rPr lang="fr-FR" dirty="0"/>
+                        <a:t>Clonage et déploiement des systèmes d’exploitations </a:t>
+                      </a:r>
+                    </a:p>
+                  </a:txBody>
+                  <a:tcPr/>
+                </a:tc>
+                <a:extLst>
+                  <a:ext uri="{0D108BD9-81ED-4DB2-BD59-A6C34878D82A}">
+                    <a16:rowId xmlns:a16="http://schemas.microsoft.com/office/drawing/2014/main" val="640391504"/>
+                  </a:ext>
+                </a:extLst>
+              </a:tr>
+              <a:tr h="557006">
+                <a:tc>
+                  <a:txBody>
+                    <a:bodyPr/>
+                    <a:lstStyle/>
+                    <a:p>
+                      <a:r>
+                        <a:rPr lang="fr-FR" dirty="0"/>
+                        <a:t>Rédaction de la procédure de clonage et d’adressage</a:t>
+                      </a:r>
+                    </a:p>
+                  </a:txBody>
+                  <a:tcPr/>
+                </a:tc>
+                <a:extLst>
+                  <a:ext uri="{0D108BD9-81ED-4DB2-BD59-A6C34878D82A}">
+                    <a16:rowId xmlns:a16="http://schemas.microsoft.com/office/drawing/2014/main" val="3723025547"/>
+                  </a:ext>
+                </a:extLst>
+              </a:tr>
+              <a:tr h="557006">
+                <a:tc>
+                  <a:txBody>
+                    <a:bodyPr/>
+                    <a:lstStyle/>
+                    <a:p>
+                      <a:pPr marL="0" marR="0" lvl="0" indent="0" algn="l" defTabSz="457200" rtl="0" eaLnBrk="1" fontAlgn="auto" latinLnBrk="0" hangingPunct="1">
+                        <a:lnSpc>
+                          <a:spcPct val="100000"/>
+                        </a:lnSpc>
+                        <a:spcBef>
+                          <a:spcPts val="0"/>
+                        </a:spcBef>
+                        <a:spcAft>
+                          <a:spcPts val="0"/>
+                        </a:spcAft>
+                        <a:buClrTx/>
+                        <a:buSzTx/>
+                        <a:buFontTx/>
+                        <a:buNone/>
+                        <a:tabLst/>
+                        <a:defRPr/>
+                      </a:pPr>
+                      <a:r>
+                        <a:rPr lang="fr-FR" dirty="0"/>
+                        <a:t>Proposer une maquette avec la topologie physique mettant en œuvre les deux systèmes d’exploitation ainsi que sa topologie logique</a:t>
+                      </a:r>
+                    </a:p>
+                    <a:p>
+                      <a:endParaRPr lang="fr-FR" dirty="0"/>
+                    </a:p>
+                  </a:txBody>
+                  <a:tcPr/>
+                </a:tc>
+                <a:extLst>
+                  <a:ext uri="{0D108BD9-81ED-4DB2-BD59-A6C34878D82A}">
+                    <a16:rowId xmlns:a16="http://schemas.microsoft.com/office/drawing/2014/main" val="2294250174"/>
+                  </a:ext>
+                </a:extLst>
+              </a:tr>
+              <a:tr h="557006">
+                <a:tc>
+                  <a:txBody>
+                    <a:bodyPr/>
+                    <a:lstStyle/>
+                    <a:p>
+                      <a:r>
+                        <a:rPr lang="fr-FR" dirty="0"/>
+                        <a:t>Proposer un plan d’adressage du réseau</a:t>
+                      </a:r>
+                    </a:p>
+                  </a:txBody>
+                  <a:tcPr/>
+                </a:tc>
+                <a:extLst>
+                  <a:ext uri="{0D108BD9-81ED-4DB2-BD59-A6C34878D82A}">
+                    <a16:rowId xmlns:a16="http://schemas.microsoft.com/office/drawing/2014/main" val="1566632189"/>
+                  </a:ext>
+                </a:extLst>
+              </a:tr>
+              <a:tr h="557006">
+                <a:tc>
+                  <a:txBody>
+                    <a:bodyPr/>
+                    <a:lstStyle/>
+                    <a:p>
+                      <a:r>
+                        <a:rPr lang="fr-FR" dirty="0"/>
+                        <a:t>Proposer un plan ou sera placé les principaux équipements</a:t>
+                      </a:r>
+                    </a:p>
+                  </a:txBody>
+                  <a:tcPr/>
+                </a:tc>
+                <a:extLst>
+                  <a:ext uri="{0D108BD9-81ED-4DB2-BD59-A6C34878D82A}">
+                    <a16:rowId xmlns:a16="http://schemas.microsoft.com/office/drawing/2014/main" val="3703785774"/>
+                  </a:ext>
+                </a:extLst>
+              </a:tr>
+              <a:tr h="557006">
+                <a:tc>
+                  <a:txBody>
+                    <a:bodyPr/>
+                    <a:lstStyle/>
+                    <a:p>
+                      <a:pPr marL="0" marR="0" lvl="0" indent="0" algn="l" defTabSz="457200" rtl="0" eaLnBrk="1" fontAlgn="auto" latinLnBrk="0" hangingPunct="1">
+                        <a:lnSpc>
+                          <a:spcPct val="100000"/>
+                        </a:lnSpc>
+                        <a:spcBef>
+                          <a:spcPts val="0"/>
+                        </a:spcBef>
+                        <a:spcAft>
+                          <a:spcPts val="0"/>
+                        </a:spcAft>
+                        <a:buClrTx/>
+                        <a:buSzTx/>
+                        <a:buFontTx/>
+                        <a:buNone/>
+                        <a:tabLst/>
+                        <a:defRPr/>
+                      </a:pPr>
+                      <a:r>
+                        <a:rPr lang="fr-FR" dirty="0"/>
+                        <a:t>Donner un devis</a:t>
+                      </a:r>
+                    </a:p>
+                    <a:p>
+                      <a:endParaRPr lang="fr-FR" dirty="0"/>
+                    </a:p>
+                  </a:txBody>
+                  <a:tcPr/>
+                </a:tc>
+                <a:extLst>
+                  <a:ext uri="{0D108BD9-81ED-4DB2-BD59-A6C34878D82A}">
+                    <a16:rowId xmlns:a16="http://schemas.microsoft.com/office/drawing/2014/main" val="4157664426"/>
+                  </a:ext>
+                </a:extLst>
+              </a:tr>
+            </a:tbl>
+          </a:graphicData>
+        </a:graphic>
+      </p:graphicFrame>
+    </p:spTree>
+    <p:extLst>
+      <p:ext uri="{BB962C8B-B14F-4D97-AF65-F5344CB8AC3E}">
+        <p14:creationId xmlns:p14="http://schemas.microsoft.com/office/powerpoint/2010/main" val="3463416972"/>
+      </p:ext>
+    </p:extLst>
+  </p:cSld>
+  <p:clrMapOvr>
+    <a:masterClrMapping/>
+  </p:clrMapOvr>
+</p:sld>
+</file>
+
+<file path=ppt/slides/slide4.xml><?xml version="1.0" encoding="utf-8"?>
+<p:sld xmlns:a="http://schemas.openxmlformats.org/drawingml/2006/main" xmlns:r="http://schemas.openxmlformats.org/officeDocument/2006/relationships" xmlns:p="http://schemas.openxmlformats.org/presentationml/2006/main">
+  <p:cSld>
+    <p:spTree>
+      <p:nvGrpSpPr>
+        <p:cNvPr id="1" name=""/>
+        <p:cNvGrpSpPr/>
+        <p:nvPr/>
+      </p:nvGrpSpPr>
+      <p:grpSpPr>
+        <a:xfrm>
+          <a:off x="0" y="0"/>
+          <a:ext cx="0" cy="0"/>
+          <a:chOff x="0" y="0"/>
+          <a:chExt cx="0" cy="0"/>
+        </a:xfrm>
+      </p:grpSpPr>
+      <p:sp>
+        <p:nvSpPr>
+          <p:cNvPr id="2" name="Titre 1"/>
+          <p:cNvSpPr>
+            <a:spLocks noGrp="1"/>
+          </p:cNvSpPr>
+          <p:nvPr>
+            <p:ph type="title"/>
+          </p:nvPr>
+        </p:nvSpPr>
+        <p:spPr>
+          <a:xfrm>
+            <a:off x="-1890111" y="-465788"/>
+            <a:ext cx="10018713" cy="1752599"/>
+          </a:xfrm>
+        </p:spPr>
+        <p:txBody>
+          <a:bodyPr/>
+          <a:lstStyle/>
+          <a:p>
+            <a:pPr algn="ctr"/>
+            <a:r>
+              <a:rPr lang="fr-FR" dirty="0">
+                <a:latin typeface="Times New Roman" panose="02020603050405020304" pitchFamily="18" charset="0"/>
+                <a:cs typeface="Times New Roman" panose="02020603050405020304" pitchFamily="18" charset="0"/>
+              </a:rPr>
+              <a:t>Les solutions</a:t>
+            </a:r>
+          </a:p>
+        </p:txBody>
+      </p:sp>
+      <p:pic>
+        <p:nvPicPr>
+          <p:cNvPr id="7" name="Image 6"/>
+          <p:cNvPicPr>
+            <a:picLocks noChangeAspect="1"/>
+          </p:cNvPicPr>
+          <p:nvPr/>
+        </p:nvPicPr>
+        <p:blipFill>
+          <a:blip r:embed="rId2"/>
+          <a:stretch>
+            <a:fillRect/>
+          </a:stretch>
+        </p:blipFill>
+        <p:spPr>
+          <a:xfrm>
+            <a:off x="256502" y="1488385"/>
+            <a:ext cx="11782425" cy="4914900"/>
+          </a:xfrm>
+          <a:prstGeom prst="rect">
+            <a:avLst/>
+          </a:prstGeom>
+        </p:spPr>
+      </p:pic>
+      <p:sp>
+        <p:nvSpPr>
+          <p:cNvPr id="8" name="Espace réservé du numéro de diapositive 7"/>
+          <p:cNvSpPr>
+            <a:spLocks noGrp="1"/>
+          </p:cNvSpPr>
+          <p:nvPr>
+            <p:ph type="sldNum" sz="quarter" idx="12"/>
+          </p:nvPr>
+        </p:nvSpPr>
+        <p:spPr>
+          <a:xfrm>
+            <a:off x="11096235" y="6162261"/>
+            <a:ext cx="942692" cy="695739"/>
+          </a:xfrm>
+        </p:spPr>
+        <p:txBody>
+          <a:bodyPr/>
+          <a:lstStyle/>
+          <a:p>
+            <a:fld id="{4FAB73BC-B049-4115-A692-8D63A059BFB8}" type="slidenum">
+              <a:rPr lang="en-US" sz="2000" smtClean="0">
+                <a:latin typeface="Tahoma" panose="020B0604030504040204" pitchFamily="34" charset="0"/>
+                <a:ea typeface="Tahoma" panose="020B0604030504040204" pitchFamily="34" charset="0"/>
+                <a:cs typeface="Tahoma" panose="020B0604030504040204" pitchFamily="34" charset="0"/>
+              </a:rPr>
+              <a:t>4</a:t>
+            </a:fld>
+            <a:endParaRPr lang="en-US" sz="2000" dirty="0">
+              <a:latin typeface="Tahoma" panose="020B0604030504040204" pitchFamily="34" charset="0"/>
+              <a:ea typeface="Tahoma" panose="020B0604030504040204" pitchFamily="34" charset="0"/>
+              <a:cs typeface="Tahoma" panose="020B0604030504040204" pitchFamily="34" charset="0"/>
+            </a:endParaRPr>
+          </a:p>
+        </p:txBody>
+      </p:sp>
+      <p:pic>
+        <p:nvPicPr>
+          <p:cNvPr id="9" name="Image 8"/>
+          <p:cNvPicPr>
+            <a:picLocks noChangeAspect="1"/>
+          </p:cNvPicPr>
+          <p:nvPr/>
+        </p:nvPicPr>
+        <p:blipFill>
+          <a:blip r:embed="rId3"/>
+          <a:stretch>
+            <a:fillRect/>
+          </a:stretch>
+        </p:blipFill>
+        <p:spPr>
+          <a:xfrm>
+            <a:off x="144379" y="1488385"/>
+            <a:ext cx="11894548" cy="4914899"/>
+          </a:xfrm>
+          <a:prstGeom prst="rect">
+            <a:avLst/>
+          </a:prstGeom>
+        </p:spPr>
+      </p:pic>
+    </p:spTree>
+    <p:extLst>
+      <p:ext uri="{BB962C8B-B14F-4D97-AF65-F5344CB8AC3E}">
+        <p14:creationId xmlns:p14="http://schemas.microsoft.com/office/powerpoint/2010/main" val="1322253008"/>
+      </p:ext>
+    </p:extLst>
+  </p:cSld>
+  <p:clrMapOvr>
+    <a:masterClrMapping/>
+  </p:clrMapOvr>
+  <p:timing>
+    <p:tnLst>
+      <p:par>
+        <p:cTn id="1" dur="indefinite" restart="never" nodeType="tmRoot">
+          <p:childTnLst>
+            <p:seq concurrent="1" nextAc="seek">
+              <p:cTn id="2" dur="indefinite" nodeType="mainSeq">
+                <p:childTnLst>
+                  <p:par>
+                    <p:cTn id="3" fill="hold">
+                      <p:stCondLst>
+                        <p:cond delay="indefinite"/>
+                      </p:stCondLst>
+                      <p:childTnLst>
+                        <p:par>
+                          <p:cTn id="4" fill="hold">
+                            <p:stCondLst>
+                              <p:cond delay="0"/>
+                            </p:stCondLst>
+                            <p:childTnLst>
+                              <p:par>
+                                <p:cTn id="5" presetID="10" presetClass="entr" presetSubtype="0" fill="hold" nodeType="clickEffect">
+                                  <p:stCondLst>
+                                    <p:cond delay="0"/>
+                                  </p:stCondLst>
+                                  <p:childTnLst>
+                                    <p:set>
+                                      <p:cBhvr>
+                                        <p:cTn id="6" dur="1" fill="hold">
+                                          <p:stCondLst>
+                                            <p:cond delay="0"/>
+                                          </p:stCondLst>
+                                        </p:cTn>
+                                        <p:tgtEl>
+                                          <p:spTgt spid="7"/>
+                                        </p:tgtEl>
+                                        <p:attrNameLst>
+                                          <p:attrName>style.visibility</p:attrName>
+                                        </p:attrNameLst>
+                                      </p:cBhvr>
+                                      <p:to>
+                                        <p:strVal val="visible"/>
+                                      </p:to>
+                                    </p:set>
+                                    <p:animEffect transition="in" filter="fade">
+                                      <p:cBhvr>
+                                        <p:cTn id="7" dur="500"/>
+                                        <p:tgtEl>
+                                          <p:spTgt spid="7"/>
+                                        </p:tgtEl>
+                                      </p:cBhvr>
+                                    </p:animEffect>
+                                  </p:childTnLst>
+                                </p:cTn>
+                              </p:par>
+                            </p:childTnLst>
+                          </p:cTn>
+                        </p:par>
+                      </p:childTnLst>
+                    </p:cTn>
+                  </p:par>
+                  <p:par>
+                    <p:cTn id="8" fill="hold">
+                      <p:stCondLst>
+                        <p:cond delay="indefinite"/>
+                      </p:stCondLst>
+                      <p:childTnLst>
+                        <p:par>
+                          <p:cTn id="9" fill="hold">
+                            <p:stCondLst>
+                              <p:cond delay="0"/>
+                            </p:stCondLst>
+                            <p:childTnLst>
+                              <p:par>
+                                <p:cTn id="10" presetID="10" presetClass="entr" presetSubtype="0" fill="hold" nodeType="clickEffect">
+                                  <p:stCondLst>
+                                    <p:cond delay="0"/>
+                                  </p:stCondLst>
+                                  <p:childTnLst>
+                                    <p:set>
+                                      <p:cBhvr>
+                                        <p:cTn id="11" dur="1" fill="hold">
+                                          <p:stCondLst>
+                                            <p:cond delay="0"/>
+                                          </p:stCondLst>
+                                        </p:cTn>
+                                        <p:tgtEl>
+                                          <p:spTgt spid="9"/>
+                                        </p:tgtEl>
+                                        <p:attrNameLst>
+                                          <p:attrName>style.visibility</p:attrName>
+                                        </p:attrNameLst>
+                                      </p:cBhvr>
+                                      <p:to>
+                                        <p:strVal val="visible"/>
+                                      </p:to>
+                                    </p:set>
+                                    <p:animEffect transition="in" filter="fade">
+                                      <p:cBhvr>
+                                        <p:cTn id="12" dur="500"/>
+                                        <p:tgtEl>
+                                          <p:spTgt spid="9"/>
+                                        </p:tgtEl>
+                                      </p:cBhvr>
+                                    </p:animEffect>
+                                  </p:childTnLst>
+                                </p:cTn>
+                              </p:par>
+                            </p:childTnLst>
+                          </p:cTn>
+                        </p:par>
+                      </p:childTnLst>
+                    </p:cTn>
+                  </p:par>
+                </p:childTnLst>
+              </p:cTn>
+              <p:prevCondLst>
+                <p:cond evt="onPrev" delay="0">
+                  <p:tgtEl>
+                    <p:sldTgt/>
+                  </p:tgtEl>
+                </p:cond>
+              </p:prevCondLst>
+              <p:nextCondLst>
+                <p:cond evt="onNext" delay="0">
+                  <p:tgtEl>
+                    <p:sldTgt/>
+                  </p:tgtEl>
+                </p:cond>
+              </p:nextCondLst>
+            </p:seq>
+          </p:childTnLst>
+        </p:cTn>
+      </p:par>
+    </p:tnLst>
+  </p:timing>
+</p:sld>
+</file>
+
+<file path=ppt/slides/slide5.xml><?xml version="1.0" encoding="utf-8"?>
+<p:sld xmlns:a="http://schemas.openxmlformats.org/drawingml/2006/main" xmlns:r="http://schemas.openxmlformats.org/officeDocument/2006/relationships" xmlns:p="http://schemas.openxmlformats.org/presentationml/2006/main">
+  <p:cSld>
+    <p:spTree>
+      <p:nvGrpSpPr>
+        <p:cNvPr id="1" name=""/>
+        <p:cNvGrpSpPr/>
+        <p:nvPr/>
+      </p:nvGrpSpPr>
+      <p:grpSpPr>
+        <a:xfrm>
+          <a:off x="0" y="0"/>
+          <a:ext cx="0" cy="0"/>
+          <a:chOff x="0" y="0"/>
+          <a:chExt cx="0" cy="0"/>
+        </a:xfrm>
+      </p:grpSpPr>
+      <p:sp>
+        <p:nvSpPr>
+          <p:cNvPr id="2" name="Titre 1"/>
+          <p:cNvSpPr>
+            <a:spLocks noGrp="1"/>
+          </p:cNvSpPr>
+          <p:nvPr>
+            <p:ph type="title"/>
+          </p:nvPr>
+        </p:nvSpPr>
+        <p:spPr>
+          <a:xfrm>
+            <a:off x="-915617" y="-124325"/>
+            <a:ext cx="10018713" cy="1752599"/>
+          </a:xfrm>
+        </p:spPr>
+        <p:txBody>
+          <a:bodyPr/>
+          <a:lstStyle/>
+          <a:p>
+            <a:pPr algn="ctr"/>
+            <a:r>
+              <a:rPr lang="fr-FR" dirty="0">
+                <a:latin typeface="Times New Roman" panose="02020603050405020304" pitchFamily="18" charset="0"/>
+                <a:cs typeface="Times New Roman" panose="02020603050405020304" pitchFamily="18" charset="0"/>
+              </a:rPr>
+              <a:t>Architecture du réseau</a:t>
+            </a:r>
+          </a:p>
+        </p:txBody>
+      </p:sp>
+      <p:sp>
+        <p:nvSpPr>
+          <p:cNvPr id="6" name="Espace réservé du numéro de diapositive 3"/>
+          <p:cNvSpPr>
+            <a:spLocks noGrp="1"/>
+          </p:cNvSpPr>
+          <p:nvPr>
+            <p:ph type="sldNum" sz="quarter" idx="12"/>
+          </p:nvPr>
+        </p:nvSpPr>
+        <p:spPr>
+          <a:xfrm>
+            <a:off x="11101476" y="6009171"/>
+            <a:ext cx="551167" cy="365125"/>
+          </a:xfrm>
+        </p:spPr>
+        <p:txBody>
+          <a:bodyPr/>
+          <a:lstStyle/>
+          <a:p>
+            <a:fld id="{4FAB73BC-B049-4115-A692-8D63A059BFB8}" type="slidenum">
+              <a:rPr lang="en-US" sz="2000" smtClean="0">
+                <a:latin typeface="Times New Roman" panose="02020603050405020304" pitchFamily="18" charset="0"/>
+                <a:cs typeface="Times New Roman" panose="02020603050405020304" pitchFamily="18" charset="0"/>
+              </a:rPr>
+              <a:t>5</a:t>
+            </a:fld>
+            <a:endParaRPr lang="en-US" sz="2000" dirty="0">
+              <a:latin typeface="Times New Roman" panose="02020603050405020304" pitchFamily="18" charset="0"/>
+              <a:cs typeface="Times New Roman" panose="02020603050405020304" pitchFamily="18" charset="0"/>
+            </a:endParaRPr>
+          </a:p>
+        </p:txBody>
+      </p:sp>
+      <p:sp>
+        <p:nvSpPr>
+          <p:cNvPr id="8" name="ZoneTexte 7"/>
+          <p:cNvSpPr txBox="1"/>
+          <p:nvPr/>
+        </p:nvSpPr>
+        <p:spPr>
+          <a:xfrm>
+            <a:off x="3593432" y="2342147"/>
+            <a:ext cx="2473113" cy="400110"/>
+          </a:xfrm>
+          <a:prstGeom prst="rect">
+            <a:avLst/>
+          </a:prstGeom>
+          <a:noFill/>
+        </p:spPr>
+        <p:txBody>
+          <a:bodyPr wrap="none" rtlCol="0">
+            <a:spAutoFit/>
+          </a:bodyPr>
+          <a:lstStyle/>
+          <a:p>
+            <a:r>
+              <a:rPr lang="fr-FR" sz="2000" dirty="0"/>
+              <a:t>L’architecture choisie </a:t>
+            </a:r>
+            <a:endParaRPr lang="fr-FR" dirty="0"/>
+          </a:p>
+        </p:txBody>
+      </p:sp>
+      <p:pic>
+        <p:nvPicPr>
+          <p:cNvPr id="10" name="Espace réservé du contenu 9"/>
+          <p:cNvPicPr>
+            <a:picLocks noGrp="1" noChangeAspect="1"/>
+          </p:cNvPicPr>
+          <p:nvPr>
+            <p:ph idx="1"/>
+          </p:nvPr>
+        </p:nvPicPr>
+        <p:blipFill>
+          <a:blip r:embed="rId2"/>
+          <a:stretch>
+            <a:fillRect/>
+          </a:stretch>
+        </p:blipFill>
+        <p:spPr>
+          <a:xfrm>
+            <a:off x="2987036" y="0"/>
+            <a:ext cx="8114440" cy="6932506"/>
+          </a:xfrm>
+        </p:spPr>
+      </p:pic>
+    </p:spTree>
+    <p:extLst>
+      <p:ext uri="{BB962C8B-B14F-4D97-AF65-F5344CB8AC3E}">
+        <p14:creationId xmlns:p14="http://schemas.microsoft.com/office/powerpoint/2010/main" val="1177257095"/>
+      </p:ext>
+    </p:extLst>
+  </p:cSld>
+  <p:clrMapOvr>
+    <a:masterClrMapping/>
+  </p:clrMapOvr>
+  <p:timing>
+    <p:tnLst>
+      <p:par>
+        <p:cTn id="1" dur="indefinite" restart="never" nodeType="tmRoot">
+          <p:childTnLst>
+            <p:seq concurrent="1" nextAc="seek">
+              <p:cTn id="2" dur="indefinite" nodeType="mainSeq">
+                <p:childTnLst>
+                  <p:par>
+                    <p:cTn id="3" fill="hold">
+                      <p:stCondLst>
+                        <p:cond delay="indefinite"/>
+                      </p:stCondLst>
+                      <p:childTnLst>
+                        <p:par>
+                          <p:cTn id="4" fill="hold">
+                            <p:stCondLst>
+                              <p:cond delay="0"/>
+                            </p:stCondLst>
+                            <p:childTnLst>
+                              <p:par>
+                                <p:cTn id="5" presetID="1" presetClass="exit" presetSubtype="0" fill="hold" grpId="0" nodeType="clickEffect">
+                                  <p:stCondLst>
+                                    <p:cond delay="0"/>
+                                  </p:stCondLst>
+                                  <p:childTnLst>
+                                    <p:set>
+                                      <p:cBhvr>
+                                        <p:cTn id="6" dur="1" fill="hold">
+                                          <p:stCondLst>
+                                            <p:cond delay="0"/>
+                                          </p:stCondLst>
+                                        </p:cTn>
+                                        <p:tgtEl>
+                                          <p:spTgt spid="2"/>
+                                        </p:tgtEl>
+                                        <p:attrNameLst>
+                                          <p:attrName>style.visibility</p:attrName>
+                                        </p:attrNameLst>
+                                      </p:cBhvr>
+                                      <p:to>
+                                        <p:strVal val="hidden"/>
+                                      </p:to>
+                                    </p:set>
+                                  </p:childTnLst>
+                                </p:cTn>
+                              </p:par>
+                            </p:childTnLst>
+                          </p:cTn>
+                        </p:par>
+                      </p:childTnLst>
+                    </p:cTn>
+                  </p:par>
+                  <p:par>
+                    <p:cTn id="7" fill="hold">
+                      <p:stCondLst>
+                        <p:cond delay="indefinite"/>
+                      </p:stCondLst>
+                      <p:childTnLst>
+                        <p:par>
+                          <p:cTn id="8" fill="hold">
+                            <p:stCondLst>
+                              <p:cond delay="0"/>
+                            </p:stCondLst>
+                            <p:childTnLst>
+                              <p:par>
+                                <p:cTn id="9" presetID="1" presetClass="entr" presetSubtype="0" fill="hold" nodeType="clickEffect">
+                                  <p:stCondLst>
+                                    <p:cond delay="0"/>
+                                  </p:stCondLst>
+                                  <p:childTnLst>
+                                    <p:set>
+                                      <p:cBhvr>
+                                        <p:cTn id="10" dur="1" fill="hold">
+                                          <p:stCondLst>
+                                            <p:cond delay="0"/>
+                                          </p:stCondLst>
+                                        </p:cTn>
+                                        <p:tgtEl>
+                                          <p:spTgt spid="10"/>
+                                        </p:tgtEl>
+                                        <p:attrNameLst>
+                                          <p:attrName>style.visibility</p:attrName>
+                                        </p:attrNameLst>
+                                      </p:cBhvr>
+                                      <p:to>
+                                        <p:strVal val="visible"/>
+                                      </p:to>
+                                    </p:set>
+                                  </p:childTnLst>
+                                </p:cTn>
+                              </p:par>
+                            </p:childTnLst>
+                          </p:cTn>
+                        </p:par>
+                      </p:childTnLst>
+                    </p:cTn>
+                  </p:par>
+                </p:childTnLst>
+              </p:cTn>
+              <p:prevCondLst>
+                <p:cond evt="onPrev" delay="0">
+                  <p:tgtEl>
+                    <p:sldTgt/>
+                  </p:tgtEl>
+                </p:cond>
+              </p:prevCondLst>
+              <p:nextCondLst>
+                <p:cond evt="onNext" delay="0">
+                  <p:tgtEl>
+                    <p:sldTgt/>
+                  </p:tgtEl>
+                </p:cond>
+              </p:nextCondLst>
+            </p:seq>
+          </p:childTnLst>
+        </p:cTn>
+      </p:par>
+    </p:tnLst>
+    <p:bldLst>
+      <p:bldP spid="2" grpId="0"/>
+    </p:bldLst>
+  </p:timing>
+</p:sld>
+</file>
+
+<file path=ppt/slides/slide6.xml><?xml version="1.0" encoding="utf-8"?>
+<p:sld xmlns:a="http://schemas.openxmlformats.org/drawingml/2006/main" xmlns:r="http://schemas.openxmlformats.org/officeDocument/2006/relationships" xmlns:p="http://schemas.openxmlformats.org/presentationml/2006/main">
+  <p:cSld>
+    <p:spTree>
+      <p:nvGrpSpPr>
+        <p:cNvPr id="1" name=""/>
+        <p:cNvGrpSpPr/>
+        <p:nvPr/>
+      </p:nvGrpSpPr>
+      <p:grpSpPr>
+        <a:xfrm>
+          <a:off x="0" y="0"/>
+          <a:ext cx="0" cy="0"/>
+          <a:chOff x="0" y="0"/>
+          <a:chExt cx="0" cy="0"/>
+        </a:xfrm>
+      </p:grpSpPr>
+      <p:sp>
+        <p:nvSpPr>
+          <p:cNvPr id="2" name="Titre 1"/>
+          <p:cNvSpPr>
+            <a:spLocks noGrp="1"/>
+          </p:cNvSpPr>
+          <p:nvPr>
+            <p:ph type="title"/>
+          </p:nvPr>
+        </p:nvSpPr>
+        <p:spPr>
+          <a:xfrm>
+            <a:off x="-412842" y="-200442"/>
+            <a:ext cx="10018713" cy="1752599"/>
+          </a:xfrm>
+        </p:spPr>
+        <p:txBody>
+          <a:bodyPr/>
+          <a:lstStyle/>
+          <a:p>
+            <a:r>
+              <a:rPr lang="fr-FR" dirty="0">
+                <a:latin typeface="Times New Roman" panose="02020603050405020304" pitchFamily="18" charset="0"/>
+                <a:cs typeface="Times New Roman" panose="02020603050405020304" pitchFamily="18" charset="0"/>
+              </a:rPr>
+              <a:t>Disposition des équipements</a:t>
+            </a:r>
+          </a:p>
+        </p:txBody>
+      </p:sp>
+      <p:sp>
+        <p:nvSpPr>
+          <p:cNvPr id="3" name="Espace réservé du contenu 2"/>
+          <p:cNvSpPr>
+            <a:spLocks noGrp="1"/>
+          </p:cNvSpPr>
+          <p:nvPr>
+            <p:ph idx="1"/>
+          </p:nvPr>
+        </p:nvSpPr>
+        <p:spPr>
+          <a:xfrm>
+            <a:off x="1103961" y="2527094"/>
+            <a:ext cx="2767284" cy="3113129"/>
+          </a:xfrm>
+        </p:spPr>
+        <p:txBody>
+          <a:bodyPr>
+            <a:normAutofit/>
+          </a:bodyPr>
+          <a:lstStyle/>
+          <a:p>
+            <a:pPr>
+              <a:buFontTx/>
+              <a:buChar char="-"/>
+            </a:pPr>
+            <a:r>
+              <a:rPr lang="fr-FR" sz="1500" dirty="0"/>
+              <a:t>Grande salle</a:t>
+            </a:r>
+          </a:p>
+          <a:p>
+            <a:pPr>
+              <a:buFontTx/>
+              <a:buChar char="-"/>
+            </a:pPr>
+            <a:r>
+              <a:rPr lang="fr-FR" sz="1500" dirty="0"/>
+              <a:t>Mur avec peinture ignifuger</a:t>
+            </a:r>
+          </a:p>
+          <a:p>
+            <a:pPr>
+              <a:buFontTx/>
+              <a:buChar char="-"/>
+            </a:pPr>
+            <a:r>
+              <a:rPr lang="fr-FR" sz="1500" dirty="0"/>
+              <a:t> Plafond non suspendu</a:t>
+            </a:r>
+          </a:p>
+          <a:p>
+            <a:pPr>
+              <a:buFontTx/>
+              <a:buChar char="-"/>
+            </a:pPr>
+            <a:r>
+              <a:rPr lang="fr-FR" sz="1500" dirty="0"/>
+              <a:t>Au moins 2 prises de courants</a:t>
+            </a:r>
+          </a:p>
+          <a:p>
+            <a:pPr>
+              <a:buFontTx/>
+              <a:buChar char="-"/>
+            </a:pPr>
+            <a:r>
+              <a:rPr lang="fr-FR" sz="1500" dirty="0"/>
+              <a:t>Pas d’éclairage fluorescent </a:t>
+            </a:r>
+          </a:p>
+          <a:p>
+            <a:pPr>
+              <a:buFontTx/>
+              <a:buChar char="-"/>
+            </a:pPr>
+            <a:r>
+              <a:rPr lang="fr-FR" sz="1500" dirty="0"/>
+              <a:t>Porte vers l’extérieure avec un verrou</a:t>
+            </a:r>
+            <a:endParaRPr lang="fr-FR" sz="1500" dirty="0"/>
+          </a:p>
+        </p:txBody>
+      </p:sp>
+      <p:sp>
+        <p:nvSpPr>
+          <p:cNvPr id="5" name="Espace réservé du numéro de diapositive 3"/>
+          <p:cNvSpPr>
+            <a:spLocks noGrp="1"/>
+          </p:cNvSpPr>
+          <p:nvPr>
+            <p:ph type="sldNum" sz="quarter" idx="12"/>
+          </p:nvPr>
+        </p:nvSpPr>
+        <p:spPr>
+          <a:xfrm>
+            <a:off x="10951856" y="5883275"/>
+            <a:ext cx="551167" cy="365125"/>
+          </a:xfrm>
+        </p:spPr>
+        <p:txBody>
+          <a:bodyPr/>
+          <a:lstStyle/>
+          <a:p>
+            <a:fld id="{4FAB73BC-B049-4115-A692-8D63A059BFB8}" type="slidenum">
+              <a:rPr lang="en-US" sz="2000" smtClean="0">
+                <a:latin typeface="Times New Roman" panose="02020603050405020304" pitchFamily="18" charset="0"/>
+                <a:cs typeface="Times New Roman" panose="02020603050405020304" pitchFamily="18" charset="0"/>
+              </a:rPr>
+              <a:t>6</a:t>
+            </a:fld>
+            <a:endParaRPr lang="en-US" sz="2000" dirty="0">
+              <a:latin typeface="Times New Roman" panose="02020603050405020304" pitchFamily="18" charset="0"/>
+              <a:cs typeface="Times New Roman" panose="02020603050405020304" pitchFamily="18" charset="0"/>
+            </a:endParaRPr>
+          </a:p>
+        </p:txBody>
+      </p:sp>
+      <p:pic>
+        <p:nvPicPr>
+          <p:cNvPr id="4" name="Image 3"/>
+          <p:cNvPicPr>
+            <a:picLocks noChangeAspect="1"/>
+          </p:cNvPicPr>
+          <p:nvPr/>
+        </p:nvPicPr>
+        <p:blipFill>
+          <a:blip r:embed="rId2"/>
+          <a:stretch>
+            <a:fillRect/>
+          </a:stretch>
+        </p:blipFill>
+        <p:spPr>
+          <a:xfrm>
+            <a:off x="3934419" y="1415212"/>
+            <a:ext cx="8105181" cy="5290387"/>
+          </a:xfrm>
+          <a:prstGeom prst="rect">
+            <a:avLst/>
+          </a:prstGeom>
+        </p:spPr>
+      </p:pic>
+    </p:spTree>
+    <p:extLst>
+      <p:ext uri="{BB962C8B-B14F-4D97-AF65-F5344CB8AC3E}">
+        <p14:creationId xmlns:p14="http://schemas.microsoft.com/office/powerpoint/2010/main" val="3996542892"/>
+      </p:ext>
+    </p:extLst>
+  </p:cSld>
+  <p:clrMapOvr>
+    <a:masterClrMapping/>
+  </p:clrMapOvr>
+</p:sld>
+</file>
+
+<file path=ppt/slides/slide7.xml><?xml version="1.0" encoding="utf-8"?>
+<p:sld xmlns:a="http://schemas.openxmlformats.org/drawingml/2006/main" xmlns:r="http://schemas.openxmlformats.org/officeDocument/2006/relationships" xmlns:p="http://schemas.openxmlformats.org/presentationml/2006/main">
+  <p:cSld>
+    <p:spTree>
+      <p:nvGrpSpPr>
+        <p:cNvPr id="1" name=""/>
+        <p:cNvGrpSpPr/>
+        <p:nvPr/>
+      </p:nvGrpSpPr>
+      <p:grpSpPr>
+        <a:xfrm>
+          <a:off x="0" y="0"/>
+          <a:ext cx="0" cy="0"/>
+          <a:chOff x="0" y="0"/>
+          <a:chExt cx="0" cy="0"/>
+        </a:xfrm>
+      </p:grpSpPr>
+      <p:sp>
+        <p:nvSpPr>
+          <p:cNvPr id="2" name="Titre 1"/>
+          <p:cNvSpPr>
+            <a:spLocks noGrp="1"/>
+          </p:cNvSpPr>
+          <p:nvPr>
+            <p:ph type="title"/>
+          </p:nvPr>
+        </p:nvSpPr>
+        <p:spPr>
+          <a:xfrm>
+            <a:off x="-1002216" y="-165130"/>
+            <a:ext cx="10018713" cy="1752599"/>
+          </a:xfrm>
+        </p:spPr>
+        <p:txBody>
+          <a:bodyPr/>
+          <a:lstStyle/>
+          <a:p>
+            <a:r>
+              <a:rPr lang="fr-FR" dirty="0">
+                <a:latin typeface="Times New Roman" panose="02020603050405020304" pitchFamily="18" charset="0"/>
+                <a:cs typeface="Times New Roman" panose="02020603050405020304" pitchFamily="18" charset="0"/>
+              </a:rPr>
+              <a:t>Branchement Ethernet</a:t>
+            </a:r>
+          </a:p>
+        </p:txBody>
+      </p:sp>
+      <p:sp>
+        <p:nvSpPr>
+          <p:cNvPr id="3" name="Espace réservé du contenu 2"/>
+          <p:cNvSpPr>
+            <a:spLocks noGrp="1"/>
+          </p:cNvSpPr>
+          <p:nvPr>
+            <p:ph idx="1"/>
+          </p:nvPr>
+        </p:nvSpPr>
+        <p:spPr>
+          <a:xfrm>
+            <a:off x="1892357" y="3124199"/>
+            <a:ext cx="3875397" cy="3124201"/>
+          </a:xfrm>
+        </p:spPr>
+        <p:txBody>
+          <a:bodyPr>
+            <a:normAutofit/>
+          </a:bodyPr>
+          <a:lstStyle/>
+          <a:p>
+            <a:pPr marL="0" indent="0">
+              <a:buNone/>
+            </a:pPr>
+            <a:r>
+              <a:rPr lang="fr-FR" dirty="0"/>
+              <a:t>Commutateur 24 ports </a:t>
+            </a:r>
+          </a:p>
+          <a:p>
+            <a:pPr marL="0" indent="0">
+              <a:buNone/>
+            </a:pPr>
+            <a:r>
+              <a:rPr lang="fr-FR" dirty="0"/>
+              <a:t>Câble RJ-45 Catégorie 6 </a:t>
+            </a:r>
+            <a:br>
+              <a:rPr lang="fr-FR" dirty="0"/>
+            </a:br>
+            <a:r>
+              <a:rPr lang="fr-FR" dirty="0"/>
+              <a:t>	Bande passante : 250MHz</a:t>
+            </a:r>
+            <a:endParaRPr lang="fr-FR" dirty="0"/>
+          </a:p>
+        </p:txBody>
+      </p:sp>
+      <p:sp>
+        <p:nvSpPr>
+          <p:cNvPr id="5" name="Espace réservé du numéro de diapositive 3"/>
+          <p:cNvSpPr>
+            <a:spLocks noGrp="1"/>
+          </p:cNvSpPr>
+          <p:nvPr>
+            <p:ph type="sldNum" sz="quarter" idx="12"/>
+          </p:nvPr>
+        </p:nvSpPr>
+        <p:spPr>
+          <a:xfrm>
+            <a:off x="10951856" y="5883275"/>
+            <a:ext cx="551167" cy="365125"/>
+          </a:xfrm>
+        </p:spPr>
+        <p:txBody>
+          <a:bodyPr/>
+          <a:lstStyle/>
+          <a:p>
+            <a:fld id="{4FAB73BC-B049-4115-A692-8D63A059BFB8}" type="slidenum">
+              <a:rPr lang="en-US" sz="2000" smtClean="0">
+                <a:latin typeface="Times New Roman" panose="02020603050405020304" pitchFamily="18" charset="0"/>
+                <a:cs typeface="Times New Roman" panose="02020603050405020304" pitchFamily="18" charset="0"/>
+              </a:rPr>
+              <a:t>7</a:t>
+            </a:fld>
+            <a:endParaRPr lang="en-US" sz="2000" dirty="0">
+              <a:latin typeface="Times New Roman" panose="02020603050405020304" pitchFamily="18" charset="0"/>
+              <a:cs typeface="Times New Roman" panose="02020603050405020304" pitchFamily="18" charset="0"/>
+            </a:endParaRPr>
+          </a:p>
+        </p:txBody>
+      </p:sp>
+      <p:pic>
+        <p:nvPicPr>
+          <p:cNvPr id="6" name="Image 5" descr="Cisco Small Business Produits Cisco SLM224PT-EU"/>
+          <p:cNvPicPr/>
+          <p:nvPr/>
+        </p:nvPicPr>
+        <p:blipFill>
+          <a:blip r:embed="rId2">
+            <a:extLst>
+              <a:ext uri="{28A0092B-C50C-407E-A947-70E740481C1C}">
+                <a14:useLocalDpi xmlns:a14="http://schemas.microsoft.com/office/drawing/2010/main" val="0"/>
+              </a:ext>
+            </a:extLst>
+          </a:blip>
+          <a:srcRect/>
+          <a:stretch>
+            <a:fillRect/>
+          </a:stretch>
+        </p:blipFill>
+        <p:spPr bwMode="auto">
+          <a:xfrm>
+            <a:off x="3541710" y="1469425"/>
+            <a:ext cx="2771322" cy="2077574"/>
+          </a:xfrm>
+          <a:prstGeom prst="rect">
+            <a:avLst/>
+          </a:prstGeom>
+          <a:noFill/>
+          <a:ln>
+            <a:noFill/>
+          </a:ln>
+        </p:spPr>
+      </p:pic>
+      <p:sp>
+        <p:nvSpPr>
+          <p:cNvPr id="7" name="Espace réservé du contenu 2"/>
+          <p:cNvSpPr txBox="1">
+            <a:spLocks/>
+          </p:cNvSpPr>
+          <p:nvPr/>
+        </p:nvSpPr>
+        <p:spPr>
+          <a:xfrm>
+            <a:off x="7417107" y="3124199"/>
+            <a:ext cx="6181318" cy="2065426"/>
+          </a:xfrm>
+          <a:prstGeom prst="rect">
+            <a:avLst/>
+          </a:prstGeom>
+        </p:spPr>
+        <p:txBody>
+          <a:bodyPr vert="horz" lIns="91440" tIns="45720" rIns="91440" bIns="45720" rtlCol="0" anchor="ctr">
+            <a:normAutofit/>
+          </a:bodyPr>
+          <a:lstStyle>
+            <a:lvl1pPr marL="285750" indent="-285750" algn="l" defTabSz="457200" rtl="0" eaLnBrk="1" latinLnBrk="0" hangingPunct="1">
+              <a:spcBef>
+                <a:spcPct val="20000"/>
+              </a:spcBef>
+              <a:spcAft>
+                <a:spcPts val="600"/>
+              </a:spcAft>
+              <a:buClr>
+                <a:schemeClr val="accent1">
+                  <a:lumMod val="75000"/>
+                </a:schemeClr>
+              </a:buClr>
+              <a:buSzPct val="145000"/>
+              <a:buFont typeface="Arial"/>
+              <a:buChar char="•"/>
+              <a:defRPr sz="2400" kern="1200" cap="none">
+                <a:solidFill>
+                  <a:schemeClr val="tx1"/>
+                </a:solidFill>
+                <a:effectLst/>
+                <a:latin typeface="+mn-lt"/>
+                <a:ea typeface="+mn-ea"/>
+                <a:cs typeface="+mn-cs"/>
+              </a:defRPr>
+            </a:lvl1pPr>
+            <a:lvl2pPr marL="742950" indent="-285750" algn="l" defTabSz="457200" rtl="0" eaLnBrk="1" latinLnBrk="0" hangingPunct="1">
+              <a:spcBef>
+                <a:spcPct val="20000"/>
+              </a:spcBef>
+              <a:spcAft>
+                <a:spcPts val="600"/>
+              </a:spcAft>
+              <a:buClr>
+                <a:schemeClr val="accent1">
+                  <a:lumMod val="75000"/>
+                </a:schemeClr>
+              </a:buClr>
+              <a:buSzPct val="145000"/>
+              <a:buFont typeface="Arial"/>
+              <a:buChar char="•"/>
+              <a:defRPr sz="2000" kern="1200" cap="none">
+                <a:solidFill>
+                  <a:schemeClr val="tx1"/>
+                </a:solidFill>
+                <a:effectLst/>
+                <a:latin typeface="+mn-lt"/>
+                <a:ea typeface="+mn-ea"/>
+                <a:cs typeface="+mn-cs"/>
+              </a:defRPr>
+            </a:lvl2pPr>
+            <a:lvl3pPr marL="1200150" indent="-285750" algn="l" defTabSz="457200" rtl="0" eaLnBrk="1" latinLnBrk="0" hangingPunct="1">
+              <a:spcBef>
+                <a:spcPct val="20000"/>
+              </a:spcBef>
+              <a:spcAft>
+                <a:spcPts val="600"/>
+              </a:spcAft>
+              <a:buClr>
+                <a:schemeClr val="accent1">
+                  <a:lumMod val="75000"/>
+                </a:schemeClr>
+              </a:buClr>
+              <a:buSzPct val="145000"/>
+              <a:buFont typeface="Arial"/>
+              <a:buChar char="•"/>
+              <a:defRPr sz="1800" kern="1200" cap="none">
+                <a:solidFill>
+                  <a:schemeClr val="tx1"/>
+                </a:solidFill>
+                <a:effectLst/>
+                <a:latin typeface="+mn-lt"/>
+                <a:ea typeface="+mn-ea"/>
+                <a:cs typeface="+mn-cs"/>
+              </a:defRPr>
+            </a:lvl3pPr>
+            <a:lvl4pPr marL="1543050" indent="-171450" algn="l" defTabSz="457200" rtl="0" eaLnBrk="1" latinLnBrk="0" hangingPunct="1">
+              <a:spcBef>
+                <a:spcPct val="20000"/>
+              </a:spcBef>
+              <a:spcAft>
+                <a:spcPts val="600"/>
+              </a:spcAft>
+              <a:buClr>
+                <a:schemeClr val="accent1">
+                  <a:lumMod val="75000"/>
+                </a:schemeClr>
+              </a:buClr>
+              <a:buSzPct val="145000"/>
+              <a:buFont typeface="Arial"/>
+              <a:buChar char="•"/>
+              <a:defRPr sz="1600" kern="1200" cap="none">
+                <a:solidFill>
+                  <a:schemeClr val="tx1"/>
+                </a:solidFill>
+                <a:effectLst/>
+                <a:latin typeface="+mn-lt"/>
+                <a:ea typeface="+mn-ea"/>
+                <a:cs typeface="+mn-cs"/>
+              </a:defRPr>
+            </a:lvl4pPr>
+            <a:lvl5pPr marL="2000250" indent="-171450" algn="l" defTabSz="457200" rtl="0" eaLnBrk="1" latinLnBrk="0" hangingPunct="1">
+              <a:spcBef>
+                <a:spcPct val="20000"/>
+              </a:spcBef>
+              <a:spcAft>
+                <a:spcPts val="600"/>
+              </a:spcAft>
+              <a:buClr>
+                <a:schemeClr val="accent1">
+                  <a:lumMod val="75000"/>
+                </a:schemeClr>
+              </a:buClr>
+              <a:buSzPct val="145000"/>
+              <a:buFont typeface="Arial"/>
+              <a:buChar char="•"/>
+              <a:defRPr sz="1400" kern="1200" cap="none">
+                <a:solidFill>
+                  <a:schemeClr val="tx1"/>
+                </a:solidFill>
+                <a:effectLst/>
+                <a:latin typeface="+mn-lt"/>
+                <a:ea typeface="+mn-ea"/>
+                <a:cs typeface="+mn-cs"/>
+              </a:defRPr>
+            </a:lvl5pPr>
+            <a:lvl6pPr marL="2514600" indent="-228600" algn="l" defTabSz="457200" rtl="0" eaLnBrk="1" latinLnBrk="0" hangingPunct="1">
+              <a:spcBef>
+                <a:spcPct val="20000"/>
+              </a:spcBef>
+              <a:spcAft>
+                <a:spcPts val="600"/>
+              </a:spcAft>
+              <a:buClr>
+                <a:schemeClr val="accent1">
+                  <a:lumMod val="75000"/>
+                </a:schemeClr>
+              </a:buClr>
+              <a:buSzPct val="145000"/>
+              <a:buFont typeface="Arial"/>
+              <a:buChar char="•"/>
+              <a:defRPr sz="1400" kern="1200" cap="none">
+                <a:solidFill>
+                  <a:schemeClr val="tx1"/>
+                </a:solidFill>
+                <a:effectLst/>
+                <a:latin typeface="+mn-lt"/>
+                <a:ea typeface="+mn-ea"/>
+                <a:cs typeface="+mn-cs"/>
+              </a:defRPr>
+            </a:lvl6pPr>
+            <a:lvl7pPr marL="2971800" indent="-228600" algn="l" defTabSz="457200" rtl="0" eaLnBrk="1" latinLnBrk="0" hangingPunct="1">
+              <a:spcBef>
+                <a:spcPct val="20000"/>
+              </a:spcBef>
+              <a:spcAft>
+                <a:spcPts val="600"/>
+              </a:spcAft>
+              <a:buClr>
+                <a:schemeClr val="accent1">
+                  <a:lumMod val="75000"/>
+                </a:schemeClr>
+              </a:buClr>
+              <a:buSzPct val="145000"/>
+              <a:buFont typeface="Arial"/>
+              <a:buChar char="•"/>
+              <a:defRPr sz="1400" kern="1200" cap="none">
+                <a:solidFill>
+                  <a:schemeClr val="tx1"/>
+                </a:solidFill>
+                <a:effectLst/>
+                <a:latin typeface="+mn-lt"/>
+                <a:ea typeface="+mn-ea"/>
+                <a:cs typeface="+mn-cs"/>
+              </a:defRPr>
+            </a:lvl7pPr>
+            <a:lvl8pPr marL="3429000" indent="-228600" algn="l" defTabSz="457200" rtl="0" eaLnBrk="1" latinLnBrk="0" hangingPunct="1">
+              <a:spcBef>
+                <a:spcPct val="20000"/>
+              </a:spcBef>
+              <a:spcAft>
+                <a:spcPts val="600"/>
+              </a:spcAft>
+              <a:buClr>
+                <a:schemeClr val="accent1">
+                  <a:lumMod val="75000"/>
+                </a:schemeClr>
+              </a:buClr>
+              <a:buSzPct val="145000"/>
+              <a:buFont typeface="Arial"/>
+              <a:buChar char="•"/>
+              <a:defRPr sz="1400" kern="1200" cap="none">
+                <a:solidFill>
+                  <a:schemeClr val="tx1"/>
+                </a:solidFill>
+                <a:effectLst/>
+                <a:latin typeface="+mn-lt"/>
+                <a:ea typeface="+mn-ea"/>
+                <a:cs typeface="+mn-cs"/>
+              </a:defRPr>
+            </a:lvl8pPr>
+            <a:lvl9pPr marL="3886200" indent="-228600" algn="l" defTabSz="457200" rtl="0" eaLnBrk="1" latinLnBrk="0" hangingPunct="1">
+              <a:spcBef>
+                <a:spcPct val="20000"/>
+              </a:spcBef>
+              <a:spcAft>
+                <a:spcPts val="600"/>
+              </a:spcAft>
+              <a:buClr>
+                <a:schemeClr val="accent1">
+                  <a:lumMod val="75000"/>
+                </a:schemeClr>
+              </a:buClr>
+              <a:buSzPct val="145000"/>
+              <a:buFont typeface="Arial"/>
+              <a:buChar char="•"/>
+              <a:defRPr sz="1400" kern="1200" cap="none">
+                <a:solidFill>
+                  <a:schemeClr val="tx1"/>
+                </a:solidFill>
+                <a:effectLst/>
+                <a:latin typeface="+mn-lt"/>
+                <a:ea typeface="+mn-ea"/>
+                <a:cs typeface="+mn-cs"/>
+              </a:defRPr>
+            </a:lvl9pPr>
+          </a:lstStyle>
+          <a:p>
+            <a:pPr marL="0" indent="0">
+              <a:buNone/>
+            </a:pPr>
+            <a:r>
+              <a:rPr lang="fr-FR" dirty="0"/>
+              <a:t>Sauvegarde configuration :</a:t>
+            </a:r>
+          </a:p>
+          <a:p>
+            <a:pPr marL="0" indent="0">
+              <a:buNone/>
+            </a:pPr>
+            <a:r>
+              <a:rPr lang="fr-FR" b="1" i="1" dirty="0"/>
+              <a:t>copy running-config </a:t>
+            </a:r>
+            <a:r>
+              <a:rPr lang="fr-FR" b="1" i="1" dirty="0" err="1"/>
+              <a:t>tftp</a:t>
+            </a:r>
+            <a:r>
+              <a:rPr lang="fr-FR" b="1" i="1" dirty="0"/>
+              <a:t> </a:t>
+            </a:r>
+          </a:p>
+          <a:p>
+            <a:pPr marL="0" indent="0">
+              <a:buNone/>
+            </a:pPr>
+            <a:endParaRPr lang="fr-FR" dirty="0"/>
+          </a:p>
+          <a:p>
+            <a:pPr marL="0" indent="0">
+              <a:buNone/>
+            </a:pPr>
+            <a:r>
+              <a:rPr lang="fr-FR" b="1" i="1" dirty="0"/>
+              <a:t>copy </a:t>
+            </a:r>
+            <a:r>
+              <a:rPr lang="fr-FR" b="1" i="1" dirty="0" err="1"/>
+              <a:t>tftp</a:t>
+            </a:r>
+            <a:r>
+              <a:rPr lang="fr-FR" b="1" i="1" dirty="0"/>
+              <a:t> : running-config </a:t>
+            </a:r>
+            <a:endParaRPr lang="fr-FR" dirty="0"/>
+          </a:p>
+        </p:txBody>
+      </p:sp>
+    </p:spTree>
+    <p:extLst>
+      <p:ext uri="{BB962C8B-B14F-4D97-AF65-F5344CB8AC3E}">
+        <p14:creationId xmlns:p14="http://schemas.microsoft.com/office/powerpoint/2010/main" val="2367623552"/>
+      </p:ext>
+    </p:extLst>
+  </p:cSld>
+  <p:clrMapOvr>
+    <a:masterClrMapping/>
+  </p:clrMapOvr>
+</p:sld>
+</file>
+
+<file path=ppt/slides/slide8.xml><?xml version="1.0" encoding="utf-8"?>
+<p:sld xmlns:a="http://schemas.openxmlformats.org/drawingml/2006/main" xmlns:r="http://schemas.openxmlformats.org/officeDocument/2006/relationships" xmlns:p="http://schemas.openxmlformats.org/presentationml/2006/main">
+  <p:cSld>
+    <p:spTree>
+      <p:nvGrpSpPr>
+        <p:cNvPr id="1" name=""/>
+        <p:cNvGrpSpPr/>
+        <p:nvPr/>
+      </p:nvGrpSpPr>
+      <p:grpSpPr>
+        <a:xfrm>
+          <a:off x="0" y="0"/>
+          <a:ext cx="0" cy="0"/>
+          <a:chOff x="0" y="0"/>
+          <a:chExt cx="0" cy="0"/>
+        </a:xfrm>
+      </p:grpSpPr>
+      <p:sp>
+        <p:nvSpPr>
+          <p:cNvPr id="4" name="Espace réservé du numéro de diapositive 3"/>
+          <p:cNvSpPr>
+            <a:spLocks noGrp="1"/>
+          </p:cNvSpPr>
+          <p:nvPr>
+            <p:ph type="sldNum" sz="quarter" idx="12"/>
+          </p:nvPr>
+        </p:nvSpPr>
+        <p:spPr/>
+        <p:txBody>
+          <a:bodyPr/>
+          <a:lstStyle/>
+          <a:p>
+            <a:fld id="{4FAB73BC-B049-4115-A692-8D63A059BFB8}" type="slidenum">
+              <a:rPr lang="en-US" smtClean="0"/>
+              <a:t>8</a:t>
+            </a:fld>
+            <a:endParaRPr lang="en-US" dirty="0"/>
+          </a:p>
+        </p:txBody>
+      </p:sp>
+      <p:pic>
+        <p:nvPicPr>
+          <p:cNvPr id="8" name="Espace réservé du contenu 7"/>
+          <p:cNvPicPr>
+            <a:picLocks noGrp="1" noChangeAspect="1"/>
+          </p:cNvPicPr>
+          <p:nvPr>
+            <p:ph idx="1"/>
+          </p:nvPr>
+        </p:nvPicPr>
+        <p:blipFill>
+          <a:blip r:embed="rId2"/>
+          <a:stretch>
+            <a:fillRect/>
+          </a:stretch>
+        </p:blipFill>
+        <p:spPr>
+          <a:xfrm>
+            <a:off x="2268705" y="207802"/>
+            <a:ext cx="9688163" cy="6323626"/>
+          </a:xfrm>
+        </p:spPr>
+      </p:pic>
+    </p:spTree>
+    <p:extLst>
+      <p:ext uri="{BB962C8B-B14F-4D97-AF65-F5344CB8AC3E}">
+        <p14:creationId xmlns:p14="http://schemas.microsoft.com/office/powerpoint/2010/main" val="752817199"/>
+      </p:ext>
+    </p:extLst>
+  </p:cSld>
+  <p:clrMapOvr>
+    <a:masterClrMapping/>
+  </p:clrMapOvr>
+</p:sld>
+</file>
+
+<file path=ppt/slides/slide9.xml><?xml version="1.0" encoding="utf-8"?>
+<p:sld xmlns:a="http://schemas.openxmlformats.org/drawingml/2006/main" xmlns:r="http://schemas.openxmlformats.org/officeDocument/2006/relationships" xmlns:p="http://schemas.openxmlformats.org/presentationml/2006/main">
+  <p:cSld>
+    <p:spTree>
+      <p:nvGrpSpPr>
+        <p:cNvPr id="1" name=""/>
+        <p:cNvGrpSpPr/>
+        <p:nvPr/>
+      </p:nvGrpSpPr>
+      <p:grpSpPr>
+        <a:xfrm>
+          <a:off x="0" y="0"/>
+          <a:ext cx="0" cy="0"/>
+          <a:chOff x="0" y="0"/>
+          <a:chExt cx="0" cy="0"/>
+        </a:xfrm>
+      </p:grpSpPr>
+      <p:sp>
+        <p:nvSpPr>
+          <p:cNvPr id="2" name="Titre 1"/>
+          <p:cNvSpPr>
+            <a:spLocks noGrp="1"/>
+          </p:cNvSpPr>
+          <p:nvPr>
+            <p:ph type="title"/>
+          </p:nvPr>
+        </p:nvSpPr>
+        <p:spPr>
+          <a:xfrm>
+            <a:off x="-689149" y="-372702"/>
+            <a:ext cx="10018713" cy="1752599"/>
+          </a:xfrm>
+        </p:spPr>
+        <p:txBody>
+          <a:bodyPr/>
+          <a:lstStyle/>
+          <a:p>
+            <a:pPr algn="ctr"/>
+            <a:r>
+              <a:rPr lang="fr-FR" dirty="0">
+                <a:latin typeface="Times New Roman" panose="02020603050405020304" pitchFamily="18" charset="0"/>
+                <a:cs typeface="Times New Roman" panose="02020603050405020304" pitchFamily="18" charset="0"/>
+              </a:rPr>
+              <a:t>Routeur et point d’accès</a:t>
+            </a:r>
+          </a:p>
+        </p:txBody>
+      </p:sp>
+      <p:pic>
+        <p:nvPicPr>
+          <p:cNvPr id="4" name="Espace réservé du contenu 3"/>
+          <p:cNvPicPr>
+            <a:picLocks noGrp="1" noChangeAspect="1"/>
+          </p:cNvPicPr>
+          <p:nvPr>
+            <p:ph idx="1"/>
+          </p:nvPr>
+        </p:nvPicPr>
+        <p:blipFill>
+          <a:blip r:embed="rId2"/>
+          <a:stretch>
+            <a:fillRect/>
+          </a:stretch>
+        </p:blipFill>
+        <p:spPr>
+          <a:xfrm>
+            <a:off x="202957" y="1598462"/>
+            <a:ext cx="4117251" cy="4284813"/>
+          </a:xfrm>
+          <a:prstGeom prst="rect">
+            <a:avLst/>
+          </a:prstGeom>
+        </p:spPr>
+      </p:pic>
+      <p:pic>
+        <p:nvPicPr>
+          <p:cNvPr id="5" name="Image 4"/>
+          <p:cNvPicPr>
+            <a:picLocks noChangeAspect="1"/>
+          </p:cNvPicPr>
+          <p:nvPr/>
+        </p:nvPicPr>
+        <p:blipFill>
+          <a:blip r:embed="rId3"/>
+          <a:stretch>
+            <a:fillRect/>
+          </a:stretch>
+        </p:blipFill>
+        <p:spPr>
+          <a:xfrm>
+            <a:off x="8347421" y="333433"/>
+            <a:ext cx="3380753" cy="4325504"/>
+          </a:xfrm>
+          <a:prstGeom prst="rect">
+            <a:avLst/>
+          </a:prstGeom>
+        </p:spPr>
+      </p:pic>
+      <p:sp>
+        <p:nvSpPr>
+          <p:cNvPr id="7" name="Espace réservé du numéro de diapositive 3"/>
+          <p:cNvSpPr>
+            <a:spLocks noGrp="1"/>
+          </p:cNvSpPr>
+          <p:nvPr>
+            <p:ph type="sldNum" sz="quarter" idx="12"/>
+          </p:nvPr>
+        </p:nvSpPr>
+        <p:spPr>
+          <a:xfrm>
+            <a:off x="10951856" y="5883275"/>
+            <a:ext cx="551167" cy="365125"/>
+          </a:xfrm>
+        </p:spPr>
+        <p:txBody>
+          <a:bodyPr/>
+          <a:lstStyle/>
+          <a:p>
+            <a:fld id="{4FAB73BC-B049-4115-A692-8D63A059BFB8}" type="slidenum">
+              <a:rPr lang="en-US" sz="2000" smtClean="0">
+                <a:latin typeface="Times New Roman" panose="02020603050405020304" pitchFamily="18" charset="0"/>
+                <a:cs typeface="Times New Roman" panose="02020603050405020304" pitchFamily="18" charset="0"/>
+              </a:rPr>
+              <a:t>9</a:t>
+            </a:fld>
+            <a:endParaRPr lang="en-US" sz="2000" dirty="0">
+              <a:latin typeface="Times New Roman" panose="02020603050405020304" pitchFamily="18" charset="0"/>
+              <a:cs typeface="Times New Roman" panose="02020603050405020304" pitchFamily="18" charset="0"/>
+            </a:endParaRPr>
+          </a:p>
+        </p:txBody>
+      </p:sp>
+      <p:sp>
+        <p:nvSpPr>
+          <p:cNvPr id="8" name="ZoneTexte 7"/>
+          <p:cNvSpPr txBox="1"/>
+          <p:nvPr/>
+        </p:nvSpPr>
+        <p:spPr>
+          <a:xfrm>
+            <a:off x="8590257" y="4829506"/>
+            <a:ext cx="2637182" cy="1200329"/>
+          </a:xfrm>
+          <a:prstGeom prst="rect">
+            <a:avLst/>
+          </a:prstGeom>
+          <a:noFill/>
+        </p:spPr>
+        <p:txBody>
+          <a:bodyPr wrap="square" rtlCol="0">
+            <a:spAutoFit/>
+          </a:bodyPr>
+          <a:lstStyle/>
+          <a:p>
+            <a:pPr marL="285750" indent="-285750">
+              <a:buFontTx/>
+              <a:buChar char="-"/>
+            </a:pPr>
+            <a:r>
+              <a:rPr lang="fr-FR" dirty="0">
+                <a:latin typeface="Times New Roman" panose="02020603050405020304" pitchFamily="18" charset="0"/>
+                <a:cs typeface="Times New Roman" panose="02020603050405020304" pitchFamily="18" charset="0"/>
+              </a:rPr>
+              <a:t>Portée de 50 mètres</a:t>
+            </a:r>
+          </a:p>
+          <a:p>
+            <a:pPr marL="285750" indent="-285750">
+              <a:buFontTx/>
+              <a:buChar char="-"/>
+            </a:pPr>
+            <a:r>
+              <a:rPr lang="fr-FR" dirty="0">
+                <a:latin typeface="Times New Roman" panose="02020603050405020304" pitchFamily="18" charset="0"/>
+                <a:cs typeface="Times New Roman" panose="02020603050405020304" pitchFamily="18" charset="0"/>
+              </a:rPr>
+              <a:t>Taux de transfert maximum de 300Mb/s</a:t>
+            </a:r>
+          </a:p>
+          <a:p>
+            <a:pPr marL="285750" indent="-285750">
+              <a:buFontTx/>
+              <a:buChar char="-"/>
+            </a:pPr>
+            <a:r>
+              <a:rPr lang="fr-FR" dirty="0">
+                <a:latin typeface="Times New Roman" panose="02020603050405020304" pitchFamily="18" charset="0"/>
+                <a:cs typeface="Times New Roman" panose="02020603050405020304" pitchFamily="18" charset="0"/>
+              </a:rPr>
+              <a:t>Peu couteux</a:t>
+            </a:r>
+          </a:p>
+        </p:txBody>
+      </p:sp>
+      <p:sp>
+        <p:nvSpPr>
+          <p:cNvPr id="9" name="ZoneTexte 8"/>
+          <p:cNvSpPr txBox="1"/>
+          <p:nvPr/>
+        </p:nvSpPr>
+        <p:spPr>
+          <a:xfrm>
+            <a:off x="4505841" y="1658633"/>
+            <a:ext cx="2438400" cy="1477328"/>
+          </a:xfrm>
+          <a:prstGeom prst="rect">
+            <a:avLst/>
+          </a:prstGeom>
+          <a:noFill/>
+        </p:spPr>
+        <p:txBody>
+          <a:bodyPr wrap="square" rtlCol="0">
+            <a:spAutoFit/>
+          </a:bodyPr>
+          <a:lstStyle/>
+          <a:p>
+            <a:pPr marL="285750" indent="-285750">
+              <a:buFontTx/>
+              <a:buChar char="-"/>
+            </a:pPr>
+            <a:r>
+              <a:rPr lang="fr-FR" dirty="0">
+                <a:latin typeface="Times New Roman" panose="02020603050405020304" pitchFamily="18" charset="0"/>
+                <a:cs typeface="Times New Roman" panose="02020603050405020304" pitchFamily="18" charset="0"/>
+              </a:rPr>
+              <a:t>Portée de 50 mètres</a:t>
+            </a:r>
+          </a:p>
+          <a:p>
+            <a:pPr marL="285750" indent="-285750">
+              <a:buFontTx/>
+              <a:buChar char="-"/>
+            </a:pPr>
+            <a:r>
+              <a:rPr lang="fr-FR" dirty="0">
+                <a:latin typeface="Times New Roman" panose="02020603050405020304" pitchFamily="18" charset="0"/>
+                <a:cs typeface="Times New Roman" panose="02020603050405020304" pitchFamily="18" charset="0"/>
+              </a:rPr>
+              <a:t>Délivre un débit très convenable pour 91 personnes </a:t>
+            </a:r>
+          </a:p>
+          <a:p>
+            <a:pPr marL="285750" indent="-285750">
+              <a:buFontTx/>
+              <a:buChar char="-"/>
+            </a:pPr>
+            <a:r>
+              <a:rPr lang="fr-FR" dirty="0">
+                <a:latin typeface="Times New Roman" panose="02020603050405020304" pitchFamily="18" charset="0"/>
+                <a:cs typeface="Times New Roman" panose="02020603050405020304" pitchFamily="18" charset="0"/>
+              </a:rPr>
+              <a:t>Peu couteux</a:t>
+            </a:r>
+          </a:p>
+        </p:txBody>
+      </p:sp>
+    </p:spTree>
+    <p:extLst>
+      <p:ext uri="{BB962C8B-B14F-4D97-AF65-F5344CB8AC3E}">
+        <p14:creationId xmlns:p14="http://schemas.microsoft.com/office/powerpoint/2010/main" val="3294137470"/>
+      </p:ext>
+    </p:extLst>
+  </p:cSld>
+  <p:clrMapOvr>
+    <a:masterClrMapping/>
+  </p:clrMapOvr>
+  <p:timing>
+    <p:tnLst>
+      <p:par>
+        <p:cTn id="1" dur="indefinite" restart="never" nodeType="tmRoot">
+          <p:childTnLst>
+            <p:seq concurrent="1" nextAc="seek">
+              <p:cTn id="2" dur="indefinite" nodeType="mainSeq">
+                <p:childTnLst>
+                  <p:par>
+                    <p:cTn id="3" fill="hold">
+                      <p:stCondLst>
+                        <p:cond delay="indefinite"/>
+                      </p:stCondLst>
+                      <p:childTnLst>
+                        <p:par>
+                          <p:cTn id="4" fill="hold">
+                            <p:stCondLst>
+                              <p:cond delay="0"/>
+                            </p:stCondLst>
+                            <p:childTnLst>
+                              <p:par>
+                                <p:cTn id="5" presetID="10" presetClass="entr" presetSubtype="0" fill="hold" nodeType="clickEffect">
+                                  <p:stCondLst>
+                                    <p:cond delay="0"/>
+                                  </p:stCondLst>
+                                  <p:childTnLst>
+                                    <p:set>
+                                      <p:cBhvr>
+                                        <p:cTn id="6" dur="1" fill="hold">
+                                          <p:stCondLst>
+                                            <p:cond delay="0"/>
+                                          </p:stCondLst>
+                                        </p:cTn>
+                                        <p:tgtEl>
+                                          <p:spTgt spid="4"/>
+                                        </p:tgtEl>
+                                        <p:attrNameLst>
+                                          <p:attrName>style.visibility</p:attrName>
+                                        </p:attrNameLst>
+                                      </p:cBhvr>
+                                      <p:to>
+                                        <p:strVal val="visible"/>
+                                      </p:to>
+                                    </p:set>
+                                    <p:animEffect transition="in" filter="fade">
+                                      <p:cBhvr>
+                                        <p:cTn id="7" dur="500"/>
+                                        <p:tgtEl>
+                                          <p:spTgt spid="4"/>
+                                        </p:tgtEl>
+                                      </p:cBhvr>
+                                    </p:animEffect>
+                                  </p:childTnLst>
+                                </p:cTn>
+                              </p:par>
+                            </p:childTnLst>
+                          </p:cTn>
+                        </p:par>
+                      </p:childTnLst>
+                    </p:cTn>
+                  </p:par>
+                  <p:par>
+                    <p:cTn id="8" fill="hold">
+                      <p:stCondLst>
+                        <p:cond delay="indefinite"/>
+                      </p:stCondLst>
+                      <p:childTnLst>
+                        <p:par>
+                          <p:cTn id="9" fill="hold">
+                            <p:stCondLst>
+                              <p:cond delay="0"/>
+                            </p:stCondLst>
+                            <p:childTnLst>
+                              <p:par>
+                                <p:cTn id="10" presetID="10" presetClass="entr" presetSubtype="0" fill="hold" grpId="0" nodeType="clickEffect">
+                                  <p:stCondLst>
+                                    <p:cond delay="0"/>
+                                  </p:stCondLst>
+                                  <p:childTnLst>
+                                    <p:set>
+                                      <p:cBhvr>
+                                        <p:cTn id="11" dur="1" fill="hold">
+                                          <p:stCondLst>
+                                            <p:cond delay="0"/>
+                                          </p:stCondLst>
+                                        </p:cTn>
+                                        <p:tgtEl>
+                                          <p:spTgt spid="9"/>
+                                        </p:tgtEl>
+                                        <p:attrNameLst>
+                                          <p:attrName>style.visibility</p:attrName>
+                                        </p:attrNameLst>
+                                      </p:cBhvr>
+                                      <p:to>
+                                        <p:strVal val="visible"/>
+                                      </p:to>
+                                    </p:set>
+                                    <p:animEffect transition="in" filter="fade">
+                                      <p:cBhvr>
+                                        <p:cTn id="12" dur="500"/>
+                                        <p:tgtEl>
+                                          <p:spTgt spid="9"/>
+                                        </p:tgtEl>
+                                      </p:cBhvr>
+                                    </p:animEffect>
+                                  </p:childTnLst>
+                                </p:cTn>
+                              </p:par>
+                            </p:childTnLst>
+                          </p:cTn>
+                        </p:par>
+                      </p:childTnLst>
+                    </p:cTn>
+                  </p:par>
+                  <p:par>
+                    <p:cTn id="13" fill="hold">
+                      <p:stCondLst>
+                        <p:cond delay="indefinite"/>
+                      </p:stCondLst>
+                      <p:childTnLst>
+                        <p:par>
+                          <p:cTn id="14" fill="hold">
+                            <p:stCondLst>
+                              <p:cond delay="0"/>
+                            </p:stCondLst>
+                            <p:childTnLst>
+                              <p:par>
+                                <p:cTn id="15" presetID="10" presetClass="entr" presetSubtype="0" fill="hold" nodeType="clickEffect">
+                                  <p:stCondLst>
+                                    <p:cond delay="0"/>
+                                  </p:stCondLst>
+                                  <p:childTnLst>
+                                    <p:set>
+                                      <p:cBhvr>
+                                        <p:cTn id="16" dur="1" fill="hold">
+                                          <p:stCondLst>
+                                            <p:cond delay="0"/>
+                                          </p:stCondLst>
+                                        </p:cTn>
+                                        <p:tgtEl>
+                                          <p:spTgt spid="5"/>
+                                        </p:tgtEl>
+                                        <p:attrNameLst>
+                                          <p:attrName>style.visibility</p:attrName>
+                                        </p:attrNameLst>
+                                      </p:cBhvr>
+                                      <p:to>
+                                        <p:strVal val="visible"/>
+                                      </p:to>
+                                    </p:set>
+                                    <p:animEffect transition="in" filter="fade">
+                                      <p:cBhvr>
+                                        <p:cTn id="17" dur="500"/>
+                                        <p:tgtEl>
+                                          <p:spTgt spid="5"/>
+                                        </p:tgtEl>
+                                      </p:cBhvr>
+                                    </p:animEffect>
+                                  </p:childTnLst>
+                                </p:cTn>
+                              </p:par>
+                            </p:childTnLst>
+                          </p:cTn>
+                        </p:par>
+                      </p:childTnLst>
+                    </p:cTn>
+                  </p:par>
+                  <p:par>
+                    <p:cTn id="18" fill="hold">
+                      <p:stCondLst>
+                        <p:cond delay="indefinite"/>
+                      </p:stCondLst>
+                      <p:childTnLst>
+                        <p:par>
+                          <p:cTn id="19" fill="hold">
+                            <p:stCondLst>
+                              <p:cond delay="0"/>
+                            </p:stCondLst>
+                            <p:childTnLst>
+                              <p:par>
+                                <p:cTn id="20" presetID="10" presetClass="entr" presetSubtype="0" fill="hold" grpId="0" nodeType="clickEffect">
+                                  <p:stCondLst>
+                                    <p:cond delay="0"/>
+                                  </p:stCondLst>
+                                  <p:childTnLst>
+                                    <p:set>
+                                      <p:cBhvr>
+                                        <p:cTn id="21" dur="1" fill="hold">
+                                          <p:stCondLst>
+                                            <p:cond delay="0"/>
+                                          </p:stCondLst>
+                                        </p:cTn>
+                                        <p:tgtEl>
+                                          <p:spTgt spid="8"/>
+                                        </p:tgtEl>
+                                        <p:attrNameLst>
+                                          <p:attrName>style.visibility</p:attrName>
+                                        </p:attrNameLst>
+                                      </p:cBhvr>
+                                      <p:to>
+                                        <p:strVal val="visible"/>
+                                      </p:to>
+                                    </p:set>
+                                    <p:animEffect transition="in" filter="fade">
+                                      <p:cBhvr>
+                                        <p:cTn id="22" dur="500"/>
+                                        <p:tgtEl>
+                                          <p:spTgt spid="8"/>
+                                        </p:tgtEl>
+                                      </p:cBhvr>
+                                    </p:animEffect>
+                                  </p:childTnLst>
+                                </p:cTn>
+                              </p:par>
+                            </p:childTnLst>
+                          </p:cTn>
+                        </p:par>
+                      </p:childTnLst>
+                    </p:cTn>
+                  </p:par>
+                </p:childTnLst>
+              </p:cTn>
+              <p:prevCondLst>
+                <p:cond evt="onPrev" delay="0">
+                  <p:tgtEl>
+                    <p:sldTgt/>
+                  </p:tgtEl>
+                </p:cond>
+              </p:prevCondLst>
+              <p:nextCondLst>
+                <p:cond evt="onNext" delay="0">
+                  <p:tgtEl>
+                    <p:sldTgt/>
+                  </p:tgtEl>
+                </p:cond>
+              </p:nextCondLst>
+            </p:seq>
+          </p:childTnLst>
+        </p:cTn>
+      </p:par>
+    </p:tnLst>
+    <p:bldLst>
+      <p:bldP spid="8" grpId="0"/>
+      <p:bldP spid="9" grpId="0"/>
+    </p:bldLst>
   </p:timing>
 </p:sld>
 </file>

--- a/Presentation2.pptx
+++ b/Presentation2.pptx
@@ -5,22 +5,23 @@
     <p:sldMasterId id="2147483660" r:id="rId1"/>
   </p:sldMasterIdLst>
   <p:notesMasterIdLst>
-    <p:notesMasterId r:id="rId15"/>
+    <p:notesMasterId r:id="rId16"/>
   </p:notesMasterIdLst>
   <p:sldIdLst>
     <p:sldId id="256" r:id="rId2"/>
-    <p:sldId id="257" r:id="rId3"/>
-    <p:sldId id="265" r:id="rId4"/>
-    <p:sldId id="266" r:id="rId5"/>
-    <p:sldId id="267" r:id="rId6"/>
-    <p:sldId id="258" r:id="rId7"/>
-    <p:sldId id="259" r:id="rId8"/>
-    <p:sldId id="269" r:id="rId9"/>
-    <p:sldId id="260" r:id="rId10"/>
-    <p:sldId id="268" r:id="rId11"/>
-    <p:sldId id="261" r:id="rId12"/>
-    <p:sldId id="262" r:id="rId13"/>
-    <p:sldId id="264" r:id="rId14"/>
+    <p:sldId id="270" r:id="rId3"/>
+    <p:sldId id="257" r:id="rId4"/>
+    <p:sldId id="265" r:id="rId5"/>
+    <p:sldId id="266" r:id="rId6"/>
+    <p:sldId id="267" r:id="rId7"/>
+    <p:sldId id="258" r:id="rId8"/>
+    <p:sldId id="259" r:id="rId9"/>
+    <p:sldId id="269" r:id="rId10"/>
+    <p:sldId id="260" r:id="rId11"/>
+    <p:sldId id="268" r:id="rId12"/>
+    <p:sldId id="261" r:id="rId13"/>
+    <p:sldId id="262" r:id="rId14"/>
+    <p:sldId id="264" r:id="rId15"/>
   </p:sldIdLst>
   <p:sldSz cx="12192000" cy="6858000"/>
   <p:notesSz cx="6858000" cy="9144000"/>
@@ -6662,6 +6663,521 @@
         </p:nvSpPr>
         <p:spPr>
           <a:xfrm>
+            <a:off x="-689149" y="-372702"/>
+            <a:ext cx="10018713" cy="1752599"/>
+          </a:xfrm>
+        </p:spPr>
+        <p:txBody>
+          <a:bodyPr/>
+          <a:lstStyle/>
+          <a:p>
+            <a:pPr algn="ctr"/>
+            <a:r>
+              <a:rPr lang="fr-FR" dirty="0">
+                <a:latin typeface="Times New Roman" panose="02020603050405020304" pitchFamily="18" charset="0"/>
+                <a:cs typeface="Times New Roman" panose="02020603050405020304" pitchFamily="18" charset="0"/>
+              </a:rPr>
+              <a:t>Routeur et point d’accès</a:t>
+            </a:r>
+          </a:p>
+        </p:txBody>
+      </p:sp>
+      <p:pic>
+        <p:nvPicPr>
+          <p:cNvPr id="4" name="Espace réservé du contenu 3"/>
+          <p:cNvPicPr>
+            <a:picLocks noGrp="1" noChangeAspect="1"/>
+          </p:cNvPicPr>
+          <p:nvPr>
+            <p:ph idx="1"/>
+          </p:nvPr>
+        </p:nvPicPr>
+        <p:blipFill>
+          <a:blip r:embed="rId2"/>
+          <a:stretch>
+            <a:fillRect/>
+          </a:stretch>
+        </p:blipFill>
+        <p:spPr>
+          <a:xfrm>
+            <a:off x="202957" y="1598462"/>
+            <a:ext cx="4117251" cy="4284813"/>
+          </a:xfrm>
+          <a:prstGeom prst="rect">
+            <a:avLst/>
+          </a:prstGeom>
+        </p:spPr>
+      </p:pic>
+      <p:pic>
+        <p:nvPicPr>
+          <p:cNvPr id="5" name="Image 4"/>
+          <p:cNvPicPr>
+            <a:picLocks noChangeAspect="1"/>
+          </p:cNvPicPr>
+          <p:nvPr/>
+        </p:nvPicPr>
+        <p:blipFill>
+          <a:blip r:embed="rId3"/>
+          <a:stretch>
+            <a:fillRect/>
+          </a:stretch>
+        </p:blipFill>
+        <p:spPr>
+          <a:xfrm>
+            <a:off x="8347421" y="333433"/>
+            <a:ext cx="3380753" cy="4325504"/>
+          </a:xfrm>
+          <a:prstGeom prst="rect">
+            <a:avLst/>
+          </a:prstGeom>
+        </p:spPr>
+      </p:pic>
+      <p:sp>
+        <p:nvSpPr>
+          <p:cNvPr id="7" name="Espace réservé du numéro de diapositive 3"/>
+          <p:cNvSpPr>
+            <a:spLocks noGrp="1"/>
+          </p:cNvSpPr>
+          <p:nvPr>
+            <p:ph type="sldNum" sz="quarter" idx="12"/>
+          </p:nvPr>
+        </p:nvSpPr>
+        <p:spPr>
+          <a:xfrm>
+            <a:off x="10951856" y="5883275"/>
+            <a:ext cx="551167" cy="365125"/>
+          </a:xfrm>
+        </p:spPr>
+        <p:txBody>
+          <a:bodyPr/>
+          <a:lstStyle/>
+          <a:p>
+            <a:fld id="{4FAB73BC-B049-4115-A692-8D63A059BFB8}" type="slidenum">
+              <a:rPr lang="en-US" sz="2000" smtClean="0">
+                <a:latin typeface="Times New Roman" panose="02020603050405020304" pitchFamily="18" charset="0"/>
+                <a:cs typeface="Times New Roman" panose="02020603050405020304" pitchFamily="18" charset="0"/>
+              </a:rPr>
+              <a:t>10</a:t>
+            </a:fld>
+            <a:endParaRPr lang="en-US" sz="2000" dirty="0">
+              <a:latin typeface="Times New Roman" panose="02020603050405020304" pitchFamily="18" charset="0"/>
+              <a:cs typeface="Times New Roman" panose="02020603050405020304" pitchFamily="18" charset="0"/>
+            </a:endParaRPr>
+          </a:p>
+        </p:txBody>
+      </p:sp>
+      <p:sp>
+        <p:nvSpPr>
+          <p:cNvPr id="8" name="ZoneTexte 7"/>
+          <p:cNvSpPr txBox="1"/>
+          <p:nvPr/>
+        </p:nvSpPr>
+        <p:spPr>
+          <a:xfrm>
+            <a:off x="8590257" y="4829506"/>
+            <a:ext cx="2637182" cy="1200329"/>
+          </a:xfrm>
+          <a:prstGeom prst="rect">
+            <a:avLst/>
+          </a:prstGeom>
+          <a:noFill/>
+        </p:spPr>
+        <p:txBody>
+          <a:bodyPr wrap="square" rtlCol="0">
+            <a:spAutoFit/>
+          </a:bodyPr>
+          <a:lstStyle/>
+          <a:p>
+            <a:pPr marL="285750" indent="-285750">
+              <a:buFontTx/>
+              <a:buChar char="-"/>
+            </a:pPr>
+            <a:r>
+              <a:rPr lang="fr-FR" dirty="0">
+                <a:latin typeface="Times New Roman" panose="02020603050405020304" pitchFamily="18" charset="0"/>
+                <a:cs typeface="Times New Roman" panose="02020603050405020304" pitchFamily="18" charset="0"/>
+              </a:rPr>
+              <a:t>Portée de 50 mètres</a:t>
+            </a:r>
+          </a:p>
+          <a:p>
+            <a:pPr marL="285750" indent="-285750">
+              <a:buFontTx/>
+              <a:buChar char="-"/>
+            </a:pPr>
+            <a:r>
+              <a:rPr lang="fr-FR" dirty="0">
+                <a:latin typeface="Times New Roman" panose="02020603050405020304" pitchFamily="18" charset="0"/>
+                <a:cs typeface="Times New Roman" panose="02020603050405020304" pitchFamily="18" charset="0"/>
+              </a:rPr>
+              <a:t>Taux de transfert maximum de 300Mb/s</a:t>
+            </a:r>
+          </a:p>
+          <a:p>
+            <a:pPr marL="285750" indent="-285750">
+              <a:buFontTx/>
+              <a:buChar char="-"/>
+            </a:pPr>
+            <a:r>
+              <a:rPr lang="fr-FR" dirty="0">
+                <a:latin typeface="Times New Roman" panose="02020603050405020304" pitchFamily="18" charset="0"/>
+                <a:cs typeface="Times New Roman" panose="02020603050405020304" pitchFamily="18" charset="0"/>
+              </a:rPr>
+              <a:t>Peu couteux</a:t>
+            </a:r>
+          </a:p>
+        </p:txBody>
+      </p:sp>
+      <p:sp>
+        <p:nvSpPr>
+          <p:cNvPr id="9" name="ZoneTexte 8"/>
+          <p:cNvSpPr txBox="1"/>
+          <p:nvPr/>
+        </p:nvSpPr>
+        <p:spPr>
+          <a:xfrm>
+            <a:off x="4505841" y="1658633"/>
+            <a:ext cx="2438400" cy="1477328"/>
+          </a:xfrm>
+          <a:prstGeom prst="rect">
+            <a:avLst/>
+          </a:prstGeom>
+          <a:noFill/>
+        </p:spPr>
+        <p:txBody>
+          <a:bodyPr wrap="square" rtlCol="0">
+            <a:spAutoFit/>
+          </a:bodyPr>
+          <a:lstStyle/>
+          <a:p>
+            <a:pPr marL="285750" indent="-285750">
+              <a:buFontTx/>
+              <a:buChar char="-"/>
+            </a:pPr>
+            <a:r>
+              <a:rPr lang="fr-FR" dirty="0">
+                <a:latin typeface="Times New Roman" panose="02020603050405020304" pitchFamily="18" charset="0"/>
+                <a:cs typeface="Times New Roman" panose="02020603050405020304" pitchFamily="18" charset="0"/>
+              </a:rPr>
+              <a:t>Portée de 50 mètres</a:t>
+            </a:r>
+          </a:p>
+          <a:p>
+            <a:pPr marL="285750" indent="-285750">
+              <a:buFontTx/>
+              <a:buChar char="-"/>
+            </a:pPr>
+            <a:r>
+              <a:rPr lang="fr-FR" dirty="0">
+                <a:latin typeface="Times New Roman" panose="02020603050405020304" pitchFamily="18" charset="0"/>
+                <a:cs typeface="Times New Roman" panose="02020603050405020304" pitchFamily="18" charset="0"/>
+              </a:rPr>
+              <a:t>Délivre un débit très convenable pour 91 personnes </a:t>
+            </a:r>
+          </a:p>
+          <a:p>
+            <a:pPr marL="285750" indent="-285750">
+              <a:buFontTx/>
+              <a:buChar char="-"/>
+            </a:pPr>
+            <a:r>
+              <a:rPr lang="fr-FR" dirty="0">
+                <a:latin typeface="Times New Roman" panose="02020603050405020304" pitchFamily="18" charset="0"/>
+                <a:cs typeface="Times New Roman" panose="02020603050405020304" pitchFamily="18" charset="0"/>
+              </a:rPr>
+              <a:t>Peu couteux</a:t>
+            </a:r>
+          </a:p>
+        </p:txBody>
+      </p:sp>
+    </p:spTree>
+    <p:extLst>
+      <p:ext uri="{BB962C8B-B14F-4D97-AF65-F5344CB8AC3E}">
+        <p14:creationId xmlns:p14="http://schemas.microsoft.com/office/powerpoint/2010/main" val="3294137470"/>
+      </p:ext>
+    </p:extLst>
+  </p:cSld>
+  <p:clrMapOvr>
+    <a:masterClrMapping/>
+  </p:clrMapOvr>
+  <p:timing>
+    <p:tnLst>
+      <p:par>
+        <p:cTn id="1" dur="indefinite" restart="never" nodeType="tmRoot">
+          <p:childTnLst>
+            <p:seq concurrent="1" nextAc="seek">
+              <p:cTn id="2" dur="indefinite" nodeType="mainSeq">
+                <p:childTnLst>
+                  <p:par>
+                    <p:cTn id="3" fill="hold">
+                      <p:stCondLst>
+                        <p:cond delay="indefinite"/>
+                      </p:stCondLst>
+                      <p:childTnLst>
+                        <p:par>
+                          <p:cTn id="4" fill="hold">
+                            <p:stCondLst>
+                              <p:cond delay="0"/>
+                            </p:stCondLst>
+                            <p:childTnLst>
+                              <p:par>
+                                <p:cTn id="5" presetID="10" presetClass="entr" presetSubtype="0" fill="hold" nodeType="clickEffect">
+                                  <p:stCondLst>
+                                    <p:cond delay="0"/>
+                                  </p:stCondLst>
+                                  <p:childTnLst>
+                                    <p:set>
+                                      <p:cBhvr>
+                                        <p:cTn id="6" dur="1" fill="hold">
+                                          <p:stCondLst>
+                                            <p:cond delay="0"/>
+                                          </p:stCondLst>
+                                        </p:cTn>
+                                        <p:tgtEl>
+                                          <p:spTgt spid="4"/>
+                                        </p:tgtEl>
+                                        <p:attrNameLst>
+                                          <p:attrName>style.visibility</p:attrName>
+                                        </p:attrNameLst>
+                                      </p:cBhvr>
+                                      <p:to>
+                                        <p:strVal val="visible"/>
+                                      </p:to>
+                                    </p:set>
+                                    <p:animEffect transition="in" filter="fade">
+                                      <p:cBhvr>
+                                        <p:cTn id="7" dur="500"/>
+                                        <p:tgtEl>
+                                          <p:spTgt spid="4"/>
+                                        </p:tgtEl>
+                                      </p:cBhvr>
+                                    </p:animEffect>
+                                  </p:childTnLst>
+                                </p:cTn>
+                              </p:par>
+                            </p:childTnLst>
+                          </p:cTn>
+                        </p:par>
+                      </p:childTnLst>
+                    </p:cTn>
+                  </p:par>
+                  <p:par>
+                    <p:cTn id="8" fill="hold">
+                      <p:stCondLst>
+                        <p:cond delay="indefinite"/>
+                      </p:stCondLst>
+                      <p:childTnLst>
+                        <p:par>
+                          <p:cTn id="9" fill="hold">
+                            <p:stCondLst>
+                              <p:cond delay="0"/>
+                            </p:stCondLst>
+                            <p:childTnLst>
+                              <p:par>
+                                <p:cTn id="10" presetID="10" presetClass="entr" presetSubtype="0" fill="hold" grpId="0" nodeType="clickEffect">
+                                  <p:stCondLst>
+                                    <p:cond delay="0"/>
+                                  </p:stCondLst>
+                                  <p:childTnLst>
+                                    <p:set>
+                                      <p:cBhvr>
+                                        <p:cTn id="11" dur="1" fill="hold">
+                                          <p:stCondLst>
+                                            <p:cond delay="0"/>
+                                          </p:stCondLst>
+                                        </p:cTn>
+                                        <p:tgtEl>
+                                          <p:spTgt spid="9"/>
+                                        </p:tgtEl>
+                                        <p:attrNameLst>
+                                          <p:attrName>style.visibility</p:attrName>
+                                        </p:attrNameLst>
+                                      </p:cBhvr>
+                                      <p:to>
+                                        <p:strVal val="visible"/>
+                                      </p:to>
+                                    </p:set>
+                                    <p:animEffect transition="in" filter="fade">
+                                      <p:cBhvr>
+                                        <p:cTn id="12" dur="500"/>
+                                        <p:tgtEl>
+                                          <p:spTgt spid="9"/>
+                                        </p:tgtEl>
+                                      </p:cBhvr>
+                                    </p:animEffect>
+                                  </p:childTnLst>
+                                </p:cTn>
+                              </p:par>
+                            </p:childTnLst>
+                          </p:cTn>
+                        </p:par>
+                      </p:childTnLst>
+                    </p:cTn>
+                  </p:par>
+                  <p:par>
+                    <p:cTn id="13" fill="hold">
+                      <p:stCondLst>
+                        <p:cond delay="indefinite"/>
+                      </p:stCondLst>
+                      <p:childTnLst>
+                        <p:par>
+                          <p:cTn id="14" fill="hold">
+                            <p:stCondLst>
+                              <p:cond delay="0"/>
+                            </p:stCondLst>
+                            <p:childTnLst>
+                              <p:par>
+                                <p:cTn id="15" presetID="10" presetClass="entr" presetSubtype="0" fill="hold" nodeType="clickEffect">
+                                  <p:stCondLst>
+                                    <p:cond delay="0"/>
+                                  </p:stCondLst>
+                                  <p:childTnLst>
+                                    <p:set>
+                                      <p:cBhvr>
+                                        <p:cTn id="16" dur="1" fill="hold">
+                                          <p:stCondLst>
+                                            <p:cond delay="0"/>
+                                          </p:stCondLst>
+                                        </p:cTn>
+                                        <p:tgtEl>
+                                          <p:spTgt spid="5"/>
+                                        </p:tgtEl>
+                                        <p:attrNameLst>
+                                          <p:attrName>style.visibility</p:attrName>
+                                        </p:attrNameLst>
+                                      </p:cBhvr>
+                                      <p:to>
+                                        <p:strVal val="visible"/>
+                                      </p:to>
+                                    </p:set>
+                                    <p:animEffect transition="in" filter="fade">
+                                      <p:cBhvr>
+                                        <p:cTn id="17" dur="500"/>
+                                        <p:tgtEl>
+                                          <p:spTgt spid="5"/>
+                                        </p:tgtEl>
+                                      </p:cBhvr>
+                                    </p:animEffect>
+                                  </p:childTnLst>
+                                </p:cTn>
+                              </p:par>
+                            </p:childTnLst>
+                          </p:cTn>
+                        </p:par>
+                      </p:childTnLst>
+                    </p:cTn>
+                  </p:par>
+                  <p:par>
+                    <p:cTn id="18" fill="hold">
+                      <p:stCondLst>
+                        <p:cond delay="indefinite"/>
+                      </p:stCondLst>
+                      <p:childTnLst>
+                        <p:par>
+                          <p:cTn id="19" fill="hold">
+                            <p:stCondLst>
+                              <p:cond delay="0"/>
+                            </p:stCondLst>
+                            <p:childTnLst>
+                              <p:par>
+                                <p:cTn id="20" presetID="10" presetClass="entr" presetSubtype="0" fill="hold" grpId="0" nodeType="clickEffect">
+                                  <p:stCondLst>
+                                    <p:cond delay="0"/>
+                                  </p:stCondLst>
+                                  <p:childTnLst>
+                                    <p:set>
+                                      <p:cBhvr>
+                                        <p:cTn id="21" dur="1" fill="hold">
+                                          <p:stCondLst>
+                                            <p:cond delay="0"/>
+                                          </p:stCondLst>
+                                        </p:cTn>
+                                        <p:tgtEl>
+                                          <p:spTgt spid="8"/>
+                                        </p:tgtEl>
+                                        <p:attrNameLst>
+                                          <p:attrName>style.visibility</p:attrName>
+                                        </p:attrNameLst>
+                                      </p:cBhvr>
+                                      <p:to>
+                                        <p:strVal val="visible"/>
+                                      </p:to>
+                                    </p:set>
+                                    <p:animEffect transition="in" filter="fade">
+                                      <p:cBhvr>
+                                        <p:cTn id="22" dur="500"/>
+                                        <p:tgtEl>
+                                          <p:spTgt spid="8"/>
+                                        </p:tgtEl>
+                                      </p:cBhvr>
+                                    </p:animEffect>
+                                  </p:childTnLst>
+                                </p:cTn>
+                              </p:par>
+                            </p:childTnLst>
+                          </p:cTn>
+                        </p:par>
+                      </p:childTnLst>
+                    </p:cTn>
+                  </p:par>
+                </p:childTnLst>
+              </p:cTn>
+              <p:prevCondLst>
+                <p:cond evt="onPrev" delay="0">
+                  <p:tgtEl>
+                    <p:sldTgt/>
+                  </p:tgtEl>
+                </p:cond>
+              </p:prevCondLst>
+              <p:nextCondLst>
+                <p:cond evt="onNext" delay="0">
+                  <p:tgtEl>
+                    <p:sldTgt/>
+                  </p:tgtEl>
+                </p:cond>
+              </p:nextCondLst>
+            </p:seq>
+          </p:childTnLst>
+        </p:cTn>
+      </p:par>
+    </p:tnLst>
+    <p:bldLst>
+      <p:bldP spid="8" grpId="0"/>
+      <p:bldP spid="9" grpId="0"/>
+    </p:bldLst>
+  </p:timing>
+</p:sld>
+</file>
+
+<file path=ppt/slides/slide11.xml><?xml version="1.0" encoding="utf-8"?>
+<p:sld xmlns:a="http://schemas.openxmlformats.org/drawingml/2006/main" xmlns:r="http://schemas.openxmlformats.org/officeDocument/2006/relationships" xmlns:p="http://schemas.openxmlformats.org/presentationml/2006/main">
+  <p:cSld>
+    <p:spTree>
+      <p:nvGrpSpPr>
+        <p:cNvPr id="1" name=""/>
+        <p:cNvGrpSpPr/>
+        <p:nvPr/>
+      </p:nvGrpSpPr>
+      <p:grpSpPr>
+        <a:xfrm>
+          <a:off x="0" y="0"/>
+          <a:ext cx="0" cy="0"/>
+          <a:chOff x="0" y="0"/>
+          <a:chExt cx="0" cy="0"/>
+        </a:xfrm>
+      </p:grpSpPr>
+      <p:sp>
+        <p:nvSpPr>
+          <p:cNvPr id="2" name="Titre 1"/>
+          <p:cNvSpPr>
+            <a:spLocks noGrp="1"/>
+          </p:cNvSpPr>
+          <p:nvPr>
+            <p:ph type="title"/>
+          </p:nvPr>
+        </p:nvSpPr>
+        <p:spPr>
+          <a:xfrm>
             <a:off x="231505" y="-386929"/>
             <a:ext cx="10018713" cy="1752599"/>
           </a:xfrm>
@@ -6700,7 +7216,7 @@
                 <a:latin typeface="Times New Roman" panose="02020603050405020304" pitchFamily="18" charset="0"/>
                 <a:cs typeface="Times New Roman" panose="02020603050405020304" pitchFamily="18" charset="0"/>
               </a:rPr>
-              <a:t>10</a:t>
+              <a:t>11</a:t>
             </a:fld>
             <a:endParaRPr lang="en-US" sz="2000" dirty="0">
               <a:latin typeface="Times New Roman" panose="02020603050405020304" pitchFamily="18" charset="0"/>
@@ -7214,7 +7730,7 @@
 </p:sld>
 </file>
 
-<file path=ppt/slides/slide11.xml><?xml version="1.0" encoding="utf-8"?>
+<file path=ppt/slides/slide12.xml><?xml version="1.0" encoding="utf-8"?>
 <p:sld xmlns:a="http://schemas.openxmlformats.org/drawingml/2006/main" xmlns:r="http://schemas.openxmlformats.org/officeDocument/2006/relationships" xmlns:p="http://schemas.openxmlformats.org/presentationml/2006/main">
   <p:cSld>
     <p:spTree>
@@ -7319,7 +7835,7 @@
                 <a:latin typeface="Times New Roman" panose="02020603050405020304" pitchFamily="18" charset="0"/>
                 <a:cs typeface="Times New Roman" panose="02020603050405020304" pitchFamily="18" charset="0"/>
               </a:rPr>
-              <a:t>11</a:t>
+              <a:t>12</a:t>
             </a:fld>
             <a:endParaRPr lang="en-US" sz="2000" dirty="0">
               <a:latin typeface="Times New Roman" panose="02020603050405020304" pitchFamily="18" charset="0"/>
@@ -7437,7 +7953,7 @@
         </p:nvGraphicFramePr>
         <p:xfrm>
           <a:off x="1201096" y="2957478"/>
-          <a:ext cx="5533654" cy="1877216"/>
+          <a:ext cx="5533654" cy="1908373"/>
         </p:xfrm>
         <a:graphic>
           <a:graphicData uri="http://schemas.openxmlformats.org/drawingml/2006/table">
@@ -8476,7 +8992,7 @@
 </p:sld>
 </file>
 
-<file path=ppt/slides/slide12.xml><?xml version="1.0" encoding="utf-8"?>
+<file path=ppt/slides/slide13.xml><?xml version="1.0" encoding="utf-8"?>
 <p:sld xmlns:a="http://schemas.openxmlformats.org/drawingml/2006/main" xmlns:r="http://schemas.openxmlformats.org/officeDocument/2006/relationships" xmlns:p="http://schemas.openxmlformats.org/presentationml/2006/main">
   <p:cSld>
     <p:spTree>
@@ -8590,7 +9106,7 @@
                 <a:latin typeface="Times New Roman" panose="02020603050405020304" pitchFamily="18" charset="0"/>
                 <a:cs typeface="Times New Roman" panose="02020603050405020304" pitchFamily="18" charset="0"/>
               </a:rPr>
-              <a:t>12</a:t>
+              <a:t>13</a:t>
             </a:fld>
             <a:endParaRPr lang="en-US" sz="2000" dirty="0">
               <a:latin typeface="Times New Roman" panose="02020603050405020304" pitchFamily="18" charset="0"/>
@@ -9956,7 +10472,7 @@
           <p:nvPr>
             <p:extLst>
               <p:ext uri="{D42A27DB-BD31-4B8C-83A1-F6EECF244321}">
-                <p14:modId xmlns:p14="http://schemas.microsoft.com/office/powerpoint/2010/main" val="1663000276"/>
+                <p14:modId xmlns:p14="http://schemas.microsoft.com/office/powerpoint/2010/main" val="2770510099"/>
               </p:ext>
             </p:extLst>
           </p:nvPr>
@@ -10115,7 +10631,7 @@
                       <a:pPr algn="ctr"/>
                       <a:r>
                         <a:rPr lang="fr-FR" sz="1200" dirty="0"/>
-                        <a:t>9 219 €</a:t>
+                        <a:t>5 629 €</a:t>
                       </a:r>
                     </a:p>
                   </a:txBody>
@@ -10129,7 +10645,7 @@
                       <a:pPr algn="ctr"/>
                       <a:r>
                         <a:rPr lang="fr-FR" sz="1200" dirty="0"/>
-                        <a:t>28 unités</a:t>
+                        <a:t>10 unités</a:t>
                       </a:r>
                     </a:p>
                   </a:txBody>
@@ -10400,7 +10916,7 @@
             </a:pPr>
             <a:r>
               <a:rPr lang="fr-FR" sz="1600" dirty="0"/>
-              <a:t>Total : 45 700 € HT</a:t>
+              <a:t>Total : 42 100€ HT</a:t>
             </a:r>
             <a:br>
               <a:rPr lang="fr-FR" sz="1600" dirty="0"/>
@@ -10445,7 +10961,7 @@
 </p:sld>
 </file>
 
-<file path=ppt/slides/slide13.xml><?xml version="1.0" encoding="utf-8"?>
+<file path=ppt/slides/slide14.xml><?xml version="1.0" encoding="utf-8"?>
 <p:sld xmlns:a="http://schemas.openxmlformats.org/drawingml/2006/main" xmlns:r="http://schemas.openxmlformats.org/officeDocument/2006/relationships" xmlns:p="http://schemas.openxmlformats.org/presentationml/2006/main">
   <p:cSld>
     <p:spTree>
@@ -10494,37 +11010,6 @@
       </p:sp>
       <p:sp>
         <p:nvSpPr>
-          <p:cNvPr id="3" name="Espace réservé du contenu 2"/>
-          <p:cNvSpPr>
-            <a:spLocks noGrp="1"/>
-          </p:cNvSpPr>
-          <p:nvPr>
-            <p:ph idx="1"/>
-          </p:nvPr>
-        </p:nvSpPr>
-        <p:spPr/>
-        <p:txBody>
-          <a:bodyPr/>
-          <a:lstStyle/>
-          <a:p>
-            <a:r>
-              <a:rPr lang="fr-FR" dirty="0"/>
-              <a:t>Planning + validation des étapes par un intervenant (ex électricien)</a:t>
-            </a:r>
-          </a:p>
-          <a:p>
-            <a:endParaRPr lang="fr-FR" dirty="0"/>
-          </a:p>
-          <a:p>
-            <a:r>
-              <a:rPr lang="fr-FR" dirty="0"/>
-              <a:t>Temps d’installation </a:t>
-            </a:r>
-          </a:p>
-        </p:txBody>
-      </p:sp>
-      <p:sp>
-        <p:nvSpPr>
           <p:cNvPr id="5" name="Espace réservé du numéro de diapositive 3"/>
           <p:cNvSpPr>
             <a:spLocks noGrp="1"/>
@@ -10548,7 +11033,7 @@
                 <a:latin typeface="Times New Roman" panose="02020603050405020304" pitchFamily="18" charset="0"/>
                 <a:cs typeface="Times New Roman" panose="02020603050405020304" pitchFamily="18" charset="0"/>
               </a:rPr>
-              <a:t>13</a:t>
+              <a:t>14</a:t>
             </a:fld>
             <a:endParaRPr lang="en-US" sz="2000" dirty="0">
               <a:latin typeface="Times New Roman" panose="02020603050405020304" pitchFamily="18" charset="0"/>
@@ -10557,6 +11042,6008 @@
           </a:p>
         </p:txBody>
       </p:sp>
+      <p:graphicFrame>
+        <p:nvGraphicFramePr>
+          <p:cNvPr id="4" name="Tableau 3"/>
+          <p:cNvGraphicFramePr>
+            <a:graphicFrameLocks noGrp="1"/>
+          </p:cNvGraphicFramePr>
+          <p:nvPr>
+            <p:extLst>
+              <p:ext uri="{D42A27DB-BD31-4B8C-83A1-F6EECF244321}">
+                <p14:modId xmlns:p14="http://schemas.microsoft.com/office/powerpoint/2010/main" val="1142971447"/>
+              </p:ext>
+            </p:extLst>
+          </p:nvPr>
+        </p:nvGraphicFramePr>
+        <p:xfrm>
+          <a:off x="1484310" y="1026695"/>
+          <a:ext cx="8791074" cy="4315329"/>
+        </p:xfrm>
+        <a:graphic>
+          <a:graphicData uri="http://schemas.openxmlformats.org/drawingml/2006/table">
+            <a:tbl>
+              <a:tblPr>
+                <a:tableStyleId>{5C22544A-7EE6-4342-B048-85BDC9FD1C3A}</a:tableStyleId>
+              </a:tblPr>
+              <a:tblGrid>
+                <a:gridCol w="903526">
+                  <a:extLst>
+                    <a:ext uri="{9D8B030D-6E8A-4147-A177-3AD203B41FA5}">
+                      <a16:colId xmlns:a16="http://schemas.microsoft.com/office/drawing/2014/main" val="3691952845"/>
+                    </a:ext>
+                  </a:extLst>
+                </a:gridCol>
+                <a:gridCol w="1229121">
+                  <a:extLst>
+                    <a:ext uri="{9D8B030D-6E8A-4147-A177-3AD203B41FA5}">
+                      <a16:colId xmlns:a16="http://schemas.microsoft.com/office/drawing/2014/main" val="640240586"/>
+                    </a:ext>
+                  </a:extLst>
+                </a:gridCol>
+                <a:gridCol w="797708">
+                  <a:extLst>
+                    <a:ext uri="{9D8B030D-6E8A-4147-A177-3AD203B41FA5}">
+                      <a16:colId xmlns:a16="http://schemas.microsoft.com/office/drawing/2014/main" val="4064106822"/>
+                    </a:ext>
+                  </a:extLst>
+                </a:gridCol>
+                <a:gridCol w="651191">
+                  <a:extLst>
+                    <a:ext uri="{9D8B030D-6E8A-4147-A177-3AD203B41FA5}">
+                      <a16:colId xmlns:a16="http://schemas.microsoft.com/office/drawing/2014/main" val="2396033052"/>
+                    </a:ext>
+                  </a:extLst>
+                </a:gridCol>
+                <a:gridCol w="651191">
+                  <a:extLst>
+                    <a:ext uri="{9D8B030D-6E8A-4147-A177-3AD203B41FA5}">
+                      <a16:colId xmlns:a16="http://schemas.microsoft.com/office/drawing/2014/main" val="3758436189"/>
+                    </a:ext>
+                  </a:extLst>
+                </a:gridCol>
+                <a:gridCol w="651191">
+                  <a:extLst>
+                    <a:ext uri="{9D8B030D-6E8A-4147-A177-3AD203B41FA5}">
+                      <a16:colId xmlns:a16="http://schemas.microsoft.com/office/drawing/2014/main" val="4107933761"/>
+                    </a:ext>
+                  </a:extLst>
+                </a:gridCol>
+                <a:gridCol w="651191">
+                  <a:extLst>
+                    <a:ext uri="{9D8B030D-6E8A-4147-A177-3AD203B41FA5}">
+                      <a16:colId xmlns:a16="http://schemas.microsoft.com/office/drawing/2014/main" val="2634852793"/>
+                    </a:ext>
+                  </a:extLst>
+                </a:gridCol>
+                <a:gridCol w="651191">
+                  <a:extLst>
+                    <a:ext uri="{9D8B030D-6E8A-4147-A177-3AD203B41FA5}">
+                      <a16:colId xmlns:a16="http://schemas.microsoft.com/office/drawing/2014/main" val="316238578"/>
+                    </a:ext>
+                  </a:extLst>
+                </a:gridCol>
+                <a:gridCol w="651191">
+                  <a:extLst>
+                    <a:ext uri="{9D8B030D-6E8A-4147-A177-3AD203B41FA5}">
+                      <a16:colId xmlns:a16="http://schemas.microsoft.com/office/drawing/2014/main" val="145161147"/>
+                    </a:ext>
+                  </a:extLst>
+                </a:gridCol>
+                <a:gridCol w="651191">
+                  <a:extLst>
+                    <a:ext uri="{9D8B030D-6E8A-4147-A177-3AD203B41FA5}">
+                      <a16:colId xmlns:a16="http://schemas.microsoft.com/office/drawing/2014/main" val="2344829282"/>
+                    </a:ext>
+                  </a:extLst>
+                </a:gridCol>
+                <a:gridCol w="651191">
+                  <a:extLst>
+                    <a:ext uri="{9D8B030D-6E8A-4147-A177-3AD203B41FA5}">
+                      <a16:colId xmlns:a16="http://schemas.microsoft.com/office/drawing/2014/main" val="286254747"/>
+                    </a:ext>
+                  </a:extLst>
+                </a:gridCol>
+                <a:gridCol w="651191">
+                  <a:extLst>
+                    <a:ext uri="{9D8B030D-6E8A-4147-A177-3AD203B41FA5}">
+                      <a16:colId xmlns:a16="http://schemas.microsoft.com/office/drawing/2014/main" val="2803221793"/>
+                    </a:ext>
+                  </a:extLst>
+                </a:gridCol>
+              </a:tblGrid>
+              <a:tr h="185321">
+                <a:tc>
+                  <a:txBody>
+                    <a:bodyPr/>
+                    <a:lstStyle/>
+                    <a:p>
+                      <a:pPr algn="l" fontAlgn="b"/>
+                      <a:endParaRPr lang="fr-FR" sz="700" b="0" i="0" u="none" strike="noStrike">
+                        <a:solidFill>
+                          <a:srgbClr val="000000"/>
+                        </a:solidFill>
+                        <a:effectLst/>
+                        <a:latin typeface="Calibri" panose="020F0502020204030204" pitchFamily="34" charset="0"/>
+                      </a:endParaRPr>
+                    </a:p>
+                  </a:txBody>
+                  <a:tcPr marL="6389" marR="6389" marT="6389" marB="0" anchor="b"/>
+                </a:tc>
+                <a:tc>
+                  <a:txBody>
+                    <a:bodyPr/>
+                    <a:lstStyle/>
+                    <a:p>
+                      <a:pPr algn="l" fontAlgn="b"/>
+                      <a:endParaRPr lang="fr-FR" sz="700" b="0" i="0" u="none" strike="noStrike">
+                        <a:solidFill>
+                          <a:srgbClr val="000000"/>
+                        </a:solidFill>
+                        <a:effectLst/>
+                        <a:latin typeface="Calibri" panose="020F0502020204030204" pitchFamily="34" charset="0"/>
+                      </a:endParaRPr>
+                    </a:p>
+                  </a:txBody>
+                  <a:tcPr marL="6389" marR="6389" marT="6389" marB="0" anchor="b"/>
+                </a:tc>
+                <a:tc gridSpan="2">
+                  <a:txBody>
+                    <a:bodyPr/>
+                    <a:lstStyle/>
+                    <a:p>
+                      <a:pPr algn="ctr" fontAlgn="b"/>
+                      <a:r>
+                        <a:rPr lang="fr-FR" sz="700" u="none" strike="noStrike">
+                          <a:effectLst/>
+                        </a:rPr>
+                        <a:t>Lundi</a:t>
+                      </a:r>
+                      <a:endParaRPr lang="fr-FR" sz="700" b="0" i="0" u="none" strike="noStrike">
+                        <a:solidFill>
+                          <a:srgbClr val="000000"/>
+                        </a:solidFill>
+                        <a:effectLst/>
+                        <a:latin typeface="Calibri" panose="020F0502020204030204" pitchFamily="34" charset="0"/>
+                      </a:endParaRPr>
+                    </a:p>
+                  </a:txBody>
+                  <a:tcPr marL="6389" marR="6389" marT="6389" marB="0" anchor="b"/>
+                </a:tc>
+                <a:tc hMerge="1">
+                  <a:txBody>
+                    <a:bodyPr/>
+                    <a:lstStyle/>
+                    <a:p>
+                      <a:endParaRPr lang="fr-FR"/>
+                    </a:p>
+                  </a:txBody>
+                  <a:tcPr/>
+                </a:tc>
+                <a:tc gridSpan="2">
+                  <a:txBody>
+                    <a:bodyPr/>
+                    <a:lstStyle/>
+                    <a:p>
+                      <a:pPr algn="ctr" fontAlgn="b"/>
+                      <a:r>
+                        <a:rPr lang="fr-FR" sz="700" u="none" strike="noStrike">
+                          <a:effectLst/>
+                        </a:rPr>
+                        <a:t>Mardi</a:t>
+                      </a:r>
+                      <a:endParaRPr lang="fr-FR" sz="700" b="0" i="0" u="none" strike="noStrike">
+                        <a:solidFill>
+                          <a:srgbClr val="000000"/>
+                        </a:solidFill>
+                        <a:effectLst/>
+                        <a:latin typeface="Calibri" panose="020F0502020204030204" pitchFamily="34" charset="0"/>
+                      </a:endParaRPr>
+                    </a:p>
+                  </a:txBody>
+                  <a:tcPr marL="6389" marR="6389" marT="6389" marB="0" anchor="b"/>
+                </a:tc>
+                <a:tc hMerge="1">
+                  <a:txBody>
+                    <a:bodyPr/>
+                    <a:lstStyle/>
+                    <a:p>
+                      <a:endParaRPr lang="fr-FR"/>
+                    </a:p>
+                  </a:txBody>
+                  <a:tcPr/>
+                </a:tc>
+                <a:tc gridSpan="2">
+                  <a:txBody>
+                    <a:bodyPr/>
+                    <a:lstStyle/>
+                    <a:p>
+                      <a:pPr algn="ctr" fontAlgn="b"/>
+                      <a:r>
+                        <a:rPr lang="fr-FR" sz="700" u="none" strike="noStrike">
+                          <a:effectLst/>
+                        </a:rPr>
+                        <a:t>Mercredi</a:t>
+                      </a:r>
+                      <a:endParaRPr lang="fr-FR" sz="700" b="0" i="0" u="none" strike="noStrike">
+                        <a:solidFill>
+                          <a:srgbClr val="000000"/>
+                        </a:solidFill>
+                        <a:effectLst/>
+                        <a:latin typeface="Calibri" panose="020F0502020204030204" pitchFamily="34" charset="0"/>
+                      </a:endParaRPr>
+                    </a:p>
+                  </a:txBody>
+                  <a:tcPr marL="6389" marR="6389" marT="6389" marB="0" anchor="b"/>
+                </a:tc>
+                <a:tc hMerge="1">
+                  <a:txBody>
+                    <a:bodyPr/>
+                    <a:lstStyle/>
+                    <a:p>
+                      <a:endParaRPr lang="fr-FR"/>
+                    </a:p>
+                  </a:txBody>
+                  <a:tcPr/>
+                </a:tc>
+                <a:tc gridSpan="2">
+                  <a:txBody>
+                    <a:bodyPr/>
+                    <a:lstStyle/>
+                    <a:p>
+                      <a:pPr algn="ctr" fontAlgn="b"/>
+                      <a:r>
+                        <a:rPr lang="fr-FR" sz="700" u="none" strike="noStrike">
+                          <a:effectLst/>
+                        </a:rPr>
+                        <a:t>Jeudi</a:t>
+                      </a:r>
+                      <a:endParaRPr lang="fr-FR" sz="700" b="0" i="0" u="none" strike="noStrike">
+                        <a:solidFill>
+                          <a:srgbClr val="000000"/>
+                        </a:solidFill>
+                        <a:effectLst/>
+                        <a:latin typeface="Calibri" panose="020F0502020204030204" pitchFamily="34" charset="0"/>
+                      </a:endParaRPr>
+                    </a:p>
+                  </a:txBody>
+                  <a:tcPr marL="6389" marR="6389" marT="6389" marB="0" anchor="b"/>
+                </a:tc>
+                <a:tc hMerge="1">
+                  <a:txBody>
+                    <a:bodyPr/>
+                    <a:lstStyle/>
+                    <a:p>
+                      <a:endParaRPr lang="fr-FR"/>
+                    </a:p>
+                  </a:txBody>
+                  <a:tcPr/>
+                </a:tc>
+                <a:tc gridSpan="2">
+                  <a:txBody>
+                    <a:bodyPr/>
+                    <a:lstStyle/>
+                    <a:p>
+                      <a:pPr algn="ctr" fontAlgn="b"/>
+                      <a:r>
+                        <a:rPr lang="fr-FR" sz="700" u="none" strike="noStrike">
+                          <a:effectLst/>
+                        </a:rPr>
+                        <a:t>Vendredi</a:t>
+                      </a:r>
+                      <a:endParaRPr lang="fr-FR" sz="700" b="0" i="0" u="none" strike="noStrike">
+                        <a:solidFill>
+                          <a:srgbClr val="000000"/>
+                        </a:solidFill>
+                        <a:effectLst/>
+                        <a:latin typeface="Calibri" panose="020F0502020204030204" pitchFamily="34" charset="0"/>
+                      </a:endParaRPr>
+                    </a:p>
+                  </a:txBody>
+                  <a:tcPr marL="6389" marR="6389" marT="6389" marB="0" anchor="b"/>
+                </a:tc>
+                <a:tc hMerge="1">
+                  <a:txBody>
+                    <a:bodyPr/>
+                    <a:lstStyle/>
+                    <a:p>
+                      <a:endParaRPr lang="fr-FR"/>
+                    </a:p>
+                  </a:txBody>
+                  <a:tcPr/>
+                </a:tc>
+                <a:extLst>
+                  <a:ext uri="{0D108BD9-81ED-4DB2-BD59-A6C34878D82A}">
+                    <a16:rowId xmlns:a16="http://schemas.microsoft.com/office/drawing/2014/main" val="332291355"/>
+                  </a:ext>
+                </a:extLst>
+              </a:tr>
+              <a:tr h="185321">
+                <a:tc>
+                  <a:txBody>
+                    <a:bodyPr/>
+                    <a:lstStyle/>
+                    <a:p>
+                      <a:pPr algn="l" fontAlgn="b"/>
+                      <a:endParaRPr lang="fr-FR" sz="700" b="0" i="0" u="none" strike="noStrike">
+                        <a:solidFill>
+                          <a:srgbClr val="000000"/>
+                        </a:solidFill>
+                        <a:effectLst/>
+                        <a:latin typeface="Calibri" panose="020F0502020204030204" pitchFamily="34" charset="0"/>
+                      </a:endParaRPr>
+                    </a:p>
+                  </a:txBody>
+                  <a:tcPr marL="6389" marR="6389" marT="6389" marB="0" anchor="b"/>
+                </a:tc>
+                <a:tc>
+                  <a:txBody>
+                    <a:bodyPr/>
+                    <a:lstStyle/>
+                    <a:p>
+                      <a:pPr algn="l" fontAlgn="b"/>
+                      <a:endParaRPr lang="fr-FR" sz="700" b="0" i="0" u="none" strike="noStrike">
+                        <a:solidFill>
+                          <a:srgbClr val="000000"/>
+                        </a:solidFill>
+                        <a:effectLst/>
+                        <a:latin typeface="Calibri" panose="020F0502020204030204" pitchFamily="34" charset="0"/>
+                      </a:endParaRPr>
+                    </a:p>
+                  </a:txBody>
+                  <a:tcPr marL="6389" marR="6389" marT="6389" marB="0" anchor="b"/>
+                </a:tc>
+                <a:tc>
+                  <a:txBody>
+                    <a:bodyPr/>
+                    <a:lstStyle/>
+                    <a:p>
+                      <a:pPr algn="l" fontAlgn="b"/>
+                      <a:r>
+                        <a:rPr lang="fr-FR" sz="700" u="none" strike="noStrike">
+                          <a:effectLst/>
+                        </a:rPr>
+                        <a:t>Matin</a:t>
+                      </a:r>
+                      <a:endParaRPr lang="fr-FR" sz="700" b="0" i="0" u="none" strike="noStrike">
+                        <a:solidFill>
+                          <a:srgbClr val="000000"/>
+                        </a:solidFill>
+                        <a:effectLst/>
+                        <a:latin typeface="Calibri" panose="020F0502020204030204" pitchFamily="34" charset="0"/>
+                      </a:endParaRPr>
+                    </a:p>
+                  </a:txBody>
+                  <a:tcPr marL="6389" marR="6389" marT="6389" marB="0" anchor="b"/>
+                </a:tc>
+                <a:tc>
+                  <a:txBody>
+                    <a:bodyPr/>
+                    <a:lstStyle/>
+                    <a:p>
+                      <a:pPr algn="l" fontAlgn="b"/>
+                      <a:r>
+                        <a:rPr lang="fr-FR" sz="700" u="none" strike="noStrike">
+                          <a:effectLst/>
+                        </a:rPr>
+                        <a:t>Apres midi</a:t>
+                      </a:r>
+                      <a:endParaRPr lang="fr-FR" sz="700" b="0" i="0" u="none" strike="noStrike">
+                        <a:solidFill>
+                          <a:srgbClr val="000000"/>
+                        </a:solidFill>
+                        <a:effectLst/>
+                        <a:latin typeface="Calibri" panose="020F0502020204030204" pitchFamily="34" charset="0"/>
+                      </a:endParaRPr>
+                    </a:p>
+                  </a:txBody>
+                  <a:tcPr marL="6389" marR="6389" marT="6389" marB="0" anchor="b"/>
+                </a:tc>
+                <a:tc>
+                  <a:txBody>
+                    <a:bodyPr/>
+                    <a:lstStyle/>
+                    <a:p>
+                      <a:pPr algn="l" fontAlgn="b"/>
+                      <a:r>
+                        <a:rPr lang="fr-FR" sz="700" u="none" strike="noStrike">
+                          <a:effectLst/>
+                        </a:rPr>
+                        <a:t>Matin</a:t>
+                      </a:r>
+                      <a:endParaRPr lang="fr-FR" sz="700" b="0" i="0" u="none" strike="noStrike">
+                        <a:solidFill>
+                          <a:srgbClr val="000000"/>
+                        </a:solidFill>
+                        <a:effectLst/>
+                        <a:latin typeface="Calibri" panose="020F0502020204030204" pitchFamily="34" charset="0"/>
+                      </a:endParaRPr>
+                    </a:p>
+                  </a:txBody>
+                  <a:tcPr marL="6389" marR="6389" marT="6389" marB="0" anchor="b"/>
+                </a:tc>
+                <a:tc>
+                  <a:txBody>
+                    <a:bodyPr/>
+                    <a:lstStyle/>
+                    <a:p>
+                      <a:pPr algn="l" fontAlgn="b"/>
+                      <a:r>
+                        <a:rPr lang="fr-FR" sz="700" u="none" strike="noStrike">
+                          <a:effectLst/>
+                        </a:rPr>
+                        <a:t>Apres midi</a:t>
+                      </a:r>
+                      <a:endParaRPr lang="fr-FR" sz="700" b="0" i="0" u="none" strike="noStrike">
+                        <a:solidFill>
+                          <a:srgbClr val="000000"/>
+                        </a:solidFill>
+                        <a:effectLst/>
+                        <a:latin typeface="Calibri" panose="020F0502020204030204" pitchFamily="34" charset="0"/>
+                      </a:endParaRPr>
+                    </a:p>
+                  </a:txBody>
+                  <a:tcPr marL="6389" marR="6389" marT="6389" marB="0" anchor="b"/>
+                </a:tc>
+                <a:tc>
+                  <a:txBody>
+                    <a:bodyPr/>
+                    <a:lstStyle/>
+                    <a:p>
+                      <a:pPr algn="l" fontAlgn="b"/>
+                      <a:r>
+                        <a:rPr lang="fr-FR" sz="700" u="none" strike="noStrike">
+                          <a:effectLst/>
+                        </a:rPr>
+                        <a:t>Matin</a:t>
+                      </a:r>
+                      <a:endParaRPr lang="fr-FR" sz="700" b="0" i="0" u="none" strike="noStrike">
+                        <a:solidFill>
+                          <a:srgbClr val="000000"/>
+                        </a:solidFill>
+                        <a:effectLst/>
+                        <a:latin typeface="Calibri" panose="020F0502020204030204" pitchFamily="34" charset="0"/>
+                      </a:endParaRPr>
+                    </a:p>
+                  </a:txBody>
+                  <a:tcPr marL="6389" marR="6389" marT="6389" marB="0" anchor="b"/>
+                </a:tc>
+                <a:tc>
+                  <a:txBody>
+                    <a:bodyPr/>
+                    <a:lstStyle/>
+                    <a:p>
+                      <a:pPr algn="l" fontAlgn="b"/>
+                      <a:r>
+                        <a:rPr lang="fr-FR" sz="700" u="none" strike="noStrike">
+                          <a:effectLst/>
+                        </a:rPr>
+                        <a:t>Apres midi</a:t>
+                      </a:r>
+                      <a:endParaRPr lang="fr-FR" sz="700" b="0" i="0" u="none" strike="noStrike">
+                        <a:solidFill>
+                          <a:srgbClr val="000000"/>
+                        </a:solidFill>
+                        <a:effectLst/>
+                        <a:latin typeface="Calibri" panose="020F0502020204030204" pitchFamily="34" charset="0"/>
+                      </a:endParaRPr>
+                    </a:p>
+                  </a:txBody>
+                  <a:tcPr marL="6389" marR="6389" marT="6389" marB="0" anchor="b"/>
+                </a:tc>
+                <a:tc>
+                  <a:txBody>
+                    <a:bodyPr/>
+                    <a:lstStyle/>
+                    <a:p>
+                      <a:pPr algn="l" fontAlgn="b"/>
+                      <a:r>
+                        <a:rPr lang="fr-FR" sz="700" u="none" strike="noStrike">
+                          <a:effectLst/>
+                        </a:rPr>
+                        <a:t>Matin</a:t>
+                      </a:r>
+                      <a:endParaRPr lang="fr-FR" sz="700" b="0" i="0" u="none" strike="noStrike">
+                        <a:solidFill>
+                          <a:srgbClr val="000000"/>
+                        </a:solidFill>
+                        <a:effectLst/>
+                        <a:latin typeface="Calibri" panose="020F0502020204030204" pitchFamily="34" charset="0"/>
+                      </a:endParaRPr>
+                    </a:p>
+                  </a:txBody>
+                  <a:tcPr marL="6389" marR="6389" marT="6389" marB="0" anchor="b"/>
+                </a:tc>
+                <a:tc>
+                  <a:txBody>
+                    <a:bodyPr/>
+                    <a:lstStyle/>
+                    <a:p>
+                      <a:pPr algn="l" fontAlgn="b"/>
+                      <a:r>
+                        <a:rPr lang="fr-FR" sz="700" u="none" strike="noStrike">
+                          <a:effectLst/>
+                        </a:rPr>
+                        <a:t>Apres midi</a:t>
+                      </a:r>
+                      <a:endParaRPr lang="fr-FR" sz="700" b="0" i="0" u="none" strike="noStrike">
+                        <a:solidFill>
+                          <a:srgbClr val="000000"/>
+                        </a:solidFill>
+                        <a:effectLst/>
+                        <a:latin typeface="Calibri" panose="020F0502020204030204" pitchFamily="34" charset="0"/>
+                      </a:endParaRPr>
+                    </a:p>
+                  </a:txBody>
+                  <a:tcPr marL="6389" marR="6389" marT="6389" marB="0" anchor="b"/>
+                </a:tc>
+                <a:tc>
+                  <a:txBody>
+                    <a:bodyPr/>
+                    <a:lstStyle/>
+                    <a:p>
+                      <a:pPr algn="l" fontAlgn="b"/>
+                      <a:r>
+                        <a:rPr lang="fr-FR" sz="700" u="none" strike="noStrike">
+                          <a:effectLst/>
+                        </a:rPr>
+                        <a:t>Matin</a:t>
+                      </a:r>
+                      <a:endParaRPr lang="fr-FR" sz="700" b="0" i="0" u="none" strike="noStrike">
+                        <a:solidFill>
+                          <a:srgbClr val="000000"/>
+                        </a:solidFill>
+                        <a:effectLst/>
+                        <a:latin typeface="Calibri" panose="020F0502020204030204" pitchFamily="34" charset="0"/>
+                      </a:endParaRPr>
+                    </a:p>
+                  </a:txBody>
+                  <a:tcPr marL="6389" marR="6389" marT="6389" marB="0" anchor="b"/>
+                </a:tc>
+                <a:tc>
+                  <a:txBody>
+                    <a:bodyPr/>
+                    <a:lstStyle/>
+                    <a:p>
+                      <a:pPr algn="l" fontAlgn="b"/>
+                      <a:r>
+                        <a:rPr lang="fr-FR" sz="700" u="none" strike="noStrike">
+                          <a:effectLst/>
+                        </a:rPr>
+                        <a:t>Apres midi</a:t>
+                      </a:r>
+                      <a:endParaRPr lang="fr-FR" sz="700" b="0" i="0" u="none" strike="noStrike">
+                        <a:solidFill>
+                          <a:srgbClr val="000000"/>
+                        </a:solidFill>
+                        <a:effectLst/>
+                        <a:latin typeface="Calibri" panose="020F0502020204030204" pitchFamily="34" charset="0"/>
+                      </a:endParaRPr>
+                    </a:p>
+                  </a:txBody>
+                  <a:tcPr marL="6389" marR="6389" marT="6389" marB="0" anchor="b"/>
+                </a:tc>
+                <a:extLst>
+                  <a:ext uri="{0D108BD9-81ED-4DB2-BD59-A6C34878D82A}">
+                    <a16:rowId xmlns:a16="http://schemas.microsoft.com/office/drawing/2014/main" val="1199890956"/>
+                  </a:ext>
+                </a:extLst>
+              </a:tr>
+              <a:tr h="176496">
+                <a:tc rowSpan="4">
+                  <a:txBody>
+                    <a:bodyPr/>
+                    <a:lstStyle/>
+                    <a:p>
+                      <a:pPr algn="ctr" fontAlgn="ctr"/>
+                      <a:r>
+                        <a:rPr lang="fr-FR" sz="700" u="none" strike="noStrike">
+                          <a:effectLst/>
+                        </a:rPr>
+                        <a:t>Kerim</a:t>
+                      </a:r>
+                      <a:endParaRPr lang="fr-FR" sz="700" b="0" i="0" u="none" strike="noStrike">
+                        <a:solidFill>
+                          <a:srgbClr val="000000"/>
+                        </a:solidFill>
+                        <a:effectLst/>
+                        <a:latin typeface="Calibri" panose="020F0502020204030204" pitchFamily="34" charset="0"/>
+                      </a:endParaRPr>
+                    </a:p>
+                  </a:txBody>
+                  <a:tcPr marL="6389" marR="6389" marT="6389" marB="0" anchor="ctr"/>
+                </a:tc>
+                <a:tc>
+                  <a:txBody>
+                    <a:bodyPr/>
+                    <a:lstStyle/>
+                    <a:p>
+                      <a:pPr algn="l" fontAlgn="b"/>
+                      <a:r>
+                        <a:rPr lang="fr-FR" sz="700" u="none" strike="noStrike">
+                          <a:effectLst/>
+                        </a:rPr>
+                        <a:t>Wifi</a:t>
+                      </a:r>
+                      <a:endParaRPr lang="fr-FR" sz="700" b="0" i="0" u="none" strike="noStrike">
+                        <a:solidFill>
+                          <a:srgbClr val="000000"/>
+                        </a:solidFill>
+                        <a:effectLst/>
+                        <a:latin typeface="Calibri" panose="020F0502020204030204" pitchFamily="34" charset="0"/>
+                      </a:endParaRPr>
+                    </a:p>
+                  </a:txBody>
+                  <a:tcPr marL="6389" marR="6389" marT="6389" marB="0" anchor="b"/>
+                </a:tc>
+                <a:tc>
+                  <a:txBody>
+                    <a:bodyPr/>
+                    <a:lstStyle/>
+                    <a:p>
+                      <a:pPr algn="l" fontAlgn="b"/>
+                      <a:r>
+                        <a:rPr lang="fr-FR" sz="700" u="none" strike="noStrike" dirty="0">
+                          <a:effectLst/>
+                        </a:rPr>
+                        <a:t> </a:t>
+                      </a:r>
+                      <a:endParaRPr lang="fr-FR" sz="700" b="0" i="0" u="none" strike="noStrike" dirty="0">
+                        <a:solidFill>
+                          <a:srgbClr val="000000"/>
+                        </a:solidFill>
+                        <a:effectLst/>
+                        <a:latin typeface="Calibri" panose="020F0502020204030204" pitchFamily="34" charset="0"/>
+                      </a:endParaRPr>
+                    </a:p>
+                  </a:txBody>
+                  <a:tcPr marL="6389" marR="6389" marT="6389" marB="0" anchor="b">
+                    <a:solidFill>
+                      <a:schemeClr val="accent3"/>
+                    </a:solidFill>
+                  </a:tcPr>
+                </a:tc>
+                <a:tc>
+                  <a:txBody>
+                    <a:bodyPr/>
+                    <a:lstStyle/>
+                    <a:p>
+                      <a:pPr algn="l" fontAlgn="b"/>
+                      <a:r>
+                        <a:rPr lang="fr-FR" sz="700" u="none" strike="noStrike" dirty="0">
+                          <a:effectLst/>
+                        </a:rPr>
+                        <a:t> </a:t>
+                      </a:r>
+                      <a:endParaRPr lang="fr-FR" sz="700" b="0" i="0" u="none" strike="noStrike" dirty="0">
+                        <a:solidFill>
+                          <a:srgbClr val="000000"/>
+                        </a:solidFill>
+                        <a:effectLst/>
+                        <a:latin typeface="Calibri" panose="020F0502020204030204" pitchFamily="34" charset="0"/>
+                      </a:endParaRPr>
+                    </a:p>
+                  </a:txBody>
+                  <a:tcPr marL="6389" marR="6389" marT="6389" marB="0" anchor="b">
+                    <a:solidFill>
+                      <a:schemeClr val="accent3"/>
+                    </a:solidFill>
+                  </a:tcPr>
+                </a:tc>
+                <a:tc>
+                  <a:txBody>
+                    <a:bodyPr/>
+                    <a:lstStyle/>
+                    <a:p>
+                      <a:pPr algn="l" fontAlgn="b"/>
+                      <a:r>
+                        <a:rPr lang="fr-FR" sz="700" u="none" strike="noStrike" dirty="0">
+                          <a:effectLst/>
+                        </a:rPr>
+                        <a:t> </a:t>
+                      </a:r>
+                      <a:endParaRPr lang="fr-FR" sz="700" b="0" i="0" u="none" strike="noStrike" dirty="0">
+                        <a:solidFill>
+                          <a:srgbClr val="000000"/>
+                        </a:solidFill>
+                        <a:effectLst/>
+                        <a:latin typeface="Calibri" panose="020F0502020204030204" pitchFamily="34" charset="0"/>
+                      </a:endParaRPr>
+                    </a:p>
+                  </a:txBody>
+                  <a:tcPr marL="6389" marR="6389" marT="6389" marB="0" anchor="b">
+                    <a:solidFill>
+                      <a:schemeClr val="accent3"/>
+                    </a:solidFill>
+                  </a:tcPr>
+                </a:tc>
+                <a:tc>
+                  <a:txBody>
+                    <a:bodyPr/>
+                    <a:lstStyle/>
+                    <a:p>
+                      <a:pPr algn="l" fontAlgn="b"/>
+                      <a:r>
+                        <a:rPr lang="fr-FR" sz="700" u="none" strike="noStrike" dirty="0">
+                          <a:effectLst/>
+                        </a:rPr>
+                        <a:t> </a:t>
+                      </a:r>
+                      <a:endParaRPr lang="fr-FR" sz="700" b="0" i="0" u="none" strike="noStrike" dirty="0">
+                        <a:solidFill>
+                          <a:srgbClr val="000000"/>
+                        </a:solidFill>
+                        <a:effectLst/>
+                        <a:latin typeface="Calibri" panose="020F0502020204030204" pitchFamily="34" charset="0"/>
+                      </a:endParaRPr>
+                    </a:p>
+                  </a:txBody>
+                  <a:tcPr marL="6389" marR="6389" marT="6389" marB="0" anchor="b">
+                    <a:solidFill>
+                      <a:schemeClr val="accent3"/>
+                    </a:solidFill>
+                  </a:tcPr>
+                </a:tc>
+                <a:tc>
+                  <a:txBody>
+                    <a:bodyPr/>
+                    <a:lstStyle/>
+                    <a:p>
+                      <a:pPr algn="l" fontAlgn="b"/>
+                      <a:r>
+                        <a:rPr lang="fr-FR" sz="700" u="none" strike="noStrike" dirty="0">
+                          <a:effectLst/>
+                        </a:rPr>
+                        <a:t> </a:t>
+                      </a:r>
+                      <a:endParaRPr lang="fr-FR" sz="700" b="0" i="0" u="none" strike="noStrike" dirty="0">
+                        <a:solidFill>
+                          <a:srgbClr val="000000"/>
+                        </a:solidFill>
+                        <a:effectLst/>
+                        <a:latin typeface="Calibri" panose="020F0502020204030204" pitchFamily="34" charset="0"/>
+                      </a:endParaRPr>
+                    </a:p>
+                  </a:txBody>
+                  <a:tcPr marL="6389" marR="6389" marT="6389" marB="0" anchor="b">
+                    <a:solidFill>
+                      <a:schemeClr val="accent3"/>
+                    </a:solidFill>
+                  </a:tcPr>
+                </a:tc>
+                <a:tc>
+                  <a:txBody>
+                    <a:bodyPr/>
+                    <a:lstStyle/>
+                    <a:p>
+                      <a:pPr algn="l" fontAlgn="b"/>
+                      <a:r>
+                        <a:rPr lang="fr-FR" sz="700" u="none" strike="noStrike" dirty="0">
+                          <a:effectLst/>
+                        </a:rPr>
+                        <a:t> </a:t>
+                      </a:r>
+                      <a:endParaRPr lang="fr-FR" sz="700" b="0" i="0" u="none" strike="noStrike" dirty="0">
+                        <a:solidFill>
+                          <a:srgbClr val="000000"/>
+                        </a:solidFill>
+                        <a:effectLst/>
+                        <a:latin typeface="Calibri" panose="020F0502020204030204" pitchFamily="34" charset="0"/>
+                      </a:endParaRPr>
+                    </a:p>
+                  </a:txBody>
+                  <a:tcPr marL="6389" marR="6389" marT="6389" marB="0" anchor="b">
+                    <a:solidFill>
+                      <a:schemeClr val="accent3"/>
+                    </a:solidFill>
+                  </a:tcPr>
+                </a:tc>
+                <a:tc>
+                  <a:txBody>
+                    <a:bodyPr/>
+                    <a:lstStyle/>
+                    <a:p>
+                      <a:pPr algn="l" fontAlgn="b"/>
+                      <a:endParaRPr lang="fr-FR" sz="700" b="0" i="0" u="none" strike="noStrike">
+                        <a:solidFill>
+                          <a:srgbClr val="000000"/>
+                        </a:solidFill>
+                        <a:effectLst/>
+                        <a:latin typeface="Calibri" panose="020F0502020204030204" pitchFamily="34" charset="0"/>
+                      </a:endParaRPr>
+                    </a:p>
+                  </a:txBody>
+                  <a:tcPr marL="6389" marR="6389" marT="6389" marB="0" anchor="b"/>
+                </a:tc>
+                <a:tc>
+                  <a:txBody>
+                    <a:bodyPr/>
+                    <a:lstStyle/>
+                    <a:p>
+                      <a:pPr algn="l" fontAlgn="b"/>
+                      <a:endParaRPr lang="fr-FR" sz="700" b="0" i="0" u="none" strike="noStrike">
+                        <a:solidFill>
+                          <a:srgbClr val="000000"/>
+                        </a:solidFill>
+                        <a:effectLst/>
+                        <a:latin typeface="Calibri" panose="020F0502020204030204" pitchFamily="34" charset="0"/>
+                      </a:endParaRPr>
+                    </a:p>
+                  </a:txBody>
+                  <a:tcPr marL="6389" marR="6389" marT="6389" marB="0" anchor="b"/>
+                </a:tc>
+                <a:tc>
+                  <a:txBody>
+                    <a:bodyPr/>
+                    <a:lstStyle/>
+                    <a:p>
+                      <a:pPr algn="l" fontAlgn="b"/>
+                      <a:endParaRPr lang="fr-FR" sz="700" b="0" i="0" u="none" strike="noStrike">
+                        <a:solidFill>
+                          <a:srgbClr val="000000"/>
+                        </a:solidFill>
+                        <a:effectLst/>
+                        <a:latin typeface="Calibri" panose="020F0502020204030204" pitchFamily="34" charset="0"/>
+                      </a:endParaRPr>
+                    </a:p>
+                  </a:txBody>
+                  <a:tcPr marL="6389" marR="6389" marT="6389" marB="0" anchor="b"/>
+                </a:tc>
+                <a:tc>
+                  <a:txBody>
+                    <a:bodyPr/>
+                    <a:lstStyle/>
+                    <a:p>
+                      <a:pPr algn="l" fontAlgn="b"/>
+                      <a:endParaRPr lang="fr-FR" sz="700" b="0" i="0" u="none" strike="noStrike">
+                        <a:solidFill>
+                          <a:srgbClr val="000000"/>
+                        </a:solidFill>
+                        <a:effectLst/>
+                        <a:latin typeface="Calibri" panose="020F0502020204030204" pitchFamily="34" charset="0"/>
+                      </a:endParaRPr>
+                    </a:p>
+                  </a:txBody>
+                  <a:tcPr marL="6389" marR="6389" marT="6389" marB="0" anchor="b"/>
+                </a:tc>
+                <a:extLst>
+                  <a:ext uri="{0D108BD9-81ED-4DB2-BD59-A6C34878D82A}">
+                    <a16:rowId xmlns:a16="http://schemas.microsoft.com/office/drawing/2014/main" val="449220375"/>
+                  </a:ext>
+                </a:extLst>
+              </a:tr>
+              <a:tr h="176496">
+                <a:tc vMerge="1">
+                  <a:txBody>
+                    <a:bodyPr/>
+                    <a:lstStyle/>
+                    <a:p>
+                      <a:endParaRPr lang="fr-FR"/>
+                    </a:p>
+                  </a:txBody>
+                  <a:tcPr/>
+                </a:tc>
+                <a:tc>
+                  <a:txBody>
+                    <a:bodyPr/>
+                    <a:lstStyle/>
+                    <a:p>
+                      <a:pPr algn="l" fontAlgn="b"/>
+                      <a:r>
+                        <a:rPr lang="fr-FR" sz="700" u="none" strike="noStrike">
+                          <a:effectLst/>
+                        </a:rPr>
+                        <a:t>Composant</a:t>
+                      </a:r>
+                      <a:endParaRPr lang="fr-FR" sz="700" b="0" i="0" u="none" strike="noStrike">
+                        <a:solidFill>
+                          <a:srgbClr val="000000"/>
+                        </a:solidFill>
+                        <a:effectLst/>
+                        <a:latin typeface="Calibri" panose="020F0502020204030204" pitchFamily="34" charset="0"/>
+                      </a:endParaRPr>
+                    </a:p>
+                  </a:txBody>
+                  <a:tcPr marL="6389" marR="6389" marT="6389" marB="0" anchor="b"/>
+                </a:tc>
+                <a:tc>
+                  <a:txBody>
+                    <a:bodyPr/>
+                    <a:lstStyle/>
+                    <a:p>
+                      <a:pPr algn="l" fontAlgn="b"/>
+                      <a:r>
+                        <a:rPr lang="fr-FR" sz="700" u="none" strike="noStrike" dirty="0">
+                          <a:effectLst/>
+                        </a:rPr>
+                        <a:t> </a:t>
+                      </a:r>
+                      <a:endParaRPr lang="fr-FR" sz="700" b="0" i="0" u="none" strike="noStrike" dirty="0">
+                        <a:solidFill>
+                          <a:srgbClr val="000000"/>
+                        </a:solidFill>
+                        <a:effectLst/>
+                        <a:latin typeface="Calibri" panose="020F0502020204030204" pitchFamily="34" charset="0"/>
+                      </a:endParaRPr>
+                    </a:p>
+                  </a:txBody>
+                  <a:tcPr marL="6389" marR="6389" marT="6389" marB="0" anchor="b">
+                    <a:solidFill>
+                      <a:schemeClr val="accent3">
+                        <a:lumMod val="60000"/>
+                        <a:lumOff val="40000"/>
+                      </a:schemeClr>
+                    </a:solidFill>
+                  </a:tcPr>
+                </a:tc>
+                <a:tc>
+                  <a:txBody>
+                    <a:bodyPr/>
+                    <a:lstStyle/>
+                    <a:p>
+                      <a:pPr algn="l" fontAlgn="b"/>
+                      <a:r>
+                        <a:rPr lang="fr-FR" sz="700" u="none" strike="noStrike" dirty="0">
+                          <a:effectLst/>
+                        </a:rPr>
+                        <a:t> </a:t>
+                      </a:r>
+                      <a:endParaRPr lang="fr-FR" sz="700" b="0" i="0" u="none" strike="noStrike" dirty="0">
+                        <a:solidFill>
+                          <a:srgbClr val="000000"/>
+                        </a:solidFill>
+                        <a:effectLst/>
+                        <a:latin typeface="Calibri" panose="020F0502020204030204" pitchFamily="34" charset="0"/>
+                      </a:endParaRPr>
+                    </a:p>
+                  </a:txBody>
+                  <a:tcPr marL="6389" marR="6389" marT="6389" marB="0" anchor="b">
+                    <a:solidFill>
+                      <a:schemeClr val="accent3">
+                        <a:lumMod val="60000"/>
+                        <a:lumOff val="40000"/>
+                      </a:schemeClr>
+                    </a:solidFill>
+                  </a:tcPr>
+                </a:tc>
+                <a:tc>
+                  <a:txBody>
+                    <a:bodyPr/>
+                    <a:lstStyle/>
+                    <a:p>
+                      <a:pPr algn="l" fontAlgn="b"/>
+                      <a:endParaRPr lang="fr-FR" sz="700" b="0" i="0" u="none" strike="noStrike">
+                        <a:solidFill>
+                          <a:srgbClr val="000000"/>
+                        </a:solidFill>
+                        <a:effectLst/>
+                        <a:latin typeface="Calibri" panose="020F0502020204030204" pitchFamily="34" charset="0"/>
+                      </a:endParaRPr>
+                    </a:p>
+                  </a:txBody>
+                  <a:tcPr marL="6389" marR="6389" marT="6389" marB="0" anchor="b"/>
+                </a:tc>
+                <a:tc>
+                  <a:txBody>
+                    <a:bodyPr/>
+                    <a:lstStyle/>
+                    <a:p>
+                      <a:pPr algn="l" fontAlgn="b"/>
+                      <a:endParaRPr lang="fr-FR" sz="700" b="0" i="0" u="none" strike="noStrike">
+                        <a:solidFill>
+                          <a:srgbClr val="000000"/>
+                        </a:solidFill>
+                        <a:effectLst/>
+                        <a:latin typeface="Calibri" panose="020F0502020204030204" pitchFamily="34" charset="0"/>
+                      </a:endParaRPr>
+                    </a:p>
+                  </a:txBody>
+                  <a:tcPr marL="6389" marR="6389" marT="6389" marB="0" anchor="b"/>
+                </a:tc>
+                <a:tc>
+                  <a:txBody>
+                    <a:bodyPr/>
+                    <a:lstStyle/>
+                    <a:p>
+                      <a:pPr algn="l" fontAlgn="b"/>
+                      <a:endParaRPr lang="fr-FR" sz="700" b="0" i="0" u="none" strike="noStrike">
+                        <a:solidFill>
+                          <a:srgbClr val="000000"/>
+                        </a:solidFill>
+                        <a:effectLst/>
+                        <a:latin typeface="Calibri" panose="020F0502020204030204" pitchFamily="34" charset="0"/>
+                      </a:endParaRPr>
+                    </a:p>
+                  </a:txBody>
+                  <a:tcPr marL="6389" marR="6389" marT="6389" marB="0" anchor="b"/>
+                </a:tc>
+                <a:tc>
+                  <a:txBody>
+                    <a:bodyPr/>
+                    <a:lstStyle/>
+                    <a:p>
+                      <a:pPr algn="l" fontAlgn="b"/>
+                      <a:endParaRPr lang="fr-FR" sz="700" b="0" i="0" u="none" strike="noStrike">
+                        <a:solidFill>
+                          <a:srgbClr val="000000"/>
+                        </a:solidFill>
+                        <a:effectLst/>
+                        <a:latin typeface="Calibri" panose="020F0502020204030204" pitchFamily="34" charset="0"/>
+                      </a:endParaRPr>
+                    </a:p>
+                  </a:txBody>
+                  <a:tcPr marL="6389" marR="6389" marT="6389" marB="0" anchor="b"/>
+                </a:tc>
+                <a:tc>
+                  <a:txBody>
+                    <a:bodyPr/>
+                    <a:lstStyle/>
+                    <a:p>
+                      <a:pPr algn="l" fontAlgn="b"/>
+                      <a:endParaRPr lang="fr-FR" sz="700" b="0" i="0" u="none" strike="noStrike">
+                        <a:solidFill>
+                          <a:srgbClr val="000000"/>
+                        </a:solidFill>
+                        <a:effectLst/>
+                        <a:latin typeface="Calibri" panose="020F0502020204030204" pitchFamily="34" charset="0"/>
+                      </a:endParaRPr>
+                    </a:p>
+                  </a:txBody>
+                  <a:tcPr marL="6389" marR="6389" marT="6389" marB="0" anchor="b"/>
+                </a:tc>
+                <a:tc>
+                  <a:txBody>
+                    <a:bodyPr/>
+                    <a:lstStyle/>
+                    <a:p>
+                      <a:pPr algn="l" fontAlgn="b"/>
+                      <a:endParaRPr lang="fr-FR" sz="700" b="0" i="0" u="none" strike="noStrike">
+                        <a:solidFill>
+                          <a:srgbClr val="000000"/>
+                        </a:solidFill>
+                        <a:effectLst/>
+                        <a:latin typeface="Calibri" panose="020F0502020204030204" pitchFamily="34" charset="0"/>
+                      </a:endParaRPr>
+                    </a:p>
+                  </a:txBody>
+                  <a:tcPr marL="6389" marR="6389" marT="6389" marB="0" anchor="b"/>
+                </a:tc>
+                <a:tc>
+                  <a:txBody>
+                    <a:bodyPr/>
+                    <a:lstStyle/>
+                    <a:p>
+                      <a:pPr algn="l" fontAlgn="b"/>
+                      <a:endParaRPr lang="fr-FR" sz="700" b="0" i="0" u="none" strike="noStrike">
+                        <a:solidFill>
+                          <a:srgbClr val="000000"/>
+                        </a:solidFill>
+                        <a:effectLst/>
+                        <a:latin typeface="Calibri" panose="020F0502020204030204" pitchFamily="34" charset="0"/>
+                      </a:endParaRPr>
+                    </a:p>
+                  </a:txBody>
+                  <a:tcPr marL="6389" marR="6389" marT="6389" marB="0" anchor="b"/>
+                </a:tc>
+                <a:tc>
+                  <a:txBody>
+                    <a:bodyPr/>
+                    <a:lstStyle/>
+                    <a:p>
+                      <a:pPr algn="l" fontAlgn="b"/>
+                      <a:endParaRPr lang="fr-FR" sz="700" b="0" i="0" u="none" strike="noStrike">
+                        <a:solidFill>
+                          <a:srgbClr val="000000"/>
+                        </a:solidFill>
+                        <a:effectLst/>
+                        <a:latin typeface="Calibri" panose="020F0502020204030204" pitchFamily="34" charset="0"/>
+                      </a:endParaRPr>
+                    </a:p>
+                  </a:txBody>
+                  <a:tcPr marL="6389" marR="6389" marT="6389" marB="0" anchor="b"/>
+                </a:tc>
+                <a:extLst>
+                  <a:ext uri="{0D108BD9-81ED-4DB2-BD59-A6C34878D82A}">
+                    <a16:rowId xmlns:a16="http://schemas.microsoft.com/office/drawing/2014/main" val="1572191688"/>
+                  </a:ext>
+                </a:extLst>
+              </a:tr>
+              <a:tr h="176496">
+                <a:tc vMerge="1">
+                  <a:txBody>
+                    <a:bodyPr/>
+                    <a:lstStyle/>
+                    <a:p>
+                      <a:endParaRPr lang="fr-FR"/>
+                    </a:p>
+                  </a:txBody>
+                  <a:tcPr/>
+                </a:tc>
+                <a:tc>
+                  <a:txBody>
+                    <a:bodyPr/>
+                    <a:lstStyle/>
+                    <a:p>
+                      <a:pPr algn="l" fontAlgn="b"/>
+                      <a:r>
+                        <a:rPr lang="fr-FR" sz="700" u="none" strike="noStrike">
+                          <a:effectLst/>
+                        </a:rPr>
+                        <a:t>Simulation</a:t>
+                      </a:r>
+                      <a:endParaRPr lang="fr-FR" sz="700" b="0" i="0" u="none" strike="noStrike">
+                        <a:solidFill>
+                          <a:srgbClr val="000000"/>
+                        </a:solidFill>
+                        <a:effectLst/>
+                        <a:latin typeface="Calibri" panose="020F0502020204030204" pitchFamily="34" charset="0"/>
+                      </a:endParaRPr>
+                    </a:p>
+                  </a:txBody>
+                  <a:tcPr marL="6389" marR="6389" marT="6389" marB="0" anchor="b"/>
+                </a:tc>
+                <a:tc>
+                  <a:txBody>
+                    <a:bodyPr/>
+                    <a:lstStyle/>
+                    <a:p>
+                      <a:pPr algn="l" fontAlgn="b"/>
+                      <a:endParaRPr lang="fr-FR" sz="700" b="0" i="0" u="none" strike="noStrike">
+                        <a:solidFill>
+                          <a:srgbClr val="000000"/>
+                        </a:solidFill>
+                        <a:effectLst/>
+                        <a:latin typeface="Calibri" panose="020F0502020204030204" pitchFamily="34" charset="0"/>
+                      </a:endParaRPr>
+                    </a:p>
+                  </a:txBody>
+                  <a:tcPr marL="6389" marR="6389" marT="6389" marB="0" anchor="b"/>
+                </a:tc>
+                <a:tc>
+                  <a:txBody>
+                    <a:bodyPr/>
+                    <a:lstStyle/>
+                    <a:p>
+                      <a:pPr algn="l" fontAlgn="b"/>
+                      <a:endParaRPr lang="fr-FR" sz="700" b="0" i="0" u="none" strike="noStrike">
+                        <a:solidFill>
+                          <a:srgbClr val="000000"/>
+                        </a:solidFill>
+                        <a:effectLst/>
+                        <a:latin typeface="Calibri" panose="020F0502020204030204" pitchFamily="34" charset="0"/>
+                      </a:endParaRPr>
+                    </a:p>
+                  </a:txBody>
+                  <a:tcPr marL="6389" marR="6389" marT="6389" marB="0" anchor="b"/>
+                </a:tc>
+                <a:tc>
+                  <a:txBody>
+                    <a:bodyPr/>
+                    <a:lstStyle/>
+                    <a:p>
+                      <a:pPr algn="l" fontAlgn="b"/>
+                      <a:r>
+                        <a:rPr lang="fr-FR" sz="700" u="none" strike="noStrike" dirty="0">
+                          <a:effectLst/>
+                        </a:rPr>
+                        <a:t> </a:t>
+                      </a:r>
+                      <a:endParaRPr lang="fr-FR" sz="700" b="0" i="0" u="none" strike="noStrike" dirty="0">
+                        <a:solidFill>
+                          <a:srgbClr val="000000"/>
+                        </a:solidFill>
+                        <a:effectLst/>
+                        <a:latin typeface="Calibri" panose="020F0502020204030204" pitchFamily="34" charset="0"/>
+                      </a:endParaRPr>
+                    </a:p>
+                  </a:txBody>
+                  <a:tcPr marL="6389" marR="6389" marT="6389" marB="0" anchor="b">
+                    <a:solidFill>
+                      <a:schemeClr val="accent3">
+                        <a:lumMod val="40000"/>
+                        <a:lumOff val="60000"/>
+                      </a:schemeClr>
+                    </a:solidFill>
+                  </a:tcPr>
+                </a:tc>
+                <a:tc>
+                  <a:txBody>
+                    <a:bodyPr/>
+                    <a:lstStyle/>
+                    <a:p>
+                      <a:pPr algn="l" fontAlgn="b"/>
+                      <a:r>
+                        <a:rPr lang="fr-FR" sz="700" u="none" strike="noStrike" dirty="0">
+                          <a:effectLst/>
+                        </a:rPr>
+                        <a:t> </a:t>
+                      </a:r>
+                      <a:endParaRPr lang="fr-FR" sz="700" b="0" i="0" u="none" strike="noStrike" dirty="0">
+                        <a:solidFill>
+                          <a:srgbClr val="000000"/>
+                        </a:solidFill>
+                        <a:effectLst/>
+                        <a:latin typeface="Calibri" panose="020F0502020204030204" pitchFamily="34" charset="0"/>
+                      </a:endParaRPr>
+                    </a:p>
+                  </a:txBody>
+                  <a:tcPr marL="6389" marR="6389" marT="6389" marB="0" anchor="b">
+                    <a:solidFill>
+                      <a:schemeClr val="accent3">
+                        <a:lumMod val="40000"/>
+                        <a:lumOff val="60000"/>
+                      </a:schemeClr>
+                    </a:solidFill>
+                  </a:tcPr>
+                </a:tc>
+                <a:tc>
+                  <a:txBody>
+                    <a:bodyPr/>
+                    <a:lstStyle/>
+                    <a:p>
+                      <a:pPr algn="l" fontAlgn="b"/>
+                      <a:r>
+                        <a:rPr lang="fr-FR" sz="700" u="none" strike="noStrike" dirty="0">
+                          <a:effectLst/>
+                        </a:rPr>
+                        <a:t> </a:t>
+                      </a:r>
+                      <a:endParaRPr lang="fr-FR" sz="700" b="0" i="0" u="none" strike="noStrike" dirty="0">
+                        <a:solidFill>
+                          <a:srgbClr val="000000"/>
+                        </a:solidFill>
+                        <a:effectLst/>
+                        <a:latin typeface="Calibri" panose="020F0502020204030204" pitchFamily="34" charset="0"/>
+                      </a:endParaRPr>
+                    </a:p>
+                  </a:txBody>
+                  <a:tcPr marL="6389" marR="6389" marT="6389" marB="0" anchor="b">
+                    <a:solidFill>
+                      <a:schemeClr val="accent3">
+                        <a:lumMod val="40000"/>
+                        <a:lumOff val="60000"/>
+                      </a:schemeClr>
+                    </a:solidFill>
+                  </a:tcPr>
+                </a:tc>
+                <a:tc>
+                  <a:txBody>
+                    <a:bodyPr/>
+                    <a:lstStyle/>
+                    <a:p>
+                      <a:pPr algn="l" fontAlgn="b"/>
+                      <a:r>
+                        <a:rPr lang="fr-FR" sz="700" u="none" strike="noStrike" dirty="0">
+                          <a:effectLst/>
+                        </a:rPr>
+                        <a:t> </a:t>
+                      </a:r>
+                      <a:endParaRPr lang="fr-FR" sz="700" b="0" i="0" u="none" strike="noStrike" dirty="0">
+                        <a:solidFill>
+                          <a:srgbClr val="000000"/>
+                        </a:solidFill>
+                        <a:effectLst/>
+                        <a:latin typeface="Calibri" panose="020F0502020204030204" pitchFamily="34" charset="0"/>
+                      </a:endParaRPr>
+                    </a:p>
+                  </a:txBody>
+                  <a:tcPr marL="6389" marR="6389" marT="6389" marB="0" anchor="b">
+                    <a:solidFill>
+                      <a:schemeClr val="accent3">
+                        <a:lumMod val="40000"/>
+                        <a:lumOff val="60000"/>
+                      </a:schemeClr>
+                    </a:solidFill>
+                  </a:tcPr>
+                </a:tc>
+                <a:tc>
+                  <a:txBody>
+                    <a:bodyPr/>
+                    <a:lstStyle/>
+                    <a:p>
+                      <a:pPr algn="l" fontAlgn="b"/>
+                      <a:endParaRPr lang="fr-FR" sz="700" b="0" i="0" u="none" strike="noStrike">
+                        <a:solidFill>
+                          <a:srgbClr val="000000"/>
+                        </a:solidFill>
+                        <a:effectLst/>
+                        <a:latin typeface="Calibri" panose="020F0502020204030204" pitchFamily="34" charset="0"/>
+                      </a:endParaRPr>
+                    </a:p>
+                  </a:txBody>
+                  <a:tcPr marL="6389" marR="6389" marT="6389" marB="0" anchor="b"/>
+                </a:tc>
+                <a:tc>
+                  <a:txBody>
+                    <a:bodyPr/>
+                    <a:lstStyle/>
+                    <a:p>
+                      <a:pPr algn="l" fontAlgn="b"/>
+                      <a:endParaRPr lang="fr-FR" sz="700" b="0" i="0" u="none" strike="noStrike">
+                        <a:solidFill>
+                          <a:srgbClr val="000000"/>
+                        </a:solidFill>
+                        <a:effectLst/>
+                        <a:latin typeface="Calibri" panose="020F0502020204030204" pitchFamily="34" charset="0"/>
+                      </a:endParaRPr>
+                    </a:p>
+                  </a:txBody>
+                  <a:tcPr marL="6389" marR="6389" marT="6389" marB="0" anchor="b"/>
+                </a:tc>
+                <a:tc>
+                  <a:txBody>
+                    <a:bodyPr/>
+                    <a:lstStyle/>
+                    <a:p>
+                      <a:pPr algn="l" fontAlgn="b"/>
+                      <a:endParaRPr lang="fr-FR" sz="700" b="0" i="0" u="none" strike="noStrike">
+                        <a:solidFill>
+                          <a:srgbClr val="000000"/>
+                        </a:solidFill>
+                        <a:effectLst/>
+                        <a:latin typeface="Calibri" panose="020F0502020204030204" pitchFamily="34" charset="0"/>
+                      </a:endParaRPr>
+                    </a:p>
+                  </a:txBody>
+                  <a:tcPr marL="6389" marR="6389" marT="6389" marB="0" anchor="b"/>
+                </a:tc>
+                <a:tc>
+                  <a:txBody>
+                    <a:bodyPr/>
+                    <a:lstStyle/>
+                    <a:p>
+                      <a:pPr algn="l" fontAlgn="b"/>
+                      <a:endParaRPr lang="fr-FR" sz="700" b="0" i="0" u="none" strike="noStrike">
+                        <a:solidFill>
+                          <a:srgbClr val="000000"/>
+                        </a:solidFill>
+                        <a:effectLst/>
+                        <a:latin typeface="Calibri" panose="020F0502020204030204" pitchFamily="34" charset="0"/>
+                      </a:endParaRPr>
+                    </a:p>
+                  </a:txBody>
+                  <a:tcPr marL="6389" marR="6389" marT="6389" marB="0" anchor="b"/>
+                </a:tc>
+                <a:extLst>
+                  <a:ext uri="{0D108BD9-81ED-4DB2-BD59-A6C34878D82A}">
+                    <a16:rowId xmlns:a16="http://schemas.microsoft.com/office/drawing/2014/main" val="2693060190"/>
+                  </a:ext>
+                </a:extLst>
+              </a:tr>
+              <a:tr h="185321">
+                <a:tc vMerge="1">
+                  <a:txBody>
+                    <a:bodyPr/>
+                    <a:lstStyle/>
+                    <a:p>
+                      <a:endParaRPr lang="fr-FR"/>
+                    </a:p>
+                  </a:txBody>
+                  <a:tcPr/>
+                </a:tc>
+                <a:tc>
+                  <a:txBody>
+                    <a:bodyPr/>
+                    <a:lstStyle/>
+                    <a:p>
+                      <a:pPr algn="l" fontAlgn="b"/>
+                      <a:r>
+                        <a:rPr lang="fr-FR" sz="700" u="none" strike="noStrike">
+                          <a:effectLst/>
+                        </a:rPr>
+                        <a:t> </a:t>
+                      </a:r>
+                      <a:endParaRPr lang="fr-FR" sz="700" b="0" i="0" u="none" strike="noStrike">
+                        <a:solidFill>
+                          <a:srgbClr val="000000"/>
+                        </a:solidFill>
+                        <a:effectLst/>
+                        <a:latin typeface="Calibri" panose="020F0502020204030204" pitchFamily="34" charset="0"/>
+                      </a:endParaRPr>
+                    </a:p>
+                  </a:txBody>
+                  <a:tcPr marL="6389" marR="6389" marT="6389" marB="0" anchor="b"/>
+                </a:tc>
+                <a:tc>
+                  <a:txBody>
+                    <a:bodyPr/>
+                    <a:lstStyle/>
+                    <a:p>
+                      <a:pPr algn="l" fontAlgn="b"/>
+                      <a:endParaRPr lang="fr-FR" sz="700" b="0" i="0" u="none" strike="noStrike">
+                        <a:solidFill>
+                          <a:srgbClr val="000000"/>
+                        </a:solidFill>
+                        <a:effectLst/>
+                        <a:latin typeface="Calibri" panose="020F0502020204030204" pitchFamily="34" charset="0"/>
+                      </a:endParaRPr>
+                    </a:p>
+                  </a:txBody>
+                  <a:tcPr marL="6389" marR="6389" marT="6389" marB="0" anchor="b"/>
+                </a:tc>
+                <a:tc>
+                  <a:txBody>
+                    <a:bodyPr/>
+                    <a:lstStyle/>
+                    <a:p>
+                      <a:pPr algn="l" fontAlgn="b"/>
+                      <a:endParaRPr lang="fr-FR" sz="700" b="0" i="0" u="none" strike="noStrike">
+                        <a:solidFill>
+                          <a:srgbClr val="000000"/>
+                        </a:solidFill>
+                        <a:effectLst/>
+                        <a:latin typeface="Calibri" panose="020F0502020204030204" pitchFamily="34" charset="0"/>
+                      </a:endParaRPr>
+                    </a:p>
+                  </a:txBody>
+                  <a:tcPr marL="6389" marR="6389" marT="6389" marB="0" anchor="b"/>
+                </a:tc>
+                <a:tc>
+                  <a:txBody>
+                    <a:bodyPr/>
+                    <a:lstStyle/>
+                    <a:p>
+                      <a:pPr algn="l" fontAlgn="b"/>
+                      <a:endParaRPr lang="fr-FR" sz="700" b="0" i="0" u="none" strike="noStrike">
+                        <a:solidFill>
+                          <a:srgbClr val="000000"/>
+                        </a:solidFill>
+                        <a:effectLst/>
+                        <a:latin typeface="Calibri" panose="020F0502020204030204" pitchFamily="34" charset="0"/>
+                      </a:endParaRPr>
+                    </a:p>
+                  </a:txBody>
+                  <a:tcPr marL="6389" marR="6389" marT="6389" marB="0" anchor="b"/>
+                </a:tc>
+                <a:tc>
+                  <a:txBody>
+                    <a:bodyPr/>
+                    <a:lstStyle/>
+                    <a:p>
+                      <a:pPr algn="l" fontAlgn="b"/>
+                      <a:endParaRPr lang="fr-FR" sz="700" b="0" i="0" u="none" strike="noStrike">
+                        <a:solidFill>
+                          <a:srgbClr val="000000"/>
+                        </a:solidFill>
+                        <a:effectLst/>
+                        <a:latin typeface="Calibri" panose="020F0502020204030204" pitchFamily="34" charset="0"/>
+                      </a:endParaRPr>
+                    </a:p>
+                  </a:txBody>
+                  <a:tcPr marL="6389" marR="6389" marT="6389" marB="0" anchor="b"/>
+                </a:tc>
+                <a:tc>
+                  <a:txBody>
+                    <a:bodyPr/>
+                    <a:lstStyle/>
+                    <a:p>
+                      <a:pPr algn="l" fontAlgn="b"/>
+                      <a:endParaRPr lang="fr-FR" sz="700" b="0" i="0" u="none" strike="noStrike">
+                        <a:solidFill>
+                          <a:srgbClr val="000000"/>
+                        </a:solidFill>
+                        <a:effectLst/>
+                        <a:latin typeface="Calibri" panose="020F0502020204030204" pitchFamily="34" charset="0"/>
+                      </a:endParaRPr>
+                    </a:p>
+                  </a:txBody>
+                  <a:tcPr marL="6389" marR="6389" marT="6389" marB="0" anchor="b"/>
+                </a:tc>
+                <a:tc>
+                  <a:txBody>
+                    <a:bodyPr/>
+                    <a:lstStyle/>
+                    <a:p>
+                      <a:pPr algn="l" fontAlgn="b"/>
+                      <a:endParaRPr lang="fr-FR" sz="700" b="0" i="0" u="none" strike="noStrike">
+                        <a:solidFill>
+                          <a:srgbClr val="000000"/>
+                        </a:solidFill>
+                        <a:effectLst/>
+                        <a:latin typeface="Calibri" panose="020F0502020204030204" pitchFamily="34" charset="0"/>
+                      </a:endParaRPr>
+                    </a:p>
+                  </a:txBody>
+                  <a:tcPr marL="6389" marR="6389" marT="6389" marB="0" anchor="b"/>
+                </a:tc>
+                <a:tc>
+                  <a:txBody>
+                    <a:bodyPr/>
+                    <a:lstStyle/>
+                    <a:p>
+                      <a:pPr algn="l" fontAlgn="b"/>
+                      <a:endParaRPr lang="fr-FR" sz="700" b="0" i="0" u="none" strike="noStrike">
+                        <a:solidFill>
+                          <a:srgbClr val="000000"/>
+                        </a:solidFill>
+                        <a:effectLst/>
+                        <a:latin typeface="Calibri" panose="020F0502020204030204" pitchFamily="34" charset="0"/>
+                      </a:endParaRPr>
+                    </a:p>
+                  </a:txBody>
+                  <a:tcPr marL="6389" marR="6389" marT="6389" marB="0" anchor="b"/>
+                </a:tc>
+                <a:tc>
+                  <a:txBody>
+                    <a:bodyPr/>
+                    <a:lstStyle/>
+                    <a:p>
+                      <a:pPr algn="l" fontAlgn="b"/>
+                      <a:endParaRPr lang="fr-FR" sz="700" b="0" i="0" u="none" strike="noStrike">
+                        <a:solidFill>
+                          <a:srgbClr val="000000"/>
+                        </a:solidFill>
+                        <a:effectLst/>
+                        <a:latin typeface="Calibri" panose="020F0502020204030204" pitchFamily="34" charset="0"/>
+                      </a:endParaRPr>
+                    </a:p>
+                  </a:txBody>
+                  <a:tcPr marL="6389" marR="6389" marT="6389" marB="0" anchor="b"/>
+                </a:tc>
+                <a:tc>
+                  <a:txBody>
+                    <a:bodyPr/>
+                    <a:lstStyle/>
+                    <a:p>
+                      <a:pPr algn="l" fontAlgn="b"/>
+                      <a:endParaRPr lang="fr-FR" sz="700" b="0" i="0" u="none" strike="noStrike">
+                        <a:solidFill>
+                          <a:srgbClr val="000000"/>
+                        </a:solidFill>
+                        <a:effectLst/>
+                        <a:latin typeface="Calibri" panose="020F0502020204030204" pitchFamily="34" charset="0"/>
+                      </a:endParaRPr>
+                    </a:p>
+                  </a:txBody>
+                  <a:tcPr marL="6389" marR="6389" marT="6389" marB="0" anchor="b"/>
+                </a:tc>
+                <a:tc>
+                  <a:txBody>
+                    <a:bodyPr/>
+                    <a:lstStyle/>
+                    <a:p>
+                      <a:pPr algn="l" fontAlgn="b"/>
+                      <a:endParaRPr lang="fr-FR" sz="700" b="0" i="0" u="none" strike="noStrike">
+                        <a:solidFill>
+                          <a:srgbClr val="000000"/>
+                        </a:solidFill>
+                        <a:effectLst/>
+                        <a:latin typeface="Calibri" panose="020F0502020204030204" pitchFamily="34" charset="0"/>
+                      </a:endParaRPr>
+                    </a:p>
+                  </a:txBody>
+                  <a:tcPr marL="6389" marR="6389" marT="6389" marB="0" anchor="b"/>
+                </a:tc>
+                <a:extLst>
+                  <a:ext uri="{0D108BD9-81ED-4DB2-BD59-A6C34878D82A}">
+                    <a16:rowId xmlns:a16="http://schemas.microsoft.com/office/drawing/2014/main" val="160279482"/>
+                  </a:ext>
+                </a:extLst>
+              </a:tr>
+              <a:tr h="176496">
+                <a:tc rowSpan="4">
+                  <a:txBody>
+                    <a:bodyPr/>
+                    <a:lstStyle/>
+                    <a:p>
+                      <a:pPr algn="ctr" fontAlgn="ctr"/>
+                      <a:r>
+                        <a:rPr lang="fr-FR" sz="700" u="none" strike="noStrike">
+                          <a:effectLst/>
+                        </a:rPr>
+                        <a:t>Alexandre</a:t>
+                      </a:r>
+                      <a:endParaRPr lang="fr-FR" sz="700" b="0" i="0" u="none" strike="noStrike">
+                        <a:solidFill>
+                          <a:srgbClr val="000000"/>
+                        </a:solidFill>
+                        <a:effectLst/>
+                        <a:latin typeface="Calibri" panose="020F0502020204030204" pitchFamily="34" charset="0"/>
+                      </a:endParaRPr>
+                    </a:p>
+                  </a:txBody>
+                  <a:tcPr marL="6389" marR="6389" marT="6389" marB="0" anchor="ctr"/>
+                </a:tc>
+                <a:tc>
+                  <a:txBody>
+                    <a:bodyPr/>
+                    <a:lstStyle/>
+                    <a:p>
+                      <a:pPr algn="l" fontAlgn="b"/>
+                      <a:r>
+                        <a:rPr lang="fr-FR" sz="700" u="none" strike="noStrike">
+                          <a:effectLst/>
+                        </a:rPr>
+                        <a:t>Ethernet</a:t>
+                      </a:r>
+                      <a:endParaRPr lang="fr-FR" sz="700" b="0" i="0" u="none" strike="noStrike">
+                        <a:solidFill>
+                          <a:srgbClr val="000000"/>
+                        </a:solidFill>
+                        <a:effectLst/>
+                        <a:latin typeface="Calibri" panose="020F0502020204030204" pitchFamily="34" charset="0"/>
+                      </a:endParaRPr>
+                    </a:p>
+                  </a:txBody>
+                  <a:tcPr marL="6389" marR="6389" marT="6389" marB="0" anchor="b"/>
+                </a:tc>
+                <a:tc>
+                  <a:txBody>
+                    <a:bodyPr/>
+                    <a:lstStyle/>
+                    <a:p>
+                      <a:pPr algn="l" fontAlgn="b"/>
+                      <a:r>
+                        <a:rPr lang="fr-FR" sz="700" u="none" strike="noStrike" dirty="0">
+                          <a:effectLst/>
+                        </a:rPr>
+                        <a:t> </a:t>
+                      </a:r>
+                      <a:endParaRPr lang="fr-FR" sz="700" b="0" i="0" u="none" strike="noStrike" dirty="0">
+                        <a:solidFill>
+                          <a:srgbClr val="000000"/>
+                        </a:solidFill>
+                        <a:effectLst/>
+                        <a:latin typeface="Calibri" panose="020F0502020204030204" pitchFamily="34" charset="0"/>
+                      </a:endParaRPr>
+                    </a:p>
+                  </a:txBody>
+                  <a:tcPr marL="6389" marR="6389" marT="6389" marB="0" anchor="b">
+                    <a:solidFill>
+                      <a:schemeClr val="accent1"/>
+                    </a:solidFill>
+                  </a:tcPr>
+                </a:tc>
+                <a:tc>
+                  <a:txBody>
+                    <a:bodyPr/>
+                    <a:lstStyle/>
+                    <a:p>
+                      <a:pPr algn="l" fontAlgn="b"/>
+                      <a:r>
+                        <a:rPr lang="fr-FR" sz="700" u="none" strike="noStrike" dirty="0">
+                          <a:effectLst/>
+                        </a:rPr>
+                        <a:t> </a:t>
+                      </a:r>
+                      <a:endParaRPr lang="fr-FR" sz="700" b="0" i="0" u="none" strike="noStrike" dirty="0">
+                        <a:solidFill>
+                          <a:srgbClr val="000000"/>
+                        </a:solidFill>
+                        <a:effectLst/>
+                        <a:latin typeface="Calibri" panose="020F0502020204030204" pitchFamily="34" charset="0"/>
+                      </a:endParaRPr>
+                    </a:p>
+                  </a:txBody>
+                  <a:tcPr marL="6389" marR="6389" marT="6389" marB="0" anchor="b">
+                    <a:solidFill>
+                      <a:schemeClr val="accent1"/>
+                    </a:solidFill>
+                  </a:tcPr>
+                </a:tc>
+                <a:tc>
+                  <a:txBody>
+                    <a:bodyPr/>
+                    <a:lstStyle/>
+                    <a:p>
+                      <a:pPr algn="l" fontAlgn="b"/>
+                      <a:r>
+                        <a:rPr lang="fr-FR" sz="700" u="none" strike="noStrike" dirty="0">
+                          <a:effectLst/>
+                        </a:rPr>
+                        <a:t> </a:t>
+                      </a:r>
+                      <a:endParaRPr lang="fr-FR" sz="700" b="0" i="0" u="none" strike="noStrike" dirty="0">
+                        <a:solidFill>
+                          <a:srgbClr val="000000"/>
+                        </a:solidFill>
+                        <a:effectLst/>
+                        <a:latin typeface="Calibri" panose="020F0502020204030204" pitchFamily="34" charset="0"/>
+                      </a:endParaRPr>
+                    </a:p>
+                  </a:txBody>
+                  <a:tcPr marL="6389" marR="6389" marT="6389" marB="0" anchor="b">
+                    <a:solidFill>
+                      <a:schemeClr val="accent1"/>
+                    </a:solidFill>
+                  </a:tcPr>
+                </a:tc>
+                <a:tc>
+                  <a:txBody>
+                    <a:bodyPr/>
+                    <a:lstStyle/>
+                    <a:p>
+                      <a:pPr algn="l" fontAlgn="b"/>
+                      <a:r>
+                        <a:rPr lang="fr-FR" sz="700" u="none" strike="noStrike" dirty="0">
+                          <a:effectLst/>
+                        </a:rPr>
+                        <a:t> </a:t>
+                      </a:r>
+                      <a:endParaRPr lang="fr-FR" sz="700" b="0" i="0" u="none" strike="noStrike" dirty="0">
+                        <a:solidFill>
+                          <a:srgbClr val="000000"/>
+                        </a:solidFill>
+                        <a:effectLst/>
+                        <a:latin typeface="Calibri" panose="020F0502020204030204" pitchFamily="34" charset="0"/>
+                      </a:endParaRPr>
+                    </a:p>
+                  </a:txBody>
+                  <a:tcPr marL="6389" marR="6389" marT="6389" marB="0" anchor="b">
+                    <a:solidFill>
+                      <a:schemeClr val="accent1"/>
+                    </a:solidFill>
+                  </a:tcPr>
+                </a:tc>
+                <a:tc>
+                  <a:txBody>
+                    <a:bodyPr/>
+                    <a:lstStyle/>
+                    <a:p>
+                      <a:pPr algn="l" fontAlgn="b"/>
+                      <a:r>
+                        <a:rPr lang="fr-FR" sz="700" u="none" strike="noStrike" dirty="0">
+                          <a:effectLst/>
+                        </a:rPr>
+                        <a:t> </a:t>
+                      </a:r>
+                      <a:endParaRPr lang="fr-FR" sz="700" b="0" i="0" u="none" strike="noStrike" dirty="0">
+                        <a:solidFill>
+                          <a:srgbClr val="000000"/>
+                        </a:solidFill>
+                        <a:effectLst/>
+                        <a:latin typeface="Calibri" panose="020F0502020204030204" pitchFamily="34" charset="0"/>
+                      </a:endParaRPr>
+                    </a:p>
+                  </a:txBody>
+                  <a:tcPr marL="6389" marR="6389" marT="6389" marB="0" anchor="b">
+                    <a:solidFill>
+                      <a:schemeClr val="accent1"/>
+                    </a:solidFill>
+                  </a:tcPr>
+                </a:tc>
+                <a:tc>
+                  <a:txBody>
+                    <a:bodyPr/>
+                    <a:lstStyle/>
+                    <a:p>
+                      <a:pPr algn="l" fontAlgn="b"/>
+                      <a:r>
+                        <a:rPr lang="fr-FR" sz="700" u="none" strike="noStrike" dirty="0">
+                          <a:effectLst/>
+                        </a:rPr>
+                        <a:t> </a:t>
+                      </a:r>
+                      <a:endParaRPr lang="fr-FR" sz="700" b="0" i="0" u="none" strike="noStrike" dirty="0">
+                        <a:solidFill>
+                          <a:srgbClr val="000000"/>
+                        </a:solidFill>
+                        <a:effectLst/>
+                        <a:latin typeface="Calibri" panose="020F0502020204030204" pitchFamily="34" charset="0"/>
+                      </a:endParaRPr>
+                    </a:p>
+                  </a:txBody>
+                  <a:tcPr marL="6389" marR="6389" marT="6389" marB="0" anchor="b">
+                    <a:solidFill>
+                      <a:schemeClr val="accent1"/>
+                    </a:solidFill>
+                  </a:tcPr>
+                </a:tc>
+                <a:tc>
+                  <a:txBody>
+                    <a:bodyPr/>
+                    <a:lstStyle/>
+                    <a:p>
+                      <a:pPr algn="l" fontAlgn="b"/>
+                      <a:endParaRPr lang="fr-FR" sz="700" b="0" i="0" u="none" strike="noStrike">
+                        <a:solidFill>
+                          <a:srgbClr val="000000"/>
+                        </a:solidFill>
+                        <a:effectLst/>
+                        <a:latin typeface="Calibri" panose="020F0502020204030204" pitchFamily="34" charset="0"/>
+                      </a:endParaRPr>
+                    </a:p>
+                  </a:txBody>
+                  <a:tcPr marL="6389" marR="6389" marT="6389" marB="0" anchor="b"/>
+                </a:tc>
+                <a:tc>
+                  <a:txBody>
+                    <a:bodyPr/>
+                    <a:lstStyle/>
+                    <a:p>
+                      <a:pPr algn="l" fontAlgn="b"/>
+                      <a:endParaRPr lang="fr-FR" sz="700" b="0" i="0" u="none" strike="noStrike">
+                        <a:solidFill>
+                          <a:srgbClr val="000000"/>
+                        </a:solidFill>
+                        <a:effectLst/>
+                        <a:latin typeface="Calibri" panose="020F0502020204030204" pitchFamily="34" charset="0"/>
+                      </a:endParaRPr>
+                    </a:p>
+                  </a:txBody>
+                  <a:tcPr marL="6389" marR="6389" marT="6389" marB="0" anchor="b"/>
+                </a:tc>
+                <a:tc>
+                  <a:txBody>
+                    <a:bodyPr/>
+                    <a:lstStyle/>
+                    <a:p>
+                      <a:pPr algn="l" fontAlgn="b"/>
+                      <a:endParaRPr lang="fr-FR" sz="700" b="0" i="0" u="none" strike="noStrike">
+                        <a:solidFill>
+                          <a:srgbClr val="000000"/>
+                        </a:solidFill>
+                        <a:effectLst/>
+                        <a:latin typeface="Calibri" panose="020F0502020204030204" pitchFamily="34" charset="0"/>
+                      </a:endParaRPr>
+                    </a:p>
+                  </a:txBody>
+                  <a:tcPr marL="6389" marR="6389" marT="6389" marB="0" anchor="b"/>
+                </a:tc>
+                <a:tc>
+                  <a:txBody>
+                    <a:bodyPr/>
+                    <a:lstStyle/>
+                    <a:p>
+                      <a:pPr algn="l" fontAlgn="b"/>
+                      <a:endParaRPr lang="fr-FR" sz="700" b="0" i="0" u="none" strike="noStrike">
+                        <a:solidFill>
+                          <a:srgbClr val="000000"/>
+                        </a:solidFill>
+                        <a:effectLst/>
+                        <a:latin typeface="Calibri" panose="020F0502020204030204" pitchFamily="34" charset="0"/>
+                      </a:endParaRPr>
+                    </a:p>
+                  </a:txBody>
+                  <a:tcPr marL="6389" marR="6389" marT="6389" marB="0" anchor="b"/>
+                </a:tc>
+                <a:extLst>
+                  <a:ext uri="{0D108BD9-81ED-4DB2-BD59-A6C34878D82A}">
+                    <a16:rowId xmlns:a16="http://schemas.microsoft.com/office/drawing/2014/main" val="359759274"/>
+                  </a:ext>
+                </a:extLst>
+              </a:tr>
+              <a:tr h="176496">
+                <a:tc vMerge="1">
+                  <a:txBody>
+                    <a:bodyPr/>
+                    <a:lstStyle/>
+                    <a:p>
+                      <a:endParaRPr lang="fr-FR"/>
+                    </a:p>
+                  </a:txBody>
+                  <a:tcPr/>
+                </a:tc>
+                <a:tc>
+                  <a:txBody>
+                    <a:bodyPr/>
+                    <a:lstStyle/>
+                    <a:p>
+                      <a:pPr algn="l" fontAlgn="b"/>
+                      <a:r>
+                        <a:rPr lang="fr-FR" sz="700" u="none" strike="noStrike">
+                          <a:effectLst/>
+                        </a:rPr>
+                        <a:t>Cable</a:t>
+                      </a:r>
+                      <a:endParaRPr lang="fr-FR" sz="700" b="0" i="0" u="none" strike="noStrike">
+                        <a:solidFill>
+                          <a:srgbClr val="000000"/>
+                        </a:solidFill>
+                        <a:effectLst/>
+                        <a:latin typeface="Calibri" panose="020F0502020204030204" pitchFamily="34" charset="0"/>
+                      </a:endParaRPr>
+                    </a:p>
+                  </a:txBody>
+                  <a:tcPr marL="6389" marR="6389" marT="6389" marB="0" anchor="b"/>
+                </a:tc>
+                <a:tc>
+                  <a:txBody>
+                    <a:bodyPr/>
+                    <a:lstStyle/>
+                    <a:p>
+                      <a:pPr algn="l" fontAlgn="b"/>
+                      <a:r>
+                        <a:rPr lang="fr-FR" sz="700" u="none" strike="noStrike" dirty="0">
+                          <a:effectLst/>
+                        </a:rPr>
+                        <a:t> </a:t>
+                      </a:r>
+                      <a:endParaRPr lang="fr-FR" sz="700" b="0" i="0" u="none" strike="noStrike" dirty="0">
+                        <a:solidFill>
+                          <a:srgbClr val="000000"/>
+                        </a:solidFill>
+                        <a:effectLst/>
+                        <a:latin typeface="Calibri" panose="020F0502020204030204" pitchFamily="34" charset="0"/>
+                      </a:endParaRPr>
+                    </a:p>
+                  </a:txBody>
+                  <a:tcPr marL="6389" marR="6389" marT="6389" marB="0" anchor="b">
+                    <a:solidFill>
+                      <a:schemeClr val="accent1">
+                        <a:lumMod val="40000"/>
+                        <a:lumOff val="60000"/>
+                      </a:schemeClr>
+                    </a:solidFill>
+                  </a:tcPr>
+                </a:tc>
+                <a:tc>
+                  <a:txBody>
+                    <a:bodyPr/>
+                    <a:lstStyle/>
+                    <a:p>
+                      <a:pPr algn="l" fontAlgn="b"/>
+                      <a:r>
+                        <a:rPr lang="fr-FR" sz="700" u="none" strike="noStrike" dirty="0">
+                          <a:effectLst/>
+                        </a:rPr>
+                        <a:t> </a:t>
+                      </a:r>
+                      <a:endParaRPr lang="fr-FR" sz="700" b="0" i="0" u="none" strike="noStrike" dirty="0">
+                        <a:solidFill>
+                          <a:srgbClr val="000000"/>
+                        </a:solidFill>
+                        <a:effectLst/>
+                        <a:latin typeface="Calibri" panose="020F0502020204030204" pitchFamily="34" charset="0"/>
+                      </a:endParaRPr>
+                    </a:p>
+                  </a:txBody>
+                  <a:tcPr marL="6389" marR="6389" marT="6389" marB="0" anchor="b">
+                    <a:solidFill>
+                      <a:schemeClr val="accent1">
+                        <a:lumMod val="40000"/>
+                        <a:lumOff val="60000"/>
+                      </a:schemeClr>
+                    </a:solidFill>
+                  </a:tcPr>
+                </a:tc>
+                <a:tc>
+                  <a:txBody>
+                    <a:bodyPr/>
+                    <a:lstStyle/>
+                    <a:p>
+                      <a:pPr algn="l" fontAlgn="b"/>
+                      <a:endParaRPr lang="fr-FR" sz="700" b="0" i="0" u="none" strike="noStrike">
+                        <a:solidFill>
+                          <a:srgbClr val="000000"/>
+                        </a:solidFill>
+                        <a:effectLst/>
+                        <a:latin typeface="Calibri" panose="020F0502020204030204" pitchFamily="34" charset="0"/>
+                      </a:endParaRPr>
+                    </a:p>
+                  </a:txBody>
+                  <a:tcPr marL="6389" marR="6389" marT="6389" marB="0" anchor="b"/>
+                </a:tc>
+                <a:tc>
+                  <a:txBody>
+                    <a:bodyPr/>
+                    <a:lstStyle/>
+                    <a:p>
+                      <a:pPr algn="l" fontAlgn="b"/>
+                      <a:endParaRPr lang="fr-FR" sz="700" b="0" i="0" u="none" strike="noStrike">
+                        <a:solidFill>
+                          <a:srgbClr val="000000"/>
+                        </a:solidFill>
+                        <a:effectLst/>
+                        <a:latin typeface="Calibri" panose="020F0502020204030204" pitchFamily="34" charset="0"/>
+                      </a:endParaRPr>
+                    </a:p>
+                  </a:txBody>
+                  <a:tcPr marL="6389" marR="6389" marT="6389" marB="0" anchor="b"/>
+                </a:tc>
+                <a:tc>
+                  <a:txBody>
+                    <a:bodyPr/>
+                    <a:lstStyle/>
+                    <a:p>
+                      <a:pPr algn="l" fontAlgn="b"/>
+                      <a:endParaRPr lang="fr-FR" sz="700" b="0" i="0" u="none" strike="noStrike">
+                        <a:solidFill>
+                          <a:srgbClr val="000000"/>
+                        </a:solidFill>
+                        <a:effectLst/>
+                        <a:latin typeface="Calibri" panose="020F0502020204030204" pitchFamily="34" charset="0"/>
+                      </a:endParaRPr>
+                    </a:p>
+                  </a:txBody>
+                  <a:tcPr marL="6389" marR="6389" marT="6389" marB="0" anchor="b"/>
+                </a:tc>
+                <a:tc>
+                  <a:txBody>
+                    <a:bodyPr/>
+                    <a:lstStyle/>
+                    <a:p>
+                      <a:pPr algn="l" fontAlgn="b"/>
+                      <a:endParaRPr lang="fr-FR" sz="700" b="0" i="0" u="none" strike="noStrike">
+                        <a:solidFill>
+                          <a:srgbClr val="000000"/>
+                        </a:solidFill>
+                        <a:effectLst/>
+                        <a:latin typeface="Calibri" panose="020F0502020204030204" pitchFamily="34" charset="0"/>
+                      </a:endParaRPr>
+                    </a:p>
+                  </a:txBody>
+                  <a:tcPr marL="6389" marR="6389" marT="6389" marB="0" anchor="b"/>
+                </a:tc>
+                <a:tc>
+                  <a:txBody>
+                    <a:bodyPr/>
+                    <a:lstStyle/>
+                    <a:p>
+                      <a:pPr algn="l" fontAlgn="b"/>
+                      <a:endParaRPr lang="fr-FR" sz="700" b="0" i="0" u="none" strike="noStrike">
+                        <a:solidFill>
+                          <a:srgbClr val="000000"/>
+                        </a:solidFill>
+                        <a:effectLst/>
+                        <a:latin typeface="Calibri" panose="020F0502020204030204" pitchFamily="34" charset="0"/>
+                      </a:endParaRPr>
+                    </a:p>
+                  </a:txBody>
+                  <a:tcPr marL="6389" marR="6389" marT="6389" marB="0" anchor="b"/>
+                </a:tc>
+                <a:tc>
+                  <a:txBody>
+                    <a:bodyPr/>
+                    <a:lstStyle/>
+                    <a:p>
+                      <a:pPr algn="l" fontAlgn="b"/>
+                      <a:endParaRPr lang="fr-FR" sz="700" b="0" i="0" u="none" strike="noStrike">
+                        <a:solidFill>
+                          <a:srgbClr val="000000"/>
+                        </a:solidFill>
+                        <a:effectLst/>
+                        <a:latin typeface="Calibri" panose="020F0502020204030204" pitchFamily="34" charset="0"/>
+                      </a:endParaRPr>
+                    </a:p>
+                  </a:txBody>
+                  <a:tcPr marL="6389" marR="6389" marT="6389" marB="0" anchor="b"/>
+                </a:tc>
+                <a:tc>
+                  <a:txBody>
+                    <a:bodyPr/>
+                    <a:lstStyle/>
+                    <a:p>
+                      <a:pPr algn="l" fontAlgn="b"/>
+                      <a:endParaRPr lang="fr-FR" sz="700" b="0" i="0" u="none" strike="noStrike">
+                        <a:solidFill>
+                          <a:srgbClr val="000000"/>
+                        </a:solidFill>
+                        <a:effectLst/>
+                        <a:latin typeface="Calibri" panose="020F0502020204030204" pitchFamily="34" charset="0"/>
+                      </a:endParaRPr>
+                    </a:p>
+                  </a:txBody>
+                  <a:tcPr marL="6389" marR="6389" marT="6389" marB="0" anchor="b"/>
+                </a:tc>
+                <a:tc>
+                  <a:txBody>
+                    <a:bodyPr/>
+                    <a:lstStyle/>
+                    <a:p>
+                      <a:pPr algn="l" fontAlgn="b"/>
+                      <a:endParaRPr lang="fr-FR" sz="700" b="0" i="0" u="none" strike="noStrike">
+                        <a:solidFill>
+                          <a:srgbClr val="000000"/>
+                        </a:solidFill>
+                        <a:effectLst/>
+                        <a:latin typeface="Calibri" panose="020F0502020204030204" pitchFamily="34" charset="0"/>
+                      </a:endParaRPr>
+                    </a:p>
+                  </a:txBody>
+                  <a:tcPr marL="6389" marR="6389" marT="6389" marB="0" anchor="b"/>
+                </a:tc>
+                <a:extLst>
+                  <a:ext uri="{0D108BD9-81ED-4DB2-BD59-A6C34878D82A}">
+                    <a16:rowId xmlns:a16="http://schemas.microsoft.com/office/drawing/2014/main" val="4293025835"/>
+                  </a:ext>
+                </a:extLst>
+              </a:tr>
+              <a:tr h="176496">
+                <a:tc vMerge="1">
+                  <a:txBody>
+                    <a:bodyPr/>
+                    <a:lstStyle/>
+                    <a:p>
+                      <a:endParaRPr lang="fr-FR"/>
+                    </a:p>
+                  </a:txBody>
+                  <a:tcPr/>
+                </a:tc>
+                <a:tc>
+                  <a:txBody>
+                    <a:bodyPr/>
+                    <a:lstStyle/>
+                    <a:p>
+                      <a:pPr algn="l" fontAlgn="b"/>
+                      <a:r>
+                        <a:rPr lang="fr-FR" sz="700" u="none" strike="noStrike">
+                          <a:effectLst/>
+                        </a:rPr>
+                        <a:t>Communtateur</a:t>
+                      </a:r>
+                      <a:endParaRPr lang="fr-FR" sz="700" b="0" i="0" u="none" strike="noStrike">
+                        <a:solidFill>
+                          <a:srgbClr val="000000"/>
+                        </a:solidFill>
+                        <a:effectLst/>
+                        <a:latin typeface="Calibri" panose="020F0502020204030204" pitchFamily="34" charset="0"/>
+                      </a:endParaRPr>
+                    </a:p>
+                  </a:txBody>
+                  <a:tcPr marL="6389" marR="6389" marT="6389" marB="0" anchor="b"/>
+                </a:tc>
+                <a:tc>
+                  <a:txBody>
+                    <a:bodyPr/>
+                    <a:lstStyle/>
+                    <a:p>
+                      <a:pPr algn="l" fontAlgn="b"/>
+                      <a:endParaRPr lang="fr-FR" sz="700" b="0" i="0" u="none" strike="noStrike">
+                        <a:solidFill>
+                          <a:srgbClr val="000000"/>
+                        </a:solidFill>
+                        <a:effectLst/>
+                        <a:latin typeface="Calibri" panose="020F0502020204030204" pitchFamily="34" charset="0"/>
+                      </a:endParaRPr>
+                    </a:p>
+                  </a:txBody>
+                  <a:tcPr marL="6389" marR="6389" marT="6389" marB="0" anchor="b"/>
+                </a:tc>
+                <a:tc>
+                  <a:txBody>
+                    <a:bodyPr/>
+                    <a:lstStyle/>
+                    <a:p>
+                      <a:pPr algn="l" fontAlgn="b"/>
+                      <a:endParaRPr lang="fr-FR" sz="700" b="0" i="0" u="none" strike="noStrike">
+                        <a:solidFill>
+                          <a:srgbClr val="000000"/>
+                        </a:solidFill>
+                        <a:effectLst/>
+                        <a:latin typeface="Calibri" panose="020F0502020204030204" pitchFamily="34" charset="0"/>
+                      </a:endParaRPr>
+                    </a:p>
+                  </a:txBody>
+                  <a:tcPr marL="6389" marR="6389" marT="6389" marB="0" anchor="b"/>
+                </a:tc>
+                <a:tc>
+                  <a:txBody>
+                    <a:bodyPr/>
+                    <a:lstStyle/>
+                    <a:p>
+                      <a:pPr algn="l" fontAlgn="b"/>
+                      <a:r>
+                        <a:rPr lang="fr-FR" sz="700" u="none" strike="noStrike" dirty="0">
+                          <a:effectLst/>
+                        </a:rPr>
+                        <a:t> </a:t>
+                      </a:r>
+                      <a:endParaRPr lang="fr-FR" sz="700" b="0" i="0" u="none" strike="noStrike" dirty="0">
+                        <a:solidFill>
+                          <a:srgbClr val="000000"/>
+                        </a:solidFill>
+                        <a:effectLst/>
+                        <a:latin typeface="Calibri" panose="020F0502020204030204" pitchFamily="34" charset="0"/>
+                      </a:endParaRPr>
+                    </a:p>
+                  </a:txBody>
+                  <a:tcPr marL="6389" marR="6389" marT="6389" marB="0" anchor="b">
+                    <a:solidFill>
+                      <a:schemeClr val="accent1">
+                        <a:lumMod val="60000"/>
+                        <a:lumOff val="40000"/>
+                      </a:schemeClr>
+                    </a:solidFill>
+                  </a:tcPr>
+                </a:tc>
+                <a:tc>
+                  <a:txBody>
+                    <a:bodyPr/>
+                    <a:lstStyle/>
+                    <a:p>
+                      <a:pPr algn="l" fontAlgn="b"/>
+                      <a:r>
+                        <a:rPr lang="fr-FR" sz="700" u="none" strike="noStrike" dirty="0">
+                          <a:effectLst/>
+                        </a:rPr>
+                        <a:t> </a:t>
+                      </a:r>
+                      <a:endParaRPr lang="fr-FR" sz="700" b="0" i="0" u="none" strike="noStrike" dirty="0">
+                        <a:solidFill>
+                          <a:srgbClr val="000000"/>
+                        </a:solidFill>
+                        <a:effectLst/>
+                        <a:latin typeface="Calibri" panose="020F0502020204030204" pitchFamily="34" charset="0"/>
+                      </a:endParaRPr>
+                    </a:p>
+                  </a:txBody>
+                  <a:tcPr marL="6389" marR="6389" marT="6389" marB="0" anchor="b">
+                    <a:solidFill>
+                      <a:schemeClr val="accent1">
+                        <a:lumMod val="60000"/>
+                        <a:lumOff val="40000"/>
+                      </a:schemeClr>
+                    </a:solidFill>
+                  </a:tcPr>
+                </a:tc>
+                <a:tc>
+                  <a:txBody>
+                    <a:bodyPr/>
+                    <a:lstStyle/>
+                    <a:p>
+                      <a:pPr algn="l" fontAlgn="b"/>
+                      <a:endParaRPr lang="fr-FR" sz="700" b="0" i="0" u="none" strike="noStrike">
+                        <a:solidFill>
+                          <a:srgbClr val="000000"/>
+                        </a:solidFill>
+                        <a:effectLst/>
+                        <a:latin typeface="Calibri" panose="020F0502020204030204" pitchFamily="34" charset="0"/>
+                      </a:endParaRPr>
+                    </a:p>
+                  </a:txBody>
+                  <a:tcPr marL="6389" marR="6389" marT="6389" marB="0" anchor="b"/>
+                </a:tc>
+                <a:tc>
+                  <a:txBody>
+                    <a:bodyPr/>
+                    <a:lstStyle/>
+                    <a:p>
+                      <a:pPr algn="l" fontAlgn="b"/>
+                      <a:endParaRPr lang="fr-FR" sz="700" b="0" i="0" u="none" strike="noStrike">
+                        <a:solidFill>
+                          <a:srgbClr val="000000"/>
+                        </a:solidFill>
+                        <a:effectLst/>
+                        <a:latin typeface="Calibri" panose="020F0502020204030204" pitchFamily="34" charset="0"/>
+                      </a:endParaRPr>
+                    </a:p>
+                  </a:txBody>
+                  <a:tcPr marL="6389" marR="6389" marT="6389" marB="0" anchor="b"/>
+                </a:tc>
+                <a:tc>
+                  <a:txBody>
+                    <a:bodyPr/>
+                    <a:lstStyle/>
+                    <a:p>
+                      <a:pPr algn="l" fontAlgn="b"/>
+                      <a:endParaRPr lang="fr-FR" sz="700" b="0" i="0" u="none" strike="noStrike">
+                        <a:solidFill>
+                          <a:srgbClr val="000000"/>
+                        </a:solidFill>
+                        <a:effectLst/>
+                        <a:latin typeface="Calibri" panose="020F0502020204030204" pitchFamily="34" charset="0"/>
+                      </a:endParaRPr>
+                    </a:p>
+                  </a:txBody>
+                  <a:tcPr marL="6389" marR="6389" marT="6389" marB="0" anchor="b"/>
+                </a:tc>
+                <a:tc>
+                  <a:txBody>
+                    <a:bodyPr/>
+                    <a:lstStyle/>
+                    <a:p>
+                      <a:pPr algn="l" fontAlgn="b"/>
+                      <a:endParaRPr lang="fr-FR" sz="700" b="0" i="0" u="none" strike="noStrike">
+                        <a:solidFill>
+                          <a:srgbClr val="000000"/>
+                        </a:solidFill>
+                        <a:effectLst/>
+                        <a:latin typeface="Calibri" panose="020F0502020204030204" pitchFamily="34" charset="0"/>
+                      </a:endParaRPr>
+                    </a:p>
+                  </a:txBody>
+                  <a:tcPr marL="6389" marR="6389" marT="6389" marB="0" anchor="b"/>
+                </a:tc>
+                <a:tc>
+                  <a:txBody>
+                    <a:bodyPr/>
+                    <a:lstStyle/>
+                    <a:p>
+                      <a:pPr algn="l" fontAlgn="b"/>
+                      <a:endParaRPr lang="fr-FR" sz="700" b="0" i="0" u="none" strike="noStrike">
+                        <a:solidFill>
+                          <a:srgbClr val="000000"/>
+                        </a:solidFill>
+                        <a:effectLst/>
+                        <a:latin typeface="Calibri" panose="020F0502020204030204" pitchFamily="34" charset="0"/>
+                      </a:endParaRPr>
+                    </a:p>
+                  </a:txBody>
+                  <a:tcPr marL="6389" marR="6389" marT="6389" marB="0" anchor="b"/>
+                </a:tc>
+                <a:tc>
+                  <a:txBody>
+                    <a:bodyPr/>
+                    <a:lstStyle/>
+                    <a:p>
+                      <a:pPr algn="l" fontAlgn="b"/>
+                      <a:endParaRPr lang="fr-FR" sz="700" b="0" i="0" u="none" strike="noStrike">
+                        <a:solidFill>
+                          <a:srgbClr val="000000"/>
+                        </a:solidFill>
+                        <a:effectLst/>
+                        <a:latin typeface="Calibri" panose="020F0502020204030204" pitchFamily="34" charset="0"/>
+                      </a:endParaRPr>
+                    </a:p>
+                  </a:txBody>
+                  <a:tcPr marL="6389" marR="6389" marT="6389" marB="0" anchor="b"/>
+                </a:tc>
+                <a:extLst>
+                  <a:ext uri="{0D108BD9-81ED-4DB2-BD59-A6C34878D82A}">
+                    <a16:rowId xmlns:a16="http://schemas.microsoft.com/office/drawing/2014/main" val="2640801463"/>
+                  </a:ext>
+                </a:extLst>
+              </a:tr>
+              <a:tr h="185321">
+                <a:tc vMerge="1">
+                  <a:txBody>
+                    <a:bodyPr/>
+                    <a:lstStyle/>
+                    <a:p>
+                      <a:endParaRPr lang="fr-FR"/>
+                    </a:p>
+                  </a:txBody>
+                  <a:tcPr/>
+                </a:tc>
+                <a:tc>
+                  <a:txBody>
+                    <a:bodyPr/>
+                    <a:lstStyle/>
+                    <a:p>
+                      <a:pPr algn="l" fontAlgn="b"/>
+                      <a:r>
+                        <a:rPr lang="fr-FR" sz="700" u="none" strike="noStrike">
+                          <a:effectLst/>
+                        </a:rPr>
+                        <a:t>Composants annexes</a:t>
+                      </a:r>
+                      <a:endParaRPr lang="fr-FR" sz="700" b="0" i="0" u="none" strike="noStrike">
+                        <a:solidFill>
+                          <a:srgbClr val="000000"/>
+                        </a:solidFill>
+                        <a:effectLst/>
+                        <a:latin typeface="Calibri" panose="020F0502020204030204" pitchFamily="34" charset="0"/>
+                      </a:endParaRPr>
+                    </a:p>
+                  </a:txBody>
+                  <a:tcPr marL="6389" marR="6389" marT="6389" marB="0" anchor="b"/>
+                </a:tc>
+                <a:tc>
+                  <a:txBody>
+                    <a:bodyPr/>
+                    <a:lstStyle/>
+                    <a:p>
+                      <a:pPr algn="l" fontAlgn="b"/>
+                      <a:endParaRPr lang="fr-FR" sz="700" b="0" i="0" u="none" strike="noStrike">
+                        <a:solidFill>
+                          <a:srgbClr val="000000"/>
+                        </a:solidFill>
+                        <a:effectLst/>
+                        <a:latin typeface="Calibri" panose="020F0502020204030204" pitchFamily="34" charset="0"/>
+                      </a:endParaRPr>
+                    </a:p>
+                  </a:txBody>
+                  <a:tcPr marL="6389" marR="6389" marT="6389" marB="0" anchor="b"/>
+                </a:tc>
+                <a:tc>
+                  <a:txBody>
+                    <a:bodyPr/>
+                    <a:lstStyle/>
+                    <a:p>
+                      <a:pPr algn="l" fontAlgn="b"/>
+                      <a:endParaRPr lang="fr-FR" sz="700" b="0" i="0" u="none" strike="noStrike">
+                        <a:solidFill>
+                          <a:srgbClr val="000000"/>
+                        </a:solidFill>
+                        <a:effectLst/>
+                        <a:latin typeface="Calibri" panose="020F0502020204030204" pitchFamily="34" charset="0"/>
+                      </a:endParaRPr>
+                    </a:p>
+                  </a:txBody>
+                  <a:tcPr marL="6389" marR="6389" marT="6389" marB="0" anchor="b"/>
+                </a:tc>
+                <a:tc>
+                  <a:txBody>
+                    <a:bodyPr/>
+                    <a:lstStyle/>
+                    <a:p>
+                      <a:pPr algn="l" fontAlgn="b"/>
+                      <a:endParaRPr lang="fr-FR" sz="700" b="0" i="0" u="none" strike="noStrike">
+                        <a:solidFill>
+                          <a:srgbClr val="000000"/>
+                        </a:solidFill>
+                        <a:effectLst/>
+                        <a:latin typeface="Calibri" panose="020F0502020204030204" pitchFamily="34" charset="0"/>
+                      </a:endParaRPr>
+                    </a:p>
+                  </a:txBody>
+                  <a:tcPr marL="6389" marR="6389" marT="6389" marB="0" anchor="b"/>
+                </a:tc>
+                <a:tc>
+                  <a:txBody>
+                    <a:bodyPr/>
+                    <a:lstStyle/>
+                    <a:p>
+                      <a:pPr algn="l" fontAlgn="b"/>
+                      <a:r>
+                        <a:rPr lang="fr-FR" sz="700" u="none" strike="noStrike" dirty="0">
+                          <a:effectLst/>
+                        </a:rPr>
+                        <a:t> </a:t>
+                      </a:r>
+                      <a:endParaRPr lang="fr-FR" sz="700" b="0" i="0" u="none" strike="noStrike" dirty="0">
+                        <a:solidFill>
+                          <a:srgbClr val="000000"/>
+                        </a:solidFill>
+                        <a:effectLst/>
+                        <a:latin typeface="Calibri" panose="020F0502020204030204" pitchFamily="34" charset="0"/>
+                      </a:endParaRPr>
+                    </a:p>
+                  </a:txBody>
+                  <a:tcPr marL="6389" marR="6389" marT="6389" marB="0" anchor="b">
+                    <a:solidFill>
+                      <a:schemeClr val="accent1">
+                        <a:lumMod val="20000"/>
+                        <a:lumOff val="80000"/>
+                      </a:schemeClr>
+                    </a:solidFill>
+                  </a:tcPr>
+                </a:tc>
+                <a:tc>
+                  <a:txBody>
+                    <a:bodyPr/>
+                    <a:lstStyle/>
+                    <a:p>
+                      <a:pPr algn="l" fontAlgn="b"/>
+                      <a:r>
+                        <a:rPr lang="fr-FR" sz="700" u="none" strike="noStrike" dirty="0">
+                          <a:effectLst/>
+                        </a:rPr>
+                        <a:t> </a:t>
+                      </a:r>
+                      <a:endParaRPr lang="fr-FR" sz="700" b="0" i="0" u="none" strike="noStrike" dirty="0">
+                        <a:solidFill>
+                          <a:srgbClr val="000000"/>
+                        </a:solidFill>
+                        <a:effectLst/>
+                        <a:latin typeface="Calibri" panose="020F0502020204030204" pitchFamily="34" charset="0"/>
+                      </a:endParaRPr>
+                    </a:p>
+                  </a:txBody>
+                  <a:tcPr marL="6389" marR="6389" marT="6389" marB="0" anchor="b">
+                    <a:solidFill>
+                      <a:schemeClr val="accent1">
+                        <a:lumMod val="75000"/>
+                      </a:schemeClr>
+                    </a:solidFill>
+                  </a:tcPr>
+                </a:tc>
+                <a:tc>
+                  <a:txBody>
+                    <a:bodyPr/>
+                    <a:lstStyle/>
+                    <a:p>
+                      <a:pPr algn="l" fontAlgn="b"/>
+                      <a:r>
+                        <a:rPr lang="fr-FR" sz="700" u="none" strike="noStrike" dirty="0">
+                          <a:effectLst/>
+                        </a:rPr>
+                        <a:t> </a:t>
+                      </a:r>
+                      <a:endParaRPr lang="fr-FR" sz="700" b="0" i="0" u="none" strike="noStrike" dirty="0">
+                        <a:solidFill>
+                          <a:srgbClr val="000000"/>
+                        </a:solidFill>
+                        <a:effectLst/>
+                        <a:latin typeface="Calibri" panose="020F0502020204030204" pitchFamily="34" charset="0"/>
+                      </a:endParaRPr>
+                    </a:p>
+                  </a:txBody>
+                  <a:tcPr marL="6389" marR="6389" marT="6389" marB="0" anchor="b">
+                    <a:solidFill>
+                      <a:schemeClr val="accent1">
+                        <a:lumMod val="75000"/>
+                      </a:schemeClr>
+                    </a:solidFill>
+                  </a:tcPr>
+                </a:tc>
+                <a:tc>
+                  <a:txBody>
+                    <a:bodyPr/>
+                    <a:lstStyle/>
+                    <a:p>
+                      <a:pPr algn="l" fontAlgn="b"/>
+                      <a:endParaRPr lang="fr-FR" sz="700" b="0" i="0" u="none" strike="noStrike">
+                        <a:solidFill>
+                          <a:srgbClr val="000000"/>
+                        </a:solidFill>
+                        <a:effectLst/>
+                        <a:latin typeface="Calibri" panose="020F0502020204030204" pitchFamily="34" charset="0"/>
+                      </a:endParaRPr>
+                    </a:p>
+                  </a:txBody>
+                  <a:tcPr marL="6389" marR="6389" marT="6389" marB="0" anchor="b"/>
+                </a:tc>
+                <a:tc>
+                  <a:txBody>
+                    <a:bodyPr/>
+                    <a:lstStyle/>
+                    <a:p>
+                      <a:pPr algn="l" fontAlgn="b"/>
+                      <a:endParaRPr lang="fr-FR" sz="700" b="0" i="0" u="none" strike="noStrike">
+                        <a:solidFill>
+                          <a:srgbClr val="000000"/>
+                        </a:solidFill>
+                        <a:effectLst/>
+                        <a:latin typeface="Calibri" panose="020F0502020204030204" pitchFamily="34" charset="0"/>
+                      </a:endParaRPr>
+                    </a:p>
+                  </a:txBody>
+                  <a:tcPr marL="6389" marR="6389" marT="6389" marB="0" anchor="b"/>
+                </a:tc>
+                <a:tc>
+                  <a:txBody>
+                    <a:bodyPr/>
+                    <a:lstStyle/>
+                    <a:p>
+                      <a:pPr algn="l" fontAlgn="b"/>
+                      <a:endParaRPr lang="fr-FR" sz="700" b="0" i="0" u="none" strike="noStrike">
+                        <a:solidFill>
+                          <a:srgbClr val="000000"/>
+                        </a:solidFill>
+                        <a:effectLst/>
+                        <a:latin typeface="Calibri" panose="020F0502020204030204" pitchFamily="34" charset="0"/>
+                      </a:endParaRPr>
+                    </a:p>
+                  </a:txBody>
+                  <a:tcPr marL="6389" marR="6389" marT="6389" marB="0" anchor="b"/>
+                </a:tc>
+                <a:tc>
+                  <a:txBody>
+                    <a:bodyPr/>
+                    <a:lstStyle/>
+                    <a:p>
+                      <a:pPr algn="l" fontAlgn="b"/>
+                      <a:endParaRPr lang="fr-FR" sz="700" b="0" i="0" u="none" strike="noStrike">
+                        <a:solidFill>
+                          <a:srgbClr val="000000"/>
+                        </a:solidFill>
+                        <a:effectLst/>
+                        <a:latin typeface="Calibri" panose="020F0502020204030204" pitchFamily="34" charset="0"/>
+                      </a:endParaRPr>
+                    </a:p>
+                  </a:txBody>
+                  <a:tcPr marL="6389" marR="6389" marT="6389" marB="0" anchor="b"/>
+                </a:tc>
+                <a:extLst>
+                  <a:ext uri="{0D108BD9-81ED-4DB2-BD59-A6C34878D82A}">
+                    <a16:rowId xmlns:a16="http://schemas.microsoft.com/office/drawing/2014/main" val="3475248475"/>
+                  </a:ext>
+                </a:extLst>
+              </a:tr>
+              <a:tr h="185321">
+                <a:tc>
+                  <a:txBody>
+                    <a:bodyPr/>
+                    <a:lstStyle/>
+                    <a:p>
+                      <a:pPr algn="l" fontAlgn="b"/>
+                      <a:endParaRPr lang="fr-FR" sz="700" b="0" i="0" u="none" strike="noStrike">
+                        <a:solidFill>
+                          <a:srgbClr val="000000"/>
+                        </a:solidFill>
+                        <a:effectLst/>
+                        <a:latin typeface="Calibri" panose="020F0502020204030204" pitchFamily="34" charset="0"/>
+                      </a:endParaRPr>
+                    </a:p>
+                  </a:txBody>
+                  <a:tcPr marL="6389" marR="6389" marT="6389" marB="0" anchor="b"/>
+                </a:tc>
+                <a:tc>
+                  <a:txBody>
+                    <a:bodyPr/>
+                    <a:lstStyle/>
+                    <a:p>
+                      <a:pPr algn="l" fontAlgn="b"/>
+                      <a:r>
+                        <a:rPr lang="fr-FR" sz="700" u="none" strike="noStrike">
+                          <a:effectLst/>
+                        </a:rPr>
+                        <a:t> </a:t>
+                      </a:r>
+                      <a:endParaRPr lang="fr-FR" sz="700" b="0" i="0" u="none" strike="noStrike">
+                        <a:solidFill>
+                          <a:srgbClr val="000000"/>
+                        </a:solidFill>
+                        <a:effectLst/>
+                        <a:latin typeface="Calibri" panose="020F0502020204030204" pitchFamily="34" charset="0"/>
+                      </a:endParaRPr>
+                    </a:p>
+                  </a:txBody>
+                  <a:tcPr marL="6389" marR="6389" marT="6389" marB="0" anchor="b"/>
+                </a:tc>
+                <a:tc>
+                  <a:txBody>
+                    <a:bodyPr/>
+                    <a:lstStyle/>
+                    <a:p>
+                      <a:pPr algn="l" fontAlgn="b"/>
+                      <a:endParaRPr lang="fr-FR" sz="700" b="0" i="0" u="none" strike="noStrike">
+                        <a:solidFill>
+                          <a:srgbClr val="000000"/>
+                        </a:solidFill>
+                        <a:effectLst/>
+                        <a:latin typeface="Calibri" panose="020F0502020204030204" pitchFamily="34" charset="0"/>
+                      </a:endParaRPr>
+                    </a:p>
+                  </a:txBody>
+                  <a:tcPr marL="6389" marR="6389" marT="6389" marB="0" anchor="b"/>
+                </a:tc>
+                <a:tc>
+                  <a:txBody>
+                    <a:bodyPr/>
+                    <a:lstStyle/>
+                    <a:p>
+                      <a:pPr algn="l" fontAlgn="b"/>
+                      <a:endParaRPr lang="fr-FR" sz="700" b="0" i="0" u="none" strike="noStrike">
+                        <a:solidFill>
+                          <a:srgbClr val="000000"/>
+                        </a:solidFill>
+                        <a:effectLst/>
+                        <a:latin typeface="Calibri" panose="020F0502020204030204" pitchFamily="34" charset="0"/>
+                      </a:endParaRPr>
+                    </a:p>
+                  </a:txBody>
+                  <a:tcPr marL="6389" marR="6389" marT="6389" marB="0" anchor="b"/>
+                </a:tc>
+                <a:tc>
+                  <a:txBody>
+                    <a:bodyPr/>
+                    <a:lstStyle/>
+                    <a:p>
+                      <a:pPr algn="l" fontAlgn="b"/>
+                      <a:endParaRPr lang="fr-FR" sz="700" b="0" i="0" u="none" strike="noStrike">
+                        <a:solidFill>
+                          <a:srgbClr val="000000"/>
+                        </a:solidFill>
+                        <a:effectLst/>
+                        <a:latin typeface="Calibri" panose="020F0502020204030204" pitchFamily="34" charset="0"/>
+                      </a:endParaRPr>
+                    </a:p>
+                  </a:txBody>
+                  <a:tcPr marL="6389" marR="6389" marT="6389" marB="0" anchor="b"/>
+                </a:tc>
+                <a:tc>
+                  <a:txBody>
+                    <a:bodyPr/>
+                    <a:lstStyle/>
+                    <a:p>
+                      <a:pPr algn="l" fontAlgn="b"/>
+                      <a:endParaRPr lang="fr-FR" sz="700" b="0" i="0" u="none" strike="noStrike">
+                        <a:solidFill>
+                          <a:srgbClr val="000000"/>
+                        </a:solidFill>
+                        <a:effectLst/>
+                        <a:latin typeface="Calibri" panose="020F0502020204030204" pitchFamily="34" charset="0"/>
+                      </a:endParaRPr>
+                    </a:p>
+                  </a:txBody>
+                  <a:tcPr marL="6389" marR="6389" marT="6389" marB="0" anchor="b"/>
+                </a:tc>
+                <a:tc>
+                  <a:txBody>
+                    <a:bodyPr/>
+                    <a:lstStyle/>
+                    <a:p>
+                      <a:pPr algn="l" fontAlgn="b"/>
+                      <a:endParaRPr lang="fr-FR" sz="700" b="0" i="0" u="none" strike="noStrike">
+                        <a:solidFill>
+                          <a:srgbClr val="000000"/>
+                        </a:solidFill>
+                        <a:effectLst/>
+                        <a:latin typeface="Calibri" panose="020F0502020204030204" pitchFamily="34" charset="0"/>
+                      </a:endParaRPr>
+                    </a:p>
+                  </a:txBody>
+                  <a:tcPr marL="6389" marR="6389" marT="6389" marB="0" anchor="b"/>
+                </a:tc>
+                <a:tc>
+                  <a:txBody>
+                    <a:bodyPr/>
+                    <a:lstStyle/>
+                    <a:p>
+                      <a:pPr algn="l" fontAlgn="b"/>
+                      <a:endParaRPr lang="fr-FR" sz="700" b="0" i="0" u="none" strike="noStrike">
+                        <a:solidFill>
+                          <a:srgbClr val="000000"/>
+                        </a:solidFill>
+                        <a:effectLst/>
+                        <a:latin typeface="Calibri" panose="020F0502020204030204" pitchFamily="34" charset="0"/>
+                      </a:endParaRPr>
+                    </a:p>
+                  </a:txBody>
+                  <a:tcPr marL="6389" marR="6389" marT="6389" marB="0" anchor="b"/>
+                </a:tc>
+                <a:tc>
+                  <a:txBody>
+                    <a:bodyPr/>
+                    <a:lstStyle/>
+                    <a:p>
+                      <a:pPr algn="l" fontAlgn="b"/>
+                      <a:endParaRPr lang="fr-FR" sz="700" b="0" i="0" u="none" strike="noStrike">
+                        <a:solidFill>
+                          <a:srgbClr val="000000"/>
+                        </a:solidFill>
+                        <a:effectLst/>
+                        <a:latin typeface="Calibri" panose="020F0502020204030204" pitchFamily="34" charset="0"/>
+                      </a:endParaRPr>
+                    </a:p>
+                  </a:txBody>
+                  <a:tcPr marL="6389" marR="6389" marT="6389" marB="0" anchor="b"/>
+                </a:tc>
+                <a:tc>
+                  <a:txBody>
+                    <a:bodyPr/>
+                    <a:lstStyle/>
+                    <a:p>
+                      <a:pPr algn="l" fontAlgn="b"/>
+                      <a:endParaRPr lang="fr-FR" sz="700" b="0" i="0" u="none" strike="noStrike">
+                        <a:solidFill>
+                          <a:srgbClr val="000000"/>
+                        </a:solidFill>
+                        <a:effectLst/>
+                        <a:latin typeface="Calibri" panose="020F0502020204030204" pitchFamily="34" charset="0"/>
+                      </a:endParaRPr>
+                    </a:p>
+                  </a:txBody>
+                  <a:tcPr marL="6389" marR="6389" marT="6389" marB="0" anchor="b"/>
+                </a:tc>
+                <a:tc>
+                  <a:txBody>
+                    <a:bodyPr/>
+                    <a:lstStyle/>
+                    <a:p>
+                      <a:pPr algn="l" fontAlgn="b"/>
+                      <a:endParaRPr lang="fr-FR" sz="700" b="0" i="0" u="none" strike="noStrike">
+                        <a:solidFill>
+                          <a:srgbClr val="000000"/>
+                        </a:solidFill>
+                        <a:effectLst/>
+                        <a:latin typeface="Calibri" panose="020F0502020204030204" pitchFamily="34" charset="0"/>
+                      </a:endParaRPr>
+                    </a:p>
+                  </a:txBody>
+                  <a:tcPr marL="6389" marR="6389" marT="6389" marB="0" anchor="b"/>
+                </a:tc>
+                <a:tc>
+                  <a:txBody>
+                    <a:bodyPr/>
+                    <a:lstStyle/>
+                    <a:p>
+                      <a:pPr algn="l" fontAlgn="b"/>
+                      <a:endParaRPr lang="fr-FR" sz="700" b="0" i="0" u="none" strike="noStrike">
+                        <a:solidFill>
+                          <a:srgbClr val="000000"/>
+                        </a:solidFill>
+                        <a:effectLst/>
+                        <a:latin typeface="Calibri" panose="020F0502020204030204" pitchFamily="34" charset="0"/>
+                      </a:endParaRPr>
+                    </a:p>
+                  </a:txBody>
+                  <a:tcPr marL="6389" marR="6389" marT="6389" marB="0" anchor="b"/>
+                </a:tc>
+                <a:extLst>
+                  <a:ext uri="{0D108BD9-81ED-4DB2-BD59-A6C34878D82A}">
+                    <a16:rowId xmlns:a16="http://schemas.microsoft.com/office/drawing/2014/main" val="3657626281"/>
+                  </a:ext>
+                </a:extLst>
+              </a:tr>
+              <a:tr h="176496">
+                <a:tc>
+                  <a:txBody>
+                    <a:bodyPr/>
+                    <a:lstStyle/>
+                    <a:p>
+                      <a:pPr algn="ctr" fontAlgn="ctr"/>
+                      <a:r>
+                        <a:rPr lang="fr-FR" sz="700" u="none" strike="noStrike">
+                          <a:effectLst/>
+                        </a:rPr>
+                        <a:t>Anthony</a:t>
+                      </a:r>
+                      <a:endParaRPr lang="fr-FR" sz="700" b="0" i="0" u="none" strike="noStrike">
+                        <a:solidFill>
+                          <a:srgbClr val="000000"/>
+                        </a:solidFill>
+                        <a:effectLst/>
+                        <a:latin typeface="Calibri" panose="020F0502020204030204" pitchFamily="34" charset="0"/>
+                      </a:endParaRPr>
+                    </a:p>
+                  </a:txBody>
+                  <a:tcPr marL="6389" marR="6389" marT="6389" marB="0" anchor="ctr"/>
+                </a:tc>
+                <a:tc>
+                  <a:txBody>
+                    <a:bodyPr/>
+                    <a:lstStyle/>
+                    <a:p>
+                      <a:pPr algn="l" fontAlgn="b"/>
+                      <a:r>
+                        <a:rPr lang="fr-FR" sz="700" u="none" strike="noStrike">
+                          <a:effectLst/>
+                        </a:rPr>
+                        <a:t>Clonage</a:t>
+                      </a:r>
+                      <a:endParaRPr lang="fr-FR" sz="700" b="0" i="0" u="none" strike="noStrike">
+                        <a:solidFill>
+                          <a:srgbClr val="000000"/>
+                        </a:solidFill>
+                        <a:effectLst/>
+                        <a:latin typeface="Calibri" panose="020F0502020204030204" pitchFamily="34" charset="0"/>
+                      </a:endParaRPr>
+                    </a:p>
+                  </a:txBody>
+                  <a:tcPr marL="6389" marR="6389" marT="6389" marB="0" anchor="b"/>
+                </a:tc>
+                <a:tc>
+                  <a:txBody>
+                    <a:bodyPr/>
+                    <a:lstStyle/>
+                    <a:p>
+                      <a:pPr algn="l" fontAlgn="b"/>
+                      <a:r>
+                        <a:rPr lang="fr-FR" sz="700" u="none" strike="noStrike" dirty="0">
+                          <a:effectLst/>
+                        </a:rPr>
+                        <a:t> </a:t>
+                      </a:r>
+                      <a:endParaRPr lang="fr-FR" sz="700" b="0" i="0" u="none" strike="noStrike" dirty="0">
+                        <a:solidFill>
+                          <a:srgbClr val="000000"/>
+                        </a:solidFill>
+                        <a:effectLst/>
+                        <a:latin typeface="Calibri" panose="020F0502020204030204" pitchFamily="34" charset="0"/>
+                      </a:endParaRPr>
+                    </a:p>
+                  </a:txBody>
+                  <a:tcPr marL="6389" marR="6389" marT="6389" marB="0" anchor="b">
+                    <a:solidFill>
+                      <a:schemeClr val="accent4"/>
+                    </a:solidFill>
+                  </a:tcPr>
+                </a:tc>
+                <a:tc>
+                  <a:txBody>
+                    <a:bodyPr/>
+                    <a:lstStyle/>
+                    <a:p>
+                      <a:pPr algn="l" fontAlgn="b"/>
+                      <a:r>
+                        <a:rPr lang="fr-FR" sz="700" u="none" strike="noStrike" dirty="0">
+                          <a:effectLst/>
+                        </a:rPr>
+                        <a:t> </a:t>
+                      </a:r>
+                      <a:endParaRPr lang="fr-FR" sz="700" b="0" i="0" u="none" strike="noStrike" dirty="0">
+                        <a:solidFill>
+                          <a:srgbClr val="000000"/>
+                        </a:solidFill>
+                        <a:effectLst/>
+                        <a:latin typeface="Calibri" panose="020F0502020204030204" pitchFamily="34" charset="0"/>
+                      </a:endParaRPr>
+                    </a:p>
+                  </a:txBody>
+                  <a:tcPr marL="6389" marR="6389" marT="6389" marB="0" anchor="b">
+                    <a:solidFill>
+                      <a:schemeClr val="accent4"/>
+                    </a:solidFill>
+                  </a:tcPr>
+                </a:tc>
+                <a:tc>
+                  <a:txBody>
+                    <a:bodyPr/>
+                    <a:lstStyle/>
+                    <a:p>
+                      <a:pPr algn="l" fontAlgn="b"/>
+                      <a:r>
+                        <a:rPr lang="fr-FR" sz="700" u="none" strike="noStrike" dirty="0">
+                          <a:effectLst/>
+                        </a:rPr>
+                        <a:t> </a:t>
+                      </a:r>
+                      <a:endParaRPr lang="fr-FR" sz="700" b="0" i="0" u="none" strike="noStrike" dirty="0">
+                        <a:solidFill>
+                          <a:srgbClr val="000000"/>
+                        </a:solidFill>
+                        <a:effectLst/>
+                        <a:latin typeface="Calibri" panose="020F0502020204030204" pitchFamily="34" charset="0"/>
+                      </a:endParaRPr>
+                    </a:p>
+                  </a:txBody>
+                  <a:tcPr marL="6389" marR="6389" marT="6389" marB="0" anchor="b">
+                    <a:solidFill>
+                      <a:schemeClr val="accent4"/>
+                    </a:solidFill>
+                  </a:tcPr>
+                </a:tc>
+                <a:tc>
+                  <a:txBody>
+                    <a:bodyPr/>
+                    <a:lstStyle/>
+                    <a:p>
+                      <a:pPr algn="l" fontAlgn="b"/>
+                      <a:r>
+                        <a:rPr lang="fr-FR" sz="700" u="none" strike="noStrike" dirty="0">
+                          <a:effectLst/>
+                        </a:rPr>
+                        <a:t> </a:t>
+                      </a:r>
+                      <a:endParaRPr lang="fr-FR" sz="700" b="0" i="0" u="none" strike="noStrike" dirty="0">
+                        <a:solidFill>
+                          <a:srgbClr val="000000"/>
+                        </a:solidFill>
+                        <a:effectLst/>
+                        <a:latin typeface="Calibri" panose="020F0502020204030204" pitchFamily="34" charset="0"/>
+                      </a:endParaRPr>
+                    </a:p>
+                  </a:txBody>
+                  <a:tcPr marL="6389" marR="6389" marT="6389" marB="0" anchor="b">
+                    <a:solidFill>
+                      <a:schemeClr val="accent4"/>
+                    </a:solidFill>
+                  </a:tcPr>
+                </a:tc>
+                <a:tc>
+                  <a:txBody>
+                    <a:bodyPr/>
+                    <a:lstStyle/>
+                    <a:p>
+                      <a:pPr algn="l" fontAlgn="b"/>
+                      <a:r>
+                        <a:rPr lang="fr-FR" sz="700" u="none" strike="noStrike" dirty="0">
+                          <a:effectLst/>
+                        </a:rPr>
+                        <a:t> </a:t>
+                      </a:r>
+                      <a:endParaRPr lang="fr-FR" sz="700" b="0" i="0" u="none" strike="noStrike" dirty="0">
+                        <a:solidFill>
+                          <a:srgbClr val="000000"/>
+                        </a:solidFill>
+                        <a:effectLst/>
+                        <a:latin typeface="Calibri" panose="020F0502020204030204" pitchFamily="34" charset="0"/>
+                      </a:endParaRPr>
+                    </a:p>
+                  </a:txBody>
+                  <a:tcPr marL="6389" marR="6389" marT="6389" marB="0" anchor="b">
+                    <a:solidFill>
+                      <a:schemeClr val="accent4"/>
+                    </a:solidFill>
+                  </a:tcPr>
+                </a:tc>
+                <a:tc>
+                  <a:txBody>
+                    <a:bodyPr/>
+                    <a:lstStyle/>
+                    <a:p>
+                      <a:pPr algn="l" fontAlgn="b"/>
+                      <a:r>
+                        <a:rPr lang="fr-FR" sz="700" u="none" strike="noStrike" dirty="0">
+                          <a:effectLst/>
+                        </a:rPr>
+                        <a:t> </a:t>
+                      </a:r>
+                      <a:endParaRPr lang="fr-FR" sz="700" b="0" i="0" u="none" strike="noStrike" dirty="0">
+                        <a:solidFill>
+                          <a:srgbClr val="000000"/>
+                        </a:solidFill>
+                        <a:effectLst/>
+                        <a:latin typeface="Calibri" panose="020F0502020204030204" pitchFamily="34" charset="0"/>
+                      </a:endParaRPr>
+                    </a:p>
+                  </a:txBody>
+                  <a:tcPr marL="6389" marR="6389" marT="6389" marB="0" anchor="b">
+                    <a:solidFill>
+                      <a:schemeClr val="accent4"/>
+                    </a:solidFill>
+                  </a:tcPr>
+                </a:tc>
+                <a:tc>
+                  <a:txBody>
+                    <a:bodyPr/>
+                    <a:lstStyle/>
+                    <a:p>
+                      <a:pPr algn="l" fontAlgn="b"/>
+                      <a:r>
+                        <a:rPr lang="fr-FR" sz="700" u="none" strike="noStrike" dirty="0">
+                          <a:effectLst/>
+                        </a:rPr>
+                        <a:t> </a:t>
+                      </a:r>
+                      <a:endParaRPr lang="fr-FR" sz="700" b="0" i="0" u="none" strike="noStrike" dirty="0">
+                        <a:solidFill>
+                          <a:srgbClr val="000000"/>
+                        </a:solidFill>
+                        <a:effectLst/>
+                        <a:latin typeface="Calibri" panose="020F0502020204030204" pitchFamily="34" charset="0"/>
+                      </a:endParaRPr>
+                    </a:p>
+                  </a:txBody>
+                  <a:tcPr marL="6389" marR="6389" marT="6389" marB="0" anchor="b">
+                    <a:solidFill>
+                      <a:schemeClr val="accent4"/>
+                    </a:solidFill>
+                  </a:tcPr>
+                </a:tc>
+                <a:tc>
+                  <a:txBody>
+                    <a:bodyPr/>
+                    <a:lstStyle/>
+                    <a:p>
+                      <a:pPr algn="l" fontAlgn="b"/>
+                      <a:endParaRPr lang="fr-FR" sz="700" b="0" i="0" u="none" strike="noStrike">
+                        <a:solidFill>
+                          <a:srgbClr val="000000"/>
+                        </a:solidFill>
+                        <a:effectLst/>
+                        <a:latin typeface="Calibri" panose="020F0502020204030204" pitchFamily="34" charset="0"/>
+                      </a:endParaRPr>
+                    </a:p>
+                  </a:txBody>
+                  <a:tcPr marL="6389" marR="6389" marT="6389" marB="0" anchor="b"/>
+                </a:tc>
+                <a:tc>
+                  <a:txBody>
+                    <a:bodyPr/>
+                    <a:lstStyle/>
+                    <a:p>
+                      <a:pPr algn="l" fontAlgn="b"/>
+                      <a:endParaRPr lang="fr-FR" sz="700" b="0" i="0" u="none" strike="noStrike">
+                        <a:solidFill>
+                          <a:srgbClr val="000000"/>
+                        </a:solidFill>
+                        <a:effectLst/>
+                        <a:latin typeface="Calibri" panose="020F0502020204030204" pitchFamily="34" charset="0"/>
+                      </a:endParaRPr>
+                    </a:p>
+                  </a:txBody>
+                  <a:tcPr marL="6389" marR="6389" marT="6389" marB="0" anchor="b"/>
+                </a:tc>
+                <a:tc>
+                  <a:txBody>
+                    <a:bodyPr/>
+                    <a:lstStyle/>
+                    <a:p>
+                      <a:pPr algn="l" fontAlgn="b"/>
+                      <a:endParaRPr lang="fr-FR" sz="700" b="0" i="0" u="none" strike="noStrike">
+                        <a:solidFill>
+                          <a:srgbClr val="000000"/>
+                        </a:solidFill>
+                        <a:effectLst/>
+                        <a:latin typeface="Calibri" panose="020F0502020204030204" pitchFamily="34" charset="0"/>
+                      </a:endParaRPr>
+                    </a:p>
+                  </a:txBody>
+                  <a:tcPr marL="6389" marR="6389" marT="6389" marB="0" anchor="b"/>
+                </a:tc>
+                <a:extLst>
+                  <a:ext uri="{0D108BD9-81ED-4DB2-BD59-A6C34878D82A}">
+                    <a16:rowId xmlns:a16="http://schemas.microsoft.com/office/drawing/2014/main" val="3463277292"/>
+                  </a:ext>
+                </a:extLst>
+              </a:tr>
+              <a:tr h="176496">
+                <a:tc>
+                  <a:txBody>
+                    <a:bodyPr/>
+                    <a:lstStyle/>
+                    <a:p>
+                      <a:pPr algn="ctr" fontAlgn="ctr"/>
+                      <a:r>
+                        <a:rPr lang="fr-FR" sz="700" u="none" strike="noStrike">
+                          <a:effectLst/>
+                        </a:rPr>
+                        <a:t> </a:t>
+                      </a:r>
+                      <a:endParaRPr lang="fr-FR" sz="700" b="0" i="0" u="none" strike="noStrike">
+                        <a:solidFill>
+                          <a:srgbClr val="000000"/>
+                        </a:solidFill>
+                        <a:effectLst/>
+                        <a:latin typeface="Calibri" panose="020F0502020204030204" pitchFamily="34" charset="0"/>
+                      </a:endParaRPr>
+                    </a:p>
+                  </a:txBody>
+                  <a:tcPr marL="6389" marR="6389" marT="6389" marB="0" anchor="ctr"/>
+                </a:tc>
+                <a:tc>
+                  <a:txBody>
+                    <a:bodyPr/>
+                    <a:lstStyle/>
+                    <a:p>
+                      <a:pPr algn="l" fontAlgn="b"/>
+                      <a:r>
+                        <a:rPr lang="fr-FR" sz="700" u="none" strike="noStrike">
+                          <a:effectLst/>
+                        </a:rPr>
+                        <a:t>Fonctionnement</a:t>
+                      </a:r>
+                      <a:endParaRPr lang="fr-FR" sz="700" b="0" i="0" u="none" strike="noStrike">
+                        <a:solidFill>
+                          <a:srgbClr val="000000"/>
+                        </a:solidFill>
+                        <a:effectLst/>
+                        <a:latin typeface="Calibri" panose="020F0502020204030204" pitchFamily="34" charset="0"/>
+                      </a:endParaRPr>
+                    </a:p>
+                  </a:txBody>
+                  <a:tcPr marL="6389" marR="6389" marT="6389" marB="0" anchor="b"/>
+                </a:tc>
+                <a:tc>
+                  <a:txBody>
+                    <a:bodyPr/>
+                    <a:lstStyle/>
+                    <a:p>
+                      <a:pPr algn="l" fontAlgn="b"/>
+                      <a:r>
+                        <a:rPr lang="fr-FR" sz="700" u="none" strike="noStrike" dirty="0">
+                          <a:effectLst/>
+                        </a:rPr>
+                        <a:t> </a:t>
+                      </a:r>
+                      <a:endParaRPr lang="fr-FR" sz="700" b="0" i="0" u="none" strike="noStrike" dirty="0">
+                        <a:solidFill>
+                          <a:srgbClr val="000000"/>
+                        </a:solidFill>
+                        <a:effectLst/>
+                        <a:latin typeface="Calibri" panose="020F0502020204030204" pitchFamily="34" charset="0"/>
+                      </a:endParaRPr>
+                    </a:p>
+                  </a:txBody>
+                  <a:tcPr marL="6389" marR="6389" marT="6389" marB="0" anchor="b">
+                    <a:solidFill>
+                      <a:schemeClr val="accent4">
+                        <a:lumMod val="40000"/>
+                        <a:lumOff val="60000"/>
+                      </a:schemeClr>
+                    </a:solidFill>
+                  </a:tcPr>
+                </a:tc>
+                <a:tc>
+                  <a:txBody>
+                    <a:bodyPr/>
+                    <a:lstStyle/>
+                    <a:p>
+                      <a:pPr algn="l" fontAlgn="b"/>
+                      <a:r>
+                        <a:rPr lang="fr-FR" sz="700" u="none" strike="noStrike" dirty="0">
+                          <a:effectLst/>
+                        </a:rPr>
+                        <a:t> </a:t>
+                      </a:r>
+                      <a:endParaRPr lang="fr-FR" sz="700" b="0" i="0" u="none" strike="noStrike" dirty="0">
+                        <a:solidFill>
+                          <a:srgbClr val="000000"/>
+                        </a:solidFill>
+                        <a:effectLst/>
+                        <a:latin typeface="Calibri" panose="020F0502020204030204" pitchFamily="34" charset="0"/>
+                      </a:endParaRPr>
+                    </a:p>
+                  </a:txBody>
+                  <a:tcPr marL="6389" marR="6389" marT="6389" marB="0" anchor="b">
+                    <a:solidFill>
+                      <a:schemeClr val="accent4">
+                        <a:lumMod val="40000"/>
+                        <a:lumOff val="60000"/>
+                      </a:schemeClr>
+                    </a:solidFill>
+                  </a:tcPr>
+                </a:tc>
+                <a:tc>
+                  <a:txBody>
+                    <a:bodyPr/>
+                    <a:lstStyle/>
+                    <a:p>
+                      <a:pPr algn="l" fontAlgn="b"/>
+                      <a:r>
+                        <a:rPr lang="fr-FR" sz="700" u="none" strike="noStrike" dirty="0">
+                          <a:effectLst/>
+                        </a:rPr>
+                        <a:t> </a:t>
+                      </a:r>
+                      <a:endParaRPr lang="fr-FR" sz="700" b="0" i="0" u="none" strike="noStrike" dirty="0">
+                        <a:solidFill>
+                          <a:srgbClr val="000000"/>
+                        </a:solidFill>
+                        <a:effectLst/>
+                        <a:latin typeface="Calibri" panose="020F0502020204030204" pitchFamily="34" charset="0"/>
+                      </a:endParaRPr>
+                    </a:p>
+                  </a:txBody>
+                  <a:tcPr marL="6389" marR="6389" marT="6389" marB="0" anchor="b">
+                    <a:solidFill>
+                      <a:schemeClr val="accent4">
+                        <a:lumMod val="40000"/>
+                        <a:lumOff val="60000"/>
+                      </a:schemeClr>
+                    </a:solidFill>
+                  </a:tcPr>
+                </a:tc>
+                <a:tc>
+                  <a:txBody>
+                    <a:bodyPr/>
+                    <a:lstStyle/>
+                    <a:p>
+                      <a:pPr algn="l" fontAlgn="b"/>
+                      <a:endParaRPr lang="fr-FR" sz="700" b="0" i="0" u="none" strike="noStrike">
+                        <a:solidFill>
+                          <a:srgbClr val="000000"/>
+                        </a:solidFill>
+                        <a:effectLst/>
+                        <a:latin typeface="Calibri" panose="020F0502020204030204" pitchFamily="34" charset="0"/>
+                      </a:endParaRPr>
+                    </a:p>
+                  </a:txBody>
+                  <a:tcPr marL="6389" marR="6389" marT="6389" marB="0" anchor="b"/>
+                </a:tc>
+                <a:tc>
+                  <a:txBody>
+                    <a:bodyPr/>
+                    <a:lstStyle/>
+                    <a:p>
+                      <a:pPr algn="l" fontAlgn="b"/>
+                      <a:endParaRPr lang="fr-FR" sz="700" b="0" i="0" u="none" strike="noStrike">
+                        <a:solidFill>
+                          <a:srgbClr val="000000"/>
+                        </a:solidFill>
+                        <a:effectLst/>
+                        <a:latin typeface="Calibri" panose="020F0502020204030204" pitchFamily="34" charset="0"/>
+                      </a:endParaRPr>
+                    </a:p>
+                  </a:txBody>
+                  <a:tcPr marL="6389" marR="6389" marT="6389" marB="0" anchor="b"/>
+                </a:tc>
+                <a:tc>
+                  <a:txBody>
+                    <a:bodyPr/>
+                    <a:lstStyle/>
+                    <a:p>
+                      <a:pPr algn="l" fontAlgn="b"/>
+                      <a:endParaRPr lang="fr-FR" sz="700" b="0" i="0" u="none" strike="noStrike">
+                        <a:solidFill>
+                          <a:srgbClr val="000000"/>
+                        </a:solidFill>
+                        <a:effectLst/>
+                        <a:latin typeface="Calibri" panose="020F0502020204030204" pitchFamily="34" charset="0"/>
+                      </a:endParaRPr>
+                    </a:p>
+                  </a:txBody>
+                  <a:tcPr marL="6389" marR="6389" marT="6389" marB="0" anchor="b"/>
+                </a:tc>
+                <a:tc>
+                  <a:txBody>
+                    <a:bodyPr/>
+                    <a:lstStyle/>
+                    <a:p>
+                      <a:pPr algn="l" fontAlgn="b"/>
+                      <a:endParaRPr lang="fr-FR" sz="700" b="0" i="0" u="none" strike="noStrike">
+                        <a:solidFill>
+                          <a:srgbClr val="000000"/>
+                        </a:solidFill>
+                        <a:effectLst/>
+                        <a:latin typeface="Calibri" panose="020F0502020204030204" pitchFamily="34" charset="0"/>
+                      </a:endParaRPr>
+                    </a:p>
+                  </a:txBody>
+                  <a:tcPr marL="6389" marR="6389" marT="6389" marB="0" anchor="b"/>
+                </a:tc>
+                <a:tc>
+                  <a:txBody>
+                    <a:bodyPr/>
+                    <a:lstStyle/>
+                    <a:p>
+                      <a:pPr algn="l" fontAlgn="b"/>
+                      <a:endParaRPr lang="fr-FR" sz="700" b="0" i="0" u="none" strike="noStrike">
+                        <a:solidFill>
+                          <a:srgbClr val="000000"/>
+                        </a:solidFill>
+                        <a:effectLst/>
+                        <a:latin typeface="Calibri" panose="020F0502020204030204" pitchFamily="34" charset="0"/>
+                      </a:endParaRPr>
+                    </a:p>
+                  </a:txBody>
+                  <a:tcPr marL="6389" marR="6389" marT="6389" marB="0" anchor="b"/>
+                </a:tc>
+                <a:tc>
+                  <a:txBody>
+                    <a:bodyPr/>
+                    <a:lstStyle/>
+                    <a:p>
+                      <a:pPr algn="l" fontAlgn="b"/>
+                      <a:endParaRPr lang="fr-FR" sz="700" b="0" i="0" u="none" strike="noStrike">
+                        <a:solidFill>
+                          <a:srgbClr val="000000"/>
+                        </a:solidFill>
+                        <a:effectLst/>
+                        <a:latin typeface="Calibri" panose="020F0502020204030204" pitchFamily="34" charset="0"/>
+                      </a:endParaRPr>
+                    </a:p>
+                  </a:txBody>
+                  <a:tcPr marL="6389" marR="6389" marT="6389" marB="0" anchor="b"/>
+                </a:tc>
+                <a:tc>
+                  <a:txBody>
+                    <a:bodyPr/>
+                    <a:lstStyle/>
+                    <a:p>
+                      <a:pPr algn="l" fontAlgn="b"/>
+                      <a:endParaRPr lang="fr-FR" sz="700" b="0" i="0" u="none" strike="noStrike">
+                        <a:solidFill>
+                          <a:srgbClr val="000000"/>
+                        </a:solidFill>
+                        <a:effectLst/>
+                        <a:latin typeface="Calibri" panose="020F0502020204030204" pitchFamily="34" charset="0"/>
+                      </a:endParaRPr>
+                    </a:p>
+                  </a:txBody>
+                  <a:tcPr marL="6389" marR="6389" marT="6389" marB="0" anchor="b"/>
+                </a:tc>
+                <a:extLst>
+                  <a:ext uri="{0D108BD9-81ED-4DB2-BD59-A6C34878D82A}">
+                    <a16:rowId xmlns:a16="http://schemas.microsoft.com/office/drawing/2014/main" val="1830441909"/>
+                  </a:ext>
+                </a:extLst>
+              </a:tr>
+              <a:tr h="176496">
+                <a:tc>
+                  <a:txBody>
+                    <a:bodyPr/>
+                    <a:lstStyle/>
+                    <a:p>
+                      <a:pPr algn="ctr" fontAlgn="ctr"/>
+                      <a:r>
+                        <a:rPr lang="fr-FR" sz="700" u="none" strike="noStrike">
+                          <a:effectLst/>
+                        </a:rPr>
+                        <a:t> </a:t>
+                      </a:r>
+                      <a:endParaRPr lang="fr-FR" sz="700" b="0" i="0" u="none" strike="noStrike">
+                        <a:solidFill>
+                          <a:srgbClr val="000000"/>
+                        </a:solidFill>
+                        <a:effectLst/>
+                        <a:latin typeface="Calibri" panose="020F0502020204030204" pitchFamily="34" charset="0"/>
+                      </a:endParaRPr>
+                    </a:p>
+                  </a:txBody>
+                  <a:tcPr marL="6389" marR="6389" marT="6389" marB="0" anchor="ctr"/>
+                </a:tc>
+                <a:tc>
+                  <a:txBody>
+                    <a:bodyPr/>
+                    <a:lstStyle/>
+                    <a:p>
+                      <a:pPr algn="l" fontAlgn="b"/>
+                      <a:r>
+                        <a:rPr lang="fr-FR" sz="700" b="0" i="0" u="none" strike="noStrike" dirty="0">
+                          <a:solidFill>
+                            <a:srgbClr val="000000"/>
+                          </a:solidFill>
+                          <a:effectLst/>
+                          <a:latin typeface="Calibri" panose="020F0502020204030204" pitchFamily="34" charset="0"/>
+                        </a:rPr>
+                        <a:t>Mise en place d’une machine</a:t>
+                      </a:r>
+                    </a:p>
+                  </a:txBody>
+                  <a:tcPr marL="6389" marR="6389" marT="6389" marB="0" anchor="b"/>
+                </a:tc>
+                <a:tc>
+                  <a:txBody>
+                    <a:bodyPr/>
+                    <a:lstStyle/>
+                    <a:p>
+                      <a:pPr algn="l" fontAlgn="b"/>
+                      <a:endParaRPr lang="fr-FR" sz="700" b="0" i="0" u="none" strike="noStrike">
+                        <a:solidFill>
+                          <a:srgbClr val="000000"/>
+                        </a:solidFill>
+                        <a:effectLst/>
+                        <a:latin typeface="Calibri" panose="020F0502020204030204" pitchFamily="34" charset="0"/>
+                      </a:endParaRPr>
+                    </a:p>
+                  </a:txBody>
+                  <a:tcPr marL="6389" marR="6389" marT="6389" marB="0" anchor="b"/>
+                </a:tc>
+                <a:tc>
+                  <a:txBody>
+                    <a:bodyPr/>
+                    <a:lstStyle/>
+                    <a:p>
+                      <a:pPr algn="l" fontAlgn="b"/>
+                      <a:endParaRPr lang="fr-FR" sz="700" b="0" i="0" u="none" strike="noStrike">
+                        <a:solidFill>
+                          <a:srgbClr val="000000"/>
+                        </a:solidFill>
+                        <a:effectLst/>
+                        <a:latin typeface="Calibri" panose="020F0502020204030204" pitchFamily="34" charset="0"/>
+                      </a:endParaRPr>
+                    </a:p>
+                  </a:txBody>
+                  <a:tcPr marL="6389" marR="6389" marT="6389" marB="0" anchor="b"/>
+                </a:tc>
+                <a:tc>
+                  <a:txBody>
+                    <a:bodyPr/>
+                    <a:lstStyle/>
+                    <a:p>
+                      <a:pPr algn="l" fontAlgn="b"/>
+                      <a:endParaRPr lang="fr-FR" sz="700" b="0" i="0" u="none" strike="noStrike">
+                        <a:solidFill>
+                          <a:srgbClr val="000000"/>
+                        </a:solidFill>
+                        <a:effectLst/>
+                        <a:latin typeface="Calibri" panose="020F0502020204030204" pitchFamily="34" charset="0"/>
+                      </a:endParaRPr>
+                    </a:p>
+                  </a:txBody>
+                  <a:tcPr marL="6389" marR="6389" marT="6389" marB="0" anchor="b"/>
+                </a:tc>
+                <a:tc>
+                  <a:txBody>
+                    <a:bodyPr/>
+                    <a:lstStyle/>
+                    <a:p>
+                      <a:pPr algn="l" fontAlgn="b"/>
+                      <a:r>
+                        <a:rPr lang="fr-FR" sz="700" u="none" strike="noStrike" dirty="0">
+                          <a:effectLst/>
+                        </a:rPr>
+                        <a:t> </a:t>
+                      </a:r>
+                      <a:endParaRPr lang="fr-FR" sz="700" b="0" i="0" u="none" strike="noStrike" dirty="0">
+                        <a:solidFill>
+                          <a:srgbClr val="000000"/>
+                        </a:solidFill>
+                        <a:effectLst/>
+                        <a:latin typeface="Calibri" panose="020F0502020204030204" pitchFamily="34" charset="0"/>
+                      </a:endParaRPr>
+                    </a:p>
+                  </a:txBody>
+                  <a:tcPr marL="6389" marR="6389" marT="6389" marB="0" anchor="b">
+                    <a:solidFill>
+                      <a:schemeClr val="accent4">
+                        <a:lumMod val="60000"/>
+                        <a:lumOff val="40000"/>
+                      </a:schemeClr>
+                    </a:solidFill>
+                  </a:tcPr>
+                </a:tc>
+                <a:tc>
+                  <a:txBody>
+                    <a:bodyPr/>
+                    <a:lstStyle/>
+                    <a:p>
+                      <a:pPr algn="l" fontAlgn="b"/>
+                      <a:r>
+                        <a:rPr lang="fr-FR" sz="700" u="none" strike="noStrike" dirty="0">
+                          <a:effectLst/>
+                        </a:rPr>
+                        <a:t> </a:t>
+                      </a:r>
+                      <a:endParaRPr lang="fr-FR" sz="700" b="0" i="0" u="none" strike="noStrike" dirty="0">
+                        <a:solidFill>
+                          <a:srgbClr val="000000"/>
+                        </a:solidFill>
+                        <a:effectLst/>
+                        <a:latin typeface="Calibri" panose="020F0502020204030204" pitchFamily="34" charset="0"/>
+                      </a:endParaRPr>
+                    </a:p>
+                  </a:txBody>
+                  <a:tcPr marL="6389" marR="6389" marT="6389" marB="0" anchor="b">
+                    <a:solidFill>
+                      <a:schemeClr val="accent4">
+                        <a:lumMod val="60000"/>
+                        <a:lumOff val="40000"/>
+                      </a:schemeClr>
+                    </a:solidFill>
+                  </a:tcPr>
+                </a:tc>
+                <a:tc>
+                  <a:txBody>
+                    <a:bodyPr/>
+                    <a:lstStyle/>
+                    <a:p>
+                      <a:pPr algn="l" fontAlgn="b"/>
+                      <a:r>
+                        <a:rPr lang="fr-FR" sz="700" u="none" strike="noStrike" dirty="0">
+                          <a:effectLst/>
+                        </a:rPr>
+                        <a:t> </a:t>
+                      </a:r>
+                      <a:endParaRPr lang="fr-FR" sz="700" b="0" i="0" u="none" strike="noStrike" dirty="0">
+                        <a:solidFill>
+                          <a:srgbClr val="000000"/>
+                        </a:solidFill>
+                        <a:effectLst/>
+                        <a:latin typeface="Calibri" panose="020F0502020204030204" pitchFamily="34" charset="0"/>
+                      </a:endParaRPr>
+                    </a:p>
+                  </a:txBody>
+                  <a:tcPr marL="6389" marR="6389" marT="6389" marB="0" anchor="b">
+                    <a:solidFill>
+                      <a:schemeClr val="accent4">
+                        <a:lumMod val="60000"/>
+                        <a:lumOff val="40000"/>
+                      </a:schemeClr>
+                    </a:solidFill>
+                  </a:tcPr>
+                </a:tc>
+                <a:tc>
+                  <a:txBody>
+                    <a:bodyPr/>
+                    <a:lstStyle/>
+                    <a:p>
+                      <a:pPr algn="l" fontAlgn="b"/>
+                      <a:r>
+                        <a:rPr lang="fr-FR" sz="700" u="none" strike="noStrike" dirty="0">
+                          <a:effectLst/>
+                        </a:rPr>
+                        <a:t> </a:t>
+                      </a:r>
+                      <a:endParaRPr lang="fr-FR" sz="700" b="0" i="0" u="none" strike="noStrike" dirty="0">
+                        <a:solidFill>
+                          <a:srgbClr val="000000"/>
+                        </a:solidFill>
+                        <a:effectLst/>
+                        <a:latin typeface="Calibri" panose="020F0502020204030204" pitchFamily="34" charset="0"/>
+                      </a:endParaRPr>
+                    </a:p>
+                  </a:txBody>
+                  <a:tcPr marL="6389" marR="6389" marT="6389" marB="0" anchor="b">
+                    <a:solidFill>
+                      <a:schemeClr val="accent4">
+                        <a:lumMod val="60000"/>
+                        <a:lumOff val="40000"/>
+                      </a:schemeClr>
+                    </a:solidFill>
+                  </a:tcPr>
+                </a:tc>
+                <a:tc>
+                  <a:txBody>
+                    <a:bodyPr/>
+                    <a:lstStyle/>
+                    <a:p>
+                      <a:pPr algn="l" fontAlgn="b"/>
+                      <a:endParaRPr lang="fr-FR" sz="700" b="0" i="0" u="none" strike="noStrike">
+                        <a:solidFill>
+                          <a:srgbClr val="000000"/>
+                        </a:solidFill>
+                        <a:effectLst/>
+                        <a:latin typeface="Calibri" panose="020F0502020204030204" pitchFamily="34" charset="0"/>
+                      </a:endParaRPr>
+                    </a:p>
+                  </a:txBody>
+                  <a:tcPr marL="6389" marR="6389" marT="6389" marB="0" anchor="b"/>
+                </a:tc>
+                <a:tc>
+                  <a:txBody>
+                    <a:bodyPr/>
+                    <a:lstStyle/>
+                    <a:p>
+                      <a:pPr algn="l" fontAlgn="b"/>
+                      <a:endParaRPr lang="fr-FR" sz="700" b="0" i="0" u="none" strike="noStrike">
+                        <a:solidFill>
+                          <a:srgbClr val="000000"/>
+                        </a:solidFill>
+                        <a:effectLst/>
+                        <a:latin typeface="Calibri" panose="020F0502020204030204" pitchFamily="34" charset="0"/>
+                      </a:endParaRPr>
+                    </a:p>
+                  </a:txBody>
+                  <a:tcPr marL="6389" marR="6389" marT="6389" marB="0" anchor="b"/>
+                </a:tc>
+                <a:tc>
+                  <a:txBody>
+                    <a:bodyPr/>
+                    <a:lstStyle/>
+                    <a:p>
+                      <a:pPr algn="l" fontAlgn="b"/>
+                      <a:endParaRPr lang="fr-FR" sz="700" b="0" i="0" u="none" strike="noStrike">
+                        <a:solidFill>
+                          <a:srgbClr val="000000"/>
+                        </a:solidFill>
+                        <a:effectLst/>
+                        <a:latin typeface="Calibri" panose="020F0502020204030204" pitchFamily="34" charset="0"/>
+                      </a:endParaRPr>
+                    </a:p>
+                  </a:txBody>
+                  <a:tcPr marL="6389" marR="6389" marT="6389" marB="0" anchor="b"/>
+                </a:tc>
+                <a:extLst>
+                  <a:ext uri="{0D108BD9-81ED-4DB2-BD59-A6C34878D82A}">
+                    <a16:rowId xmlns:a16="http://schemas.microsoft.com/office/drawing/2014/main" val="3129967774"/>
+                  </a:ext>
+                </a:extLst>
+              </a:tr>
+              <a:tr h="185321">
+                <a:tc>
+                  <a:txBody>
+                    <a:bodyPr/>
+                    <a:lstStyle/>
+                    <a:p>
+                      <a:pPr algn="ctr" fontAlgn="ctr"/>
+                      <a:r>
+                        <a:rPr lang="fr-FR" sz="700" u="none" strike="noStrike">
+                          <a:effectLst/>
+                        </a:rPr>
+                        <a:t> </a:t>
+                      </a:r>
+                      <a:endParaRPr lang="fr-FR" sz="700" b="0" i="0" u="none" strike="noStrike">
+                        <a:solidFill>
+                          <a:srgbClr val="000000"/>
+                        </a:solidFill>
+                        <a:effectLst/>
+                        <a:latin typeface="Calibri" panose="020F0502020204030204" pitchFamily="34" charset="0"/>
+                      </a:endParaRPr>
+                    </a:p>
+                  </a:txBody>
+                  <a:tcPr marL="6389" marR="6389" marT="6389" marB="0" anchor="ctr"/>
+                </a:tc>
+                <a:tc>
+                  <a:txBody>
+                    <a:bodyPr/>
+                    <a:lstStyle/>
+                    <a:p>
+                      <a:pPr algn="l" fontAlgn="b"/>
+                      <a:r>
+                        <a:rPr lang="fr-FR" sz="700" u="none" strike="noStrike">
+                          <a:effectLst/>
+                        </a:rPr>
+                        <a:t> </a:t>
+                      </a:r>
+                      <a:endParaRPr lang="fr-FR" sz="700" b="0" i="0" u="none" strike="noStrike">
+                        <a:solidFill>
+                          <a:srgbClr val="000000"/>
+                        </a:solidFill>
+                        <a:effectLst/>
+                        <a:latin typeface="Calibri" panose="020F0502020204030204" pitchFamily="34" charset="0"/>
+                      </a:endParaRPr>
+                    </a:p>
+                  </a:txBody>
+                  <a:tcPr marL="6389" marR="6389" marT="6389" marB="0" anchor="b"/>
+                </a:tc>
+                <a:tc>
+                  <a:txBody>
+                    <a:bodyPr/>
+                    <a:lstStyle/>
+                    <a:p>
+                      <a:pPr algn="l" fontAlgn="b"/>
+                      <a:endParaRPr lang="fr-FR" sz="700" b="0" i="0" u="none" strike="noStrike">
+                        <a:solidFill>
+                          <a:srgbClr val="000000"/>
+                        </a:solidFill>
+                        <a:effectLst/>
+                        <a:latin typeface="Calibri" panose="020F0502020204030204" pitchFamily="34" charset="0"/>
+                      </a:endParaRPr>
+                    </a:p>
+                  </a:txBody>
+                  <a:tcPr marL="6389" marR="6389" marT="6389" marB="0" anchor="b"/>
+                </a:tc>
+                <a:tc>
+                  <a:txBody>
+                    <a:bodyPr/>
+                    <a:lstStyle/>
+                    <a:p>
+                      <a:pPr algn="l" fontAlgn="b"/>
+                      <a:endParaRPr lang="fr-FR" sz="700" b="0" i="0" u="none" strike="noStrike">
+                        <a:solidFill>
+                          <a:srgbClr val="000000"/>
+                        </a:solidFill>
+                        <a:effectLst/>
+                        <a:latin typeface="Calibri" panose="020F0502020204030204" pitchFamily="34" charset="0"/>
+                      </a:endParaRPr>
+                    </a:p>
+                  </a:txBody>
+                  <a:tcPr marL="6389" marR="6389" marT="6389" marB="0" anchor="b"/>
+                </a:tc>
+                <a:tc>
+                  <a:txBody>
+                    <a:bodyPr/>
+                    <a:lstStyle/>
+                    <a:p>
+                      <a:pPr algn="l" fontAlgn="b"/>
+                      <a:endParaRPr lang="fr-FR" sz="700" b="0" i="0" u="none" strike="noStrike">
+                        <a:solidFill>
+                          <a:srgbClr val="000000"/>
+                        </a:solidFill>
+                        <a:effectLst/>
+                        <a:latin typeface="Calibri" panose="020F0502020204030204" pitchFamily="34" charset="0"/>
+                      </a:endParaRPr>
+                    </a:p>
+                  </a:txBody>
+                  <a:tcPr marL="6389" marR="6389" marT="6389" marB="0" anchor="b"/>
+                </a:tc>
+                <a:tc>
+                  <a:txBody>
+                    <a:bodyPr/>
+                    <a:lstStyle/>
+                    <a:p>
+                      <a:pPr algn="l" fontAlgn="b"/>
+                      <a:endParaRPr lang="fr-FR" sz="700" b="0" i="0" u="none" strike="noStrike">
+                        <a:solidFill>
+                          <a:srgbClr val="000000"/>
+                        </a:solidFill>
+                        <a:effectLst/>
+                        <a:latin typeface="Calibri" panose="020F0502020204030204" pitchFamily="34" charset="0"/>
+                      </a:endParaRPr>
+                    </a:p>
+                  </a:txBody>
+                  <a:tcPr marL="6389" marR="6389" marT="6389" marB="0" anchor="b"/>
+                </a:tc>
+                <a:tc>
+                  <a:txBody>
+                    <a:bodyPr/>
+                    <a:lstStyle/>
+                    <a:p>
+                      <a:pPr algn="l" fontAlgn="b"/>
+                      <a:endParaRPr lang="fr-FR" sz="700" b="0" i="0" u="none" strike="noStrike">
+                        <a:solidFill>
+                          <a:srgbClr val="000000"/>
+                        </a:solidFill>
+                        <a:effectLst/>
+                        <a:latin typeface="Calibri" panose="020F0502020204030204" pitchFamily="34" charset="0"/>
+                      </a:endParaRPr>
+                    </a:p>
+                  </a:txBody>
+                  <a:tcPr marL="6389" marR="6389" marT="6389" marB="0" anchor="b"/>
+                </a:tc>
+                <a:tc>
+                  <a:txBody>
+                    <a:bodyPr/>
+                    <a:lstStyle/>
+                    <a:p>
+                      <a:pPr algn="l" fontAlgn="b"/>
+                      <a:endParaRPr lang="fr-FR" sz="700" b="0" i="0" u="none" strike="noStrike">
+                        <a:solidFill>
+                          <a:srgbClr val="000000"/>
+                        </a:solidFill>
+                        <a:effectLst/>
+                        <a:latin typeface="Calibri" panose="020F0502020204030204" pitchFamily="34" charset="0"/>
+                      </a:endParaRPr>
+                    </a:p>
+                  </a:txBody>
+                  <a:tcPr marL="6389" marR="6389" marT="6389" marB="0" anchor="b"/>
+                </a:tc>
+                <a:tc>
+                  <a:txBody>
+                    <a:bodyPr/>
+                    <a:lstStyle/>
+                    <a:p>
+                      <a:pPr algn="l" fontAlgn="b"/>
+                      <a:endParaRPr lang="fr-FR" sz="700" b="0" i="0" u="none" strike="noStrike">
+                        <a:solidFill>
+                          <a:srgbClr val="000000"/>
+                        </a:solidFill>
+                        <a:effectLst/>
+                        <a:latin typeface="Calibri" panose="020F0502020204030204" pitchFamily="34" charset="0"/>
+                      </a:endParaRPr>
+                    </a:p>
+                  </a:txBody>
+                  <a:tcPr marL="6389" marR="6389" marT="6389" marB="0" anchor="b"/>
+                </a:tc>
+                <a:tc>
+                  <a:txBody>
+                    <a:bodyPr/>
+                    <a:lstStyle/>
+                    <a:p>
+                      <a:pPr algn="l" fontAlgn="b"/>
+                      <a:endParaRPr lang="fr-FR" sz="700" b="0" i="0" u="none" strike="noStrike">
+                        <a:solidFill>
+                          <a:srgbClr val="000000"/>
+                        </a:solidFill>
+                        <a:effectLst/>
+                        <a:latin typeface="Calibri" panose="020F0502020204030204" pitchFamily="34" charset="0"/>
+                      </a:endParaRPr>
+                    </a:p>
+                  </a:txBody>
+                  <a:tcPr marL="6389" marR="6389" marT="6389" marB="0" anchor="b"/>
+                </a:tc>
+                <a:tc>
+                  <a:txBody>
+                    <a:bodyPr/>
+                    <a:lstStyle/>
+                    <a:p>
+                      <a:pPr algn="l" fontAlgn="b"/>
+                      <a:endParaRPr lang="fr-FR" sz="700" b="0" i="0" u="none" strike="noStrike">
+                        <a:solidFill>
+                          <a:srgbClr val="000000"/>
+                        </a:solidFill>
+                        <a:effectLst/>
+                        <a:latin typeface="Calibri" panose="020F0502020204030204" pitchFamily="34" charset="0"/>
+                      </a:endParaRPr>
+                    </a:p>
+                  </a:txBody>
+                  <a:tcPr marL="6389" marR="6389" marT="6389" marB="0" anchor="b"/>
+                </a:tc>
+                <a:tc>
+                  <a:txBody>
+                    <a:bodyPr/>
+                    <a:lstStyle/>
+                    <a:p>
+                      <a:pPr algn="l" fontAlgn="b"/>
+                      <a:endParaRPr lang="fr-FR" sz="700" b="0" i="0" u="none" strike="noStrike">
+                        <a:solidFill>
+                          <a:srgbClr val="000000"/>
+                        </a:solidFill>
+                        <a:effectLst/>
+                        <a:latin typeface="Calibri" panose="020F0502020204030204" pitchFamily="34" charset="0"/>
+                      </a:endParaRPr>
+                    </a:p>
+                  </a:txBody>
+                  <a:tcPr marL="6389" marR="6389" marT="6389" marB="0" anchor="b"/>
+                </a:tc>
+                <a:extLst>
+                  <a:ext uri="{0D108BD9-81ED-4DB2-BD59-A6C34878D82A}">
+                    <a16:rowId xmlns:a16="http://schemas.microsoft.com/office/drawing/2014/main" val="4063735121"/>
+                  </a:ext>
+                </a:extLst>
+              </a:tr>
+              <a:tr h="176496">
+                <a:tc>
+                  <a:txBody>
+                    <a:bodyPr/>
+                    <a:lstStyle/>
+                    <a:p>
+                      <a:pPr algn="ctr" fontAlgn="ctr"/>
+                      <a:r>
+                        <a:rPr lang="fr-FR" sz="700" u="none" strike="noStrike">
+                          <a:effectLst/>
+                        </a:rPr>
+                        <a:t>Bruno</a:t>
+                      </a:r>
+                      <a:endParaRPr lang="fr-FR" sz="700" b="0" i="0" u="none" strike="noStrike">
+                        <a:solidFill>
+                          <a:srgbClr val="000000"/>
+                        </a:solidFill>
+                        <a:effectLst/>
+                        <a:latin typeface="Calibri" panose="020F0502020204030204" pitchFamily="34" charset="0"/>
+                      </a:endParaRPr>
+                    </a:p>
+                  </a:txBody>
+                  <a:tcPr marL="6389" marR="6389" marT="6389" marB="0" anchor="ctr"/>
+                </a:tc>
+                <a:tc>
+                  <a:txBody>
+                    <a:bodyPr/>
+                    <a:lstStyle/>
+                    <a:p>
+                      <a:pPr algn="l" fontAlgn="b"/>
+                      <a:r>
+                        <a:rPr lang="fr-FR" sz="700" u="none" strike="noStrike">
+                          <a:effectLst/>
+                        </a:rPr>
+                        <a:t>Maquette</a:t>
+                      </a:r>
+                      <a:endParaRPr lang="fr-FR" sz="700" b="0" i="0" u="none" strike="noStrike">
+                        <a:solidFill>
+                          <a:srgbClr val="000000"/>
+                        </a:solidFill>
+                        <a:effectLst/>
+                        <a:latin typeface="Calibri" panose="020F0502020204030204" pitchFamily="34" charset="0"/>
+                      </a:endParaRPr>
+                    </a:p>
+                  </a:txBody>
+                  <a:tcPr marL="6389" marR="6389" marT="6389" marB="0" anchor="b"/>
+                </a:tc>
+                <a:tc>
+                  <a:txBody>
+                    <a:bodyPr/>
+                    <a:lstStyle/>
+                    <a:p>
+                      <a:pPr algn="l" fontAlgn="b"/>
+                      <a:r>
+                        <a:rPr lang="fr-FR" sz="700" u="none" strike="noStrike" dirty="0">
+                          <a:effectLst/>
+                        </a:rPr>
+                        <a:t> </a:t>
+                      </a:r>
+                      <a:endParaRPr lang="fr-FR" sz="700" b="0" i="0" u="none" strike="noStrike" dirty="0">
+                        <a:solidFill>
+                          <a:srgbClr val="000000"/>
+                        </a:solidFill>
+                        <a:effectLst/>
+                        <a:latin typeface="Calibri" panose="020F0502020204030204" pitchFamily="34" charset="0"/>
+                      </a:endParaRPr>
+                    </a:p>
+                  </a:txBody>
+                  <a:tcPr marL="6389" marR="6389" marT="6389" marB="0" anchor="b">
+                    <a:solidFill>
+                      <a:schemeClr val="bg2">
+                        <a:lumMod val="50000"/>
+                      </a:schemeClr>
+                    </a:solidFill>
+                  </a:tcPr>
+                </a:tc>
+                <a:tc>
+                  <a:txBody>
+                    <a:bodyPr/>
+                    <a:lstStyle/>
+                    <a:p>
+                      <a:pPr algn="l" fontAlgn="b"/>
+                      <a:r>
+                        <a:rPr lang="fr-FR" sz="700" u="none" strike="noStrike" dirty="0">
+                          <a:effectLst/>
+                        </a:rPr>
+                        <a:t> </a:t>
+                      </a:r>
+                      <a:endParaRPr lang="fr-FR" sz="700" b="0" i="0" u="none" strike="noStrike" dirty="0">
+                        <a:solidFill>
+                          <a:srgbClr val="000000"/>
+                        </a:solidFill>
+                        <a:effectLst/>
+                        <a:latin typeface="Calibri" panose="020F0502020204030204" pitchFamily="34" charset="0"/>
+                      </a:endParaRPr>
+                    </a:p>
+                  </a:txBody>
+                  <a:tcPr marL="6389" marR="6389" marT="6389" marB="0" anchor="b">
+                    <a:solidFill>
+                      <a:schemeClr val="bg2">
+                        <a:lumMod val="50000"/>
+                      </a:schemeClr>
+                    </a:solidFill>
+                  </a:tcPr>
+                </a:tc>
+                <a:tc>
+                  <a:txBody>
+                    <a:bodyPr/>
+                    <a:lstStyle/>
+                    <a:p>
+                      <a:pPr algn="l" fontAlgn="b"/>
+                      <a:r>
+                        <a:rPr lang="fr-FR" sz="700" u="none" strike="noStrike" dirty="0">
+                          <a:effectLst/>
+                        </a:rPr>
+                        <a:t> </a:t>
+                      </a:r>
+                      <a:endParaRPr lang="fr-FR" sz="700" b="0" i="0" u="none" strike="noStrike" dirty="0">
+                        <a:solidFill>
+                          <a:srgbClr val="000000"/>
+                        </a:solidFill>
+                        <a:effectLst/>
+                        <a:latin typeface="Calibri" panose="020F0502020204030204" pitchFamily="34" charset="0"/>
+                      </a:endParaRPr>
+                    </a:p>
+                  </a:txBody>
+                  <a:tcPr marL="6389" marR="6389" marT="6389" marB="0" anchor="b">
+                    <a:solidFill>
+                      <a:schemeClr val="bg2">
+                        <a:lumMod val="50000"/>
+                      </a:schemeClr>
+                    </a:solidFill>
+                  </a:tcPr>
+                </a:tc>
+                <a:tc>
+                  <a:txBody>
+                    <a:bodyPr/>
+                    <a:lstStyle/>
+                    <a:p>
+                      <a:pPr algn="l" fontAlgn="b"/>
+                      <a:endParaRPr lang="fr-FR" sz="700" b="0" i="0" u="none" strike="noStrike">
+                        <a:solidFill>
+                          <a:srgbClr val="000000"/>
+                        </a:solidFill>
+                        <a:effectLst/>
+                        <a:latin typeface="Calibri" panose="020F0502020204030204" pitchFamily="34" charset="0"/>
+                      </a:endParaRPr>
+                    </a:p>
+                  </a:txBody>
+                  <a:tcPr marL="6389" marR="6389" marT="6389" marB="0" anchor="b"/>
+                </a:tc>
+                <a:tc>
+                  <a:txBody>
+                    <a:bodyPr/>
+                    <a:lstStyle/>
+                    <a:p>
+                      <a:pPr algn="l" fontAlgn="b"/>
+                      <a:endParaRPr lang="fr-FR" sz="700" b="0" i="0" u="none" strike="noStrike">
+                        <a:solidFill>
+                          <a:srgbClr val="000000"/>
+                        </a:solidFill>
+                        <a:effectLst/>
+                        <a:latin typeface="Calibri" panose="020F0502020204030204" pitchFamily="34" charset="0"/>
+                      </a:endParaRPr>
+                    </a:p>
+                  </a:txBody>
+                  <a:tcPr marL="6389" marR="6389" marT="6389" marB="0" anchor="b"/>
+                </a:tc>
+                <a:tc>
+                  <a:txBody>
+                    <a:bodyPr/>
+                    <a:lstStyle/>
+                    <a:p>
+                      <a:pPr algn="l" fontAlgn="b"/>
+                      <a:endParaRPr lang="fr-FR" sz="700" b="0" i="0" u="none" strike="noStrike">
+                        <a:solidFill>
+                          <a:srgbClr val="000000"/>
+                        </a:solidFill>
+                        <a:effectLst/>
+                        <a:latin typeface="Calibri" panose="020F0502020204030204" pitchFamily="34" charset="0"/>
+                      </a:endParaRPr>
+                    </a:p>
+                  </a:txBody>
+                  <a:tcPr marL="6389" marR="6389" marT="6389" marB="0" anchor="b"/>
+                </a:tc>
+                <a:tc>
+                  <a:txBody>
+                    <a:bodyPr/>
+                    <a:lstStyle/>
+                    <a:p>
+                      <a:pPr algn="l" fontAlgn="b"/>
+                      <a:endParaRPr lang="fr-FR" sz="700" b="0" i="0" u="none" strike="noStrike">
+                        <a:solidFill>
+                          <a:srgbClr val="000000"/>
+                        </a:solidFill>
+                        <a:effectLst/>
+                        <a:latin typeface="Calibri" panose="020F0502020204030204" pitchFamily="34" charset="0"/>
+                      </a:endParaRPr>
+                    </a:p>
+                  </a:txBody>
+                  <a:tcPr marL="6389" marR="6389" marT="6389" marB="0" anchor="b"/>
+                </a:tc>
+                <a:tc>
+                  <a:txBody>
+                    <a:bodyPr/>
+                    <a:lstStyle/>
+                    <a:p>
+                      <a:pPr algn="l" fontAlgn="b"/>
+                      <a:endParaRPr lang="fr-FR" sz="700" b="0" i="0" u="none" strike="noStrike">
+                        <a:solidFill>
+                          <a:srgbClr val="000000"/>
+                        </a:solidFill>
+                        <a:effectLst/>
+                        <a:latin typeface="Calibri" panose="020F0502020204030204" pitchFamily="34" charset="0"/>
+                      </a:endParaRPr>
+                    </a:p>
+                  </a:txBody>
+                  <a:tcPr marL="6389" marR="6389" marT="6389" marB="0" anchor="b"/>
+                </a:tc>
+                <a:tc>
+                  <a:txBody>
+                    <a:bodyPr/>
+                    <a:lstStyle/>
+                    <a:p>
+                      <a:pPr algn="l" fontAlgn="b"/>
+                      <a:endParaRPr lang="fr-FR" sz="700" b="0" i="0" u="none" strike="noStrike">
+                        <a:solidFill>
+                          <a:srgbClr val="000000"/>
+                        </a:solidFill>
+                        <a:effectLst/>
+                        <a:latin typeface="Calibri" panose="020F0502020204030204" pitchFamily="34" charset="0"/>
+                      </a:endParaRPr>
+                    </a:p>
+                  </a:txBody>
+                  <a:tcPr marL="6389" marR="6389" marT="6389" marB="0" anchor="b"/>
+                </a:tc>
+                <a:tc>
+                  <a:txBody>
+                    <a:bodyPr/>
+                    <a:lstStyle/>
+                    <a:p>
+                      <a:pPr algn="l" fontAlgn="b"/>
+                      <a:endParaRPr lang="fr-FR" sz="700" b="0" i="0" u="none" strike="noStrike">
+                        <a:solidFill>
+                          <a:srgbClr val="000000"/>
+                        </a:solidFill>
+                        <a:effectLst/>
+                        <a:latin typeface="Calibri" panose="020F0502020204030204" pitchFamily="34" charset="0"/>
+                      </a:endParaRPr>
+                    </a:p>
+                  </a:txBody>
+                  <a:tcPr marL="6389" marR="6389" marT="6389" marB="0" anchor="b"/>
+                </a:tc>
+                <a:extLst>
+                  <a:ext uri="{0D108BD9-81ED-4DB2-BD59-A6C34878D82A}">
+                    <a16:rowId xmlns:a16="http://schemas.microsoft.com/office/drawing/2014/main" val="1000923691"/>
+                  </a:ext>
+                </a:extLst>
+              </a:tr>
+              <a:tr h="176496">
+                <a:tc>
+                  <a:txBody>
+                    <a:bodyPr/>
+                    <a:lstStyle/>
+                    <a:p>
+                      <a:pPr algn="ctr" fontAlgn="ctr"/>
+                      <a:r>
+                        <a:rPr lang="fr-FR" sz="700" u="none" strike="noStrike">
+                          <a:effectLst/>
+                        </a:rPr>
+                        <a:t> </a:t>
+                      </a:r>
+                      <a:endParaRPr lang="fr-FR" sz="700" b="0" i="0" u="none" strike="noStrike">
+                        <a:solidFill>
+                          <a:srgbClr val="000000"/>
+                        </a:solidFill>
+                        <a:effectLst/>
+                        <a:latin typeface="Calibri" panose="020F0502020204030204" pitchFamily="34" charset="0"/>
+                      </a:endParaRPr>
+                    </a:p>
+                  </a:txBody>
+                  <a:tcPr marL="6389" marR="6389" marT="6389" marB="0" anchor="ctr"/>
+                </a:tc>
+                <a:tc>
+                  <a:txBody>
+                    <a:bodyPr/>
+                    <a:lstStyle/>
+                    <a:p>
+                      <a:pPr algn="l" fontAlgn="b"/>
+                      <a:r>
+                        <a:rPr lang="fr-FR" sz="700" u="none" strike="noStrike">
+                          <a:effectLst/>
+                        </a:rPr>
+                        <a:t>Plan Entreprise</a:t>
+                      </a:r>
+                      <a:endParaRPr lang="fr-FR" sz="700" b="0" i="0" u="none" strike="noStrike">
+                        <a:solidFill>
+                          <a:srgbClr val="000000"/>
+                        </a:solidFill>
+                        <a:effectLst/>
+                        <a:latin typeface="Calibri" panose="020F0502020204030204" pitchFamily="34" charset="0"/>
+                      </a:endParaRPr>
+                    </a:p>
+                  </a:txBody>
+                  <a:tcPr marL="6389" marR="6389" marT="6389" marB="0" anchor="b"/>
+                </a:tc>
+                <a:tc>
+                  <a:txBody>
+                    <a:bodyPr/>
+                    <a:lstStyle/>
+                    <a:p>
+                      <a:pPr algn="l" fontAlgn="b"/>
+                      <a:r>
+                        <a:rPr lang="fr-FR" sz="700" u="none" strike="noStrike" dirty="0">
+                          <a:effectLst/>
+                        </a:rPr>
+                        <a:t> </a:t>
+                      </a:r>
+                      <a:endParaRPr lang="fr-FR" sz="700" b="0" i="0" u="none" strike="noStrike" dirty="0">
+                        <a:solidFill>
+                          <a:srgbClr val="000000"/>
+                        </a:solidFill>
+                        <a:effectLst/>
+                        <a:latin typeface="Calibri" panose="020F0502020204030204" pitchFamily="34" charset="0"/>
+                      </a:endParaRPr>
+                    </a:p>
+                  </a:txBody>
+                  <a:tcPr marL="6389" marR="6389" marT="6389" marB="0" anchor="b">
+                    <a:solidFill>
+                      <a:schemeClr val="bg2">
+                        <a:lumMod val="90000"/>
+                      </a:schemeClr>
+                    </a:solidFill>
+                  </a:tcPr>
+                </a:tc>
+                <a:tc>
+                  <a:txBody>
+                    <a:bodyPr/>
+                    <a:lstStyle/>
+                    <a:p>
+                      <a:pPr algn="l" fontAlgn="b"/>
+                      <a:r>
+                        <a:rPr lang="fr-FR" sz="700" u="none" strike="noStrike" dirty="0">
+                          <a:effectLst/>
+                        </a:rPr>
+                        <a:t> </a:t>
+                      </a:r>
+                      <a:endParaRPr lang="fr-FR" sz="700" b="0" i="0" u="none" strike="noStrike" dirty="0">
+                        <a:solidFill>
+                          <a:srgbClr val="000000"/>
+                        </a:solidFill>
+                        <a:effectLst/>
+                        <a:latin typeface="Calibri" panose="020F0502020204030204" pitchFamily="34" charset="0"/>
+                      </a:endParaRPr>
+                    </a:p>
+                  </a:txBody>
+                  <a:tcPr marL="6389" marR="6389" marT="6389" marB="0" anchor="b">
+                    <a:solidFill>
+                      <a:schemeClr val="bg2">
+                        <a:lumMod val="90000"/>
+                      </a:schemeClr>
+                    </a:solidFill>
+                  </a:tcPr>
+                </a:tc>
+                <a:tc>
+                  <a:txBody>
+                    <a:bodyPr/>
+                    <a:lstStyle/>
+                    <a:p>
+                      <a:pPr algn="l" fontAlgn="b"/>
+                      <a:r>
+                        <a:rPr lang="fr-FR" sz="700" u="none" strike="noStrike" dirty="0">
+                          <a:effectLst/>
+                        </a:rPr>
+                        <a:t> </a:t>
+                      </a:r>
+                      <a:endParaRPr lang="fr-FR" sz="700" b="0" i="0" u="none" strike="noStrike" dirty="0">
+                        <a:solidFill>
+                          <a:srgbClr val="000000"/>
+                        </a:solidFill>
+                        <a:effectLst/>
+                        <a:latin typeface="Calibri" panose="020F0502020204030204" pitchFamily="34" charset="0"/>
+                      </a:endParaRPr>
+                    </a:p>
+                  </a:txBody>
+                  <a:tcPr marL="6389" marR="6389" marT="6389" marB="0" anchor="b">
+                    <a:solidFill>
+                      <a:schemeClr val="bg2">
+                        <a:lumMod val="90000"/>
+                      </a:schemeClr>
+                    </a:solidFill>
+                  </a:tcPr>
+                </a:tc>
+                <a:tc>
+                  <a:txBody>
+                    <a:bodyPr/>
+                    <a:lstStyle/>
+                    <a:p>
+                      <a:pPr algn="l" fontAlgn="b"/>
+                      <a:endParaRPr lang="fr-FR" sz="700" b="0" i="0" u="none" strike="noStrike">
+                        <a:solidFill>
+                          <a:srgbClr val="000000"/>
+                        </a:solidFill>
+                        <a:effectLst/>
+                        <a:latin typeface="Calibri" panose="020F0502020204030204" pitchFamily="34" charset="0"/>
+                      </a:endParaRPr>
+                    </a:p>
+                  </a:txBody>
+                  <a:tcPr marL="6389" marR="6389" marT="6389" marB="0" anchor="b"/>
+                </a:tc>
+                <a:tc>
+                  <a:txBody>
+                    <a:bodyPr/>
+                    <a:lstStyle/>
+                    <a:p>
+                      <a:pPr algn="l" fontAlgn="b"/>
+                      <a:endParaRPr lang="fr-FR" sz="700" b="0" i="0" u="none" strike="noStrike">
+                        <a:solidFill>
+                          <a:srgbClr val="000000"/>
+                        </a:solidFill>
+                        <a:effectLst/>
+                        <a:latin typeface="Calibri" panose="020F0502020204030204" pitchFamily="34" charset="0"/>
+                      </a:endParaRPr>
+                    </a:p>
+                  </a:txBody>
+                  <a:tcPr marL="6389" marR="6389" marT="6389" marB="0" anchor="b"/>
+                </a:tc>
+                <a:tc>
+                  <a:txBody>
+                    <a:bodyPr/>
+                    <a:lstStyle/>
+                    <a:p>
+                      <a:pPr algn="l" fontAlgn="b"/>
+                      <a:endParaRPr lang="fr-FR" sz="700" b="0" i="0" u="none" strike="noStrike">
+                        <a:solidFill>
+                          <a:srgbClr val="000000"/>
+                        </a:solidFill>
+                        <a:effectLst/>
+                        <a:latin typeface="Calibri" panose="020F0502020204030204" pitchFamily="34" charset="0"/>
+                      </a:endParaRPr>
+                    </a:p>
+                  </a:txBody>
+                  <a:tcPr marL="6389" marR="6389" marT="6389" marB="0" anchor="b"/>
+                </a:tc>
+                <a:tc>
+                  <a:txBody>
+                    <a:bodyPr/>
+                    <a:lstStyle/>
+                    <a:p>
+                      <a:pPr algn="l" fontAlgn="b"/>
+                      <a:endParaRPr lang="fr-FR" sz="700" b="0" i="0" u="none" strike="noStrike">
+                        <a:solidFill>
+                          <a:srgbClr val="000000"/>
+                        </a:solidFill>
+                        <a:effectLst/>
+                        <a:latin typeface="Calibri" panose="020F0502020204030204" pitchFamily="34" charset="0"/>
+                      </a:endParaRPr>
+                    </a:p>
+                  </a:txBody>
+                  <a:tcPr marL="6389" marR="6389" marT="6389" marB="0" anchor="b"/>
+                </a:tc>
+                <a:tc>
+                  <a:txBody>
+                    <a:bodyPr/>
+                    <a:lstStyle/>
+                    <a:p>
+                      <a:pPr algn="l" fontAlgn="b"/>
+                      <a:endParaRPr lang="fr-FR" sz="700" b="0" i="0" u="none" strike="noStrike">
+                        <a:solidFill>
+                          <a:srgbClr val="000000"/>
+                        </a:solidFill>
+                        <a:effectLst/>
+                        <a:latin typeface="Calibri" panose="020F0502020204030204" pitchFamily="34" charset="0"/>
+                      </a:endParaRPr>
+                    </a:p>
+                  </a:txBody>
+                  <a:tcPr marL="6389" marR="6389" marT="6389" marB="0" anchor="b"/>
+                </a:tc>
+                <a:tc>
+                  <a:txBody>
+                    <a:bodyPr/>
+                    <a:lstStyle/>
+                    <a:p>
+                      <a:pPr algn="l" fontAlgn="b"/>
+                      <a:endParaRPr lang="fr-FR" sz="700" b="0" i="0" u="none" strike="noStrike">
+                        <a:solidFill>
+                          <a:srgbClr val="000000"/>
+                        </a:solidFill>
+                        <a:effectLst/>
+                        <a:latin typeface="Calibri" panose="020F0502020204030204" pitchFamily="34" charset="0"/>
+                      </a:endParaRPr>
+                    </a:p>
+                  </a:txBody>
+                  <a:tcPr marL="6389" marR="6389" marT="6389" marB="0" anchor="b"/>
+                </a:tc>
+                <a:tc>
+                  <a:txBody>
+                    <a:bodyPr/>
+                    <a:lstStyle/>
+                    <a:p>
+                      <a:pPr algn="l" fontAlgn="b"/>
+                      <a:endParaRPr lang="fr-FR" sz="700" b="0" i="0" u="none" strike="noStrike">
+                        <a:solidFill>
+                          <a:srgbClr val="000000"/>
+                        </a:solidFill>
+                        <a:effectLst/>
+                        <a:latin typeface="Calibri" panose="020F0502020204030204" pitchFamily="34" charset="0"/>
+                      </a:endParaRPr>
+                    </a:p>
+                  </a:txBody>
+                  <a:tcPr marL="6389" marR="6389" marT="6389" marB="0" anchor="b"/>
+                </a:tc>
+                <a:extLst>
+                  <a:ext uri="{0D108BD9-81ED-4DB2-BD59-A6C34878D82A}">
+                    <a16:rowId xmlns:a16="http://schemas.microsoft.com/office/drawing/2014/main" val="3160580644"/>
+                  </a:ext>
+                </a:extLst>
+              </a:tr>
+              <a:tr h="185321">
+                <a:tc>
+                  <a:txBody>
+                    <a:bodyPr/>
+                    <a:lstStyle/>
+                    <a:p>
+                      <a:pPr algn="ctr" fontAlgn="ctr"/>
+                      <a:r>
+                        <a:rPr lang="fr-FR" sz="700" u="none" strike="noStrike">
+                          <a:effectLst/>
+                        </a:rPr>
+                        <a:t> </a:t>
+                      </a:r>
+                      <a:endParaRPr lang="fr-FR" sz="700" b="0" i="0" u="none" strike="noStrike">
+                        <a:solidFill>
+                          <a:srgbClr val="000000"/>
+                        </a:solidFill>
+                        <a:effectLst/>
+                        <a:latin typeface="Calibri" panose="020F0502020204030204" pitchFamily="34" charset="0"/>
+                      </a:endParaRPr>
+                    </a:p>
+                  </a:txBody>
+                  <a:tcPr marL="6389" marR="6389" marT="6389" marB="0" anchor="ctr"/>
+                </a:tc>
+                <a:tc>
+                  <a:txBody>
+                    <a:bodyPr/>
+                    <a:lstStyle/>
+                    <a:p>
+                      <a:pPr algn="l" fontAlgn="b"/>
+                      <a:r>
+                        <a:rPr lang="fr-FR" sz="700" u="none" strike="noStrike">
+                          <a:effectLst/>
+                        </a:rPr>
+                        <a:t> </a:t>
+                      </a:r>
+                      <a:endParaRPr lang="fr-FR" sz="700" b="0" i="0" u="none" strike="noStrike">
+                        <a:solidFill>
+                          <a:srgbClr val="000000"/>
+                        </a:solidFill>
+                        <a:effectLst/>
+                        <a:latin typeface="Calibri" panose="020F0502020204030204" pitchFamily="34" charset="0"/>
+                      </a:endParaRPr>
+                    </a:p>
+                  </a:txBody>
+                  <a:tcPr marL="6389" marR="6389" marT="6389" marB="0" anchor="b"/>
+                </a:tc>
+                <a:tc>
+                  <a:txBody>
+                    <a:bodyPr/>
+                    <a:lstStyle/>
+                    <a:p>
+                      <a:pPr algn="l" fontAlgn="b"/>
+                      <a:endParaRPr lang="fr-FR" sz="700" b="0" i="0" u="none" strike="noStrike">
+                        <a:solidFill>
+                          <a:srgbClr val="000000"/>
+                        </a:solidFill>
+                        <a:effectLst/>
+                        <a:latin typeface="Calibri" panose="020F0502020204030204" pitchFamily="34" charset="0"/>
+                      </a:endParaRPr>
+                    </a:p>
+                  </a:txBody>
+                  <a:tcPr marL="6389" marR="6389" marT="6389" marB="0" anchor="b"/>
+                </a:tc>
+                <a:tc>
+                  <a:txBody>
+                    <a:bodyPr/>
+                    <a:lstStyle/>
+                    <a:p>
+                      <a:pPr algn="l" fontAlgn="b"/>
+                      <a:endParaRPr lang="fr-FR" sz="700" b="0" i="0" u="none" strike="noStrike">
+                        <a:solidFill>
+                          <a:srgbClr val="000000"/>
+                        </a:solidFill>
+                        <a:effectLst/>
+                        <a:latin typeface="Calibri" panose="020F0502020204030204" pitchFamily="34" charset="0"/>
+                      </a:endParaRPr>
+                    </a:p>
+                  </a:txBody>
+                  <a:tcPr marL="6389" marR="6389" marT="6389" marB="0" anchor="b"/>
+                </a:tc>
+                <a:tc>
+                  <a:txBody>
+                    <a:bodyPr/>
+                    <a:lstStyle/>
+                    <a:p>
+                      <a:pPr algn="l" fontAlgn="b"/>
+                      <a:endParaRPr lang="fr-FR" sz="700" b="0" i="0" u="none" strike="noStrike">
+                        <a:solidFill>
+                          <a:srgbClr val="000000"/>
+                        </a:solidFill>
+                        <a:effectLst/>
+                        <a:latin typeface="Calibri" panose="020F0502020204030204" pitchFamily="34" charset="0"/>
+                      </a:endParaRPr>
+                    </a:p>
+                  </a:txBody>
+                  <a:tcPr marL="6389" marR="6389" marT="6389" marB="0" anchor="b"/>
+                </a:tc>
+                <a:tc>
+                  <a:txBody>
+                    <a:bodyPr/>
+                    <a:lstStyle/>
+                    <a:p>
+                      <a:pPr algn="l" fontAlgn="b"/>
+                      <a:endParaRPr lang="fr-FR" sz="700" b="0" i="0" u="none" strike="noStrike">
+                        <a:solidFill>
+                          <a:srgbClr val="000000"/>
+                        </a:solidFill>
+                        <a:effectLst/>
+                        <a:latin typeface="Calibri" panose="020F0502020204030204" pitchFamily="34" charset="0"/>
+                      </a:endParaRPr>
+                    </a:p>
+                  </a:txBody>
+                  <a:tcPr marL="6389" marR="6389" marT="6389" marB="0" anchor="b"/>
+                </a:tc>
+                <a:tc>
+                  <a:txBody>
+                    <a:bodyPr/>
+                    <a:lstStyle/>
+                    <a:p>
+                      <a:pPr algn="l" fontAlgn="b"/>
+                      <a:endParaRPr lang="fr-FR" sz="700" b="0" i="0" u="none" strike="noStrike">
+                        <a:solidFill>
+                          <a:srgbClr val="000000"/>
+                        </a:solidFill>
+                        <a:effectLst/>
+                        <a:latin typeface="Calibri" panose="020F0502020204030204" pitchFamily="34" charset="0"/>
+                      </a:endParaRPr>
+                    </a:p>
+                  </a:txBody>
+                  <a:tcPr marL="6389" marR="6389" marT="6389" marB="0" anchor="b"/>
+                </a:tc>
+                <a:tc>
+                  <a:txBody>
+                    <a:bodyPr/>
+                    <a:lstStyle/>
+                    <a:p>
+                      <a:pPr algn="l" fontAlgn="b"/>
+                      <a:endParaRPr lang="fr-FR" sz="700" b="0" i="0" u="none" strike="noStrike">
+                        <a:solidFill>
+                          <a:srgbClr val="000000"/>
+                        </a:solidFill>
+                        <a:effectLst/>
+                        <a:latin typeface="Calibri" panose="020F0502020204030204" pitchFamily="34" charset="0"/>
+                      </a:endParaRPr>
+                    </a:p>
+                  </a:txBody>
+                  <a:tcPr marL="6389" marR="6389" marT="6389" marB="0" anchor="b"/>
+                </a:tc>
+                <a:tc>
+                  <a:txBody>
+                    <a:bodyPr/>
+                    <a:lstStyle/>
+                    <a:p>
+                      <a:pPr algn="l" fontAlgn="b"/>
+                      <a:endParaRPr lang="fr-FR" sz="700" b="0" i="0" u="none" strike="noStrike">
+                        <a:solidFill>
+                          <a:srgbClr val="000000"/>
+                        </a:solidFill>
+                        <a:effectLst/>
+                        <a:latin typeface="Calibri" panose="020F0502020204030204" pitchFamily="34" charset="0"/>
+                      </a:endParaRPr>
+                    </a:p>
+                  </a:txBody>
+                  <a:tcPr marL="6389" marR="6389" marT="6389" marB="0" anchor="b"/>
+                </a:tc>
+                <a:tc>
+                  <a:txBody>
+                    <a:bodyPr/>
+                    <a:lstStyle/>
+                    <a:p>
+                      <a:pPr algn="l" fontAlgn="b"/>
+                      <a:endParaRPr lang="fr-FR" sz="700" b="0" i="0" u="none" strike="noStrike">
+                        <a:solidFill>
+                          <a:srgbClr val="000000"/>
+                        </a:solidFill>
+                        <a:effectLst/>
+                        <a:latin typeface="Calibri" panose="020F0502020204030204" pitchFamily="34" charset="0"/>
+                      </a:endParaRPr>
+                    </a:p>
+                  </a:txBody>
+                  <a:tcPr marL="6389" marR="6389" marT="6389" marB="0" anchor="b"/>
+                </a:tc>
+                <a:tc>
+                  <a:txBody>
+                    <a:bodyPr/>
+                    <a:lstStyle/>
+                    <a:p>
+                      <a:pPr algn="l" fontAlgn="b"/>
+                      <a:endParaRPr lang="fr-FR" sz="700" b="0" i="0" u="none" strike="noStrike">
+                        <a:solidFill>
+                          <a:srgbClr val="000000"/>
+                        </a:solidFill>
+                        <a:effectLst/>
+                        <a:latin typeface="Calibri" panose="020F0502020204030204" pitchFamily="34" charset="0"/>
+                      </a:endParaRPr>
+                    </a:p>
+                  </a:txBody>
+                  <a:tcPr marL="6389" marR="6389" marT="6389" marB="0" anchor="b"/>
+                </a:tc>
+                <a:tc>
+                  <a:txBody>
+                    <a:bodyPr/>
+                    <a:lstStyle/>
+                    <a:p>
+                      <a:pPr algn="l" fontAlgn="b"/>
+                      <a:endParaRPr lang="fr-FR" sz="700" b="0" i="0" u="none" strike="noStrike">
+                        <a:solidFill>
+                          <a:srgbClr val="000000"/>
+                        </a:solidFill>
+                        <a:effectLst/>
+                        <a:latin typeface="Calibri" panose="020F0502020204030204" pitchFamily="34" charset="0"/>
+                      </a:endParaRPr>
+                    </a:p>
+                  </a:txBody>
+                  <a:tcPr marL="6389" marR="6389" marT="6389" marB="0" anchor="b"/>
+                </a:tc>
+                <a:extLst>
+                  <a:ext uri="{0D108BD9-81ED-4DB2-BD59-A6C34878D82A}">
+                    <a16:rowId xmlns:a16="http://schemas.microsoft.com/office/drawing/2014/main" val="473773327"/>
+                  </a:ext>
+                </a:extLst>
+              </a:tr>
+              <a:tr h="185321">
+                <a:tc>
+                  <a:txBody>
+                    <a:bodyPr/>
+                    <a:lstStyle/>
+                    <a:p>
+                      <a:pPr algn="ctr" fontAlgn="b"/>
+                      <a:r>
+                        <a:rPr lang="fr-FR" sz="700" u="none" strike="noStrike">
+                          <a:effectLst/>
+                        </a:rPr>
+                        <a:t>Bruno</a:t>
+                      </a:r>
+                      <a:endParaRPr lang="fr-FR" sz="700" b="0" i="0" u="none" strike="noStrike">
+                        <a:solidFill>
+                          <a:srgbClr val="000000"/>
+                        </a:solidFill>
+                        <a:effectLst/>
+                        <a:latin typeface="Calibri" panose="020F0502020204030204" pitchFamily="34" charset="0"/>
+                      </a:endParaRPr>
+                    </a:p>
+                  </a:txBody>
+                  <a:tcPr marL="6389" marR="6389" marT="6389" marB="0" anchor="b"/>
+                </a:tc>
+                <a:tc>
+                  <a:txBody>
+                    <a:bodyPr/>
+                    <a:lstStyle/>
+                    <a:p>
+                      <a:pPr algn="l" fontAlgn="b"/>
+                      <a:r>
+                        <a:rPr lang="fr-FR" sz="700" u="none" strike="noStrike">
+                          <a:effectLst/>
+                        </a:rPr>
+                        <a:t>Adressage IP</a:t>
+                      </a:r>
+                      <a:endParaRPr lang="fr-FR" sz="700" b="0" i="0" u="none" strike="noStrike">
+                        <a:solidFill>
+                          <a:srgbClr val="000000"/>
+                        </a:solidFill>
+                        <a:effectLst/>
+                        <a:latin typeface="Calibri" panose="020F0502020204030204" pitchFamily="34" charset="0"/>
+                      </a:endParaRPr>
+                    </a:p>
+                  </a:txBody>
+                  <a:tcPr marL="6389" marR="6389" marT="6389" marB="0" anchor="b"/>
+                </a:tc>
+                <a:tc>
+                  <a:txBody>
+                    <a:bodyPr/>
+                    <a:lstStyle/>
+                    <a:p>
+                      <a:pPr algn="l" fontAlgn="b"/>
+                      <a:endParaRPr lang="fr-FR" sz="700" b="0" i="0" u="none" strike="noStrike">
+                        <a:solidFill>
+                          <a:srgbClr val="000000"/>
+                        </a:solidFill>
+                        <a:effectLst/>
+                        <a:latin typeface="Calibri" panose="020F0502020204030204" pitchFamily="34" charset="0"/>
+                      </a:endParaRPr>
+                    </a:p>
+                  </a:txBody>
+                  <a:tcPr marL="6389" marR="6389" marT="6389" marB="0" anchor="b"/>
+                </a:tc>
+                <a:tc>
+                  <a:txBody>
+                    <a:bodyPr/>
+                    <a:lstStyle/>
+                    <a:p>
+                      <a:pPr algn="l" fontAlgn="b"/>
+                      <a:endParaRPr lang="fr-FR" sz="700" b="0" i="0" u="none" strike="noStrike">
+                        <a:solidFill>
+                          <a:srgbClr val="000000"/>
+                        </a:solidFill>
+                        <a:effectLst/>
+                        <a:latin typeface="Calibri" panose="020F0502020204030204" pitchFamily="34" charset="0"/>
+                      </a:endParaRPr>
+                    </a:p>
+                  </a:txBody>
+                  <a:tcPr marL="6389" marR="6389" marT="6389" marB="0" anchor="b"/>
+                </a:tc>
+                <a:tc>
+                  <a:txBody>
+                    <a:bodyPr/>
+                    <a:lstStyle/>
+                    <a:p>
+                      <a:pPr algn="l" fontAlgn="b"/>
+                      <a:r>
+                        <a:rPr lang="fr-FR" sz="700" u="none" strike="noStrike">
+                          <a:effectLst/>
+                        </a:rPr>
+                        <a:t> </a:t>
+                      </a:r>
+                      <a:endParaRPr lang="fr-FR" sz="700" b="0" i="0" u="none" strike="noStrike">
+                        <a:solidFill>
+                          <a:srgbClr val="000000"/>
+                        </a:solidFill>
+                        <a:effectLst/>
+                        <a:latin typeface="Calibri" panose="020F0502020204030204" pitchFamily="34" charset="0"/>
+                      </a:endParaRPr>
+                    </a:p>
+                  </a:txBody>
+                  <a:tcPr marL="6389" marR="6389" marT="6389" marB="0" anchor="b"/>
+                </a:tc>
+                <a:tc>
+                  <a:txBody>
+                    <a:bodyPr/>
+                    <a:lstStyle/>
+                    <a:p>
+                      <a:pPr algn="l" fontAlgn="b"/>
+                      <a:r>
+                        <a:rPr lang="fr-FR" sz="700" u="none" strike="noStrike" dirty="0">
+                          <a:effectLst/>
+                        </a:rPr>
+                        <a:t> </a:t>
+                      </a:r>
+                      <a:endParaRPr lang="fr-FR" sz="700" b="0" i="0" u="none" strike="noStrike" dirty="0">
+                        <a:solidFill>
+                          <a:srgbClr val="000000"/>
+                        </a:solidFill>
+                        <a:effectLst/>
+                        <a:latin typeface="Calibri" panose="020F0502020204030204" pitchFamily="34" charset="0"/>
+                      </a:endParaRPr>
+                    </a:p>
+                  </a:txBody>
+                  <a:tcPr marL="6389" marR="6389" marT="6389" marB="0" anchor="b">
+                    <a:solidFill>
+                      <a:schemeClr val="accent2">
+                        <a:lumMod val="75000"/>
+                      </a:schemeClr>
+                    </a:solidFill>
+                  </a:tcPr>
+                </a:tc>
+                <a:tc>
+                  <a:txBody>
+                    <a:bodyPr/>
+                    <a:lstStyle/>
+                    <a:p>
+                      <a:pPr algn="l" fontAlgn="b"/>
+                      <a:r>
+                        <a:rPr lang="fr-FR" sz="700" u="none" strike="noStrike" dirty="0">
+                          <a:effectLst/>
+                        </a:rPr>
+                        <a:t> </a:t>
+                      </a:r>
+                      <a:endParaRPr lang="fr-FR" sz="700" b="0" i="0" u="none" strike="noStrike" dirty="0">
+                        <a:solidFill>
+                          <a:srgbClr val="000000"/>
+                        </a:solidFill>
+                        <a:effectLst/>
+                        <a:latin typeface="Calibri" panose="020F0502020204030204" pitchFamily="34" charset="0"/>
+                      </a:endParaRPr>
+                    </a:p>
+                  </a:txBody>
+                  <a:tcPr marL="6389" marR="6389" marT="6389" marB="0" anchor="b">
+                    <a:solidFill>
+                      <a:schemeClr val="accent2">
+                        <a:lumMod val="75000"/>
+                      </a:schemeClr>
+                    </a:solidFill>
+                  </a:tcPr>
+                </a:tc>
+                <a:tc>
+                  <a:txBody>
+                    <a:bodyPr/>
+                    <a:lstStyle/>
+                    <a:p>
+                      <a:pPr algn="l" fontAlgn="b"/>
+                      <a:r>
+                        <a:rPr lang="fr-FR" sz="700" u="none" strike="noStrike" dirty="0">
+                          <a:effectLst/>
+                        </a:rPr>
+                        <a:t> </a:t>
+                      </a:r>
+                      <a:endParaRPr lang="fr-FR" sz="700" b="0" i="0" u="none" strike="noStrike" dirty="0">
+                        <a:solidFill>
+                          <a:srgbClr val="000000"/>
+                        </a:solidFill>
+                        <a:effectLst/>
+                        <a:latin typeface="Calibri" panose="020F0502020204030204" pitchFamily="34" charset="0"/>
+                      </a:endParaRPr>
+                    </a:p>
+                  </a:txBody>
+                  <a:tcPr marL="6389" marR="6389" marT="6389" marB="0" anchor="b"/>
+                </a:tc>
+                <a:tc>
+                  <a:txBody>
+                    <a:bodyPr/>
+                    <a:lstStyle/>
+                    <a:p>
+                      <a:pPr algn="l" fontAlgn="b"/>
+                      <a:endParaRPr lang="fr-FR" sz="700" b="0" i="0" u="none" strike="noStrike">
+                        <a:solidFill>
+                          <a:srgbClr val="000000"/>
+                        </a:solidFill>
+                        <a:effectLst/>
+                        <a:latin typeface="Calibri" panose="020F0502020204030204" pitchFamily="34" charset="0"/>
+                      </a:endParaRPr>
+                    </a:p>
+                  </a:txBody>
+                  <a:tcPr marL="6389" marR="6389" marT="6389" marB="0" anchor="b"/>
+                </a:tc>
+                <a:tc>
+                  <a:txBody>
+                    <a:bodyPr/>
+                    <a:lstStyle/>
+                    <a:p>
+                      <a:pPr algn="l" fontAlgn="b"/>
+                      <a:endParaRPr lang="fr-FR" sz="700" b="0" i="0" u="none" strike="noStrike">
+                        <a:solidFill>
+                          <a:srgbClr val="000000"/>
+                        </a:solidFill>
+                        <a:effectLst/>
+                        <a:latin typeface="Calibri" panose="020F0502020204030204" pitchFamily="34" charset="0"/>
+                      </a:endParaRPr>
+                    </a:p>
+                  </a:txBody>
+                  <a:tcPr marL="6389" marR="6389" marT="6389" marB="0" anchor="b"/>
+                </a:tc>
+                <a:tc>
+                  <a:txBody>
+                    <a:bodyPr/>
+                    <a:lstStyle/>
+                    <a:p>
+                      <a:pPr algn="l" fontAlgn="b"/>
+                      <a:endParaRPr lang="fr-FR" sz="700" b="0" i="0" u="none" strike="noStrike">
+                        <a:solidFill>
+                          <a:srgbClr val="000000"/>
+                        </a:solidFill>
+                        <a:effectLst/>
+                        <a:latin typeface="Calibri" panose="020F0502020204030204" pitchFamily="34" charset="0"/>
+                      </a:endParaRPr>
+                    </a:p>
+                  </a:txBody>
+                  <a:tcPr marL="6389" marR="6389" marT="6389" marB="0" anchor="b"/>
+                </a:tc>
+                <a:tc>
+                  <a:txBody>
+                    <a:bodyPr/>
+                    <a:lstStyle/>
+                    <a:p>
+                      <a:pPr algn="l" fontAlgn="b"/>
+                      <a:endParaRPr lang="fr-FR" sz="700" b="0" i="0" u="none" strike="noStrike">
+                        <a:solidFill>
+                          <a:srgbClr val="000000"/>
+                        </a:solidFill>
+                        <a:effectLst/>
+                        <a:latin typeface="Calibri" panose="020F0502020204030204" pitchFamily="34" charset="0"/>
+                      </a:endParaRPr>
+                    </a:p>
+                  </a:txBody>
+                  <a:tcPr marL="6389" marR="6389" marT="6389" marB="0" anchor="b"/>
+                </a:tc>
+                <a:extLst>
+                  <a:ext uri="{0D108BD9-81ED-4DB2-BD59-A6C34878D82A}">
+                    <a16:rowId xmlns:a16="http://schemas.microsoft.com/office/drawing/2014/main" val="911855593"/>
+                  </a:ext>
+                </a:extLst>
+              </a:tr>
+              <a:tr h="176496">
+                <a:tc>
+                  <a:txBody>
+                    <a:bodyPr/>
+                    <a:lstStyle/>
+                    <a:p>
+                      <a:pPr algn="l" fontAlgn="b"/>
+                      <a:endParaRPr lang="fr-FR" sz="700" b="0" i="0" u="none" strike="noStrike">
+                        <a:solidFill>
+                          <a:srgbClr val="000000"/>
+                        </a:solidFill>
+                        <a:effectLst/>
+                        <a:latin typeface="Calibri" panose="020F0502020204030204" pitchFamily="34" charset="0"/>
+                      </a:endParaRPr>
+                    </a:p>
+                  </a:txBody>
+                  <a:tcPr marL="6389" marR="6389" marT="6389" marB="0" anchor="b"/>
+                </a:tc>
+                <a:tc>
+                  <a:txBody>
+                    <a:bodyPr/>
+                    <a:lstStyle/>
+                    <a:p>
+                      <a:pPr algn="l" fontAlgn="b"/>
+                      <a:r>
+                        <a:rPr lang="fr-FR" sz="700" u="none" strike="noStrike">
+                          <a:effectLst/>
+                        </a:rPr>
+                        <a:t> </a:t>
+                      </a:r>
+                      <a:endParaRPr lang="fr-FR" sz="700" b="0" i="0" u="none" strike="noStrike">
+                        <a:solidFill>
+                          <a:srgbClr val="000000"/>
+                        </a:solidFill>
+                        <a:effectLst/>
+                        <a:latin typeface="Calibri" panose="020F0502020204030204" pitchFamily="34" charset="0"/>
+                      </a:endParaRPr>
+                    </a:p>
+                  </a:txBody>
+                  <a:tcPr marL="6389" marR="6389" marT="6389" marB="0" anchor="b"/>
+                </a:tc>
+                <a:tc>
+                  <a:txBody>
+                    <a:bodyPr/>
+                    <a:lstStyle/>
+                    <a:p>
+                      <a:pPr algn="l" fontAlgn="b"/>
+                      <a:endParaRPr lang="fr-FR" sz="700" b="0" i="0" u="none" strike="noStrike">
+                        <a:solidFill>
+                          <a:srgbClr val="000000"/>
+                        </a:solidFill>
+                        <a:effectLst/>
+                        <a:latin typeface="Calibri" panose="020F0502020204030204" pitchFamily="34" charset="0"/>
+                      </a:endParaRPr>
+                    </a:p>
+                  </a:txBody>
+                  <a:tcPr marL="6389" marR="6389" marT="6389" marB="0" anchor="b"/>
+                </a:tc>
+                <a:tc>
+                  <a:txBody>
+                    <a:bodyPr/>
+                    <a:lstStyle/>
+                    <a:p>
+                      <a:pPr algn="l" fontAlgn="b"/>
+                      <a:endParaRPr lang="fr-FR" sz="700" b="0" i="0" u="none" strike="noStrike">
+                        <a:solidFill>
+                          <a:srgbClr val="000000"/>
+                        </a:solidFill>
+                        <a:effectLst/>
+                        <a:latin typeface="Calibri" panose="020F0502020204030204" pitchFamily="34" charset="0"/>
+                      </a:endParaRPr>
+                    </a:p>
+                  </a:txBody>
+                  <a:tcPr marL="6389" marR="6389" marT="6389" marB="0" anchor="b"/>
+                </a:tc>
+                <a:tc>
+                  <a:txBody>
+                    <a:bodyPr/>
+                    <a:lstStyle/>
+                    <a:p>
+                      <a:pPr algn="l" fontAlgn="b"/>
+                      <a:endParaRPr lang="fr-FR" sz="700" b="0" i="0" u="none" strike="noStrike">
+                        <a:solidFill>
+                          <a:srgbClr val="000000"/>
+                        </a:solidFill>
+                        <a:effectLst/>
+                        <a:latin typeface="Calibri" panose="020F0502020204030204" pitchFamily="34" charset="0"/>
+                      </a:endParaRPr>
+                    </a:p>
+                  </a:txBody>
+                  <a:tcPr marL="6389" marR="6389" marT="6389" marB="0" anchor="b"/>
+                </a:tc>
+                <a:tc>
+                  <a:txBody>
+                    <a:bodyPr/>
+                    <a:lstStyle/>
+                    <a:p>
+                      <a:pPr algn="l" fontAlgn="b"/>
+                      <a:endParaRPr lang="fr-FR" sz="700" b="0" i="0" u="none" strike="noStrike">
+                        <a:solidFill>
+                          <a:srgbClr val="000000"/>
+                        </a:solidFill>
+                        <a:effectLst/>
+                        <a:latin typeface="Calibri" panose="020F0502020204030204" pitchFamily="34" charset="0"/>
+                      </a:endParaRPr>
+                    </a:p>
+                  </a:txBody>
+                  <a:tcPr marL="6389" marR="6389" marT="6389" marB="0" anchor="b"/>
+                </a:tc>
+                <a:tc>
+                  <a:txBody>
+                    <a:bodyPr/>
+                    <a:lstStyle/>
+                    <a:p>
+                      <a:pPr algn="l" fontAlgn="b"/>
+                      <a:endParaRPr lang="fr-FR" sz="700" b="0" i="0" u="none" strike="noStrike">
+                        <a:solidFill>
+                          <a:srgbClr val="000000"/>
+                        </a:solidFill>
+                        <a:effectLst/>
+                        <a:latin typeface="Calibri" panose="020F0502020204030204" pitchFamily="34" charset="0"/>
+                      </a:endParaRPr>
+                    </a:p>
+                  </a:txBody>
+                  <a:tcPr marL="6389" marR="6389" marT="6389" marB="0" anchor="b"/>
+                </a:tc>
+                <a:tc>
+                  <a:txBody>
+                    <a:bodyPr/>
+                    <a:lstStyle/>
+                    <a:p>
+                      <a:pPr algn="l" fontAlgn="b"/>
+                      <a:endParaRPr lang="fr-FR" sz="700" b="0" i="0" u="none" strike="noStrike" dirty="0">
+                        <a:solidFill>
+                          <a:srgbClr val="000000"/>
+                        </a:solidFill>
+                        <a:effectLst/>
+                        <a:latin typeface="Calibri" panose="020F0502020204030204" pitchFamily="34" charset="0"/>
+                      </a:endParaRPr>
+                    </a:p>
+                  </a:txBody>
+                  <a:tcPr marL="6389" marR="6389" marT="6389" marB="0" anchor="b"/>
+                </a:tc>
+                <a:tc>
+                  <a:txBody>
+                    <a:bodyPr/>
+                    <a:lstStyle/>
+                    <a:p>
+                      <a:pPr algn="l" fontAlgn="b"/>
+                      <a:endParaRPr lang="fr-FR" sz="700" b="0" i="0" u="none" strike="noStrike">
+                        <a:solidFill>
+                          <a:srgbClr val="000000"/>
+                        </a:solidFill>
+                        <a:effectLst/>
+                        <a:latin typeface="Calibri" panose="020F0502020204030204" pitchFamily="34" charset="0"/>
+                      </a:endParaRPr>
+                    </a:p>
+                  </a:txBody>
+                  <a:tcPr marL="6389" marR="6389" marT="6389" marB="0" anchor="b"/>
+                </a:tc>
+                <a:tc>
+                  <a:txBody>
+                    <a:bodyPr/>
+                    <a:lstStyle/>
+                    <a:p>
+                      <a:pPr algn="l" fontAlgn="b"/>
+                      <a:endParaRPr lang="fr-FR" sz="700" b="0" i="0" u="none" strike="noStrike">
+                        <a:solidFill>
+                          <a:srgbClr val="000000"/>
+                        </a:solidFill>
+                        <a:effectLst/>
+                        <a:latin typeface="Calibri" panose="020F0502020204030204" pitchFamily="34" charset="0"/>
+                      </a:endParaRPr>
+                    </a:p>
+                  </a:txBody>
+                  <a:tcPr marL="6389" marR="6389" marT="6389" marB="0" anchor="b"/>
+                </a:tc>
+                <a:tc>
+                  <a:txBody>
+                    <a:bodyPr/>
+                    <a:lstStyle/>
+                    <a:p>
+                      <a:pPr algn="l" fontAlgn="b"/>
+                      <a:endParaRPr lang="fr-FR" sz="700" b="0" i="0" u="none" strike="noStrike">
+                        <a:solidFill>
+                          <a:srgbClr val="000000"/>
+                        </a:solidFill>
+                        <a:effectLst/>
+                        <a:latin typeface="Calibri" panose="020F0502020204030204" pitchFamily="34" charset="0"/>
+                      </a:endParaRPr>
+                    </a:p>
+                  </a:txBody>
+                  <a:tcPr marL="6389" marR="6389" marT="6389" marB="0" anchor="b"/>
+                </a:tc>
+                <a:tc>
+                  <a:txBody>
+                    <a:bodyPr/>
+                    <a:lstStyle/>
+                    <a:p>
+                      <a:pPr algn="l" fontAlgn="b"/>
+                      <a:endParaRPr lang="fr-FR" sz="700" b="0" i="0" u="none" strike="noStrike">
+                        <a:solidFill>
+                          <a:srgbClr val="000000"/>
+                        </a:solidFill>
+                        <a:effectLst/>
+                        <a:latin typeface="Calibri" panose="020F0502020204030204" pitchFamily="34" charset="0"/>
+                      </a:endParaRPr>
+                    </a:p>
+                  </a:txBody>
+                  <a:tcPr marL="6389" marR="6389" marT="6389" marB="0" anchor="b"/>
+                </a:tc>
+                <a:extLst>
+                  <a:ext uri="{0D108BD9-81ED-4DB2-BD59-A6C34878D82A}">
+                    <a16:rowId xmlns:a16="http://schemas.microsoft.com/office/drawing/2014/main" val="3703956049"/>
+                  </a:ext>
+                </a:extLst>
+              </a:tr>
+              <a:tr h="176496">
+                <a:tc>
+                  <a:txBody>
+                    <a:bodyPr/>
+                    <a:lstStyle/>
+                    <a:p>
+                      <a:pPr algn="l" fontAlgn="b"/>
+                      <a:endParaRPr lang="fr-FR" sz="700" b="0" i="0" u="none" strike="noStrike">
+                        <a:solidFill>
+                          <a:srgbClr val="000000"/>
+                        </a:solidFill>
+                        <a:effectLst/>
+                        <a:latin typeface="Calibri" panose="020F0502020204030204" pitchFamily="34" charset="0"/>
+                      </a:endParaRPr>
+                    </a:p>
+                  </a:txBody>
+                  <a:tcPr marL="6389" marR="6389" marT="6389" marB="0" anchor="b"/>
+                </a:tc>
+                <a:tc>
+                  <a:txBody>
+                    <a:bodyPr/>
+                    <a:lstStyle/>
+                    <a:p>
+                      <a:pPr algn="l" fontAlgn="b"/>
+                      <a:r>
+                        <a:rPr lang="fr-FR" sz="700" u="none" strike="noStrike">
+                          <a:effectLst/>
+                        </a:rPr>
+                        <a:t>Création du devis</a:t>
+                      </a:r>
+                      <a:endParaRPr lang="fr-FR" sz="700" b="0" i="0" u="none" strike="noStrike">
+                        <a:solidFill>
+                          <a:srgbClr val="000000"/>
+                        </a:solidFill>
+                        <a:effectLst/>
+                        <a:latin typeface="Calibri" panose="020F0502020204030204" pitchFamily="34" charset="0"/>
+                      </a:endParaRPr>
+                    </a:p>
+                  </a:txBody>
+                  <a:tcPr marL="6389" marR="6389" marT="6389" marB="0" anchor="b"/>
+                </a:tc>
+                <a:tc>
+                  <a:txBody>
+                    <a:bodyPr/>
+                    <a:lstStyle/>
+                    <a:p>
+                      <a:pPr algn="l" fontAlgn="b"/>
+                      <a:endParaRPr lang="fr-FR" sz="700" b="0" i="0" u="none" strike="noStrike">
+                        <a:solidFill>
+                          <a:srgbClr val="000000"/>
+                        </a:solidFill>
+                        <a:effectLst/>
+                        <a:latin typeface="Calibri" panose="020F0502020204030204" pitchFamily="34" charset="0"/>
+                      </a:endParaRPr>
+                    </a:p>
+                  </a:txBody>
+                  <a:tcPr marL="6389" marR="6389" marT="6389" marB="0" anchor="b"/>
+                </a:tc>
+                <a:tc>
+                  <a:txBody>
+                    <a:bodyPr/>
+                    <a:lstStyle/>
+                    <a:p>
+                      <a:pPr algn="l" fontAlgn="b"/>
+                      <a:endParaRPr lang="fr-FR" sz="700" b="0" i="0" u="none" strike="noStrike">
+                        <a:solidFill>
+                          <a:srgbClr val="000000"/>
+                        </a:solidFill>
+                        <a:effectLst/>
+                        <a:latin typeface="Calibri" panose="020F0502020204030204" pitchFamily="34" charset="0"/>
+                      </a:endParaRPr>
+                    </a:p>
+                  </a:txBody>
+                  <a:tcPr marL="6389" marR="6389" marT="6389" marB="0" anchor="b"/>
+                </a:tc>
+                <a:tc>
+                  <a:txBody>
+                    <a:bodyPr/>
+                    <a:lstStyle/>
+                    <a:p>
+                      <a:pPr algn="l" fontAlgn="b"/>
+                      <a:endParaRPr lang="fr-FR" sz="700" b="0" i="0" u="none" strike="noStrike">
+                        <a:solidFill>
+                          <a:srgbClr val="000000"/>
+                        </a:solidFill>
+                        <a:effectLst/>
+                        <a:latin typeface="Calibri" panose="020F0502020204030204" pitchFamily="34" charset="0"/>
+                      </a:endParaRPr>
+                    </a:p>
+                  </a:txBody>
+                  <a:tcPr marL="6389" marR="6389" marT="6389" marB="0" anchor="b"/>
+                </a:tc>
+                <a:tc>
+                  <a:txBody>
+                    <a:bodyPr/>
+                    <a:lstStyle/>
+                    <a:p>
+                      <a:pPr algn="l" fontAlgn="b"/>
+                      <a:endParaRPr lang="fr-FR" sz="700" b="0" i="0" u="none" strike="noStrike">
+                        <a:solidFill>
+                          <a:srgbClr val="000000"/>
+                        </a:solidFill>
+                        <a:effectLst/>
+                        <a:latin typeface="Calibri" panose="020F0502020204030204" pitchFamily="34" charset="0"/>
+                      </a:endParaRPr>
+                    </a:p>
+                  </a:txBody>
+                  <a:tcPr marL="6389" marR="6389" marT="6389" marB="0" anchor="b"/>
+                </a:tc>
+                <a:tc>
+                  <a:txBody>
+                    <a:bodyPr/>
+                    <a:lstStyle/>
+                    <a:p>
+                      <a:pPr algn="l" fontAlgn="b"/>
+                      <a:r>
+                        <a:rPr lang="fr-FR" sz="700" u="none" strike="noStrike" dirty="0">
+                          <a:effectLst/>
+                        </a:rPr>
+                        <a:t> </a:t>
+                      </a:r>
+                      <a:endParaRPr lang="fr-FR" sz="700" b="0" i="0" u="none" strike="noStrike" dirty="0">
+                        <a:solidFill>
+                          <a:srgbClr val="000000"/>
+                        </a:solidFill>
+                        <a:effectLst/>
+                        <a:latin typeface="Calibri" panose="020F0502020204030204" pitchFamily="34" charset="0"/>
+                      </a:endParaRPr>
+                    </a:p>
+                  </a:txBody>
+                  <a:tcPr marL="6389" marR="6389" marT="6389" marB="0" anchor="b">
+                    <a:solidFill>
+                      <a:schemeClr val="accent2">
+                        <a:lumMod val="50000"/>
+                      </a:schemeClr>
+                    </a:solidFill>
+                  </a:tcPr>
+                </a:tc>
+                <a:tc>
+                  <a:txBody>
+                    <a:bodyPr/>
+                    <a:lstStyle/>
+                    <a:p>
+                      <a:pPr algn="l" fontAlgn="b"/>
+                      <a:r>
+                        <a:rPr lang="fr-FR" sz="700" u="none" strike="noStrike" dirty="0">
+                          <a:effectLst/>
+                        </a:rPr>
+                        <a:t> </a:t>
+                      </a:r>
+                      <a:endParaRPr lang="fr-FR" sz="700" b="0" i="0" u="none" strike="noStrike" dirty="0">
+                        <a:solidFill>
+                          <a:srgbClr val="000000"/>
+                        </a:solidFill>
+                        <a:effectLst/>
+                        <a:latin typeface="Calibri" panose="020F0502020204030204" pitchFamily="34" charset="0"/>
+                      </a:endParaRPr>
+                    </a:p>
+                  </a:txBody>
+                  <a:tcPr marL="6389" marR="6389" marT="6389" marB="0" anchor="b">
+                    <a:solidFill>
+                      <a:schemeClr val="accent2">
+                        <a:lumMod val="50000"/>
+                      </a:schemeClr>
+                    </a:solidFill>
+                  </a:tcPr>
+                </a:tc>
+                <a:tc>
+                  <a:txBody>
+                    <a:bodyPr/>
+                    <a:lstStyle/>
+                    <a:p>
+                      <a:pPr algn="l" fontAlgn="b"/>
+                      <a:r>
+                        <a:rPr lang="fr-FR" sz="700" u="none" strike="noStrike" dirty="0">
+                          <a:effectLst/>
+                        </a:rPr>
+                        <a:t> </a:t>
+                      </a:r>
+                      <a:endParaRPr lang="fr-FR" sz="700" b="0" i="0" u="none" strike="noStrike" dirty="0">
+                        <a:solidFill>
+                          <a:srgbClr val="000000"/>
+                        </a:solidFill>
+                        <a:effectLst/>
+                        <a:latin typeface="Calibri" panose="020F0502020204030204" pitchFamily="34" charset="0"/>
+                      </a:endParaRPr>
+                    </a:p>
+                  </a:txBody>
+                  <a:tcPr marL="6389" marR="6389" marT="6389" marB="0" anchor="b">
+                    <a:solidFill>
+                      <a:schemeClr val="accent2">
+                        <a:lumMod val="50000"/>
+                      </a:schemeClr>
+                    </a:solidFill>
+                  </a:tcPr>
+                </a:tc>
+                <a:tc>
+                  <a:txBody>
+                    <a:bodyPr/>
+                    <a:lstStyle/>
+                    <a:p>
+                      <a:pPr algn="l" fontAlgn="b"/>
+                      <a:r>
+                        <a:rPr lang="fr-FR" sz="700" u="none" strike="noStrike" dirty="0">
+                          <a:effectLst/>
+                        </a:rPr>
+                        <a:t> </a:t>
+                      </a:r>
+                      <a:endParaRPr lang="fr-FR" sz="700" b="0" i="0" u="none" strike="noStrike" dirty="0">
+                        <a:solidFill>
+                          <a:srgbClr val="000000"/>
+                        </a:solidFill>
+                        <a:effectLst/>
+                        <a:latin typeface="Calibri" panose="020F0502020204030204" pitchFamily="34" charset="0"/>
+                      </a:endParaRPr>
+                    </a:p>
+                  </a:txBody>
+                  <a:tcPr marL="6389" marR="6389" marT="6389" marB="0" anchor="b">
+                    <a:solidFill>
+                      <a:schemeClr val="accent2">
+                        <a:lumMod val="50000"/>
+                      </a:schemeClr>
+                    </a:solidFill>
+                  </a:tcPr>
+                </a:tc>
+                <a:tc>
+                  <a:txBody>
+                    <a:bodyPr/>
+                    <a:lstStyle/>
+                    <a:p>
+                      <a:pPr algn="l" fontAlgn="b"/>
+                      <a:endParaRPr lang="fr-FR" sz="700" b="0" i="0" u="none" strike="noStrike">
+                        <a:solidFill>
+                          <a:srgbClr val="000000"/>
+                        </a:solidFill>
+                        <a:effectLst/>
+                        <a:latin typeface="Calibri" panose="020F0502020204030204" pitchFamily="34" charset="0"/>
+                      </a:endParaRPr>
+                    </a:p>
+                  </a:txBody>
+                  <a:tcPr marL="6389" marR="6389" marT="6389" marB="0" anchor="b"/>
+                </a:tc>
+                <a:tc>
+                  <a:txBody>
+                    <a:bodyPr/>
+                    <a:lstStyle/>
+                    <a:p>
+                      <a:pPr algn="l" fontAlgn="b"/>
+                      <a:endParaRPr lang="fr-FR" sz="700" b="0" i="0" u="none" strike="noStrike">
+                        <a:solidFill>
+                          <a:srgbClr val="000000"/>
+                        </a:solidFill>
+                        <a:effectLst/>
+                        <a:latin typeface="Calibri" panose="020F0502020204030204" pitchFamily="34" charset="0"/>
+                      </a:endParaRPr>
+                    </a:p>
+                  </a:txBody>
+                  <a:tcPr marL="6389" marR="6389" marT="6389" marB="0" anchor="b"/>
+                </a:tc>
+                <a:extLst>
+                  <a:ext uri="{0D108BD9-81ED-4DB2-BD59-A6C34878D82A}">
+                    <a16:rowId xmlns:a16="http://schemas.microsoft.com/office/drawing/2014/main" val="1303115861"/>
+                  </a:ext>
+                </a:extLst>
+              </a:tr>
+              <a:tr h="176496">
+                <a:tc>
+                  <a:txBody>
+                    <a:bodyPr/>
+                    <a:lstStyle/>
+                    <a:p>
+                      <a:pPr algn="l" fontAlgn="b"/>
+                      <a:endParaRPr lang="fr-FR" sz="700" b="0" i="0" u="none" strike="noStrike">
+                        <a:solidFill>
+                          <a:srgbClr val="000000"/>
+                        </a:solidFill>
+                        <a:effectLst/>
+                        <a:latin typeface="Calibri" panose="020F0502020204030204" pitchFamily="34" charset="0"/>
+                      </a:endParaRPr>
+                    </a:p>
+                  </a:txBody>
+                  <a:tcPr marL="6389" marR="6389" marT="6389" marB="0" anchor="b"/>
+                </a:tc>
+                <a:tc>
+                  <a:txBody>
+                    <a:bodyPr/>
+                    <a:lstStyle/>
+                    <a:p>
+                      <a:pPr algn="l" fontAlgn="b"/>
+                      <a:r>
+                        <a:rPr lang="fr-FR" sz="700" u="none" strike="noStrike">
+                          <a:effectLst/>
+                        </a:rPr>
+                        <a:t> </a:t>
+                      </a:r>
+                      <a:endParaRPr lang="fr-FR" sz="700" b="0" i="0" u="none" strike="noStrike">
+                        <a:solidFill>
+                          <a:srgbClr val="000000"/>
+                        </a:solidFill>
+                        <a:effectLst/>
+                        <a:latin typeface="Calibri" panose="020F0502020204030204" pitchFamily="34" charset="0"/>
+                      </a:endParaRPr>
+                    </a:p>
+                  </a:txBody>
+                  <a:tcPr marL="6389" marR="6389" marT="6389" marB="0" anchor="b"/>
+                </a:tc>
+                <a:tc>
+                  <a:txBody>
+                    <a:bodyPr/>
+                    <a:lstStyle/>
+                    <a:p>
+                      <a:pPr algn="l" fontAlgn="b"/>
+                      <a:endParaRPr lang="fr-FR" sz="700" b="0" i="0" u="none" strike="noStrike">
+                        <a:solidFill>
+                          <a:srgbClr val="000000"/>
+                        </a:solidFill>
+                        <a:effectLst/>
+                        <a:latin typeface="Calibri" panose="020F0502020204030204" pitchFamily="34" charset="0"/>
+                      </a:endParaRPr>
+                    </a:p>
+                  </a:txBody>
+                  <a:tcPr marL="6389" marR="6389" marT="6389" marB="0" anchor="b"/>
+                </a:tc>
+                <a:tc>
+                  <a:txBody>
+                    <a:bodyPr/>
+                    <a:lstStyle/>
+                    <a:p>
+                      <a:pPr algn="l" fontAlgn="b"/>
+                      <a:endParaRPr lang="fr-FR" sz="700" b="0" i="0" u="none" strike="noStrike">
+                        <a:solidFill>
+                          <a:srgbClr val="000000"/>
+                        </a:solidFill>
+                        <a:effectLst/>
+                        <a:latin typeface="Calibri" panose="020F0502020204030204" pitchFamily="34" charset="0"/>
+                      </a:endParaRPr>
+                    </a:p>
+                  </a:txBody>
+                  <a:tcPr marL="6389" marR="6389" marT="6389" marB="0" anchor="b"/>
+                </a:tc>
+                <a:tc>
+                  <a:txBody>
+                    <a:bodyPr/>
+                    <a:lstStyle/>
+                    <a:p>
+                      <a:pPr algn="l" fontAlgn="b"/>
+                      <a:endParaRPr lang="fr-FR" sz="700" b="0" i="0" u="none" strike="noStrike">
+                        <a:solidFill>
+                          <a:srgbClr val="000000"/>
+                        </a:solidFill>
+                        <a:effectLst/>
+                        <a:latin typeface="Calibri" panose="020F0502020204030204" pitchFamily="34" charset="0"/>
+                      </a:endParaRPr>
+                    </a:p>
+                  </a:txBody>
+                  <a:tcPr marL="6389" marR="6389" marT="6389" marB="0" anchor="b"/>
+                </a:tc>
+                <a:tc>
+                  <a:txBody>
+                    <a:bodyPr/>
+                    <a:lstStyle/>
+                    <a:p>
+                      <a:pPr algn="l" fontAlgn="b"/>
+                      <a:endParaRPr lang="fr-FR" sz="700" b="0" i="0" u="none" strike="noStrike">
+                        <a:solidFill>
+                          <a:srgbClr val="000000"/>
+                        </a:solidFill>
+                        <a:effectLst/>
+                        <a:latin typeface="Calibri" panose="020F0502020204030204" pitchFamily="34" charset="0"/>
+                      </a:endParaRPr>
+                    </a:p>
+                  </a:txBody>
+                  <a:tcPr marL="6389" marR="6389" marT="6389" marB="0" anchor="b"/>
+                </a:tc>
+                <a:tc>
+                  <a:txBody>
+                    <a:bodyPr/>
+                    <a:lstStyle/>
+                    <a:p>
+                      <a:pPr algn="l" fontAlgn="b"/>
+                      <a:endParaRPr lang="fr-FR" sz="700" b="0" i="0" u="none" strike="noStrike">
+                        <a:solidFill>
+                          <a:srgbClr val="000000"/>
+                        </a:solidFill>
+                        <a:effectLst/>
+                        <a:latin typeface="Calibri" panose="020F0502020204030204" pitchFamily="34" charset="0"/>
+                      </a:endParaRPr>
+                    </a:p>
+                  </a:txBody>
+                  <a:tcPr marL="6389" marR="6389" marT="6389" marB="0" anchor="b"/>
+                </a:tc>
+                <a:tc>
+                  <a:txBody>
+                    <a:bodyPr/>
+                    <a:lstStyle/>
+                    <a:p>
+                      <a:pPr algn="l" fontAlgn="b"/>
+                      <a:endParaRPr lang="fr-FR" sz="700" b="0" i="0" u="none" strike="noStrike">
+                        <a:solidFill>
+                          <a:srgbClr val="000000"/>
+                        </a:solidFill>
+                        <a:effectLst/>
+                        <a:latin typeface="Calibri" panose="020F0502020204030204" pitchFamily="34" charset="0"/>
+                      </a:endParaRPr>
+                    </a:p>
+                  </a:txBody>
+                  <a:tcPr marL="6389" marR="6389" marT="6389" marB="0" anchor="b"/>
+                </a:tc>
+                <a:tc>
+                  <a:txBody>
+                    <a:bodyPr/>
+                    <a:lstStyle/>
+                    <a:p>
+                      <a:pPr algn="l" fontAlgn="b"/>
+                      <a:endParaRPr lang="fr-FR" sz="700" b="0" i="0" u="none" strike="noStrike">
+                        <a:solidFill>
+                          <a:srgbClr val="000000"/>
+                        </a:solidFill>
+                        <a:effectLst/>
+                        <a:latin typeface="Calibri" panose="020F0502020204030204" pitchFamily="34" charset="0"/>
+                      </a:endParaRPr>
+                    </a:p>
+                  </a:txBody>
+                  <a:tcPr marL="6389" marR="6389" marT="6389" marB="0" anchor="b"/>
+                </a:tc>
+                <a:tc>
+                  <a:txBody>
+                    <a:bodyPr/>
+                    <a:lstStyle/>
+                    <a:p>
+                      <a:pPr algn="l" fontAlgn="b"/>
+                      <a:endParaRPr lang="fr-FR" sz="700" b="0" i="0" u="none" strike="noStrike">
+                        <a:solidFill>
+                          <a:srgbClr val="000000"/>
+                        </a:solidFill>
+                        <a:effectLst/>
+                        <a:latin typeface="Calibri" panose="020F0502020204030204" pitchFamily="34" charset="0"/>
+                      </a:endParaRPr>
+                    </a:p>
+                  </a:txBody>
+                  <a:tcPr marL="6389" marR="6389" marT="6389" marB="0" anchor="b"/>
+                </a:tc>
+                <a:tc>
+                  <a:txBody>
+                    <a:bodyPr/>
+                    <a:lstStyle/>
+                    <a:p>
+                      <a:pPr algn="l" fontAlgn="b"/>
+                      <a:endParaRPr lang="fr-FR" sz="700" b="0" i="0" u="none" strike="noStrike">
+                        <a:solidFill>
+                          <a:srgbClr val="000000"/>
+                        </a:solidFill>
+                        <a:effectLst/>
+                        <a:latin typeface="Calibri" panose="020F0502020204030204" pitchFamily="34" charset="0"/>
+                      </a:endParaRPr>
+                    </a:p>
+                  </a:txBody>
+                  <a:tcPr marL="6389" marR="6389" marT="6389" marB="0" anchor="b"/>
+                </a:tc>
+                <a:tc>
+                  <a:txBody>
+                    <a:bodyPr/>
+                    <a:lstStyle/>
+                    <a:p>
+                      <a:pPr algn="l" fontAlgn="b"/>
+                      <a:endParaRPr lang="fr-FR" sz="700" b="0" i="0" u="none" strike="noStrike">
+                        <a:solidFill>
+                          <a:srgbClr val="000000"/>
+                        </a:solidFill>
+                        <a:effectLst/>
+                        <a:latin typeface="Calibri" panose="020F0502020204030204" pitchFamily="34" charset="0"/>
+                      </a:endParaRPr>
+                    </a:p>
+                  </a:txBody>
+                  <a:tcPr marL="6389" marR="6389" marT="6389" marB="0" anchor="b"/>
+                </a:tc>
+                <a:extLst>
+                  <a:ext uri="{0D108BD9-81ED-4DB2-BD59-A6C34878D82A}">
+                    <a16:rowId xmlns:a16="http://schemas.microsoft.com/office/drawing/2014/main" val="2583723099"/>
+                  </a:ext>
+                </a:extLst>
+              </a:tr>
+              <a:tr h="185321">
+                <a:tc>
+                  <a:txBody>
+                    <a:bodyPr/>
+                    <a:lstStyle/>
+                    <a:p>
+                      <a:pPr algn="l" fontAlgn="b"/>
+                      <a:endParaRPr lang="fr-FR" sz="700" b="0" i="0" u="none" strike="noStrike">
+                        <a:solidFill>
+                          <a:srgbClr val="000000"/>
+                        </a:solidFill>
+                        <a:effectLst/>
+                        <a:latin typeface="Calibri" panose="020F0502020204030204" pitchFamily="34" charset="0"/>
+                      </a:endParaRPr>
+                    </a:p>
+                  </a:txBody>
+                  <a:tcPr marL="6389" marR="6389" marT="6389" marB="0" anchor="b"/>
+                </a:tc>
+                <a:tc>
+                  <a:txBody>
+                    <a:bodyPr/>
+                    <a:lstStyle/>
+                    <a:p>
+                      <a:pPr algn="l" fontAlgn="b"/>
+                      <a:r>
+                        <a:rPr lang="fr-FR" sz="700" u="none" strike="noStrike">
+                          <a:effectLst/>
+                        </a:rPr>
+                        <a:t>Prep' soutenance</a:t>
+                      </a:r>
+                      <a:endParaRPr lang="fr-FR" sz="700" b="0" i="0" u="none" strike="noStrike">
+                        <a:solidFill>
+                          <a:srgbClr val="000000"/>
+                        </a:solidFill>
+                        <a:effectLst/>
+                        <a:latin typeface="Calibri" panose="020F0502020204030204" pitchFamily="34" charset="0"/>
+                      </a:endParaRPr>
+                    </a:p>
+                  </a:txBody>
+                  <a:tcPr marL="6389" marR="6389" marT="6389" marB="0" anchor="b"/>
+                </a:tc>
+                <a:tc>
+                  <a:txBody>
+                    <a:bodyPr/>
+                    <a:lstStyle/>
+                    <a:p>
+                      <a:pPr algn="l" fontAlgn="b"/>
+                      <a:endParaRPr lang="fr-FR" sz="700" b="0" i="0" u="none" strike="noStrike">
+                        <a:solidFill>
+                          <a:srgbClr val="000000"/>
+                        </a:solidFill>
+                        <a:effectLst/>
+                        <a:latin typeface="Calibri" panose="020F0502020204030204" pitchFamily="34" charset="0"/>
+                      </a:endParaRPr>
+                    </a:p>
+                  </a:txBody>
+                  <a:tcPr marL="6389" marR="6389" marT="6389" marB="0" anchor="b"/>
+                </a:tc>
+                <a:tc>
+                  <a:txBody>
+                    <a:bodyPr/>
+                    <a:lstStyle/>
+                    <a:p>
+                      <a:pPr algn="l" fontAlgn="b"/>
+                      <a:endParaRPr lang="fr-FR" sz="700" b="0" i="0" u="none" strike="noStrike">
+                        <a:solidFill>
+                          <a:srgbClr val="000000"/>
+                        </a:solidFill>
+                        <a:effectLst/>
+                        <a:latin typeface="Calibri" panose="020F0502020204030204" pitchFamily="34" charset="0"/>
+                      </a:endParaRPr>
+                    </a:p>
+                  </a:txBody>
+                  <a:tcPr marL="6389" marR="6389" marT="6389" marB="0" anchor="b"/>
+                </a:tc>
+                <a:tc>
+                  <a:txBody>
+                    <a:bodyPr/>
+                    <a:lstStyle/>
+                    <a:p>
+                      <a:pPr algn="l" fontAlgn="b"/>
+                      <a:endParaRPr lang="fr-FR" sz="700" b="0" i="0" u="none" strike="noStrike">
+                        <a:solidFill>
+                          <a:srgbClr val="000000"/>
+                        </a:solidFill>
+                        <a:effectLst/>
+                        <a:latin typeface="Calibri" panose="020F0502020204030204" pitchFamily="34" charset="0"/>
+                      </a:endParaRPr>
+                    </a:p>
+                  </a:txBody>
+                  <a:tcPr marL="6389" marR="6389" marT="6389" marB="0" anchor="b"/>
+                </a:tc>
+                <a:tc>
+                  <a:txBody>
+                    <a:bodyPr/>
+                    <a:lstStyle/>
+                    <a:p>
+                      <a:pPr algn="l" fontAlgn="b"/>
+                      <a:endParaRPr lang="fr-FR" sz="700" b="0" i="0" u="none" strike="noStrike">
+                        <a:solidFill>
+                          <a:srgbClr val="000000"/>
+                        </a:solidFill>
+                        <a:effectLst/>
+                        <a:latin typeface="Calibri" panose="020F0502020204030204" pitchFamily="34" charset="0"/>
+                      </a:endParaRPr>
+                    </a:p>
+                  </a:txBody>
+                  <a:tcPr marL="6389" marR="6389" marT="6389" marB="0" anchor="b"/>
+                </a:tc>
+                <a:tc>
+                  <a:txBody>
+                    <a:bodyPr/>
+                    <a:lstStyle/>
+                    <a:p>
+                      <a:pPr algn="l" fontAlgn="b"/>
+                      <a:endParaRPr lang="fr-FR" sz="700" b="0" i="0" u="none" strike="noStrike">
+                        <a:solidFill>
+                          <a:srgbClr val="000000"/>
+                        </a:solidFill>
+                        <a:effectLst/>
+                        <a:latin typeface="Calibri" panose="020F0502020204030204" pitchFamily="34" charset="0"/>
+                      </a:endParaRPr>
+                    </a:p>
+                  </a:txBody>
+                  <a:tcPr marL="6389" marR="6389" marT="6389" marB="0" anchor="b"/>
+                </a:tc>
+                <a:tc>
+                  <a:txBody>
+                    <a:bodyPr/>
+                    <a:lstStyle/>
+                    <a:p>
+                      <a:pPr algn="l" fontAlgn="b"/>
+                      <a:endParaRPr lang="fr-FR" sz="700" b="0" i="0" u="none" strike="noStrike">
+                        <a:solidFill>
+                          <a:srgbClr val="000000"/>
+                        </a:solidFill>
+                        <a:effectLst/>
+                        <a:latin typeface="Calibri" panose="020F0502020204030204" pitchFamily="34" charset="0"/>
+                      </a:endParaRPr>
+                    </a:p>
+                  </a:txBody>
+                  <a:tcPr marL="6389" marR="6389" marT="6389" marB="0" anchor="b"/>
+                </a:tc>
+                <a:tc>
+                  <a:txBody>
+                    <a:bodyPr/>
+                    <a:lstStyle/>
+                    <a:p>
+                      <a:pPr algn="l" fontAlgn="b"/>
+                      <a:endParaRPr lang="fr-FR" sz="700" b="0" i="0" u="none" strike="noStrike">
+                        <a:solidFill>
+                          <a:srgbClr val="000000"/>
+                        </a:solidFill>
+                        <a:effectLst/>
+                        <a:latin typeface="Calibri" panose="020F0502020204030204" pitchFamily="34" charset="0"/>
+                      </a:endParaRPr>
+                    </a:p>
+                  </a:txBody>
+                  <a:tcPr marL="6389" marR="6389" marT="6389" marB="0" anchor="b"/>
+                </a:tc>
+                <a:tc>
+                  <a:txBody>
+                    <a:bodyPr/>
+                    <a:lstStyle/>
+                    <a:p>
+                      <a:pPr algn="l" fontAlgn="b"/>
+                      <a:r>
+                        <a:rPr lang="fr-FR" sz="700" u="none" strike="noStrike" dirty="0">
+                          <a:effectLst/>
+                        </a:rPr>
+                        <a:t> </a:t>
+                      </a:r>
+                      <a:endParaRPr lang="fr-FR" sz="700" b="0" i="0" u="none" strike="noStrike" dirty="0">
+                        <a:solidFill>
+                          <a:srgbClr val="000000"/>
+                        </a:solidFill>
+                        <a:effectLst/>
+                        <a:latin typeface="Calibri" panose="020F0502020204030204" pitchFamily="34" charset="0"/>
+                      </a:endParaRPr>
+                    </a:p>
+                  </a:txBody>
+                  <a:tcPr marL="6389" marR="6389" marT="6389" marB="0" anchor="b">
+                    <a:solidFill>
+                      <a:schemeClr val="accent4">
+                        <a:lumMod val="50000"/>
+                      </a:schemeClr>
+                    </a:solidFill>
+                  </a:tcPr>
+                </a:tc>
+                <a:tc>
+                  <a:txBody>
+                    <a:bodyPr/>
+                    <a:lstStyle/>
+                    <a:p>
+                      <a:pPr algn="l" fontAlgn="b"/>
+                      <a:r>
+                        <a:rPr lang="fr-FR" sz="700" u="none" strike="noStrike" dirty="0">
+                          <a:effectLst/>
+                        </a:rPr>
+                        <a:t> </a:t>
+                      </a:r>
+                      <a:endParaRPr lang="fr-FR" sz="700" b="0" i="0" u="none" strike="noStrike" dirty="0">
+                        <a:solidFill>
+                          <a:srgbClr val="000000"/>
+                        </a:solidFill>
+                        <a:effectLst/>
+                        <a:latin typeface="Calibri" panose="020F0502020204030204" pitchFamily="34" charset="0"/>
+                      </a:endParaRPr>
+                    </a:p>
+                  </a:txBody>
+                  <a:tcPr marL="6389" marR="6389" marT="6389" marB="0" anchor="b">
+                    <a:solidFill>
+                      <a:schemeClr val="accent4">
+                        <a:lumMod val="50000"/>
+                      </a:schemeClr>
+                    </a:solidFill>
+                  </a:tcPr>
+                </a:tc>
+                <a:tc>
+                  <a:txBody>
+                    <a:bodyPr/>
+                    <a:lstStyle/>
+                    <a:p>
+                      <a:pPr algn="l" fontAlgn="b"/>
+                      <a:endParaRPr lang="fr-FR" sz="700" b="0" i="0" u="none" strike="noStrike">
+                        <a:solidFill>
+                          <a:srgbClr val="000000"/>
+                        </a:solidFill>
+                        <a:effectLst/>
+                        <a:latin typeface="Calibri" panose="020F0502020204030204" pitchFamily="34" charset="0"/>
+                      </a:endParaRPr>
+                    </a:p>
+                  </a:txBody>
+                  <a:tcPr marL="6389" marR="6389" marT="6389" marB="0" anchor="b"/>
+                </a:tc>
+                <a:extLst>
+                  <a:ext uri="{0D108BD9-81ED-4DB2-BD59-A6C34878D82A}">
+                    <a16:rowId xmlns:a16="http://schemas.microsoft.com/office/drawing/2014/main" val="1768813413"/>
+                  </a:ext>
+                </a:extLst>
+              </a:tr>
+              <a:tr h="176496">
+                <a:tc>
+                  <a:txBody>
+                    <a:bodyPr/>
+                    <a:lstStyle/>
+                    <a:p>
+                      <a:pPr algn="l" fontAlgn="b"/>
+                      <a:endParaRPr lang="fr-FR" sz="700" b="0" i="0" u="none" strike="noStrike">
+                        <a:solidFill>
+                          <a:srgbClr val="000000"/>
+                        </a:solidFill>
+                        <a:effectLst/>
+                        <a:latin typeface="Calibri" panose="020F0502020204030204" pitchFamily="34" charset="0"/>
+                      </a:endParaRPr>
+                    </a:p>
+                  </a:txBody>
+                  <a:tcPr marL="6389" marR="6389" marT="6389" marB="0" anchor="b"/>
+                </a:tc>
+                <a:tc>
+                  <a:txBody>
+                    <a:bodyPr/>
+                    <a:lstStyle/>
+                    <a:p>
+                      <a:pPr algn="l" fontAlgn="b"/>
+                      <a:endParaRPr lang="fr-FR" sz="700" b="0" i="0" u="none" strike="noStrike">
+                        <a:solidFill>
+                          <a:srgbClr val="000000"/>
+                        </a:solidFill>
+                        <a:effectLst/>
+                        <a:latin typeface="Calibri" panose="020F0502020204030204" pitchFamily="34" charset="0"/>
+                      </a:endParaRPr>
+                    </a:p>
+                  </a:txBody>
+                  <a:tcPr marL="6389" marR="6389" marT="6389" marB="0" anchor="b"/>
+                </a:tc>
+                <a:tc>
+                  <a:txBody>
+                    <a:bodyPr/>
+                    <a:lstStyle/>
+                    <a:p>
+                      <a:pPr algn="l" fontAlgn="b"/>
+                      <a:endParaRPr lang="fr-FR" sz="700" b="0" i="0" u="none" strike="noStrike">
+                        <a:solidFill>
+                          <a:srgbClr val="000000"/>
+                        </a:solidFill>
+                        <a:effectLst/>
+                        <a:latin typeface="Calibri" panose="020F0502020204030204" pitchFamily="34" charset="0"/>
+                      </a:endParaRPr>
+                    </a:p>
+                  </a:txBody>
+                  <a:tcPr marL="6389" marR="6389" marT="6389" marB="0" anchor="b"/>
+                </a:tc>
+                <a:tc>
+                  <a:txBody>
+                    <a:bodyPr/>
+                    <a:lstStyle/>
+                    <a:p>
+                      <a:pPr algn="l" fontAlgn="b"/>
+                      <a:endParaRPr lang="fr-FR" sz="700" b="0" i="0" u="none" strike="noStrike">
+                        <a:solidFill>
+                          <a:srgbClr val="000000"/>
+                        </a:solidFill>
+                        <a:effectLst/>
+                        <a:latin typeface="Calibri" panose="020F0502020204030204" pitchFamily="34" charset="0"/>
+                      </a:endParaRPr>
+                    </a:p>
+                  </a:txBody>
+                  <a:tcPr marL="6389" marR="6389" marT="6389" marB="0" anchor="b"/>
+                </a:tc>
+                <a:tc>
+                  <a:txBody>
+                    <a:bodyPr/>
+                    <a:lstStyle/>
+                    <a:p>
+                      <a:pPr algn="l" fontAlgn="b"/>
+                      <a:endParaRPr lang="fr-FR" sz="700" b="0" i="0" u="none" strike="noStrike">
+                        <a:solidFill>
+                          <a:srgbClr val="000000"/>
+                        </a:solidFill>
+                        <a:effectLst/>
+                        <a:latin typeface="Calibri" panose="020F0502020204030204" pitchFamily="34" charset="0"/>
+                      </a:endParaRPr>
+                    </a:p>
+                  </a:txBody>
+                  <a:tcPr marL="6389" marR="6389" marT="6389" marB="0" anchor="b"/>
+                </a:tc>
+                <a:tc>
+                  <a:txBody>
+                    <a:bodyPr/>
+                    <a:lstStyle/>
+                    <a:p>
+                      <a:pPr algn="l" fontAlgn="b"/>
+                      <a:endParaRPr lang="fr-FR" sz="700" b="0" i="0" u="none" strike="noStrike">
+                        <a:solidFill>
+                          <a:srgbClr val="000000"/>
+                        </a:solidFill>
+                        <a:effectLst/>
+                        <a:latin typeface="Calibri" panose="020F0502020204030204" pitchFamily="34" charset="0"/>
+                      </a:endParaRPr>
+                    </a:p>
+                  </a:txBody>
+                  <a:tcPr marL="6389" marR="6389" marT="6389" marB="0" anchor="b"/>
+                </a:tc>
+                <a:tc>
+                  <a:txBody>
+                    <a:bodyPr/>
+                    <a:lstStyle/>
+                    <a:p>
+                      <a:pPr algn="l" fontAlgn="b"/>
+                      <a:endParaRPr lang="fr-FR" sz="700" b="0" i="0" u="none" strike="noStrike">
+                        <a:solidFill>
+                          <a:srgbClr val="000000"/>
+                        </a:solidFill>
+                        <a:effectLst/>
+                        <a:latin typeface="Calibri" panose="020F0502020204030204" pitchFamily="34" charset="0"/>
+                      </a:endParaRPr>
+                    </a:p>
+                  </a:txBody>
+                  <a:tcPr marL="6389" marR="6389" marT="6389" marB="0" anchor="b"/>
+                </a:tc>
+                <a:tc>
+                  <a:txBody>
+                    <a:bodyPr/>
+                    <a:lstStyle/>
+                    <a:p>
+                      <a:pPr algn="l" fontAlgn="b"/>
+                      <a:endParaRPr lang="fr-FR" sz="700" b="0" i="0" u="none" strike="noStrike">
+                        <a:solidFill>
+                          <a:srgbClr val="000000"/>
+                        </a:solidFill>
+                        <a:effectLst/>
+                        <a:latin typeface="Calibri" panose="020F0502020204030204" pitchFamily="34" charset="0"/>
+                      </a:endParaRPr>
+                    </a:p>
+                  </a:txBody>
+                  <a:tcPr marL="6389" marR="6389" marT="6389" marB="0" anchor="b"/>
+                </a:tc>
+                <a:tc>
+                  <a:txBody>
+                    <a:bodyPr/>
+                    <a:lstStyle/>
+                    <a:p>
+                      <a:pPr algn="l" fontAlgn="b"/>
+                      <a:endParaRPr lang="fr-FR" sz="700" b="0" i="0" u="none" strike="noStrike">
+                        <a:solidFill>
+                          <a:srgbClr val="000000"/>
+                        </a:solidFill>
+                        <a:effectLst/>
+                        <a:latin typeface="Calibri" panose="020F0502020204030204" pitchFamily="34" charset="0"/>
+                      </a:endParaRPr>
+                    </a:p>
+                  </a:txBody>
+                  <a:tcPr marL="6389" marR="6389" marT="6389" marB="0" anchor="b"/>
+                </a:tc>
+                <a:tc>
+                  <a:txBody>
+                    <a:bodyPr/>
+                    <a:lstStyle/>
+                    <a:p>
+                      <a:pPr algn="l" fontAlgn="b"/>
+                      <a:endParaRPr lang="fr-FR" sz="700" b="0" i="0" u="none" strike="noStrike">
+                        <a:solidFill>
+                          <a:srgbClr val="000000"/>
+                        </a:solidFill>
+                        <a:effectLst/>
+                        <a:latin typeface="Calibri" panose="020F0502020204030204" pitchFamily="34" charset="0"/>
+                      </a:endParaRPr>
+                    </a:p>
+                  </a:txBody>
+                  <a:tcPr marL="6389" marR="6389" marT="6389" marB="0" anchor="b"/>
+                </a:tc>
+                <a:tc>
+                  <a:txBody>
+                    <a:bodyPr/>
+                    <a:lstStyle/>
+                    <a:p>
+                      <a:pPr algn="l" fontAlgn="b"/>
+                      <a:endParaRPr lang="fr-FR" sz="700" b="0" i="0" u="none" strike="noStrike">
+                        <a:solidFill>
+                          <a:srgbClr val="000000"/>
+                        </a:solidFill>
+                        <a:effectLst/>
+                        <a:latin typeface="Calibri" panose="020F0502020204030204" pitchFamily="34" charset="0"/>
+                      </a:endParaRPr>
+                    </a:p>
+                  </a:txBody>
+                  <a:tcPr marL="6389" marR="6389" marT="6389" marB="0" anchor="b"/>
+                </a:tc>
+                <a:tc>
+                  <a:txBody>
+                    <a:bodyPr/>
+                    <a:lstStyle/>
+                    <a:p>
+                      <a:pPr algn="l" fontAlgn="b"/>
+                      <a:endParaRPr lang="fr-FR" sz="700" b="0" i="0" u="none" strike="noStrike" dirty="0">
+                        <a:solidFill>
+                          <a:srgbClr val="000000"/>
+                        </a:solidFill>
+                        <a:effectLst/>
+                        <a:latin typeface="Calibri" panose="020F0502020204030204" pitchFamily="34" charset="0"/>
+                      </a:endParaRPr>
+                    </a:p>
+                  </a:txBody>
+                  <a:tcPr marL="6389" marR="6389" marT="6389" marB="0" anchor="b"/>
+                </a:tc>
+                <a:extLst>
+                  <a:ext uri="{0D108BD9-81ED-4DB2-BD59-A6C34878D82A}">
+                    <a16:rowId xmlns:a16="http://schemas.microsoft.com/office/drawing/2014/main" val="3446774062"/>
+                  </a:ext>
+                </a:extLst>
+              </a:tr>
+            </a:tbl>
+          </a:graphicData>
+        </a:graphic>
+      </p:graphicFrame>
     </p:spTree>
     <p:extLst>
       <p:ext uri="{BB962C8B-B14F-4D97-AF65-F5344CB8AC3E}">
@@ -10571,6 +17058,158 @@
 </file>
 
 <file path=ppt/slides/slide2.xml><?xml version="1.0" encoding="utf-8"?>
+<p:sld xmlns:a="http://schemas.openxmlformats.org/drawingml/2006/main" xmlns:r="http://schemas.openxmlformats.org/officeDocument/2006/relationships" xmlns:p="http://schemas.openxmlformats.org/presentationml/2006/main">
+  <p:cSld>
+    <p:spTree>
+      <p:nvGrpSpPr>
+        <p:cNvPr id="1" name=""/>
+        <p:cNvGrpSpPr/>
+        <p:nvPr/>
+      </p:nvGrpSpPr>
+      <p:grpSpPr>
+        <a:xfrm>
+          <a:off x="0" y="0"/>
+          <a:ext cx="0" cy="0"/>
+          <a:chOff x="0" y="0"/>
+          <a:chExt cx="0" cy="0"/>
+        </a:xfrm>
+      </p:grpSpPr>
+      <p:sp>
+        <p:nvSpPr>
+          <p:cNvPr id="2" name="Titre 1"/>
+          <p:cNvSpPr>
+            <a:spLocks noGrp="1"/>
+          </p:cNvSpPr>
+          <p:nvPr>
+            <p:ph type="title"/>
+          </p:nvPr>
+        </p:nvSpPr>
+        <p:spPr/>
+        <p:txBody>
+          <a:bodyPr/>
+          <a:lstStyle/>
+          <a:p>
+            <a:endParaRPr lang="fr-FR"/>
+          </a:p>
+        </p:txBody>
+      </p:sp>
+      <p:sp>
+        <p:nvSpPr>
+          <p:cNvPr id="3" name="Espace réservé du contenu 2"/>
+          <p:cNvSpPr>
+            <a:spLocks noGrp="1"/>
+          </p:cNvSpPr>
+          <p:nvPr>
+            <p:ph idx="1"/>
+          </p:nvPr>
+        </p:nvSpPr>
+        <p:spPr>
+          <a:xfrm>
+            <a:off x="2173287" y="1233714"/>
+            <a:ext cx="10018713" cy="5210629"/>
+          </a:xfrm>
+        </p:spPr>
+        <p:txBody>
+          <a:bodyPr>
+            <a:normAutofit/>
+          </a:bodyPr>
+          <a:lstStyle/>
+          <a:p>
+            <a:r>
+              <a:rPr lang="fr-FR" dirty="0"/>
+              <a:t>Contexte</a:t>
+            </a:r>
+          </a:p>
+          <a:p>
+            <a:r>
+              <a:rPr lang="fr-FR" dirty="0"/>
+              <a:t>Besoins</a:t>
+            </a:r>
+          </a:p>
+          <a:p>
+            <a:r>
+              <a:rPr lang="fr-FR" dirty="0"/>
+              <a:t>Solutions</a:t>
+            </a:r>
+          </a:p>
+          <a:p>
+            <a:r>
+              <a:rPr lang="fr-FR" dirty="0"/>
+              <a:t>Architecture Réseau</a:t>
+            </a:r>
+          </a:p>
+          <a:p>
+            <a:r>
+              <a:rPr lang="fr-FR" dirty="0"/>
+              <a:t>Disposition des équipements</a:t>
+            </a:r>
+          </a:p>
+          <a:p>
+            <a:r>
+              <a:rPr lang="fr-FR" dirty="0"/>
+              <a:t>Branchement Ethernet</a:t>
+            </a:r>
+          </a:p>
+          <a:p>
+            <a:r>
+              <a:rPr lang="fr-FR" dirty="0"/>
+              <a:t>Borne Wifi </a:t>
+            </a:r>
+          </a:p>
+          <a:p>
+            <a:r>
+              <a:rPr lang="fr-FR" dirty="0"/>
+              <a:t>Clonage</a:t>
+            </a:r>
+          </a:p>
+          <a:p>
+            <a:r>
+              <a:rPr lang="fr-FR" dirty="0"/>
+              <a:t>Devis</a:t>
+            </a:r>
+          </a:p>
+          <a:p>
+            <a:endParaRPr lang="fr-FR" dirty="0"/>
+          </a:p>
+        </p:txBody>
+      </p:sp>
+      <p:sp>
+        <p:nvSpPr>
+          <p:cNvPr id="4" name="Espace réservé du numéro de diapositive 3"/>
+          <p:cNvSpPr>
+            <a:spLocks noGrp="1"/>
+          </p:cNvSpPr>
+          <p:nvPr>
+            <p:ph type="sldNum" sz="quarter" idx="12"/>
+          </p:nvPr>
+        </p:nvSpPr>
+        <p:spPr/>
+        <p:txBody>
+          <a:bodyPr/>
+          <a:lstStyle/>
+          <a:p>
+            <a:fld id="{4FAB73BC-B049-4115-A692-8D63A059BFB8}" type="slidenum">
+              <a:rPr lang="en-US" smtClean="0"/>
+              <a:t>2</a:t>
+            </a:fld>
+            <a:endParaRPr lang="en-US" dirty="0"/>
+          </a:p>
+        </p:txBody>
+      </p:sp>
+    </p:spTree>
+    <p:extLst>
+      <p:ext uri="{BB962C8B-B14F-4D97-AF65-F5344CB8AC3E}">
+        <p14:creationId xmlns:p14="http://schemas.microsoft.com/office/powerpoint/2010/main" val="3710520168"/>
+      </p:ext>
+    </p:extLst>
+  </p:cSld>
+  <p:clrMapOvr>
+    <a:masterClrMapping/>
+  </p:clrMapOvr>
+</p:sld>
+</file>
+
+<file path=ppt/slides/slide3.xml><?xml version="1.0" encoding="utf-8"?>
 <p:sld xmlns:a="http://schemas.openxmlformats.org/drawingml/2006/main" xmlns:r="http://schemas.openxmlformats.org/officeDocument/2006/relationships" xmlns:p="http://schemas.openxmlformats.org/presentationml/2006/main">
   <p:cSld>
     <p:spTree>
@@ -10739,7 +17378,7 @@
                 <a:cs typeface="Times New Roman" panose="02020603050405020304" pitchFamily="18" charset="0"/>
               </a:rPr>
               <a:pPr/>
-              <a:t>2</a:t>
+              <a:t>3</a:t>
             </a:fld>
             <a:endParaRPr lang="en-US" sz="2000" dirty="0">
               <a:latin typeface="Times New Roman" panose="02020603050405020304" pitchFamily="18" charset="0"/>
@@ -10785,7 +17424,7 @@
 </p:sld>
 </file>
 
-<file path=ppt/slides/slide3.xml><?xml version="1.0" encoding="utf-8"?>
+<file path=ppt/slides/slide4.xml><?xml version="1.0" encoding="utf-8"?>
 <p:sld xmlns:a="http://schemas.openxmlformats.org/drawingml/2006/main" xmlns:r="http://schemas.openxmlformats.org/officeDocument/2006/relationships" xmlns:p="http://schemas.openxmlformats.org/presentationml/2006/main">
   <p:cSld>
     <p:spTree>
@@ -10954,7 +17593,7 @@
                 <a:cs typeface="Times New Roman" panose="02020603050405020304" pitchFamily="18" charset="0"/>
               </a:rPr>
               <a:pPr/>
-              <a:t>3</a:t>
+              <a:t>4</a:t>
             </a:fld>
             <a:endParaRPr lang="en-US" sz="2000" dirty="0">
               <a:latin typeface="Times New Roman" panose="02020603050405020304" pitchFamily="18" charset="0"/>
@@ -11210,7 +17849,7 @@
 </p:sld>
 </file>
 
-<file path=ppt/slides/slide4.xml><?xml version="1.0" encoding="utf-8"?>
+<file path=ppt/slides/slide5.xml><?xml version="1.0" encoding="utf-8"?>
 <p:sld xmlns:a="http://schemas.openxmlformats.org/drawingml/2006/main" xmlns:r="http://schemas.openxmlformats.org/officeDocument/2006/relationships" xmlns:p="http://schemas.openxmlformats.org/presentationml/2006/main">
   <p:cSld>
     <p:spTree>
@@ -11308,7 +17947,7 @@
                 <a:ea typeface="Tahoma" panose="020B0604030504040204" pitchFamily="34" charset="0"/>
                 <a:cs typeface="Tahoma" panose="020B0604030504040204" pitchFamily="34" charset="0"/>
               </a:rPr>
-              <a:t>4</a:t>
+              <a:t>5</a:t>
             </a:fld>
             <a:endParaRPr lang="en-US" sz="2000" dirty="0">
               <a:latin typeface="Tahoma" panose="020B0604030504040204" pitchFamily="34" charset="0"/>
@@ -11491,7 +18130,7 @@
 </p:sld>
 </file>
 
-<file path=ppt/slides/slide5.xml><?xml version="1.0" encoding="utf-8"?>
+<file path=ppt/slides/slide6.xml><?xml version="1.0" encoding="utf-8"?>
 <p:sld xmlns:a="http://schemas.openxmlformats.org/drawingml/2006/main" xmlns:r="http://schemas.openxmlformats.org/officeDocument/2006/relationships" xmlns:p="http://schemas.openxmlformats.org/presentationml/2006/main">
   <p:cSld>
     <p:spTree>
@@ -11564,7 +18203,7 @@
                 <a:latin typeface="Times New Roman" panose="02020603050405020304" pitchFamily="18" charset="0"/>
                 <a:cs typeface="Times New Roman" panose="02020603050405020304" pitchFamily="18" charset="0"/>
               </a:rPr>
-              <a:t>5</a:t>
+              <a:t>6</a:t>
             </a:fld>
             <a:endParaRPr lang="en-US" sz="2000" dirty="0">
               <a:latin typeface="Times New Roman" panose="02020603050405020304" pitchFamily="18" charset="0"/>
@@ -11762,7 +18401,7 @@
 </p:sld>
 </file>
 
-<file path=ppt/slides/slide6.xml><?xml version="1.0" encoding="utf-8"?>
+<file path=ppt/slides/slide7.xml><?xml version="1.0" encoding="utf-8"?>
 <p:sld xmlns:a="http://schemas.openxmlformats.org/drawingml/2006/main" xmlns:r="http://schemas.openxmlformats.org/officeDocument/2006/relationships" xmlns:p="http://schemas.openxmlformats.org/presentationml/2006/main">
   <p:cSld>
     <p:spTree>
@@ -11889,7 +18528,6 @@
               <a:rPr lang="fr-FR" sz="1500" dirty="0"/>
               <a:t>Porte vers l’extérieure avec un verrou</a:t>
             </a:r>
-            <a:endParaRPr lang="fr-FR" sz="1500" dirty="0"/>
           </a:p>
         </p:txBody>
       </p:sp>
@@ -11918,7 +18556,7 @@
                 <a:latin typeface="Times New Roman" panose="02020603050405020304" pitchFamily="18" charset="0"/>
                 <a:cs typeface="Times New Roman" panose="02020603050405020304" pitchFamily="18" charset="0"/>
               </a:rPr>
-              <a:t>6</a:t>
+              <a:t>7</a:t>
             </a:fld>
             <a:endParaRPr lang="en-US" sz="2000" dirty="0">
               <a:latin typeface="Times New Roman" panose="02020603050405020304" pitchFamily="18" charset="0"/>
@@ -11951,6 +18589,137 @@
           </a:prstGeom>
         </p:spPr>
       </p:pic>
+      <p:sp>
+        <p:nvSpPr>
+          <p:cNvPr id="6" name="Espace réservé du numéro de diapositive 3"/>
+          <p:cNvSpPr txBox="1">
+            <a:spLocks/>
+          </p:cNvSpPr>
+          <p:nvPr/>
+        </p:nvSpPr>
+        <p:spPr>
+          <a:xfrm>
+            <a:off x="11290613" y="5929312"/>
+            <a:ext cx="551167" cy="365125"/>
+          </a:xfrm>
+          <a:prstGeom prst="rect">
+            <a:avLst/>
+          </a:prstGeom>
+        </p:spPr>
+        <p:txBody>
+          <a:bodyPr vert="horz" lIns="91440" tIns="45720" rIns="91440" bIns="45720" rtlCol="0" anchor="ctr"/>
+          <a:lstStyle>
+            <a:defPPr>
+              <a:defRPr lang="en-US"/>
+            </a:defPPr>
+            <a:lvl1pPr marL="0" algn="r" defTabSz="457200" rtl="0" eaLnBrk="1" latinLnBrk="0" hangingPunct="1">
+              <a:defRPr sz="1000" b="0" i="0" kern="1200">
+                <a:solidFill>
+                  <a:schemeClr val="tx1"/>
+                </a:solidFill>
+                <a:effectLst/>
+                <a:latin typeface="+mn-lt"/>
+                <a:ea typeface="+mn-ea"/>
+                <a:cs typeface="+mn-cs"/>
+              </a:defRPr>
+            </a:lvl1pPr>
+            <a:lvl2pPr marL="457200" algn="l" defTabSz="457200" rtl="0" eaLnBrk="1" latinLnBrk="0" hangingPunct="1">
+              <a:defRPr sz="1800" kern="1200">
+                <a:solidFill>
+                  <a:schemeClr val="tx1"/>
+                </a:solidFill>
+                <a:latin typeface="+mn-lt"/>
+                <a:ea typeface="+mn-ea"/>
+                <a:cs typeface="+mn-cs"/>
+              </a:defRPr>
+            </a:lvl2pPr>
+            <a:lvl3pPr marL="914400" algn="l" defTabSz="457200" rtl="0" eaLnBrk="1" latinLnBrk="0" hangingPunct="1">
+              <a:defRPr sz="1800" kern="1200">
+                <a:solidFill>
+                  <a:schemeClr val="tx1"/>
+                </a:solidFill>
+                <a:latin typeface="+mn-lt"/>
+                <a:ea typeface="+mn-ea"/>
+                <a:cs typeface="+mn-cs"/>
+              </a:defRPr>
+            </a:lvl3pPr>
+            <a:lvl4pPr marL="1371600" algn="l" defTabSz="457200" rtl="0" eaLnBrk="1" latinLnBrk="0" hangingPunct="1">
+              <a:defRPr sz="1800" kern="1200">
+                <a:solidFill>
+                  <a:schemeClr val="tx1"/>
+                </a:solidFill>
+                <a:latin typeface="+mn-lt"/>
+                <a:ea typeface="+mn-ea"/>
+                <a:cs typeface="+mn-cs"/>
+              </a:defRPr>
+            </a:lvl4pPr>
+            <a:lvl5pPr marL="1828800" algn="l" defTabSz="457200" rtl="0" eaLnBrk="1" latinLnBrk="0" hangingPunct="1">
+              <a:defRPr sz="1800" kern="1200">
+                <a:solidFill>
+                  <a:schemeClr val="tx1"/>
+                </a:solidFill>
+                <a:latin typeface="+mn-lt"/>
+                <a:ea typeface="+mn-ea"/>
+                <a:cs typeface="+mn-cs"/>
+              </a:defRPr>
+            </a:lvl5pPr>
+            <a:lvl6pPr marL="2286000" algn="l" defTabSz="457200" rtl="0" eaLnBrk="1" latinLnBrk="0" hangingPunct="1">
+              <a:defRPr sz="1800" kern="1200">
+                <a:solidFill>
+                  <a:schemeClr val="tx1"/>
+                </a:solidFill>
+                <a:latin typeface="+mn-lt"/>
+                <a:ea typeface="+mn-ea"/>
+                <a:cs typeface="+mn-cs"/>
+              </a:defRPr>
+            </a:lvl6pPr>
+            <a:lvl7pPr marL="2743200" algn="l" defTabSz="457200" rtl="0" eaLnBrk="1" latinLnBrk="0" hangingPunct="1">
+              <a:defRPr sz="1800" kern="1200">
+                <a:solidFill>
+                  <a:schemeClr val="tx1"/>
+                </a:solidFill>
+                <a:latin typeface="+mn-lt"/>
+                <a:ea typeface="+mn-ea"/>
+                <a:cs typeface="+mn-cs"/>
+              </a:defRPr>
+            </a:lvl7pPr>
+            <a:lvl8pPr marL="3200400" algn="l" defTabSz="457200" rtl="0" eaLnBrk="1" latinLnBrk="0" hangingPunct="1">
+              <a:defRPr sz="1800" kern="1200">
+                <a:solidFill>
+                  <a:schemeClr val="tx1"/>
+                </a:solidFill>
+                <a:latin typeface="+mn-lt"/>
+                <a:ea typeface="+mn-ea"/>
+                <a:cs typeface="+mn-cs"/>
+              </a:defRPr>
+            </a:lvl8pPr>
+            <a:lvl9pPr marL="3657600" algn="l" defTabSz="457200" rtl="0" eaLnBrk="1" latinLnBrk="0" hangingPunct="1">
+              <a:defRPr sz="1800" kern="1200">
+                <a:solidFill>
+                  <a:schemeClr val="tx1"/>
+                </a:solidFill>
+                <a:latin typeface="+mn-lt"/>
+                <a:ea typeface="+mn-ea"/>
+                <a:cs typeface="+mn-cs"/>
+              </a:defRPr>
+            </a:lvl9pPr>
+          </a:lstStyle>
+          <a:p>
+            <a:fld id="{4FAB73BC-B049-4115-A692-8D63A059BFB8}" type="slidenum">
+              <a:rPr lang="en-US" sz="2000" smtClean="0">
+                <a:latin typeface="Times New Roman" panose="02020603050405020304" pitchFamily="18" charset="0"/>
+                <a:cs typeface="Times New Roman" panose="02020603050405020304" pitchFamily="18" charset="0"/>
+              </a:rPr>
+              <a:pPr/>
+              <a:t>7</a:t>
+            </a:fld>
+            <a:endParaRPr lang="en-US" sz="2000" dirty="0">
+              <a:latin typeface="Times New Roman" panose="02020603050405020304" pitchFamily="18" charset="0"/>
+              <a:cs typeface="Times New Roman" panose="02020603050405020304" pitchFamily="18" charset="0"/>
+            </a:endParaRPr>
+          </a:p>
+        </p:txBody>
+      </p:sp>
     </p:spTree>
     <p:extLst>
       <p:ext uri="{BB962C8B-B14F-4D97-AF65-F5344CB8AC3E}">
@@ -11964,7 +18733,7 @@
 </p:sld>
 </file>
 
-<file path=ppt/slides/slide7.xml><?xml version="1.0" encoding="utf-8"?>
+<file path=ppt/slides/slide8.xml><?xml version="1.0" encoding="utf-8"?>
 <p:sld xmlns:a="http://schemas.openxmlformats.org/drawingml/2006/main" xmlns:r="http://schemas.openxmlformats.org/officeDocument/2006/relationships" xmlns:p="http://schemas.openxmlformats.org/presentationml/2006/main">
   <p:cSld>
     <p:spTree>
@@ -12056,7 +18825,6 @@
               <a:rPr lang="fr-FR" dirty="0"/>
               <a:t>	Bande passante : 250MHz</a:t>
             </a:r>
-            <a:endParaRPr lang="fr-FR" dirty="0"/>
           </a:p>
         </p:txBody>
       </p:sp>
@@ -12085,7 +18853,7 @@
                 <a:latin typeface="Times New Roman" panose="02020603050405020304" pitchFamily="18" charset="0"/>
                 <a:cs typeface="Times New Roman" panose="02020603050405020304" pitchFamily="18" charset="0"/>
               </a:rPr>
-              <a:t>7</a:t>
+              <a:t>8</a:t>
             </a:fld>
             <a:endParaRPr lang="en-US" sz="2000" dirty="0">
               <a:latin typeface="Times New Roman" panose="02020603050405020304" pitchFamily="18" charset="0"/>
@@ -12115,7 +18883,7 @@
         </p:blipFill>
         <p:spPr bwMode="auto">
           <a:xfrm>
-            <a:off x="3541710" y="1469425"/>
+            <a:off x="2996432" y="1317047"/>
             <a:ext cx="2771322" cy="2077574"/>
           </a:xfrm>
           <a:prstGeom prst="rect">
@@ -12427,6 +19195,284 @@
           </a:p>
         </p:txBody>
       </p:sp>
+      <p:sp>
+        <p:nvSpPr>
+          <p:cNvPr id="8" name="Espace réservé du contenu 2"/>
+          <p:cNvSpPr txBox="1">
+            <a:spLocks/>
+          </p:cNvSpPr>
+          <p:nvPr/>
+        </p:nvSpPr>
+        <p:spPr>
+          <a:xfrm>
+            <a:off x="6835525" y="917791"/>
+            <a:ext cx="6181318" cy="2065426"/>
+          </a:xfrm>
+          <a:prstGeom prst="rect">
+            <a:avLst/>
+          </a:prstGeom>
+        </p:spPr>
+        <p:txBody>
+          <a:bodyPr vert="horz" lIns="91440" tIns="45720" rIns="91440" bIns="45720" rtlCol="0" anchor="ctr">
+            <a:normAutofit/>
+          </a:bodyPr>
+          <a:lstStyle>
+            <a:lvl1pPr marL="285750" indent="-285750" algn="l" defTabSz="457200" rtl="0" eaLnBrk="1" latinLnBrk="0" hangingPunct="1">
+              <a:spcBef>
+                <a:spcPct val="20000"/>
+              </a:spcBef>
+              <a:spcAft>
+                <a:spcPts val="600"/>
+              </a:spcAft>
+              <a:buClr>
+                <a:schemeClr val="accent1">
+                  <a:lumMod val="75000"/>
+                </a:schemeClr>
+              </a:buClr>
+              <a:buSzPct val="145000"/>
+              <a:buFont typeface="Arial"/>
+              <a:buChar char="•"/>
+              <a:defRPr sz="2400" kern="1200" cap="none">
+                <a:solidFill>
+                  <a:schemeClr val="tx1"/>
+                </a:solidFill>
+                <a:effectLst/>
+                <a:latin typeface="+mn-lt"/>
+                <a:ea typeface="+mn-ea"/>
+                <a:cs typeface="+mn-cs"/>
+              </a:defRPr>
+            </a:lvl1pPr>
+            <a:lvl2pPr marL="742950" indent="-285750" algn="l" defTabSz="457200" rtl="0" eaLnBrk="1" latinLnBrk="0" hangingPunct="1">
+              <a:spcBef>
+                <a:spcPct val="20000"/>
+              </a:spcBef>
+              <a:spcAft>
+                <a:spcPts val="600"/>
+              </a:spcAft>
+              <a:buClr>
+                <a:schemeClr val="accent1">
+                  <a:lumMod val="75000"/>
+                </a:schemeClr>
+              </a:buClr>
+              <a:buSzPct val="145000"/>
+              <a:buFont typeface="Arial"/>
+              <a:buChar char="•"/>
+              <a:defRPr sz="2000" kern="1200" cap="none">
+                <a:solidFill>
+                  <a:schemeClr val="tx1"/>
+                </a:solidFill>
+                <a:effectLst/>
+                <a:latin typeface="+mn-lt"/>
+                <a:ea typeface="+mn-ea"/>
+                <a:cs typeface="+mn-cs"/>
+              </a:defRPr>
+            </a:lvl2pPr>
+            <a:lvl3pPr marL="1200150" indent="-285750" algn="l" defTabSz="457200" rtl="0" eaLnBrk="1" latinLnBrk="0" hangingPunct="1">
+              <a:spcBef>
+                <a:spcPct val="20000"/>
+              </a:spcBef>
+              <a:spcAft>
+                <a:spcPts val="600"/>
+              </a:spcAft>
+              <a:buClr>
+                <a:schemeClr val="accent1">
+                  <a:lumMod val="75000"/>
+                </a:schemeClr>
+              </a:buClr>
+              <a:buSzPct val="145000"/>
+              <a:buFont typeface="Arial"/>
+              <a:buChar char="•"/>
+              <a:defRPr sz="1800" kern="1200" cap="none">
+                <a:solidFill>
+                  <a:schemeClr val="tx1"/>
+                </a:solidFill>
+                <a:effectLst/>
+                <a:latin typeface="+mn-lt"/>
+                <a:ea typeface="+mn-ea"/>
+                <a:cs typeface="+mn-cs"/>
+              </a:defRPr>
+            </a:lvl3pPr>
+            <a:lvl4pPr marL="1543050" indent="-171450" algn="l" defTabSz="457200" rtl="0" eaLnBrk="1" latinLnBrk="0" hangingPunct="1">
+              <a:spcBef>
+                <a:spcPct val="20000"/>
+              </a:spcBef>
+              <a:spcAft>
+                <a:spcPts val="600"/>
+              </a:spcAft>
+              <a:buClr>
+                <a:schemeClr val="accent1">
+                  <a:lumMod val="75000"/>
+                </a:schemeClr>
+              </a:buClr>
+              <a:buSzPct val="145000"/>
+              <a:buFont typeface="Arial"/>
+              <a:buChar char="•"/>
+              <a:defRPr sz="1600" kern="1200" cap="none">
+                <a:solidFill>
+                  <a:schemeClr val="tx1"/>
+                </a:solidFill>
+                <a:effectLst/>
+                <a:latin typeface="+mn-lt"/>
+                <a:ea typeface="+mn-ea"/>
+                <a:cs typeface="+mn-cs"/>
+              </a:defRPr>
+            </a:lvl4pPr>
+            <a:lvl5pPr marL="2000250" indent="-171450" algn="l" defTabSz="457200" rtl="0" eaLnBrk="1" latinLnBrk="0" hangingPunct="1">
+              <a:spcBef>
+                <a:spcPct val="20000"/>
+              </a:spcBef>
+              <a:spcAft>
+                <a:spcPts val="600"/>
+              </a:spcAft>
+              <a:buClr>
+                <a:schemeClr val="accent1">
+                  <a:lumMod val="75000"/>
+                </a:schemeClr>
+              </a:buClr>
+              <a:buSzPct val="145000"/>
+              <a:buFont typeface="Arial"/>
+              <a:buChar char="•"/>
+              <a:defRPr sz="1400" kern="1200" cap="none">
+                <a:solidFill>
+                  <a:schemeClr val="tx1"/>
+                </a:solidFill>
+                <a:effectLst/>
+                <a:latin typeface="+mn-lt"/>
+                <a:ea typeface="+mn-ea"/>
+                <a:cs typeface="+mn-cs"/>
+              </a:defRPr>
+            </a:lvl5pPr>
+            <a:lvl6pPr marL="2514600" indent="-228600" algn="l" defTabSz="457200" rtl="0" eaLnBrk="1" latinLnBrk="0" hangingPunct="1">
+              <a:spcBef>
+                <a:spcPct val="20000"/>
+              </a:spcBef>
+              <a:spcAft>
+                <a:spcPts val="600"/>
+              </a:spcAft>
+              <a:buClr>
+                <a:schemeClr val="accent1">
+                  <a:lumMod val="75000"/>
+                </a:schemeClr>
+              </a:buClr>
+              <a:buSzPct val="145000"/>
+              <a:buFont typeface="Arial"/>
+              <a:buChar char="•"/>
+              <a:defRPr sz="1400" kern="1200" cap="none">
+                <a:solidFill>
+                  <a:schemeClr val="tx1"/>
+                </a:solidFill>
+                <a:effectLst/>
+                <a:latin typeface="+mn-lt"/>
+                <a:ea typeface="+mn-ea"/>
+                <a:cs typeface="+mn-cs"/>
+              </a:defRPr>
+            </a:lvl6pPr>
+            <a:lvl7pPr marL="2971800" indent="-228600" algn="l" defTabSz="457200" rtl="0" eaLnBrk="1" latinLnBrk="0" hangingPunct="1">
+              <a:spcBef>
+                <a:spcPct val="20000"/>
+              </a:spcBef>
+              <a:spcAft>
+                <a:spcPts val="600"/>
+              </a:spcAft>
+              <a:buClr>
+                <a:schemeClr val="accent1">
+                  <a:lumMod val="75000"/>
+                </a:schemeClr>
+              </a:buClr>
+              <a:buSzPct val="145000"/>
+              <a:buFont typeface="Arial"/>
+              <a:buChar char="•"/>
+              <a:defRPr sz="1400" kern="1200" cap="none">
+                <a:solidFill>
+                  <a:schemeClr val="tx1"/>
+                </a:solidFill>
+                <a:effectLst/>
+                <a:latin typeface="+mn-lt"/>
+                <a:ea typeface="+mn-ea"/>
+                <a:cs typeface="+mn-cs"/>
+              </a:defRPr>
+            </a:lvl7pPr>
+            <a:lvl8pPr marL="3429000" indent="-228600" algn="l" defTabSz="457200" rtl="0" eaLnBrk="1" latinLnBrk="0" hangingPunct="1">
+              <a:spcBef>
+                <a:spcPct val="20000"/>
+              </a:spcBef>
+              <a:spcAft>
+                <a:spcPts val="600"/>
+              </a:spcAft>
+              <a:buClr>
+                <a:schemeClr val="accent1">
+                  <a:lumMod val="75000"/>
+                </a:schemeClr>
+              </a:buClr>
+              <a:buSzPct val="145000"/>
+              <a:buFont typeface="Arial"/>
+              <a:buChar char="•"/>
+              <a:defRPr sz="1400" kern="1200" cap="none">
+                <a:solidFill>
+                  <a:schemeClr val="tx1"/>
+                </a:solidFill>
+                <a:effectLst/>
+                <a:latin typeface="+mn-lt"/>
+                <a:ea typeface="+mn-ea"/>
+                <a:cs typeface="+mn-cs"/>
+              </a:defRPr>
+            </a:lvl8pPr>
+            <a:lvl9pPr marL="3886200" indent="-228600" algn="l" defTabSz="457200" rtl="0" eaLnBrk="1" latinLnBrk="0" hangingPunct="1">
+              <a:spcBef>
+                <a:spcPct val="20000"/>
+              </a:spcBef>
+              <a:spcAft>
+                <a:spcPts val="600"/>
+              </a:spcAft>
+              <a:buClr>
+                <a:schemeClr val="accent1">
+                  <a:lumMod val="75000"/>
+                </a:schemeClr>
+              </a:buClr>
+              <a:buSzPct val="145000"/>
+              <a:buFont typeface="Arial"/>
+              <a:buChar char="•"/>
+              <a:defRPr sz="1400" kern="1200" cap="none">
+                <a:solidFill>
+                  <a:schemeClr val="tx1"/>
+                </a:solidFill>
+                <a:effectLst/>
+                <a:latin typeface="+mn-lt"/>
+                <a:ea typeface="+mn-ea"/>
+                <a:cs typeface="+mn-cs"/>
+              </a:defRPr>
+            </a:lvl9pPr>
+          </a:lstStyle>
+          <a:p>
+            <a:pPr marL="0" indent="0">
+              <a:buNone/>
+            </a:pPr>
+            <a:r>
+              <a:rPr lang="fr-FR" dirty="0"/>
+              <a:t>Sécurité</a:t>
+            </a:r>
+            <a:br>
+              <a:rPr lang="fr-FR" dirty="0"/>
+            </a:br>
+            <a:r>
+              <a:rPr lang="fr-FR" dirty="0"/>
+              <a:t>Verrouiller des ports </a:t>
+            </a:r>
+            <a:br>
+              <a:rPr lang="fr-FR" dirty="0"/>
+            </a:br>
+            <a:r>
+              <a:rPr lang="fr-FR" dirty="0"/>
+              <a:t>         Manuellement ou Automatiquement </a:t>
+            </a:r>
+            <a:r>
+              <a:rPr lang="fr-FR" b="1" i="1" dirty="0"/>
+              <a:t> </a:t>
+            </a:r>
+            <a:endParaRPr lang="fr-FR" dirty="0"/>
+          </a:p>
+        </p:txBody>
+      </p:sp>
     </p:spTree>
     <p:extLst>
       <p:ext uri="{BB962C8B-B14F-4D97-AF65-F5344CB8AC3E}">
@@ -12440,7 +19486,7 @@
 </p:sld>
 </file>
 
-<file path=ppt/slides/slide8.xml><?xml version="1.0" encoding="utf-8"?>
+<file path=ppt/slides/slide9.xml><?xml version="1.0" encoding="utf-8"?>
 <p:sld xmlns:a="http://schemas.openxmlformats.org/drawingml/2006/main" xmlns:r="http://schemas.openxmlformats.org/officeDocument/2006/relationships" xmlns:p="http://schemas.openxmlformats.org/presentationml/2006/main">
   <p:cSld>
     <p:spTree>
@@ -12474,7 +19520,7 @@
           <a:p>
             <a:fld id="{4FAB73BC-B049-4115-A692-8D63A059BFB8}" type="slidenum">
               <a:rPr lang="en-US" smtClean="0"/>
-              <a:t>8</a:t>
+              <a:t>9</a:t>
             </a:fld>
             <a:endParaRPr lang="en-US" dirty="0"/>
           </a:p>
@@ -12498,11 +19544,142 @@
         </p:blipFill>
         <p:spPr>
           <a:xfrm>
-            <a:off x="2268705" y="207802"/>
+            <a:off x="2239676" y="169249"/>
             <a:ext cx="9688163" cy="6323626"/>
           </a:xfrm>
         </p:spPr>
       </p:pic>
+      <p:sp>
+        <p:nvSpPr>
+          <p:cNvPr id="5" name="Espace réservé du numéro de diapositive 3"/>
+          <p:cNvSpPr txBox="1">
+            <a:spLocks/>
+          </p:cNvSpPr>
+          <p:nvPr/>
+        </p:nvSpPr>
+        <p:spPr>
+          <a:xfrm>
+            <a:off x="11227439" y="6492875"/>
+            <a:ext cx="551167" cy="365125"/>
+          </a:xfrm>
+          <a:prstGeom prst="rect">
+            <a:avLst/>
+          </a:prstGeom>
+        </p:spPr>
+        <p:txBody>
+          <a:bodyPr vert="horz" lIns="91440" tIns="45720" rIns="91440" bIns="45720" rtlCol="0" anchor="ctr"/>
+          <a:lstStyle>
+            <a:defPPr>
+              <a:defRPr lang="en-US"/>
+            </a:defPPr>
+            <a:lvl1pPr marL="0" algn="r" defTabSz="457200" rtl="0" eaLnBrk="1" latinLnBrk="0" hangingPunct="1">
+              <a:defRPr sz="1000" b="0" i="0" kern="1200">
+                <a:solidFill>
+                  <a:schemeClr val="tx1"/>
+                </a:solidFill>
+                <a:effectLst/>
+                <a:latin typeface="+mn-lt"/>
+                <a:ea typeface="+mn-ea"/>
+                <a:cs typeface="+mn-cs"/>
+              </a:defRPr>
+            </a:lvl1pPr>
+            <a:lvl2pPr marL="457200" algn="l" defTabSz="457200" rtl="0" eaLnBrk="1" latinLnBrk="0" hangingPunct="1">
+              <a:defRPr sz="1800" kern="1200">
+                <a:solidFill>
+                  <a:schemeClr val="tx1"/>
+                </a:solidFill>
+                <a:latin typeface="+mn-lt"/>
+                <a:ea typeface="+mn-ea"/>
+                <a:cs typeface="+mn-cs"/>
+              </a:defRPr>
+            </a:lvl2pPr>
+            <a:lvl3pPr marL="914400" algn="l" defTabSz="457200" rtl="0" eaLnBrk="1" latinLnBrk="0" hangingPunct="1">
+              <a:defRPr sz="1800" kern="1200">
+                <a:solidFill>
+                  <a:schemeClr val="tx1"/>
+                </a:solidFill>
+                <a:latin typeface="+mn-lt"/>
+                <a:ea typeface="+mn-ea"/>
+                <a:cs typeface="+mn-cs"/>
+              </a:defRPr>
+            </a:lvl3pPr>
+            <a:lvl4pPr marL="1371600" algn="l" defTabSz="457200" rtl="0" eaLnBrk="1" latinLnBrk="0" hangingPunct="1">
+              <a:defRPr sz="1800" kern="1200">
+                <a:solidFill>
+                  <a:schemeClr val="tx1"/>
+                </a:solidFill>
+                <a:latin typeface="+mn-lt"/>
+                <a:ea typeface="+mn-ea"/>
+                <a:cs typeface="+mn-cs"/>
+              </a:defRPr>
+            </a:lvl4pPr>
+            <a:lvl5pPr marL="1828800" algn="l" defTabSz="457200" rtl="0" eaLnBrk="1" latinLnBrk="0" hangingPunct="1">
+              <a:defRPr sz="1800" kern="1200">
+                <a:solidFill>
+                  <a:schemeClr val="tx1"/>
+                </a:solidFill>
+                <a:latin typeface="+mn-lt"/>
+                <a:ea typeface="+mn-ea"/>
+                <a:cs typeface="+mn-cs"/>
+              </a:defRPr>
+            </a:lvl5pPr>
+            <a:lvl6pPr marL="2286000" algn="l" defTabSz="457200" rtl="0" eaLnBrk="1" latinLnBrk="0" hangingPunct="1">
+              <a:defRPr sz="1800" kern="1200">
+                <a:solidFill>
+                  <a:schemeClr val="tx1"/>
+                </a:solidFill>
+                <a:latin typeface="+mn-lt"/>
+                <a:ea typeface="+mn-ea"/>
+                <a:cs typeface="+mn-cs"/>
+              </a:defRPr>
+            </a:lvl6pPr>
+            <a:lvl7pPr marL="2743200" algn="l" defTabSz="457200" rtl="0" eaLnBrk="1" latinLnBrk="0" hangingPunct="1">
+              <a:defRPr sz="1800" kern="1200">
+                <a:solidFill>
+                  <a:schemeClr val="tx1"/>
+                </a:solidFill>
+                <a:latin typeface="+mn-lt"/>
+                <a:ea typeface="+mn-ea"/>
+                <a:cs typeface="+mn-cs"/>
+              </a:defRPr>
+            </a:lvl7pPr>
+            <a:lvl8pPr marL="3200400" algn="l" defTabSz="457200" rtl="0" eaLnBrk="1" latinLnBrk="0" hangingPunct="1">
+              <a:defRPr sz="1800" kern="1200">
+                <a:solidFill>
+                  <a:schemeClr val="tx1"/>
+                </a:solidFill>
+                <a:latin typeface="+mn-lt"/>
+                <a:ea typeface="+mn-ea"/>
+                <a:cs typeface="+mn-cs"/>
+              </a:defRPr>
+            </a:lvl8pPr>
+            <a:lvl9pPr marL="3657600" algn="l" defTabSz="457200" rtl="0" eaLnBrk="1" latinLnBrk="0" hangingPunct="1">
+              <a:defRPr sz="1800" kern="1200">
+                <a:solidFill>
+                  <a:schemeClr val="tx1"/>
+                </a:solidFill>
+                <a:latin typeface="+mn-lt"/>
+                <a:ea typeface="+mn-ea"/>
+                <a:cs typeface="+mn-cs"/>
+              </a:defRPr>
+            </a:lvl9pPr>
+          </a:lstStyle>
+          <a:p>
+            <a:fld id="{4FAB73BC-B049-4115-A692-8D63A059BFB8}" type="slidenum">
+              <a:rPr lang="en-US" sz="2000" smtClean="0">
+                <a:latin typeface="Times New Roman" panose="02020603050405020304" pitchFamily="18" charset="0"/>
+                <a:cs typeface="Times New Roman" panose="02020603050405020304" pitchFamily="18" charset="0"/>
+              </a:rPr>
+              <a:pPr/>
+              <a:t>9</a:t>
+            </a:fld>
+            <a:endParaRPr lang="en-US" sz="2000" dirty="0">
+              <a:latin typeface="Times New Roman" panose="02020603050405020304" pitchFamily="18" charset="0"/>
+              <a:cs typeface="Times New Roman" panose="02020603050405020304" pitchFamily="18" charset="0"/>
+            </a:endParaRPr>
+          </a:p>
+        </p:txBody>
+      </p:sp>
     </p:spTree>
     <p:extLst>
       <p:ext uri="{BB962C8B-B14F-4D97-AF65-F5344CB8AC3E}">
@@ -12513,521 +19690,6 @@
   <p:clrMapOvr>
     <a:masterClrMapping/>
   </p:clrMapOvr>
-</p:sld>
-</file>
-
-<file path=ppt/slides/slide9.xml><?xml version="1.0" encoding="utf-8"?>
-<p:sld xmlns:a="http://schemas.openxmlformats.org/drawingml/2006/main" xmlns:r="http://schemas.openxmlformats.org/officeDocument/2006/relationships" xmlns:p="http://schemas.openxmlformats.org/presentationml/2006/main">
-  <p:cSld>
-    <p:spTree>
-      <p:nvGrpSpPr>
-        <p:cNvPr id="1" name=""/>
-        <p:cNvGrpSpPr/>
-        <p:nvPr/>
-      </p:nvGrpSpPr>
-      <p:grpSpPr>
-        <a:xfrm>
-          <a:off x="0" y="0"/>
-          <a:ext cx="0" cy="0"/>
-          <a:chOff x="0" y="0"/>
-          <a:chExt cx="0" cy="0"/>
-        </a:xfrm>
-      </p:grpSpPr>
-      <p:sp>
-        <p:nvSpPr>
-          <p:cNvPr id="2" name="Titre 1"/>
-          <p:cNvSpPr>
-            <a:spLocks noGrp="1"/>
-          </p:cNvSpPr>
-          <p:nvPr>
-            <p:ph type="title"/>
-          </p:nvPr>
-        </p:nvSpPr>
-        <p:spPr>
-          <a:xfrm>
-            <a:off x="-689149" y="-372702"/>
-            <a:ext cx="10018713" cy="1752599"/>
-          </a:xfrm>
-        </p:spPr>
-        <p:txBody>
-          <a:bodyPr/>
-          <a:lstStyle/>
-          <a:p>
-            <a:pPr algn="ctr"/>
-            <a:r>
-              <a:rPr lang="fr-FR" dirty="0">
-                <a:latin typeface="Times New Roman" panose="02020603050405020304" pitchFamily="18" charset="0"/>
-                <a:cs typeface="Times New Roman" panose="02020603050405020304" pitchFamily="18" charset="0"/>
-              </a:rPr>
-              <a:t>Routeur et point d’accès</a:t>
-            </a:r>
-          </a:p>
-        </p:txBody>
-      </p:sp>
-      <p:pic>
-        <p:nvPicPr>
-          <p:cNvPr id="4" name="Espace réservé du contenu 3"/>
-          <p:cNvPicPr>
-            <a:picLocks noGrp="1" noChangeAspect="1"/>
-          </p:cNvPicPr>
-          <p:nvPr>
-            <p:ph idx="1"/>
-          </p:nvPr>
-        </p:nvPicPr>
-        <p:blipFill>
-          <a:blip r:embed="rId2"/>
-          <a:stretch>
-            <a:fillRect/>
-          </a:stretch>
-        </p:blipFill>
-        <p:spPr>
-          <a:xfrm>
-            <a:off x="202957" y="1598462"/>
-            <a:ext cx="4117251" cy="4284813"/>
-          </a:xfrm>
-          <a:prstGeom prst="rect">
-            <a:avLst/>
-          </a:prstGeom>
-        </p:spPr>
-      </p:pic>
-      <p:pic>
-        <p:nvPicPr>
-          <p:cNvPr id="5" name="Image 4"/>
-          <p:cNvPicPr>
-            <a:picLocks noChangeAspect="1"/>
-          </p:cNvPicPr>
-          <p:nvPr/>
-        </p:nvPicPr>
-        <p:blipFill>
-          <a:blip r:embed="rId3"/>
-          <a:stretch>
-            <a:fillRect/>
-          </a:stretch>
-        </p:blipFill>
-        <p:spPr>
-          <a:xfrm>
-            <a:off x="8347421" y="333433"/>
-            <a:ext cx="3380753" cy="4325504"/>
-          </a:xfrm>
-          <a:prstGeom prst="rect">
-            <a:avLst/>
-          </a:prstGeom>
-        </p:spPr>
-      </p:pic>
-      <p:sp>
-        <p:nvSpPr>
-          <p:cNvPr id="7" name="Espace réservé du numéro de diapositive 3"/>
-          <p:cNvSpPr>
-            <a:spLocks noGrp="1"/>
-          </p:cNvSpPr>
-          <p:nvPr>
-            <p:ph type="sldNum" sz="quarter" idx="12"/>
-          </p:nvPr>
-        </p:nvSpPr>
-        <p:spPr>
-          <a:xfrm>
-            <a:off x="10951856" y="5883275"/>
-            <a:ext cx="551167" cy="365125"/>
-          </a:xfrm>
-        </p:spPr>
-        <p:txBody>
-          <a:bodyPr/>
-          <a:lstStyle/>
-          <a:p>
-            <a:fld id="{4FAB73BC-B049-4115-A692-8D63A059BFB8}" type="slidenum">
-              <a:rPr lang="en-US" sz="2000" smtClean="0">
-                <a:latin typeface="Times New Roman" panose="02020603050405020304" pitchFamily="18" charset="0"/>
-                <a:cs typeface="Times New Roman" panose="02020603050405020304" pitchFamily="18" charset="0"/>
-              </a:rPr>
-              <a:t>9</a:t>
-            </a:fld>
-            <a:endParaRPr lang="en-US" sz="2000" dirty="0">
-              <a:latin typeface="Times New Roman" panose="02020603050405020304" pitchFamily="18" charset="0"/>
-              <a:cs typeface="Times New Roman" panose="02020603050405020304" pitchFamily="18" charset="0"/>
-            </a:endParaRPr>
-          </a:p>
-        </p:txBody>
-      </p:sp>
-      <p:sp>
-        <p:nvSpPr>
-          <p:cNvPr id="8" name="ZoneTexte 7"/>
-          <p:cNvSpPr txBox="1"/>
-          <p:nvPr/>
-        </p:nvSpPr>
-        <p:spPr>
-          <a:xfrm>
-            <a:off x="8590257" y="4829506"/>
-            <a:ext cx="2637182" cy="1200329"/>
-          </a:xfrm>
-          <a:prstGeom prst="rect">
-            <a:avLst/>
-          </a:prstGeom>
-          <a:noFill/>
-        </p:spPr>
-        <p:txBody>
-          <a:bodyPr wrap="square" rtlCol="0">
-            <a:spAutoFit/>
-          </a:bodyPr>
-          <a:lstStyle/>
-          <a:p>
-            <a:pPr marL="285750" indent="-285750">
-              <a:buFontTx/>
-              <a:buChar char="-"/>
-            </a:pPr>
-            <a:r>
-              <a:rPr lang="fr-FR" dirty="0">
-                <a:latin typeface="Times New Roman" panose="02020603050405020304" pitchFamily="18" charset="0"/>
-                <a:cs typeface="Times New Roman" panose="02020603050405020304" pitchFamily="18" charset="0"/>
-              </a:rPr>
-              <a:t>Portée de 50 mètres</a:t>
-            </a:r>
-          </a:p>
-          <a:p>
-            <a:pPr marL="285750" indent="-285750">
-              <a:buFontTx/>
-              <a:buChar char="-"/>
-            </a:pPr>
-            <a:r>
-              <a:rPr lang="fr-FR" dirty="0">
-                <a:latin typeface="Times New Roman" panose="02020603050405020304" pitchFamily="18" charset="0"/>
-                <a:cs typeface="Times New Roman" panose="02020603050405020304" pitchFamily="18" charset="0"/>
-              </a:rPr>
-              <a:t>Taux de transfert maximum de 300Mb/s</a:t>
-            </a:r>
-          </a:p>
-          <a:p>
-            <a:pPr marL="285750" indent="-285750">
-              <a:buFontTx/>
-              <a:buChar char="-"/>
-            </a:pPr>
-            <a:r>
-              <a:rPr lang="fr-FR" dirty="0">
-                <a:latin typeface="Times New Roman" panose="02020603050405020304" pitchFamily="18" charset="0"/>
-                <a:cs typeface="Times New Roman" panose="02020603050405020304" pitchFamily="18" charset="0"/>
-              </a:rPr>
-              <a:t>Peu couteux</a:t>
-            </a:r>
-          </a:p>
-        </p:txBody>
-      </p:sp>
-      <p:sp>
-        <p:nvSpPr>
-          <p:cNvPr id="9" name="ZoneTexte 8"/>
-          <p:cNvSpPr txBox="1"/>
-          <p:nvPr/>
-        </p:nvSpPr>
-        <p:spPr>
-          <a:xfrm>
-            <a:off x="4505841" y="1658633"/>
-            <a:ext cx="2438400" cy="1477328"/>
-          </a:xfrm>
-          <a:prstGeom prst="rect">
-            <a:avLst/>
-          </a:prstGeom>
-          <a:noFill/>
-        </p:spPr>
-        <p:txBody>
-          <a:bodyPr wrap="square" rtlCol="0">
-            <a:spAutoFit/>
-          </a:bodyPr>
-          <a:lstStyle/>
-          <a:p>
-            <a:pPr marL="285750" indent="-285750">
-              <a:buFontTx/>
-              <a:buChar char="-"/>
-            </a:pPr>
-            <a:r>
-              <a:rPr lang="fr-FR" dirty="0">
-                <a:latin typeface="Times New Roman" panose="02020603050405020304" pitchFamily="18" charset="0"/>
-                <a:cs typeface="Times New Roman" panose="02020603050405020304" pitchFamily="18" charset="0"/>
-              </a:rPr>
-              <a:t>Portée de 50 mètres</a:t>
-            </a:r>
-          </a:p>
-          <a:p>
-            <a:pPr marL="285750" indent="-285750">
-              <a:buFontTx/>
-              <a:buChar char="-"/>
-            </a:pPr>
-            <a:r>
-              <a:rPr lang="fr-FR" dirty="0">
-                <a:latin typeface="Times New Roman" panose="02020603050405020304" pitchFamily="18" charset="0"/>
-                <a:cs typeface="Times New Roman" panose="02020603050405020304" pitchFamily="18" charset="0"/>
-              </a:rPr>
-              <a:t>Délivre un débit très convenable pour 91 personnes </a:t>
-            </a:r>
-          </a:p>
-          <a:p>
-            <a:pPr marL="285750" indent="-285750">
-              <a:buFontTx/>
-              <a:buChar char="-"/>
-            </a:pPr>
-            <a:r>
-              <a:rPr lang="fr-FR" dirty="0">
-                <a:latin typeface="Times New Roman" panose="02020603050405020304" pitchFamily="18" charset="0"/>
-                <a:cs typeface="Times New Roman" panose="02020603050405020304" pitchFamily="18" charset="0"/>
-              </a:rPr>
-              <a:t>Peu couteux</a:t>
-            </a:r>
-          </a:p>
-        </p:txBody>
-      </p:sp>
-    </p:spTree>
-    <p:extLst>
-      <p:ext uri="{BB962C8B-B14F-4D97-AF65-F5344CB8AC3E}">
-        <p14:creationId xmlns:p14="http://schemas.microsoft.com/office/powerpoint/2010/main" val="3294137470"/>
-      </p:ext>
-    </p:extLst>
-  </p:cSld>
-  <p:clrMapOvr>
-    <a:masterClrMapping/>
-  </p:clrMapOvr>
-  <p:timing>
-    <p:tnLst>
-      <p:par>
-        <p:cTn id="1" dur="indefinite" restart="never" nodeType="tmRoot">
-          <p:childTnLst>
-            <p:seq concurrent="1" nextAc="seek">
-              <p:cTn id="2" dur="indefinite" nodeType="mainSeq">
-                <p:childTnLst>
-                  <p:par>
-                    <p:cTn id="3" fill="hold">
-                      <p:stCondLst>
-                        <p:cond delay="indefinite"/>
-                      </p:stCondLst>
-                      <p:childTnLst>
-                        <p:par>
-                          <p:cTn id="4" fill="hold">
-                            <p:stCondLst>
-                              <p:cond delay="0"/>
-                            </p:stCondLst>
-                            <p:childTnLst>
-                              <p:par>
-                                <p:cTn id="5" presetID="10" presetClass="entr" presetSubtype="0" fill="hold" nodeType="clickEffect">
-                                  <p:stCondLst>
-                                    <p:cond delay="0"/>
-                                  </p:stCondLst>
-                                  <p:childTnLst>
-                                    <p:set>
-                                      <p:cBhvr>
-                                        <p:cTn id="6" dur="1" fill="hold">
-                                          <p:stCondLst>
-                                            <p:cond delay="0"/>
-                                          </p:stCondLst>
-                                        </p:cTn>
-                                        <p:tgtEl>
-                                          <p:spTgt spid="4"/>
-                                        </p:tgtEl>
-                                        <p:attrNameLst>
-                                          <p:attrName>style.visibility</p:attrName>
-                                        </p:attrNameLst>
-                                      </p:cBhvr>
-                                      <p:to>
-                                        <p:strVal val="visible"/>
-                                      </p:to>
-                                    </p:set>
-                                    <p:animEffect transition="in" filter="fade">
-                                      <p:cBhvr>
-                                        <p:cTn id="7" dur="500"/>
-                                        <p:tgtEl>
-                                          <p:spTgt spid="4"/>
-                                        </p:tgtEl>
-                                      </p:cBhvr>
-                                    </p:animEffect>
-                                  </p:childTnLst>
-                                </p:cTn>
-                              </p:par>
-                            </p:childTnLst>
-                          </p:cTn>
-                        </p:par>
-                      </p:childTnLst>
-                    </p:cTn>
-                  </p:par>
-                  <p:par>
-                    <p:cTn id="8" fill="hold">
-                      <p:stCondLst>
-                        <p:cond delay="indefinite"/>
-                      </p:stCondLst>
-                      <p:childTnLst>
-                        <p:par>
-                          <p:cTn id="9" fill="hold">
-                            <p:stCondLst>
-                              <p:cond delay="0"/>
-                            </p:stCondLst>
-                            <p:childTnLst>
-                              <p:par>
-                                <p:cTn id="10" presetID="10" presetClass="entr" presetSubtype="0" fill="hold" grpId="0" nodeType="clickEffect">
-                                  <p:stCondLst>
-                                    <p:cond delay="0"/>
-                                  </p:stCondLst>
-                                  <p:childTnLst>
-                                    <p:set>
-                                      <p:cBhvr>
-                                        <p:cTn id="11" dur="1" fill="hold">
-                                          <p:stCondLst>
-                                            <p:cond delay="0"/>
-                                          </p:stCondLst>
-                                        </p:cTn>
-                                        <p:tgtEl>
-                                          <p:spTgt spid="9"/>
-                                        </p:tgtEl>
-                                        <p:attrNameLst>
-                                          <p:attrName>style.visibility</p:attrName>
-                                        </p:attrNameLst>
-                                      </p:cBhvr>
-                                      <p:to>
-                                        <p:strVal val="visible"/>
-                                      </p:to>
-                                    </p:set>
-                                    <p:animEffect transition="in" filter="fade">
-                                      <p:cBhvr>
-                                        <p:cTn id="12" dur="500"/>
-                                        <p:tgtEl>
-                                          <p:spTgt spid="9"/>
-                                        </p:tgtEl>
-                                      </p:cBhvr>
-                                    </p:animEffect>
-                                  </p:childTnLst>
-                                </p:cTn>
-                              </p:par>
-                            </p:childTnLst>
-                          </p:cTn>
-                        </p:par>
-                      </p:childTnLst>
-                    </p:cTn>
-                  </p:par>
-                  <p:par>
-                    <p:cTn id="13" fill="hold">
-                      <p:stCondLst>
-                        <p:cond delay="indefinite"/>
-                      </p:stCondLst>
-                      <p:childTnLst>
-                        <p:par>
-                          <p:cTn id="14" fill="hold">
-                            <p:stCondLst>
-                              <p:cond delay="0"/>
-                            </p:stCondLst>
-                            <p:childTnLst>
-                              <p:par>
-                                <p:cTn id="15" presetID="10" presetClass="entr" presetSubtype="0" fill="hold" nodeType="clickEffect">
-                                  <p:stCondLst>
-                                    <p:cond delay="0"/>
-                                  </p:stCondLst>
-                                  <p:childTnLst>
-                                    <p:set>
-                                      <p:cBhvr>
-                                        <p:cTn id="16" dur="1" fill="hold">
-                                          <p:stCondLst>
-                                            <p:cond delay="0"/>
-                                          </p:stCondLst>
-                                        </p:cTn>
-                                        <p:tgtEl>
-                                          <p:spTgt spid="5"/>
-                                        </p:tgtEl>
-                                        <p:attrNameLst>
-                                          <p:attrName>style.visibility</p:attrName>
-                                        </p:attrNameLst>
-                                      </p:cBhvr>
-                                      <p:to>
-                                        <p:strVal val="visible"/>
-                                      </p:to>
-                                    </p:set>
-                                    <p:animEffect transition="in" filter="fade">
-                                      <p:cBhvr>
-                                        <p:cTn id="17" dur="500"/>
-                                        <p:tgtEl>
-                                          <p:spTgt spid="5"/>
-                                        </p:tgtEl>
-                                      </p:cBhvr>
-                                    </p:animEffect>
-                                  </p:childTnLst>
-                                </p:cTn>
-                              </p:par>
-                            </p:childTnLst>
-                          </p:cTn>
-                        </p:par>
-                      </p:childTnLst>
-                    </p:cTn>
-                  </p:par>
-                  <p:par>
-                    <p:cTn id="18" fill="hold">
-                      <p:stCondLst>
-                        <p:cond delay="indefinite"/>
-                      </p:stCondLst>
-                      <p:childTnLst>
-                        <p:par>
-                          <p:cTn id="19" fill="hold">
-                            <p:stCondLst>
-                              <p:cond delay="0"/>
-                            </p:stCondLst>
-                            <p:childTnLst>
-                              <p:par>
-                                <p:cTn id="20" presetID="10" presetClass="entr" presetSubtype="0" fill="hold" grpId="0" nodeType="clickEffect">
-                                  <p:stCondLst>
-                                    <p:cond delay="0"/>
-                                  </p:stCondLst>
-                                  <p:childTnLst>
-                                    <p:set>
-                                      <p:cBhvr>
-                                        <p:cTn id="21" dur="1" fill="hold">
-                                          <p:stCondLst>
-                                            <p:cond delay="0"/>
-                                          </p:stCondLst>
-                                        </p:cTn>
-                                        <p:tgtEl>
-                                          <p:spTgt spid="8"/>
-                                        </p:tgtEl>
-                                        <p:attrNameLst>
-                                          <p:attrName>style.visibility</p:attrName>
-                                        </p:attrNameLst>
-                                      </p:cBhvr>
-                                      <p:to>
-                                        <p:strVal val="visible"/>
-                                      </p:to>
-                                    </p:set>
-                                    <p:animEffect transition="in" filter="fade">
-                                      <p:cBhvr>
-                                        <p:cTn id="22" dur="500"/>
-                                        <p:tgtEl>
-                                          <p:spTgt spid="8"/>
-                                        </p:tgtEl>
-                                      </p:cBhvr>
-                                    </p:animEffect>
-                                  </p:childTnLst>
-                                </p:cTn>
-                              </p:par>
-                            </p:childTnLst>
-                          </p:cTn>
-                        </p:par>
-                      </p:childTnLst>
-                    </p:cTn>
-                  </p:par>
-                </p:childTnLst>
-              </p:cTn>
-              <p:prevCondLst>
-                <p:cond evt="onPrev" delay="0">
-                  <p:tgtEl>
-                    <p:sldTgt/>
-                  </p:tgtEl>
-                </p:cond>
-              </p:prevCondLst>
-              <p:nextCondLst>
-                <p:cond evt="onNext" delay="0">
-                  <p:tgtEl>
-                    <p:sldTgt/>
-                  </p:tgtEl>
-                </p:cond>
-              </p:nextCondLst>
-            </p:seq>
-          </p:childTnLst>
-        </p:cTn>
-      </p:par>
-    </p:tnLst>
-    <p:bldLst>
-      <p:bldP spid="8" grpId="0"/>
-      <p:bldP spid="9" grpId="0"/>
-    </p:bldLst>
-  </p:timing>
 </p:sld>
 </file>
 
